--- a/dokumentation/bof31844/Folien-Florian-Boemmel.pptx
+++ b/dokumentation/bof31844/Folien-Florian-Boemmel.pptx
@@ -7163,31 +7163,38 @@
           <a:chExt cx="0" cy="0"/>
         </a:xfrm>
       </p:grpSpPr>
-      <p:sp>
-        <p:nvSpPr>
-          <p:cNvPr id="2" name="Inhaltsplatzhalter 1">
+      <p:pic>
+        <p:nvPicPr>
+          <p:cNvPr id="5" name="Inhaltsplatzhalter 4">
             <a:extLst>
               <a:ext uri="{FF2B5EF4-FFF2-40B4-BE49-F238E27FC236}">
-                <a16:creationId xmlns:a16="http://schemas.microsoft.com/office/drawing/2014/main" id="{91E5BB65-2FC2-4505-8B41-DA77CAEA1E40}"/>
+                <a16:creationId xmlns:a16="http://schemas.microsoft.com/office/drawing/2014/main" id="{AF23B2BB-E612-44CB-8CF7-8CB78AF71330}"/>
               </a:ext>
             </a:extLst>
           </p:cNvPr>
-          <p:cNvSpPr>
-            <a:spLocks noGrp="1"/>
-          </p:cNvSpPr>
+          <p:cNvPicPr>
+            <a:picLocks noGrp="1" noChangeAspect="1"/>
+          </p:cNvPicPr>
           <p:nvPr>
             <p:ph idx="1"/>
           </p:nvPr>
-        </p:nvSpPr>
-        <p:spPr/>
-        <p:txBody>
-          <a:bodyPr/>
-          <a:lstStyle/>
-          <a:p>
-            <a:endParaRPr lang="de-DE" dirty="0"/>
-          </a:p>
-        </p:txBody>
-      </p:sp>
+        </p:nvPicPr>
+        <p:blipFill>
+          <a:blip r:embed="rId2"/>
+          <a:stretch>
+            <a:fillRect/>
+          </a:stretch>
+        </p:blipFill>
+        <p:spPr>
+          <a:xfrm>
+            <a:off x="1100313" y="1446213"/>
+            <a:ext cx="6929086" cy="4600575"/>
+          </a:xfrm>
+          <a:prstGeom prst="rect">
+            <a:avLst/>
+          </a:prstGeom>
+        </p:spPr>
+      </p:pic>
       <p:sp>
         <p:nvSpPr>
           <p:cNvPr id="3" name="Inhaltsplatzhalter 2">
@@ -7299,7 +7306,7 @@
         </p:blipFill>
         <p:spPr>
           <a:xfrm>
-            <a:off x="171105" y="2295525"/>
+            <a:off x="185451" y="2153271"/>
             <a:ext cx="3028950" cy="2266950"/>
           </a:xfrm>
           <a:prstGeom prst="rect">
@@ -7377,9 +7384,9 @@
           <p:nvPr/>
         </p:nvSpPr>
         <p:spPr>
-          <a:xfrm rot="8551989">
-            <a:off x="1068635" y="1887995"/>
-            <a:ext cx="143220" cy="1134738"/>
+          <a:xfrm rot="4302039">
+            <a:off x="3212464" y="826432"/>
+            <a:ext cx="178075" cy="2862100"/>
           </a:xfrm>
           <a:prstGeom prst="upArrow">
             <a:avLst/>
@@ -7424,7 +7431,7 @@
         </p:nvSpPr>
         <p:spPr>
           <a:xfrm>
-            <a:off x="451692" y="1575412"/>
+            <a:off x="4705925" y="1608935"/>
             <a:ext cx="2577947" cy="369332"/>
           </a:xfrm>
           <a:prstGeom prst="rect">
@@ -7459,7 +7466,7 @@
         </p:nvSpPr>
         <p:spPr>
           <a:xfrm flipH="1">
-            <a:off x="358048" y="4562474"/>
+            <a:off x="388528" y="4477401"/>
             <a:ext cx="181779" cy="571385"/>
           </a:xfrm>
           <a:prstGeom prst="upArrow">
@@ -7493,52 +7500,6 @@
       </p:sp>
       <p:sp>
         <p:nvSpPr>
-          <p:cNvPr id="12" name="Pfeil: nach oben 11">
-            <a:extLst>
-              <a:ext uri="{FF2B5EF4-FFF2-40B4-BE49-F238E27FC236}">
-                <a16:creationId xmlns:a16="http://schemas.microsoft.com/office/drawing/2014/main" id="{B294A8A0-66C2-48AE-98FA-9A27B9267BCC}"/>
-              </a:ext>
-            </a:extLst>
-          </p:cNvPr>
-          <p:cNvSpPr/>
-          <p:nvPr/>
-        </p:nvSpPr>
-        <p:spPr>
-          <a:xfrm rot="13423809" flipH="1">
-            <a:off x="3604691" y="3271916"/>
-            <a:ext cx="156394" cy="1159584"/>
-          </a:xfrm>
-          <a:prstGeom prst="upArrow">
-            <a:avLst/>
-          </a:prstGeom>
-        </p:spPr>
-        <p:style>
-          <a:lnRef idx="2">
-            <a:schemeClr val="accent6">
-              <a:shade val="50000"/>
-            </a:schemeClr>
-          </a:lnRef>
-          <a:fillRef idx="1">
-            <a:schemeClr val="accent6"/>
-          </a:fillRef>
-          <a:effectRef idx="0">
-            <a:schemeClr val="accent6"/>
-          </a:effectRef>
-          <a:fontRef idx="minor">
-            <a:schemeClr val="lt1"/>
-          </a:fontRef>
-        </p:style>
-        <p:txBody>
-          <a:bodyPr rtlCol="0" anchor="ctr"/>
-          <a:lstStyle/>
-          <a:p>
-            <a:pPr algn="ctr"/>
-            <a:endParaRPr lang="de-DE"/>
-          </a:p>
-        </p:txBody>
-      </p:sp>
-      <p:sp>
-        <p:nvSpPr>
           <p:cNvPr id="13" name="Textfeld 12">
             <a:extLst>
               <a:ext uri="{FF2B5EF4-FFF2-40B4-BE49-F238E27FC236}">
@@ -7551,7 +7512,7 @@
         </p:nvSpPr>
         <p:spPr>
           <a:xfrm>
-            <a:off x="9181" y="5097922"/>
+            <a:off x="0" y="5048786"/>
             <a:ext cx="3582318" cy="923330"/>
           </a:xfrm>
           <a:prstGeom prst="rect">
@@ -7603,7 +7564,7 @@
         </p:nvSpPr>
         <p:spPr>
           <a:xfrm>
-            <a:off x="4087773" y="3059668"/>
+            <a:off x="3772819" y="3971563"/>
             <a:ext cx="1830636" cy="369332"/>
           </a:xfrm>
           <a:prstGeom prst="rect">
@@ -7646,7 +7607,7 @@
         </p:blipFill>
         <p:spPr>
           <a:xfrm>
-            <a:off x="3214402" y="1366448"/>
+            <a:off x="3301501" y="2365279"/>
             <a:ext cx="5799922" cy="787259"/>
           </a:xfrm>
           <a:prstGeom prst="rect">
@@ -7686,10 +7647,10 @@
       </p:pic>
       <p:sp>
         <p:nvSpPr>
-          <p:cNvPr id="17" name="Pfeil: nach oben 16">
+          <p:cNvPr id="18" name="Pfeil: nach oben 17">
             <a:extLst>
               <a:ext uri="{FF2B5EF4-FFF2-40B4-BE49-F238E27FC236}">
-                <a16:creationId xmlns:a16="http://schemas.microsoft.com/office/drawing/2014/main" id="{977BD846-A834-4BC5-88B3-7397CB680732}"/>
+                <a16:creationId xmlns:a16="http://schemas.microsoft.com/office/drawing/2014/main" id="{64544EAF-60B3-4331-B453-61259FF9A4CA}"/>
               </a:ext>
             </a:extLst>
           </p:cNvPr>
@@ -7697,9 +7658,9 @@
           <p:nvPr/>
         </p:nvSpPr>
         <p:spPr>
-          <a:xfrm rot="8131566" flipH="1">
-            <a:off x="6192931" y="3251913"/>
-            <a:ext cx="150962" cy="1312540"/>
+          <a:xfrm rot="5400000" flipH="1">
+            <a:off x="4497286" y="3011125"/>
+            <a:ext cx="214728" cy="2678593"/>
           </a:xfrm>
           <a:prstGeom prst="upArrow">
             <a:avLst/>
@@ -8027,7 +7988,7 @@
         </p:blipFill>
         <p:spPr>
           <a:xfrm>
-            <a:off x="2854098" y="2465540"/>
+            <a:off x="371475" y="2300287"/>
             <a:ext cx="3028950" cy="2257425"/>
           </a:xfrm>
           <a:prstGeom prst="rect">
@@ -8092,6 +8053,36 @@
           </a:p>
         </p:txBody>
       </p:sp>
+      <p:pic>
+        <p:nvPicPr>
+          <p:cNvPr id="2" name="Grafik 1">
+            <a:extLst>
+              <a:ext uri="{FF2B5EF4-FFF2-40B4-BE49-F238E27FC236}">
+                <a16:creationId xmlns:a16="http://schemas.microsoft.com/office/drawing/2014/main" id="{6E75E6CD-8597-4741-90EE-434C8870852B}"/>
+              </a:ext>
+            </a:extLst>
+          </p:cNvPr>
+          <p:cNvPicPr>
+            <a:picLocks noChangeAspect="1"/>
+          </p:cNvPicPr>
+          <p:nvPr/>
+        </p:nvPicPr>
+        <p:blipFill>
+          <a:blip r:embed="rId3"/>
+          <a:stretch>
+            <a:fillRect/>
+          </a:stretch>
+        </p:blipFill>
+        <p:spPr>
+          <a:xfrm>
+            <a:off x="4031242" y="2300287"/>
+            <a:ext cx="4962525" cy="2257426"/>
+          </a:xfrm>
+          <a:prstGeom prst="rect">
+            <a:avLst/>
+          </a:prstGeom>
+        </p:spPr>
+      </p:pic>
     </p:spTree>
     <p:extLst>
       <p:ext uri="{BB962C8B-B14F-4D97-AF65-F5344CB8AC3E}">
@@ -8340,7 +8331,7 @@
         </p:nvSpPr>
         <p:spPr>
           <a:xfrm rot="10800000" flipH="1">
-            <a:off x="4380483" y="3103640"/>
+            <a:off x="4380483" y="3054830"/>
             <a:ext cx="191517" cy="1613660"/>
           </a:xfrm>
           <a:prstGeom prst="upArrow">

--- a/dokumentation/bof31844/Folien-Florian-Boemmel.pptx
+++ b/dokumentation/bof31844/Folien-Florian-Boemmel.pptx
@@ -6828,6 +6828,11 @@
 <file path=ppt/slides/slide1.xml><?xml version="1.0" encoding="utf-8"?>
 <p:sld xmlns:a="http://schemas.openxmlformats.org/drawingml/2006/main" xmlns:r="http://schemas.openxmlformats.org/officeDocument/2006/relationships" xmlns:p="http://schemas.openxmlformats.org/presentationml/2006/main">
   <p:cSld>
+    <p:bg>
+      <p:bgRef idx="1001">
+        <a:schemeClr val="bg1"/>
+      </p:bgRef>
+    </p:bg>
     <p:spTree>
       <p:nvGrpSpPr>
         <p:cNvPr id="1" name=""/>
@@ -6945,7 +6950,7 @@
           <p:nvPr/>
         </p:nvPicPr>
         <p:blipFill>
-          <a:blip r:embed="rId2">
+          <a:blip r:embed="rId3">
             <a:extLst>
               <a:ext uri="{28A0092B-C50C-407E-A947-70E740481C1C}">
                 <a14:useLocalDpi xmlns:a14="http://schemas.microsoft.com/office/drawing/2010/main" val="0"/>
@@ -7021,7 +7026,7 @@
     </p:extLst>
   </p:cSld>
   <p:clrMapOvr>
-    <a:masterClrMapping/>
+    <a:overrideClrMapping bg1="lt1" tx1="dk1" bg2="lt2" tx2="dk2" accent1="accent1" accent2="accent2" accent3="accent3" accent4="accent4" accent5="accent5" accent6="accent6" hlink="hlink" folHlink="folHlink"/>
   </p:clrMapOvr>
 </p:sld>
 </file>
@@ -7532,7 +7537,7 @@
             </a:pPr>
             <a:r>
               <a:rPr lang="de-DE" dirty="0"/>
-              <a:t>Blinkt bei Warnungen / Errors</a:t>
+              <a:t>Blinkt bei Warnungen / Fehler</a:t>
             </a:r>
           </a:p>
           <a:p>
@@ -7721,41 +7726,6 @@
           <a:chExt cx="0" cy="0"/>
         </a:xfrm>
       </p:grpSpPr>
-      <p:pic>
-        <p:nvPicPr>
-          <p:cNvPr id="6" name="Inhaltsplatzhalter 5">
-            <a:extLst>
-              <a:ext uri="{FF2B5EF4-FFF2-40B4-BE49-F238E27FC236}">
-                <a16:creationId xmlns:a16="http://schemas.microsoft.com/office/drawing/2014/main" id="{A8669A3B-20AC-4646-81CB-2F436E519467}"/>
-              </a:ext>
-            </a:extLst>
-          </p:cNvPr>
-          <p:cNvPicPr>
-            <a:picLocks noGrp="1" noChangeAspect="1"/>
-          </p:cNvPicPr>
-          <p:nvPr>
-            <p:ph idx="1"/>
-          </p:nvPr>
-        </p:nvPicPr>
-        <p:blipFill>
-          <a:blip r:embed="rId2">
-            <a:extLst>
-              <a:ext uri="{28A0092B-C50C-407E-A947-70E740481C1C}">
-                <a14:useLocalDpi xmlns:a14="http://schemas.microsoft.com/office/drawing/2010/main" val="0"/>
-              </a:ext>
-            </a:extLst>
-          </a:blip>
-          <a:stretch>
-            <a:fillRect/>
-          </a:stretch>
-        </p:blipFill>
-        <p:spPr>
-          <a:xfrm>
-            <a:off x="5800723" y="1923725"/>
-            <a:ext cx="3048000" cy="2257425"/>
-          </a:xfrm>
-        </p:spPr>
-      </p:pic>
       <p:sp>
         <p:nvSpPr>
           <p:cNvPr id="3" name="Inhaltsplatzhalter 2">
@@ -7779,7 +7749,7 @@
           <a:p>
             <a:r>
               <a:rPr lang="de-DE" dirty="0"/>
-              <a:t>Warnungen und Errors</a:t>
+              <a:t>Warnungen und Fehler</a:t>
             </a:r>
           </a:p>
         </p:txBody>
@@ -7828,7 +7798,7 @@
           <p:nvPr/>
         </p:nvPicPr>
         <p:blipFill>
-          <a:blip r:embed="rId3">
+          <a:blip r:embed="rId2">
             <a:extLst>
               <a:ext uri="{28A0092B-C50C-407E-A947-70E740481C1C}">
                 <a14:useLocalDpi xmlns:a14="http://schemas.microsoft.com/office/drawing/2010/main" val="0"/>
@@ -7906,10 +7876,45 @@
       </p:sp>
       <p:pic>
         <p:nvPicPr>
-          <p:cNvPr id="11" name="Grafik 10">
+          <p:cNvPr id="10" name="Inhaltsplatzhalter 9">
             <a:extLst>
               <a:ext uri="{FF2B5EF4-FFF2-40B4-BE49-F238E27FC236}">
-                <a16:creationId xmlns:a16="http://schemas.microsoft.com/office/drawing/2014/main" id="{42C24FB3-6714-432F-8F27-AC5C27C90A32}"/>
+                <a16:creationId xmlns:a16="http://schemas.microsoft.com/office/drawing/2014/main" id="{EC745AFF-DDAA-46A3-B261-97386C4D6F4C}"/>
+              </a:ext>
+            </a:extLst>
+          </p:cNvPr>
+          <p:cNvPicPr>
+            <a:picLocks noGrp="1" noChangeAspect="1"/>
+          </p:cNvPicPr>
+          <p:nvPr>
+            <p:ph idx="1"/>
+          </p:nvPr>
+        </p:nvPicPr>
+        <p:blipFill>
+          <a:blip r:embed="rId3">
+            <a:extLst>
+              <a:ext uri="{28A0092B-C50C-407E-A947-70E740481C1C}">
+                <a14:useLocalDpi xmlns:a14="http://schemas.microsoft.com/office/drawing/2010/main" val="0"/>
+              </a:ext>
+            </a:extLst>
+          </a:blip>
+          <a:stretch>
+            <a:fillRect/>
+          </a:stretch>
+        </p:blipFill>
+        <p:spPr>
+          <a:xfrm>
+            <a:off x="5800723" y="1840944"/>
+            <a:ext cx="3197609" cy="2340206"/>
+          </a:xfrm>
+        </p:spPr>
+      </p:pic>
+      <p:pic>
+        <p:nvPicPr>
+          <p:cNvPr id="12" name="Grafik 11">
+            <a:extLst>
+              <a:ext uri="{FF2B5EF4-FFF2-40B4-BE49-F238E27FC236}">
+                <a16:creationId xmlns:a16="http://schemas.microsoft.com/office/drawing/2014/main" id="{D5EEE7CD-6507-4DC4-B954-DD4C94B9E81C}"/>
               </a:ext>
             </a:extLst>
           </p:cNvPr>
@@ -7926,8 +7931,8 @@
         </p:blipFill>
         <p:spPr>
           <a:xfrm>
-            <a:off x="2908471" y="4700356"/>
-            <a:ext cx="3305175" cy="419100"/>
+            <a:off x="2917372" y="4850606"/>
+            <a:ext cx="3219450" cy="333375"/>
           </a:xfrm>
           <a:prstGeom prst="rect">
             <a:avLst/>
@@ -9549,4 +9554,47 @@
     </a:ext>
   </a:extLst>
 </a:theme>
+</file>
+
+<file path=ppt/theme/themeOverride1.xml><?xml version="1.0" encoding="utf-8"?>
+<a:themeOverride xmlns:a="http://schemas.openxmlformats.org/drawingml/2006/main">
+  <a:clrScheme name="Office Theme">
+    <a:dk1>
+      <a:sysClr val="windowText" lastClr="000000"/>
+    </a:dk1>
+    <a:lt1>
+      <a:sysClr val="window" lastClr="FFFFFF"/>
+    </a:lt1>
+    <a:dk2>
+      <a:srgbClr val="44546A"/>
+    </a:dk2>
+    <a:lt2>
+      <a:srgbClr val="E7E6E6"/>
+    </a:lt2>
+    <a:accent1>
+      <a:srgbClr val="5B9BD5"/>
+    </a:accent1>
+    <a:accent2>
+      <a:srgbClr val="ED7D31"/>
+    </a:accent2>
+    <a:accent3>
+      <a:srgbClr val="A5A5A5"/>
+    </a:accent3>
+    <a:accent4>
+      <a:srgbClr val="FFC000"/>
+    </a:accent4>
+    <a:accent5>
+      <a:srgbClr val="4472C4"/>
+    </a:accent5>
+    <a:accent6>
+      <a:srgbClr val="70AD47"/>
+    </a:accent6>
+    <a:hlink>
+      <a:srgbClr val="0563C1"/>
+    </a:hlink>
+    <a:folHlink>
+      <a:srgbClr val="954F72"/>
+    </a:folHlink>
+  </a:clrScheme>
+</a:themeOverride>
 </file>
--- a/dokumentation/bof31844/Folien-Florian-Boemmel.pptx
+++ b/dokumentation/bof31844/Folien-Florian-Boemmel.pptx
@@ -5,21 +5,23 @@
     <p:sldMasterId id="2147483660" r:id="rId1"/>
   </p:sldMasterIdLst>
   <p:notesMasterIdLst>
-    <p:notesMasterId r:id="rId11"/>
+    <p:notesMasterId r:id="rId13"/>
   </p:notesMasterIdLst>
   <p:handoutMasterIdLst>
-    <p:handoutMasterId r:id="rId12"/>
+    <p:handoutMasterId r:id="rId14"/>
   </p:handoutMasterIdLst>
   <p:sldIdLst>
     <p:sldId id="275" r:id="rId2"/>
-    <p:sldId id="276" r:id="rId3"/>
-    <p:sldId id="277" r:id="rId4"/>
-    <p:sldId id="278" r:id="rId5"/>
-    <p:sldId id="280" r:id="rId6"/>
-    <p:sldId id="279" r:id="rId7"/>
-    <p:sldId id="281" r:id="rId8"/>
-    <p:sldId id="282" r:id="rId9"/>
-    <p:sldId id="283" r:id="rId10"/>
+    <p:sldId id="284" r:id="rId3"/>
+    <p:sldId id="276" r:id="rId4"/>
+    <p:sldId id="277" r:id="rId5"/>
+    <p:sldId id="278" r:id="rId6"/>
+    <p:sldId id="280" r:id="rId7"/>
+    <p:sldId id="279" r:id="rId8"/>
+    <p:sldId id="281" r:id="rId9"/>
+    <p:sldId id="282" r:id="rId10"/>
+    <p:sldId id="283" r:id="rId11"/>
+    <p:sldId id="285" r:id="rId12"/>
   </p:sldIdLst>
   <p:sldSz cx="9144000" cy="6858000" type="screen4x3"/>
   <p:notesSz cx="6858000" cy="9144000"/>
@@ -142,6 +144,7008 @@
 
 <file path=ppt/revisionInfo.xml><?xml version="1.0" encoding="utf-8"?>
 <p1510:revInfo xmlns:a="http://schemas.openxmlformats.org/drawingml/2006/main" xmlns:r="http://schemas.openxmlformats.org/officeDocument/2006/relationships" xmlns:p1510="http://schemas.microsoft.com/office/powerpoint/2015/10/main"/>
+</file>
+
+<file path=ppt/diagrams/colors1.xml><?xml version="1.0" encoding="utf-8"?>
+<dgm:colorsDef xmlns:dgm="http://schemas.openxmlformats.org/drawingml/2006/diagram" xmlns:a="http://schemas.openxmlformats.org/drawingml/2006/main" uniqueId="urn:microsoft.com/office/officeart/2005/8/colors/accent0_3">
+  <dgm:title val=""/>
+  <dgm:desc val=""/>
+  <dgm:catLst>
+    <dgm:cat type="mainScheme" pri="10300"/>
+  </dgm:catLst>
+  <dgm:styleLbl name="node0">
+    <dgm:fillClrLst meth="repeat">
+      <a:schemeClr val="dk2"/>
+    </dgm:fillClrLst>
+    <dgm:linClrLst meth="repeat">
+      <a:schemeClr val="lt2"/>
+    </dgm:linClrLst>
+    <dgm:effectClrLst/>
+    <dgm:txLinClrLst/>
+    <dgm:txFillClrLst/>
+    <dgm:txEffectClrLst/>
+  </dgm:styleLbl>
+  <dgm:styleLbl name="alignNode1">
+    <dgm:fillClrLst meth="repeat">
+      <a:schemeClr val="dk2"/>
+    </dgm:fillClrLst>
+    <dgm:linClrLst meth="repeat">
+      <a:schemeClr val="dk2"/>
+    </dgm:linClrLst>
+    <dgm:effectClrLst/>
+    <dgm:txLinClrLst/>
+    <dgm:txFillClrLst/>
+    <dgm:txEffectClrLst/>
+  </dgm:styleLbl>
+  <dgm:styleLbl name="node1">
+    <dgm:fillClrLst meth="repeat">
+      <a:schemeClr val="dk2"/>
+    </dgm:fillClrLst>
+    <dgm:linClrLst meth="repeat">
+      <a:schemeClr val="lt2"/>
+    </dgm:linClrLst>
+    <dgm:effectClrLst/>
+    <dgm:txLinClrLst/>
+    <dgm:txFillClrLst/>
+    <dgm:txEffectClrLst/>
+  </dgm:styleLbl>
+  <dgm:styleLbl name="lnNode1">
+    <dgm:fillClrLst meth="repeat">
+      <a:schemeClr val="dk2"/>
+    </dgm:fillClrLst>
+    <dgm:linClrLst meth="repeat">
+      <a:schemeClr val="lt2"/>
+    </dgm:linClrLst>
+    <dgm:effectClrLst/>
+    <dgm:txLinClrLst/>
+    <dgm:txFillClrLst/>
+    <dgm:txEffectClrLst/>
+  </dgm:styleLbl>
+  <dgm:styleLbl name="vennNode1">
+    <dgm:fillClrLst meth="repeat">
+      <a:schemeClr val="dk2">
+        <a:alpha val="50000"/>
+      </a:schemeClr>
+    </dgm:fillClrLst>
+    <dgm:linClrLst meth="repeat">
+      <a:schemeClr val="lt2"/>
+    </dgm:linClrLst>
+    <dgm:effectClrLst/>
+    <dgm:txLinClrLst/>
+    <dgm:txFillClrLst/>
+    <dgm:txEffectClrLst/>
+  </dgm:styleLbl>
+  <dgm:styleLbl name="node2">
+    <dgm:fillClrLst meth="repeat">
+      <a:schemeClr val="dk2"/>
+    </dgm:fillClrLst>
+    <dgm:linClrLst meth="repeat">
+      <a:schemeClr val="lt2"/>
+    </dgm:linClrLst>
+    <dgm:effectClrLst/>
+    <dgm:txLinClrLst/>
+    <dgm:txFillClrLst/>
+    <dgm:txEffectClrLst/>
+  </dgm:styleLbl>
+  <dgm:styleLbl name="node3">
+    <dgm:fillClrLst meth="repeat">
+      <a:schemeClr val="dk2"/>
+    </dgm:fillClrLst>
+    <dgm:linClrLst meth="repeat">
+      <a:schemeClr val="lt2"/>
+    </dgm:linClrLst>
+    <dgm:effectClrLst/>
+    <dgm:txLinClrLst/>
+    <dgm:txFillClrLst/>
+    <dgm:txEffectClrLst/>
+  </dgm:styleLbl>
+  <dgm:styleLbl name="node4">
+    <dgm:fillClrLst meth="repeat">
+      <a:schemeClr val="dk2"/>
+    </dgm:fillClrLst>
+    <dgm:linClrLst meth="repeat">
+      <a:schemeClr val="lt2"/>
+    </dgm:linClrLst>
+    <dgm:effectClrLst/>
+    <dgm:txLinClrLst/>
+    <dgm:txFillClrLst/>
+    <dgm:txEffectClrLst/>
+  </dgm:styleLbl>
+  <dgm:styleLbl name="fgImgPlace1">
+    <dgm:fillClrLst meth="repeat">
+      <a:schemeClr val="dk2">
+        <a:tint val="50000"/>
+      </a:schemeClr>
+    </dgm:fillClrLst>
+    <dgm:linClrLst meth="repeat">
+      <a:schemeClr val="lt2"/>
+    </dgm:linClrLst>
+    <dgm:effectClrLst/>
+    <dgm:txLinClrLst/>
+    <dgm:txFillClrLst meth="repeat">
+      <a:schemeClr val="lt2"/>
+    </dgm:txFillClrLst>
+    <dgm:txEffectClrLst/>
+  </dgm:styleLbl>
+  <dgm:styleLbl name="alignImgPlace1">
+    <dgm:fillClrLst meth="repeat">
+      <a:schemeClr val="dk2">
+        <a:tint val="50000"/>
+      </a:schemeClr>
+    </dgm:fillClrLst>
+    <dgm:linClrLst meth="repeat">
+      <a:schemeClr val="dk2">
+        <a:shade val="80000"/>
+      </a:schemeClr>
+    </dgm:linClrLst>
+    <dgm:effectClrLst/>
+    <dgm:txLinClrLst/>
+    <dgm:txFillClrLst meth="repeat">
+      <a:schemeClr val="lt2"/>
+    </dgm:txFillClrLst>
+    <dgm:txEffectClrLst/>
+  </dgm:styleLbl>
+  <dgm:styleLbl name="bgImgPlace1">
+    <dgm:fillClrLst meth="repeat">
+      <a:schemeClr val="dk2">
+        <a:tint val="50000"/>
+      </a:schemeClr>
+    </dgm:fillClrLst>
+    <dgm:linClrLst meth="repeat">
+      <a:schemeClr val="dk2">
+        <a:shade val="80000"/>
+      </a:schemeClr>
+    </dgm:linClrLst>
+    <dgm:effectClrLst/>
+    <dgm:txLinClrLst/>
+    <dgm:txFillClrLst meth="repeat">
+      <a:schemeClr val="lt2"/>
+    </dgm:txFillClrLst>
+    <dgm:txEffectClrLst/>
+  </dgm:styleLbl>
+  <dgm:styleLbl name="sibTrans2D1">
+    <dgm:fillClrLst meth="repeat">
+      <a:schemeClr val="dk2">
+        <a:tint val="60000"/>
+      </a:schemeClr>
+    </dgm:fillClrLst>
+    <dgm:linClrLst meth="repeat">
+      <a:schemeClr val="dk2">
+        <a:tint val="60000"/>
+      </a:schemeClr>
+    </dgm:linClrLst>
+    <dgm:effectClrLst/>
+    <dgm:txLinClrLst/>
+    <dgm:txFillClrLst/>
+    <dgm:txEffectClrLst/>
+  </dgm:styleLbl>
+  <dgm:styleLbl name="fgSibTrans2D1">
+    <dgm:fillClrLst meth="repeat">
+      <a:schemeClr val="dk2">
+        <a:tint val="60000"/>
+      </a:schemeClr>
+    </dgm:fillClrLst>
+    <dgm:linClrLst meth="repeat">
+      <a:schemeClr val="dk2">
+        <a:tint val="60000"/>
+      </a:schemeClr>
+    </dgm:linClrLst>
+    <dgm:effectClrLst/>
+    <dgm:txLinClrLst/>
+    <dgm:txFillClrLst/>
+    <dgm:txEffectClrLst/>
+  </dgm:styleLbl>
+  <dgm:styleLbl name="bgSibTrans2D1">
+    <dgm:fillClrLst meth="repeat">
+      <a:schemeClr val="dk2">
+        <a:tint val="60000"/>
+      </a:schemeClr>
+    </dgm:fillClrLst>
+    <dgm:linClrLst meth="repeat">
+      <a:schemeClr val="dk2">
+        <a:tint val="60000"/>
+      </a:schemeClr>
+    </dgm:linClrLst>
+    <dgm:effectClrLst/>
+    <dgm:txLinClrLst/>
+    <dgm:txFillClrLst/>
+    <dgm:txEffectClrLst/>
+  </dgm:styleLbl>
+  <dgm:styleLbl name="sibTrans1D1">
+    <dgm:fillClrLst meth="repeat">
+      <a:schemeClr val="dk2"/>
+    </dgm:fillClrLst>
+    <dgm:linClrLst meth="repeat">
+      <a:schemeClr val="dk2"/>
+    </dgm:linClrLst>
+    <dgm:effectClrLst/>
+    <dgm:txLinClrLst/>
+    <dgm:txFillClrLst meth="repeat">
+      <a:schemeClr val="lt2"/>
+    </dgm:txFillClrLst>
+    <dgm:txEffectClrLst/>
+  </dgm:styleLbl>
+  <dgm:styleLbl name="callout">
+    <dgm:fillClrLst meth="repeat">
+      <a:schemeClr val="dk2"/>
+    </dgm:fillClrLst>
+    <dgm:linClrLst meth="repeat">
+      <a:schemeClr val="dk2">
+        <a:tint val="50000"/>
+      </a:schemeClr>
+    </dgm:linClrLst>
+    <dgm:effectClrLst/>
+    <dgm:txLinClrLst/>
+    <dgm:txFillClrLst meth="repeat">
+      <a:schemeClr val="lt2"/>
+    </dgm:txFillClrLst>
+    <dgm:txEffectClrLst/>
+  </dgm:styleLbl>
+  <dgm:styleLbl name="asst0">
+    <dgm:fillClrLst meth="repeat">
+      <a:schemeClr val="dk2"/>
+    </dgm:fillClrLst>
+    <dgm:linClrLst meth="repeat">
+      <a:schemeClr val="lt2"/>
+    </dgm:linClrLst>
+    <dgm:effectClrLst/>
+    <dgm:txLinClrLst/>
+    <dgm:txFillClrLst/>
+    <dgm:txEffectClrLst/>
+  </dgm:styleLbl>
+  <dgm:styleLbl name="asst1">
+    <dgm:fillClrLst meth="repeat">
+      <a:schemeClr val="dk2"/>
+    </dgm:fillClrLst>
+    <dgm:linClrLst meth="repeat">
+      <a:schemeClr val="lt2"/>
+    </dgm:linClrLst>
+    <dgm:effectClrLst/>
+    <dgm:txLinClrLst/>
+    <dgm:txFillClrLst/>
+    <dgm:txEffectClrLst/>
+  </dgm:styleLbl>
+  <dgm:styleLbl name="asst2">
+    <dgm:fillClrLst meth="repeat">
+      <a:schemeClr val="dk2"/>
+    </dgm:fillClrLst>
+    <dgm:linClrLst meth="repeat">
+      <a:schemeClr val="lt2"/>
+    </dgm:linClrLst>
+    <dgm:effectClrLst/>
+    <dgm:txLinClrLst/>
+    <dgm:txFillClrLst/>
+    <dgm:txEffectClrLst/>
+  </dgm:styleLbl>
+  <dgm:styleLbl name="asst3">
+    <dgm:fillClrLst meth="repeat">
+      <a:schemeClr val="dk2"/>
+    </dgm:fillClrLst>
+    <dgm:linClrLst meth="repeat">
+      <a:schemeClr val="lt2"/>
+    </dgm:linClrLst>
+    <dgm:effectClrLst/>
+    <dgm:txLinClrLst/>
+    <dgm:txFillClrLst/>
+    <dgm:txEffectClrLst/>
+  </dgm:styleLbl>
+  <dgm:styleLbl name="asst4">
+    <dgm:fillClrLst meth="repeat">
+      <a:schemeClr val="dk2"/>
+    </dgm:fillClrLst>
+    <dgm:linClrLst meth="repeat">
+      <a:schemeClr val="lt2"/>
+    </dgm:linClrLst>
+    <dgm:effectClrLst/>
+    <dgm:txLinClrLst/>
+    <dgm:txFillClrLst/>
+    <dgm:txEffectClrLst/>
+  </dgm:styleLbl>
+  <dgm:styleLbl name="parChTrans2D1">
+    <dgm:fillClrLst meth="repeat">
+      <a:schemeClr val="dk2">
+        <a:tint val="60000"/>
+      </a:schemeClr>
+    </dgm:fillClrLst>
+    <dgm:linClrLst meth="repeat">
+      <a:schemeClr val="dk2">
+        <a:tint val="60000"/>
+      </a:schemeClr>
+    </dgm:linClrLst>
+    <dgm:effectClrLst/>
+    <dgm:txLinClrLst/>
+    <dgm:txFillClrLst meth="repeat">
+      <a:schemeClr val="lt2"/>
+    </dgm:txFillClrLst>
+    <dgm:txEffectClrLst/>
+  </dgm:styleLbl>
+  <dgm:styleLbl name="parChTrans2D2">
+    <dgm:fillClrLst meth="repeat">
+      <a:schemeClr val="dk2"/>
+    </dgm:fillClrLst>
+    <dgm:linClrLst meth="repeat">
+      <a:schemeClr val="dk2"/>
+    </dgm:linClrLst>
+    <dgm:effectClrLst/>
+    <dgm:txLinClrLst/>
+    <dgm:txFillClrLst meth="repeat">
+      <a:schemeClr val="lt2"/>
+    </dgm:txFillClrLst>
+    <dgm:txEffectClrLst/>
+  </dgm:styleLbl>
+  <dgm:styleLbl name="parChTrans2D3">
+    <dgm:fillClrLst meth="repeat">
+      <a:schemeClr val="dk2"/>
+    </dgm:fillClrLst>
+    <dgm:linClrLst meth="repeat">
+      <a:schemeClr val="dk2"/>
+    </dgm:linClrLst>
+    <dgm:effectClrLst/>
+    <dgm:txLinClrLst/>
+    <dgm:txFillClrLst meth="repeat">
+      <a:schemeClr val="lt2"/>
+    </dgm:txFillClrLst>
+    <dgm:txEffectClrLst/>
+  </dgm:styleLbl>
+  <dgm:styleLbl name="parChTrans2D4">
+    <dgm:fillClrLst meth="repeat">
+      <a:schemeClr val="dk2"/>
+    </dgm:fillClrLst>
+    <dgm:linClrLst meth="repeat">
+      <a:schemeClr val="dk2"/>
+    </dgm:linClrLst>
+    <dgm:effectClrLst/>
+    <dgm:txLinClrLst/>
+    <dgm:txFillClrLst meth="repeat">
+      <a:schemeClr val="lt2"/>
+    </dgm:txFillClrLst>
+    <dgm:txEffectClrLst/>
+  </dgm:styleLbl>
+  <dgm:styleLbl name="parChTrans1D1">
+    <dgm:fillClrLst meth="repeat">
+      <a:schemeClr val="dk2"/>
+    </dgm:fillClrLst>
+    <dgm:linClrLst meth="repeat">
+      <a:schemeClr val="dk2">
+        <a:shade val="60000"/>
+      </a:schemeClr>
+    </dgm:linClrLst>
+    <dgm:effectClrLst/>
+    <dgm:txLinClrLst/>
+    <dgm:txFillClrLst meth="repeat">
+      <a:schemeClr val="tx1"/>
+    </dgm:txFillClrLst>
+    <dgm:txEffectClrLst/>
+  </dgm:styleLbl>
+  <dgm:styleLbl name="parChTrans1D2">
+    <dgm:fillClrLst meth="repeat">
+      <a:schemeClr val="dk2"/>
+    </dgm:fillClrLst>
+    <dgm:linClrLst meth="repeat">
+      <a:schemeClr val="dk2">
+        <a:shade val="60000"/>
+      </a:schemeClr>
+    </dgm:linClrLst>
+    <dgm:effectClrLst/>
+    <dgm:txLinClrLst/>
+    <dgm:txFillClrLst meth="repeat">
+      <a:schemeClr val="tx1"/>
+    </dgm:txFillClrLst>
+    <dgm:txEffectClrLst/>
+  </dgm:styleLbl>
+  <dgm:styleLbl name="parChTrans1D3">
+    <dgm:fillClrLst meth="repeat">
+      <a:schemeClr val="dk2"/>
+    </dgm:fillClrLst>
+    <dgm:linClrLst meth="repeat">
+      <a:schemeClr val="dk2">
+        <a:shade val="80000"/>
+      </a:schemeClr>
+    </dgm:linClrLst>
+    <dgm:effectClrLst/>
+    <dgm:txLinClrLst/>
+    <dgm:txFillClrLst meth="repeat">
+      <a:schemeClr val="tx1"/>
+    </dgm:txFillClrLst>
+    <dgm:txEffectClrLst/>
+  </dgm:styleLbl>
+  <dgm:styleLbl name="parChTrans1D4">
+    <dgm:fillClrLst meth="repeat">
+      <a:schemeClr val="dk2"/>
+    </dgm:fillClrLst>
+    <dgm:linClrLst meth="repeat">
+      <a:schemeClr val="dk2">
+        <a:shade val="80000"/>
+      </a:schemeClr>
+    </dgm:linClrLst>
+    <dgm:effectClrLst/>
+    <dgm:txLinClrLst/>
+    <dgm:txFillClrLst meth="repeat">
+      <a:schemeClr val="tx1"/>
+    </dgm:txFillClrLst>
+    <dgm:txEffectClrLst/>
+  </dgm:styleLbl>
+  <dgm:styleLbl name="fgAcc1">
+    <dgm:fillClrLst meth="repeat">
+      <a:schemeClr val="lt2">
+        <a:alpha val="90000"/>
+      </a:schemeClr>
+    </dgm:fillClrLst>
+    <dgm:linClrLst meth="repeat">
+      <a:schemeClr val="dk2"/>
+    </dgm:linClrLst>
+    <dgm:effectClrLst/>
+    <dgm:txLinClrLst/>
+    <dgm:txFillClrLst meth="repeat">
+      <a:schemeClr val="dk1"/>
+    </dgm:txFillClrLst>
+    <dgm:txEffectClrLst/>
+  </dgm:styleLbl>
+  <dgm:styleLbl name="conFgAcc1">
+    <dgm:fillClrLst meth="repeat">
+      <a:schemeClr val="lt2">
+        <a:alpha val="90000"/>
+      </a:schemeClr>
+    </dgm:fillClrLst>
+    <dgm:linClrLst meth="repeat">
+      <a:schemeClr val="dk2"/>
+    </dgm:linClrLst>
+    <dgm:effectClrLst/>
+    <dgm:txLinClrLst/>
+    <dgm:txFillClrLst meth="repeat">
+      <a:schemeClr val="dk1"/>
+    </dgm:txFillClrLst>
+    <dgm:txEffectClrLst/>
+  </dgm:styleLbl>
+  <dgm:styleLbl name="alignAcc1">
+    <dgm:fillClrLst meth="repeat">
+      <a:schemeClr val="lt2">
+        <a:alpha val="90000"/>
+      </a:schemeClr>
+    </dgm:fillClrLst>
+    <dgm:linClrLst meth="repeat">
+      <a:schemeClr val="dk2"/>
+    </dgm:linClrLst>
+    <dgm:effectClrLst/>
+    <dgm:txLinClrLst/>
+    <dgm:txFillClrLst meth="repeat">
+      <a:schemeClr val="dk1"/>
+    </dgm:txFillClrLst>
+    <dgm:txEffectClrLst/>
+  </dgm:styleLbl>
+  <dgm:styleLbl name="trAlignAcc1">
+    <dgm:fillClrLst meth="repeat">
+      <a:schemeClr val="lt2">
+        <a:alpha val="40000"/>
+      </a:schemeClr>
+    </dgm:fillClrLst>
+    <dgm:linClrLst meth="repeat">
+      <a:schemeClr val="dk2"/>
+    </dgm:linClrLst>
+    <dgm:effectClrLst/>
+    <dgm:txLinClrLst/>
+    <dgm:txFillClrLst meth="repeat">
+      <a:schemeClr val="dk1"/>
+    </dgm:txFillClrLst>
+    <dgm:txEffectClrLst/>
+  </dgm:styleLbl>
+  <dgm:styleLbl name="bgAcc1">
+    <dgm:fillClrLst meth="repeat">
+      <a:schemeClr val="lt2">
+        <a:alpha val="90000"/>
+      </a:schemeClr>
+    </dgm:fillClrLst>
+    <dgm:linClrLst meth="repeat">
+      <a:schemeClr val="dk2"/>
+    </dgm:linClrLst>
+    <dgm:effectClrLst/>
+    <dgm:txLinClrLst/>
+    <dgm:txFillClrLst meth="repeat">
+      <a:schemeClr val="dk1"/>
+    </dgm:txFillClrLst>
+    <dgm:txEffectClrLst/>
+  </dgm:styleLbl>
+  <dgm:styleLbl name="solidFgAcc1">
+    <dgm:fillClrLst meth="repeat">
+      <a:schemeClr val="lt2"/>
+    </dgm:fillClrLst>
+    <dgm:linClrLst meth="repeat">
+      <a:schemeClr val="dk2"/>
+    </dgm:linClrLst>
+    <dgm:effectClrLst/>
+    <dgm:txLinClrLst/>
+    <dgm:txFillClrLst meth="repeat">
+      <a:schemeClr val="dk1"/>
+    </dgm:txFillClrLst>
+    <dgm:txEffectClrLst/>
+  </dgm:styleLbl>
+  <dgm:styleLbl name="solidAlignAcc1">
+    <dgm:fillClrLst meth="repeat">
+      <a:schemeClr val="lt2"/>
+    </dgm:fillClrLst>
+    <dgm:linClrLst meth="repeat">
+      <a:schemeClr val="dk2"/>
+    </dgm:linClrLst>
+    <dgm:effectClrLst/>
+    <dgm:txLinClrLst/>
+    <dgm:txFillClrLst meth="repeat">
+      <a:schemeClr val="dk1"/>
+    </dgm:txFillClrLst>
+    <dgm:txEffectClrLst/>
+  </dgm:styleLbl>
+  <dgm:styleLbl name="solidBgAcc1">
+    <dgm:fillClrLst meth="repeat">
+      <a:schemeClr val="lt2"/>
+    </dgm:fillClrLst>
+    <dgm:linClrLst meth="repeat">
+      <a:schemeClr val="dk2"/>
+    </dgm:linClrLst>
+    <dgm:effectClrLst/>
+    <dgm:txLinClrLst/>
+    <dgm:txFillClrLst meth="repeat">
+      <a:schemeClr val="dk1"/>
+    </dgm:txFillClrLst>
+    <dgm:txEffectClrLst/>
+  </dgm:styleLbl>
+  <dgm:styleLbl name="fgAccFollowNode1">
+    <dgm:fillClrLst meth="repeat">
+      <a:schemeClr val="dk2">
+        <a:alpha val="90000"/>
+        <a:tint val="40000"/>
+      </a:schemeClr>
+    </dgm:fillClrLst>
+    <dgm:linClrLst meth="repeat">
+      <a:schemeClr val="dk2">
+        <a:alpha val="90000"/>
+        <a:tint val="40000"/>
+      </a:schemeClr>
+    </dgm:linClrLst>
+    <dgm:effectClrLst/>
+    <dgm:txLinClrLst/>
+    <dgm:txFillClrLst meth="repeat">
+      <a:schemeClr val="dk1"/>
+    </dgm:txFillClrLst>
+    <dgm:txEffectClrLst/>
+  </dgm:styleLbl>
+  <dgm:styleLbl name="alignAccFollowNode1">
+    <dgm:fillClrLst meth="repeat">
+      <a:schemeClr val="dk2">
+        <a:alpha val="90000"/>
+        <a:tint val="40000"/>
+      </a:schemeClr>
+    </dgm:fillClrLst>
+    <dgm:linClrLst meth="repeat">
+      <a:schemeClr val="dk2">
+        <a:alpha val="90000"/>
+        <a:tint val="40000"/>
+      </a:schemeClr>
+    </dgm:linClrLst>
+    <dgm:effectClrLst/>
+    <dgm:txLinClrLst/>
+    <dgm:txFillClrLst meth="repeat">
+      <a:schemeClr val="dk1"/>
+    </dgm:txFillClrLst>
+    <dgm:txEffectClrLst/>
+  </dgm:styleLbl>
+  <dgm:styleLbl name="bgAccFollowNode1">
+    <dgm:fillClrLst meth="repeat">
+      <a:schemeClr val="dk2">
+        <a:alpha val="90000"/>
+        <a:tint val="40000"/>
+      </a:schemeClr>
+    </dgm:fillClrLst>
+    <dgm:linClrLst meth="repeat">
+      <a:schemeClr val="dk2">
+        <a:alpha val="90000"/>
+        <a:tint val="40000"/>
+      </a:schemeClr>
+    </dgm:linClrLst>
+    <dgm:effectClrLst/>
+    <dgm:txLinClrLst/>
+    <dgm:txFillClrLst meth="repeat">
+      <a:schemeClr val="dk1"/>
+    </dgm:txFillClrLst>
+    <dgm:txEffectClrLst/>
+  </dgm:styleLbl>
+  <dgm:styleLbl name="fgAcc0">
+    <dgm:fillClrLst meth="repeat">
+      <a:schemeClr val="lt2">
+        <a:alpha val="90000"/>
+      </a:schemeClr>
+    </dgm:fillClrLst>
+    <dgm:linClrLst meth="repeat">
+      <a:schemeClr val="dk2"/>
+    </dgm:linClrLst>
+    <dgm:effectClrLst/>
+    <dgm:txLinClrLst/>
+    <dgm:txFillClrLst meth="repeat">
+      <a:schemeClr val="dk1"/>
+    </dgm:txFillClrLst>
+    <dgm:txEffectClrLst/>
+  </dgm:styleLbl>
+  <dgm:styleLbl name="fgAcc2">
+    <dgm:fillClrLst meth="repeat">
+      <a:schemeClr val="lt2">
+        <a:alpha val="90000"/>
+      </a:schemeClr>
+    </dgm:fillClrLst>
+    <dgm:linClrLst meth="repeat">
+      <a:schemeClr val="dk2"/>
+    </dgm:linClrLst>
+    <dgm:effectClrLst/>
+    <dgm:txLinClrLst/>
+    <dgm:txFillClrLst meth="repeat">
+      <a:schemeClr val="dk1"/>
+    </dgm:txFillClrLst>
+    <dgm:txEffectClrLst/>
+  </dgm:styleLbl>
+  <dgm:styleLbl name="fgAcc3">
+    <dgm:fillClrLst meth="repeat">
+      <a:schemeClr val="lt2">
+        <a:alpha val="90000"/>
+      </a:schemeClr>
+    </dgm:fillClrLst>
+    <dgm:linClrLst meth="repeat">
+      <a:schemeClr val="dk2"/>
+    </dgm:linClrLst>
+    <dgm:effectClrLst/>
+    <dgm:txLinClrLst/>
+    <dgm:txFillClrLst meth="repeat">
+      <a:schemeClr val="dk1"/>
+    </dgm:txFillClrLst>
+    <dgm:txEffectClrLst/>
+  </dgm:styleLbl>
+  <dgm:styleLbl name="fgAcc4">
+    <dgm:fillClrLst meth="repeat">
+      <a:schemeClr val="lt2">
+        <a:alpha val="90000"/>
+      </a:schemeClr>
+    </dgm:fillClrLst>
+    <dgm:linClrLst meth="repeat">
+      <a:schemeClr val="dk2"/>
+    </dgm:linClrLst>
+    <dgm:effectClrLst/>
+    <dgm:txLinClrLst/>
+    <dgm:txFillClrLst meth="repeat">
+      <a:schemeClr val="dk1"/>
+    </dgm:txFillClrLst>
+    <dgm:txEffectClrLst/>
+  </dgm:styleLbl>
+  <dgm:styleLbl name="bgShp">
+    <dgm:fillClrLst meth="repeat">
+      <a:schemeClr val="dk2">
+        <a:tint val="40000"/>
+      </a:schemeClr>
+    </dgm:fillClrLst>
+    <dgm:linClrLst meth="repeat">
+      <a:schemeClr val="dk2"/>
+    </dgm:linClrLst>
+    <dgm:effectClrLst/>
+    <dgm:txLinClrLst/>
+    <dgm:txFillClrLst meth="repeat">
+      <a:schemeClr val="dk1"/>
+    </dgm:txFillClrLst>
+    <dgm:txEffectClrLst/>
+  </dgm:styleLbl>
+  <dgm:styleLbl name="dkBgShp">
+    <dgm:fillClrLst meth="repeat">
+      <a:schemeClr val="dk2">
+        <a:shade val="80000"/>
+      </a:schemeClr>
+    </dgm:fillClrLst>
+    <dgm:linClrLst meth="repeat">
+      <a:schemeClr val="dk2"/>
+    </dgm:linClrLst>
+    <dgm:effectClrLst/>
+    <dgm:txLinClrLst/>
+    <dgm:txFillClrLst meth="repeat">
+      <a:schemeClr val="lt1"/>
+    </dgm:txFillClrLst>
+    <dgm:txEffectClrLst/>
+  </dgm:styleLbl>
+  <dgm:styleLbl name="trBgShp">
+    <dgm:fillClrLst meth="repeat">
+      <a:schemeClr val="dk2">
+        <a:tint val="50000"/>
+        <a:alpha val="40000"/>
+      </a:schemeClr>
+    </dgm:fillClrLst>
+    <dgm:linClrLst meth="repeat">
+      <a:schemeClr val="dk2"/>
+    </dgm:linClrLst>
+    <dgm:effectClrLst/>
+    <dgm:txLinClrLst/>
+    <dgm:txFillClrLst meth="repeat">
+      <a:schemeClr val="lt1"/>
+    </dgm:txFillClrLst>
+    <dgm:txEffectClrLst/>
+  </dgm:styleLbl>
+  <dgm:styleLbl name="fgShp">
+    <dgm:fillClrLst meth="repeat">
+      <a:schemeClr val="dk2">
+        <a:tint val="60000"/>
+      </a:schemeClr>
+    </dgm:fillClrLst>
+    <dgm:linClrLst meth="repeat">
+      <a:schemeClr val="lt2"/>
+    </dgm:linClrLst>
+    <dgm:effectClrLst/>
+    <dgm:txLinClrLst/>
+    <dgm:txFillClrLst meth="repeat">
+      <a:schemeClr val="dk1"/>
+    </dgm:txFillClrLst>
+    <dgm:txEffectClrLst/>
+  </dgm:styleLbl>
+  <dgm:styleLbl name="revTx">
+    <dgm:fillClrLst meth="repeat">
+      <a:schemeClr val="lt2">
+        <a:alpha val="0"/>
+      </a:schemeClr>
+    </dgm:fillClrLst>
+    <dgm:linClrLst meth="repeat">
+      <a:schemeClr val="dk1">
+        <a:alpha val="0"/>
+      </a:schemeClr>
+    </dgm:linClrLst>
+    <dgm:effectClrLst/>
+    <dgm:txLinClrLst/>
+    <dgm:txFillClrLst meth="repeat">
+      <a:schemeClr val="tx1"/>
+    </dgm:txFillClrLst>
+    <dgm:txEffectClrLst/>
+  </dgm:styleLbl>
+</dgm:colorsDef>
+</file>
+
+<file path=ppt/diagrams/colors2.xml><?xml version="1.0" encoding="utf-8"?>
+<dgm:colorsDef xmlns:dgm="http://schemas.openxmlformats.org/drawingml/2006/diagram" xmlns:a="http://schemas.openxmlformats.org/drawingml/2006/main" uniqueId="urn:microsoft.com/office/officeart/2005/8/colors/colorful5">
+  <dgm:title val=""/>
+  <dgm:desc val=""/>
+  <dgm:catLst>
+    <dgm:cat type="colorful" pri="10500"/>
+  </dgm:catLst>
+  <dgm:styleLbl name="node0">
+    <dgm:fillClrLst meth="repeat">
+      <a:schemeClr val="accent4"/>
+    </dgm:fillClrLst>
+    <dgm:linClrLst meth="repeat">
+      <a:schemeClr val="lt1"/>
+    </dgm:linClrLst>
+    <dgm:effectClrLst/>
+    <dgm:txLinClrLst/>
+    <dgm:txFillClrLst/>
+    <dgm:txEffectClrLst/>
+  </dgm:styleLbl>
+  <dgm:styleLbl name="node1">
+    <dgm:fillClrLst>
+      <a:schemeClr val="accent5"/>
+      <a:schemeClr val="accent6"/>
+    </dgm:fillClrLst>
+    <dgm:linClrLst meth="repeat">
+      <a:schemeClr val="lt1"/>
+    </dgm:linClrLst>
+    <dgm:effectClrLst/>
+    <dgm:txLinClrLst/>
+    <dgm:txFillClrLst/>
+    <dgm:txEffectClrLst/>
+  </dgm:styleLbl>
+  <dgm:styleLbl name="alignNode1">
+    <dgm:fillClrLst>
+      <a:schemeClr val="accent5"/>
+      <a:schemeClr val="accent6"/>
+    </dgm:fillClrLst>
+    <dgm:linClrLst>
+      <a:schemeClr val="accent5"/>
+      <a:schemeClr val="accent6"/>
+    </dgm:linClrLst>
+    <dgm:effectClrLst/>
+    <dgm:txLinClrLst/>
+    <dgm:txFillClrLst/>
+    <dgm:txEffectClrLst/>
+  </dgm:styleLbl>
+  <dgm:styleLbl name="lnNode1">
+    <dgm:fillClrLst>
+      <a:schemeClr val="accent5"/>
+      <a:schemeClr val="accent6"/>
+    </dgm:fillClrLst>
+    <dgm:linClrLst meth="repeat">
+      <a:schemeClr val="lt1"/>
+    </dgm:linClrLst>
+    <dgm:effectClrLst/>
+    <dgm:txLinClrLst/>
+    <dgm:txFillClrLst/>
+    <dgm:txEffectClrLst/>
+  </dgm:styleLbl>
+  <dgm:styleLbl name="vennNode1">
+    <dgm:fillClrLst>
+      <a:schemeClr val="accent5">
+        <a:alpha val="50000"/>
+      </a:schemeClr>
+      <a:schemeClr val="accent6">
+        <a:alpha val="50000"/>
+      </a:schemeClr>
+    </dgm:fillClrLst>
+    <dgm:linClrLst meth="repeat">
+      <a:schemeClr val="lt1"/>
+    </dgm:linClrLst>
+    <dgm:effectClrLst/>
+    <dgm:txLinClrLst/>
+    <dgm:txFillClrLst/>
+    <dgm:txEffectClrLst/>
+  </dgm:styleLbl>
+  <dgm:styleLbl name="node2">
+    <dgm:fillClrLst>
+      <a:schemeClr val="accent6"/>
+    </dgm:fillClrLst>
+    <dgm:linClrLst meth="repeat">
+      <a:schemeClr val="lt1"/>
+    </dgm:linClrLst>
+    <dgm:effectClrLst/>
+    <dgm:txLinClrLst/>
+    <dgm:txFillClrLst/>
+    <dgm:txEffectClrLst/>
+  </dgm:styleLbl>
+  <dgm:styleLbl name="node3">
+    <dgm:fillClrLst>
+      <a:schemeClr val="accent1"/>
+    </dgm:fillClrLst>
+    <dgm:linClrLst meth="repeat">
+      <a:schemeClr val="lt1"/>
+    </dgm:linClrLst>
+    <dgm:effectClrLst/>
+    <dgm:txLinClrLst/>
+    <dgm:txFillClrLst/>
+    <dgm:txEffectClrLst/>
+  </dgm:styleLbl>
+  <dgm:styleLbl name="node4">
+    <dgm:fillClrLst>
+      <a:schemeClr val="accent2"/>
+    </dgm:fillClrLst>
+    <dgm:linClrLst meth="repeat">
+      <a:schemeClr val="lt1"/>
+    </dgm:linClrLst>
+    <dgm:effectClrLst/>
+    <dgm:txLinClrLst/>
+    <dgm:txFillClrLst/>
+    <dgm:txEffectClrLst/>
+  </dgm:styleLbl>
+  <dgm:styleLbl name="fgImgPlace1">
+    <dgm:fillClrLst>
+      <a:schemeClr val="accent5">
+        <a:tint val="50000"/>
+      </a:schemeClr>
+      <a:schemeClr val="accent6">
+        <a:tint val="50000"/>
+      </a:schemeClr>
+    </dgm:fillClrLst>
+    <dgm:linClrLst meth="repeat">
+      <a:schemeClr val="lt1"/>
+    </dgm:linClrLst>
+    <dgm:effectClrLst/>
+    <dgm:txLinClrLst/>
+    <dgm:txFillClrLst meth="repeat">
+      <a:schemeClr val="lt1"/>
+    </dgm:txFillClrLst>
+    <dgm:txEffectClrLst/>
+  </dgm:styleLbl>
+  <dgm:styleLbl name="alignImgPlace1">
+    <dgm:fillClrLst>
+      <a:schemeClr val="accent5">
+        <a:tint val="50000"/>
+      </a:schemeClr>
+      <a:schemeClr val="accent6">
+        <a:tint val="20000"/>
+      </a:schemeClr>
+    </dgm:fillClrLst>
+    <dgm:linClrLst meth="repeat">
+      <a:schemeClr val="lt1"/>
+    </dgm:linClrLst>
+    <dgm:effectClrLst/>
+    <dgm:txLinClrLst/>
+    <dgm:txFillClrLst meth="repeat">
+      <a:schemeClr val="lt1"/>
+    </dgm:txFillClrLst>
+    <dgm:txEffectClrLst/>
+  </dgm:styleLbl>
+  <dgm:styleLbl name="bgImgPlace1">
+    <dgm:fillClrLst>
+      <a:schemeClr val="accent5">
+        <a:tint val="50000"/>
+      </a:schemeClr>
+      <a:schemeClr val="accent6">
+        <a:tint val="20000"/>
+      </a:schemeClr>
+    </dgm:fillClrLst>
+    <dgm:linClrLst meth="repeat">
+      <a:schemeClr val="lt1"/>
+    </dgm:linClrLst>
+    <dgm:effectClrLst/>
+    <dgm:txLinClrLst/>
+    <dgm:txFillClrLst meth="repeat">
+      <a:schemeClr val="lt1"/>
+    </dgm:txFillClrLst>
+    <dgm:txEffectClrLst/>
+  </dgm:styleLbl>
+  <dgm:styleLbl name="sibTrans2D1">
+    <dgm:fillClrLst>
+      <a:schemeClr val="accent5"/>
+      <a:schemeClr val="accent6"/>
+    </dgm:fillClrLst>
+    <dgm:linClrLst meth="repeat">
+      <a:schemeClr val="lt1"/>
+    </dgm:linClrLst>
+    <dgm:effectClrLst/>
+    <dgm:txLinClrLst/>
+    <dgm:txFillClrLst/>
+    <dgm:txEffectClrLst/>
+  </dgm:styleLbl>
+  <dgm:styleLbl name="fgSibTrans2D1">
+    <dgm:fillClrLst>
+      <a:schemeClr val="accent5"/>
+      <a:schemeClr val="accent6"/>
+    </dgm:fillClrLst>
+    <dgm:linClrLst meth="repeat">
+      <a:schemeClr val="lt1"/>
+    </dgm:linClrLst>
+    <dgm:effectClrLst/>
+    <dgm:txLinClrLst/>
+    <dgm:txFillClrLst meth="repeat">
+      <a:schemeClr val="lt1"/>
+    </dgm:txFillClrLst>
+    <dgm:txEffectClrLst/>
+  </dgm:styleLbl>
+  <dgm:styleLbl name="bgSibTrans2D1">
+    <dgm:fillClrLst>
+      <a:schemeClr val="accent5"/>
+      <a:schemeClr val="accent6"/>
+    </dgm:fillClrLst>
+    <dgm:linClrLst meth="repeat">
+      <a:schemeClr val="lt1"/>
+    </dgm:linClrLst>
+    <dgm:effectClrLst/>
+    <dgm:txLinClrLst/>
+    <dgm:txFillClrLst meth="repeat">
+      <a:schemeClr val="lt1"/>
+    </dgm:txFillClrLst>
+    <dgm:txEffectClrLst/>
+  </dgm:styleLbl>
+  <dgm:styleLbl name="sibTrans1D1">
+    <dgm:fillClrLst/>
+    <dgm:linClrLst>
+      <a:schemeClr val="accent5"/>
+      <a:schemeClr val="accent6"/>
+    </dgm:linClrLst>
+    <dgm:effectClrLst/>
+    <dgm:txLinClrLst/>
+    <dgm:txFillClrLst meth="repeat">
+      <a:schemeClr val="tx1"/>
+    </dgm:txFillClrLst>
+    <dgm:txEffectClrLst/>
+  </dgm:styleLbl>
+  <dgm:styleLbl name="callout">
+    <dgm:fillClrLst meth="repeat">
+      <a:schemeClr val="accent5"/>
+    </dgm:fillClrLst>
+    <dgm:linClrLst meth="repeat">
+      <a:schemeClr val="accent5">
+        <a:tint val="50000"/>
+      </a:schemeClr>
+    </dgm:linClrLst>
+    <dgm:effectClrLst/>
+    <dgm:txLinClrLst/>
+    <dgm:txFillClrLst meth="repeat">
+      <a:schemeClr val="tx1"/>
+    </dgm:txFillClrLst>
+    <dgm:txEffectClrLst/>
+  </dgm:styleLbl>
+  <dgm:styleLbl name="asst0">
+    <dgm:fillClrLst meth="repeat">
+      <a:schemeClr val="accent5"/>
+    </dgm:fillClrLst>
+    <dgm:linClrLst meth="repeat">
+      <a:schemeClr val="lt1">
+        <a:shade val="80000"/>
+      </a:schemeClr>
+    </dgm:linClrLst>
+    <dgm:effectClrLst/>
+    <dgm:txLinClrLst/>
+    <dgm:txFillClrLst/>
+    <dgm:txEffectClrLst/>
+  </dgm:styleLbl>
+  <dgm:styleLbl name="asst1">
+    <dgm:fillClrLst meth="repeat">
+      <a:schemeClr val="accent6"/>
+    </dgm:fillClrLst>
+    <dgm:linClrLst meth="repeat">
+      <a:schemeClr val="lt1">
+        <a:shade val="80000"/>
+      </a:schemeClr>
+    </dgm:linClrLst>
+    <dgm:effectClrLst/>
+    <dgm:txLinClrLst/>
+    <dgm:txFillClrLst/>
+    <dgm:txEffectClrLst/>
+  </dgm:styleLbl>
+  <dgm:styleLbl name="asst2">
+    <dgm:fillClrLst>
+      <a:schemeClr val="accent1"/>
+    </dgm:fillClrLst>
+    <dgm:linClrLst meth="repeat">
+      <a:schemeClr val="lt1"/>
+    </dgm:linClrLst>
+    <dgm:effectClrLst/>
+    <dgm:txLinClrLst/>
+    <dgm:txFillClrLst/>
+    <dgm:txEffectClrLst/>
+  </dgm:styleLbl>
+  <dgm:styleLbl name="asst3">
+    <dgm:fillClrLst>
+      <a:schemeClr val="accent2"/>
+    </dgm:fillClrLst>
+    <dgm:linClrLst meth="repeat">
+      <a:schemeClr val="lt1"/>
+    </dgm:linClrLst>
+    <dgm:effectClrLst/>
+    <dgm:txLinClrLst/>
+    <dgm:txFillClrLst/>
+    <dgm:txEffectClrLst/>
+  </dgm:styleLbl>
+  <dgm:styleLbl name="asst4">
+    <dgm:fillClrLst>
+      <a:schemeClr val="accent3"/>
+    </dgm:fillClrLst>
+    <dgm:linClrLst meth="repeat">
+      <a:schemeClr val="lt1"/>
+    </dgm:linClrLst>
+    <dgm:effectClrLst/>
+    <dgm:txLinClrLst/>
+    <dgm:txFillClrLst/>
+    <dgm:txEffectClrLst/>
+  </dgm:styleLbl>
+  <dgm:styleLbl name="parChTrans2D1">
+    <dgm:fillClrLst meth="repeat">
+      <a:schemeClr val="accent5"/>
+    </dgm:fillClrLst>
+    <dgm:linClrLst meth="repeat">
+      <a:schemeClr val="lt1"/>
+    </dgm:linClrLst>
+    <dgm:effectClrLst/>
+    <dgm:txLinClrLst/>
+    <dgm:txFillClrLst meth="repeat">
+      <a:schemeClr val="lt1"/>
+    </dgm:txFillClrLst>
+    <dgm:txEffectClrLst/>
+  </dgm:styleLbl>
+  <dgm:styleLbl name="parChTrans2D2">
+    <dgm:fillClrLst meth="repeat">
+      <a:schemeClr val="accent6"/>
+    </dgm:fillClrLst>
+    <dgm:linClrLst meth="repeat">
+      <a:schemeClr val="lt1"/>
+    </dgm:linClrLst>
+    <dgm:effectClrLst/>
+    <dgm:txLinClrLst/>
+    <dgm:txFillClrLst/>
+    <dgm:txEffectClrLst/>
+  </dgm:styleLbl>
+  <dgm:styleLbl name="parChTrans2D3">
+    <dgm:fillClrLst meth="repeat">
+      <a:schemeClr val="accent6"/>
+    </dgm:fillClrLst>
+    <dgm:linClrLst meth="repeat">
+      <a:schemeClr val="lt1"/>
+    </dgm:linClrLst>
+    <dgm:effectClrLst/>
+    <dgm:txLinClrLst/>
+    <dgm:txFillClrLst/>
+    <dgm:txEffectClrLst/>
+  </dgm:styleLbl>
+  <dgm:styleLbl name="parChTrans2D4">
+    <dgm:fillClrLst meth="repeat">
+      <a:schemeClr val="accent1"/>
+    </dgm:fillClrLst>
+    <dgm:linClrLst meth="repeat">
+      <a:schemeClr val="lt1"/>
+    </dgm:linClrLst>
+    <dgm:effectClrLst/>
+    <dgm:txLinClrLst/>
+    <dgm:txFillClrLst meth="repeat">
+      <a:schemeClr val="lt1"/>
+    </dgm:txFillClrLst>
+    <dgm:txEffectClrLst/>
+  </dgm:styleLbl>
+  <dgm:styleLbl name="parChTrans1D1">
+    <dgm:fillClrLst meth="repeat">
+      <a:schemeClr val="accent5"/>
+    </dgm:fillClrLst>
+    <dgm:linClrLst meth="repeat">
+      <a:schemeClr val="accent5"/>
+    </dgm:linClrLst>
+    <dgm:effectClrLst/>
+    <dgm:txLinClrLst/>
+    <dgm:txFillClrLst meth="repeat">
+      <a:schemeClr val="tx1"/>
+    </dgm:txFillClrLst>
+    <dgm:txEffectClrLst/>
+  </dgm:styleLbl>
+  <dgm:styleLbl name="parChTrans1D2">
+    <dgm:fillClrLst meth="repeat">
+      <a:schemeClr val="accent6">
+        <a:tint val="90000"/>
+      </a:schemeClr>
+    </dgm:fillClrLst>
+    <dgm:linClrLst meth="repeat">
+      <a:schemeClr val="accent6"/>
+    </dgm:linClrLst>
+    <dgm:effectClrLst/>
+    <dgm:txLinClrLst/>
+    <dgm:txFillClrLst meth="repeat">
+      <a:schemeClr val="tx1"/>
+    </dgm:txFillClrLst>
+    <dgm:txEffectClrLst/>
+  </dgm:styleLbl>
+  <dgm:styleLbl name="parChTrans1D3">
+    <dgm:fillClrLst meth="repeat">
+      <a:schemeClr val="accent6">
+        <a:tint val="70000"/>
+      </a:schemeClr>
+    </dgm:fillClrLst>
+    <dgm:linClrLst meth="repeat">
+      <a:schemeClr val="accent1"/>
+    </dgm:linClrLst>
+    <dgm:effectClrLst/>
+    <dgm:txLinClrLst/>
+    <dgm:txFillClrLst meth="repeat">
+      <a:schemeClr val="tx1"/>
+    </dgm:txFillClrLst>
+    <dgm:txEffectClrLst/>
+  </dgm:styleLbl>
+  <dgm:styleLbl name="parChTrans1D4">
+    <dgm:fillClrLst meth="repeat">
+      <a:schemeClr val="accent6">
+        <a:tint val="50000"/>
+      </a:schemeClr>
+    </dgm:fillClrLst>
+    <dgm:linClrLst meth="repeat">
+      <a:schemeClr val="accent2"/>
+    </dgm:linClrLst>
+    <dgm:effectClrLst/>
+    <dgm:txLinClrLst/>
+    <dgm:txFillClrLst meth="repeat">
+      <a:schemeClr val="tx1"/>
+    </dgm:txFillClrLst>
+    <dgm:txEffectClrLst/>
+  </dgm:styleLbl>
+  <dgm:styleLbl name="fgAcc1">
+    <dgm:fillClrLst meth="repeat">
+      <a:schemeClr val="lt1">
+        <a:alpha val="90000"/>
+      </a:schemeClr>
+    </dgm:fillClrLst>
+    <dgm:linClrLst>
+      <a:schemeClr val="accent5"/>
+      <a:schemeClr val="accent6"/>
+    </dgm:linClrLst>
+    <dgm:effectClrLst/>
+    <dgm:txLinClrLst/>
+    <dgm:txFillClrLst meth="repeat">
+      <a:schemeClr val="dk1"/>
+    </dgm:txFillClrLst>
+    <dgm:txEffectClrLst/>
+  </dgm:styleLbl>
+  <dgm:styleLbl name="conFgAcc1">
+    <dgm:fillClrLst meth="repeat">
+      <a:schemeClr val="lt1">
+        <a:alpha val="90000"/>
+      </a:schemeClr>
+    </dgm:fillClrLst>
+    <dgm:linClrLst>
+      <a:schemeClr val="accent5"/>
+      <a:schemeClr val="accent6"/>
+    </dgm:linClrLst>
+    <dgm:effectClrLst/>
+    <dgm:txLinClrLst/>
+    <dgm:txFillClrLst meth="repeat">
+      <a:schemeClr val="dk1"/>
+    </dgm:txFillClrLst>
+    <dgm:txEffectClrLst/>
+  </dgm:styleLbl>
+  <dgm:styleLbl name="alignAcc1">
+    <dgm:fillClrLst meth="repeat">
+      <a:schemeClr val="lt1">
+        <a:alpha val="90000"/>
+      </a:schemeClr>
+    </dgm:fillClrLst>
+    <dgm:linClrLst>
+      <a:schemeClr val="accent5"/>
+      <a:schemeClr val="accent6"/>
+    </dgm:linClrLst>
+    <dgm:effectClrLst/>
+    <dgm:txLinClrLst/>
+    <dgm:txFillClrLst meth="repeat">
+      <a:schemeClr val="dk1"/>
+    </dgm:txFillClrLst>
+    <dgm:txEffectClrLst/>
+  </dgm:styleLbl>
+  <dgm:styleLbl name="trAlignAcc1">
+    <dgm:fillClrLst meth="repeat">
+      <a:schemeClr val="lt1">
+        <a:alpha val="40000"/>
+      </a:schemeClr>
+    </dgm:fillClrLst>
+    <dgm:linClrLst meth="repeat">
+      <a:schemeClr val="accent5"/>
+    </dgm:linClrLst>
+    <dgm:effectClrLst/>
+    <dgm:txLinClrLst/>
+    <dgm:txFillClrLst meth="repeat">
+      <a:schemeClr val="dk1"/>
+    </dgm:txFillClrLst>
+    <dgm:txEffectClrLst/>
+  </dgm:styleLbl>
+  <dgm:styleLbl name="bgAcc1">
+    <dgm:fillClrLst meth="repeat">
+      <a:schemeClr val="lt1">
+        <a:alpha val="90000"/>
+      </a:schemeClr>
+    </dgm:fillClrLst>
+    <dgm:linClrLst>
+      <a:schemeClr val="accent5"/>
+      <a:schemeClr val="accent6"/>
+    </dgm:linClrLst>
+    <dgm:effectClrLst/>
+    <dgm:txLinClrLst/>
+    <dgm:txFillClrLst meth="repeat">
+      <a:schemeClr val="dk1"/>
+    </dgm:txFillClrLst>
+    <dgm:txEffectClrLst/>
+  </dgm:styleLbl>
+  <dgm:styleLbl name="solidFgAcc1">
+    <dgm:fillClrLst meth="repeat">
+      <a:schemeClr val="lt1"/>
+    </dgm:fillClrLst>
+    <dgm:linClrLst>
+      <a:schemeClr val="accent5"/>
+      <a:schemeClr val="accent6"/>
+    </dgm:linClrLst>
+    <dgm:effectClrLst/>
+    <dgm:txLinClrLst/>
+    <dgm:txFillClrLst meth="repeat">
+      <a:schemeClr val="dk1"/>
+    </dgm:txFillClrLst>
+    <dgm:txEffectClrLst/>
+  </dgm:styleLbl>
+  <dgm:styleLbl name="solidAlignAcc1">
+    <dgm:fillClrLst meth="repeat">
+      <a:schemeClr val="lt1"/>
+    </dgm:fillClrLst>
+    <dgm:linClrLst>
+      <a:schemeClr val="accent5"/>
+      <a:schemeClr val="accent6"/>
+    </dgm:linClrLst>
+    <dgm:effectClrLst/>
+    <dgm:txLinClrLst/>
+    <dgm:txFillClrLst meth="repeat">
+      <a:schemeClr val="dk1"/>
+    </dgm:txFillClrLst>
+    <dgm:txEffectClrLst/>
+  </dgm:styleLbl>
+  <dgm:styleLbl name="solidBgAcc1">
+    <dgm:fillClrLst meth="repeat">
+      <a:schemeClr val="lt1"/>
+    </dgm:fillClrLst>
+    <dgm:linClrLst>
+      <a:schemeClr val="accent5"/>
+      <a:schemeClr val="accent6"/>
+    </dgm:linClrLst>
+    <dgm:effectClrLst/>
+    <dgm:txLinClrLst/>
+    <dgm:txFillClrLst meth="repeat">
+      <a:schemeClr val="dk1"/>
+    </dgm:txFillClrLst>
+    <dgm:txEffectClrLst/>
+  </dgm:styleLbl>
+  <dgm:styleLbl name="fgAccFollowNode1">
+    <dgm:fillClrLst>
+      <a:schemeClr val="accent5">
+        <a:tint val="40000"/>
+        <a:alpha val="90000"/>
+      </a:schemeClr>
+      <a:schemeClr val="accent6">
+        <a:tint val="40000"/>
+        <a:alpha val="90000"/>
+      </a:schemeClr>
+    </dgm:fillClrLst>
+    <dgm:linClrLst>
+      <a:schemeClr val="accent5">
+        <a:tint val="40000"/>
+        <a:alpha val="90000"/>
+      </a:schemeClr>
+      <a:schemeClr val="accent5">
+        <a:tint val="40000"/>
+        <a:alpha val="90000"/>
+      </a:schemeClr>
+    </dgm:linClrLst>
+    <dgm:effectClrLst/>
+    <dgm:txLinClrLst/>
+    <dgm:txFillClrLst meth="repeat">
+      <a:schemeClr val="dk1"/>
+    </dgm:txFillClrLst>
+    <dgm:txEffectClrLst/>
+  </dgm:styleLbl>
+  <dgm:styleLbl name="alignAccFollowNode1">
+    <dgm:fillClrLst>
+      <a:schemeClr val="accent5">
+        <a:tint val="40000"/>
+        <a:alpha val="90000"/>
+      </a:schemeClr>
+      <a:schemeClr val="accent6">
+        <a:tint val="40000"/>
+        <a:alpha val="90000"/>
+      </a:schemeClr>
+    </dgm:fillClrLst>
+    <dgm:linClrLst>
+      <a:schemeClr val="accent5">
+        <a:tint val="40000"/>
+        <a:alpha val="90000"/>
+      </a:schemeClr>
+      <a:schemeClr val="accent6">
+        <a:tint val="40000"/>
+        <a:alpha val="90000"/>
+      </a:schemeClr>
+    </dgm:linClrLst>
+    <dgm:effectClrLst/>
+    <dgm:txLinClrLst/>
+    <dgm:txFillClrLst meth="repeat">
+      <a:schemeClr val="dk1"/>
+    </dgm:txFillClrLst>
+    <dgm:txEffectClrLst/>
+  </dgm:styleLbl>
+  <dgm:styleLbl name="bgAccFollowNode1">
+    <dgm:fillClrLst>
+      <a:schemeClr val="accent5">
+        <a:tint val="40000"/>
+        <a:alpha val="90000"/>
+      </a:schemeClr>
+      <a:schemeClr val="accent6">
+        <a:tint val="40000"/>
+        <a:alpha val="90000"/>
+      </a:schemeClr>
+    </dgm:fillClrLst>
+    <dgm:linClrLst>
+      <a:schemeClr val="accent5">
+        <a:tint val="40000"/>
+        <a:alpha val="90000"/>
+      </a:schemeClr>
+      <a:schemeClr val="accent6">
+        <a:tint val="40000"/>
+        <a:alpha val="90000"/>
+      </a:schemeClr>
+    </dgm:linClrLst>
+    <dgm:effectClrLst/>
+    <dgm:txLinClrLst/>
+    <dgm:txFillClrLst meth="repeat">
+      <a:schemeClr val="dk1"/>
+    </dgm:txFillClrLst>
+    <dgm:txEffectClrLst/>
+  </dgm:styleLbl>
+  <dgm:styleLbl name="fgAcc0">
+    <dgm:fillClrLst meth="repeat">
+      <a:schemeClr val="lt1">
+        <a:alpha val="90000"/>
+      </a:schemeClr>
+    </dgm:fillClrLst>
+    <dgm:linClrLst>
+      <a:schemeClr val="accent4"/>
+    </dgm:linClrLst>
+    <dgm:effectClrLst/>
+    <dgm:txLinClrLst/>
+    <dgm:txFillClrLst meth="repeat">
+      <a:schemeClr val="dk1"/>
+    </dgm:txFillClrLst>
+    <dgm:txEffectClrLst/>
+  </dgm:styleLbl>
+  <dgm:styleLbl name="fgAcc2">
+    <dgm:fillClrLst meth="repeat">
+      <a:schemeClr val="lt1">
+        <a:alpha val="90000"/>
+      </a:schemeClr>
+    </dgm:fillClrLst>
+    <dgm:linClrLst>
+      <a:schemeClr val="accent6"/>
+    </dgm:linClrLst>
+    <dgm:effectClrLst/>
+    <dgm:txLinClrLst/>
+    <dgm:txFillClrLst meth="repeat">
+      <a:schemeClr val="dk1"/>
+    </dgm:txFillClrLst>
+    <dgm:txEffectClrLst/>
+  </dgm:styleLbl>
+  <dgm:styleLbl name="fgAcc3">
+    <dgm:fillClrLst meth="repeat">
+      <a:schemeClr val="lt1">
+        <a:alpha val="90000"/>
+      </a:schemeClr>
+    </dgm:fillClrLst>
+    <dgm:linClrLst>
+      <a:schemeClr val="accent1"/>
+    </dgm:linClrLst>
+    <dgm:effectClrLst/>
+    <dgm:txLinClrLst/>
+    <dgm:txFillClrLst meth="repeat">
+      <a:schemeClr val="dk1"/>
+    </dgm:txFillClrLst>
+    <dgm:txEffectClrLst/>
+  </dgm:styleLbl>
+  <dgm:styleLbl name="fgAcc4">
+    <dgm:fillClrLst meth="repeat">
+      <a:schemeClr val="lt1">
+        <a:alpha val="90000"/>
+      </a:schemeClr>
+    </dgm:fillClrLst>
+    <dgm:linClrLst>
+      <a:schemeClr val="accent2"/>
+    </dgm:linClrLst>
+    <dgm:effectClrLst/>
+    <dgm:txLinClrLst/>
+    <dgm:txFillClrLst meth="repeat">
+      <a:schemeClr val="dk1"/>
+    </dgm:txFillClrLst>
+    <dgm:txEffectClrLst/>
+  </dgm:styleLbl>
+  <dgm:styleLbl name="bgShp">
+    <dgm:fillClrLst meth="repeat">
+      <a:schemeClr val="accent5">
+        <a:tint val="40000"/>
+      </a:schemeClr>
+    </dgm:fillClrLst>
+    <dgm:linClrLst meth="repeat">
+      <a:schemeClr val="dk1"/>
+    </dgm:linClrLst>
+    <dgm:effectClrLst/>
+    <dgm:txLinClrLst/>
+    <dgm:txFillClrLst meth="repeat">
+      <a:schemeClr val="dk1"/>
+    </dgm:txFillClrLst>
+    <dgm:txEffectClrLst/>
+  </dgm:styleLbl>
+  <dgm:styleLbl name="dkBgShp">
+    <dgm:fillClrLst meth="repeat">
+      <a:schemeClr val="accent5">
+        <a:shade val="90000"/>
+      </a:schemeClr>
+    </dgm:fillClrLst>
+    <dgm:linClrLst meth="repeat">
+      <a:schemeClr val="dk1"/>
+    </dgm:linClrLst>
+    <dgm:effectClrLst/>
+    <dgm:txLinClrLst/>
+    <dgm:txFillClrLst meth="repeat">
+      <a:schemeClr val="lt1"/>
+    </dgm:txFillClrLst>
+    <dgm:txEffectClrLst/>
+  </dgm:styleLbl>
+  <dgm:styleLbl name="trBgShp">
+    <dgm:fillClrLst meth="repeat">
+      <a:schemeClr val="accent5">
+        <a:tint val="50000"/>
+        <a:alpha val="40000"/>
+      </a:schemeClr>
+    </dgm:fillClrLst>
+    <dgm:linClrLst meth="repeat">
+      <a:schemeClr val="accent5"/>
+    </dgm:linClrLst>
+    <dgm:effectClrLst/>
+    <dgm:txLinClrLst/>
+    <dgm:txFillClrLst meth="repeat">
+      <a:schemeClr val="lt1"/>
+    </dgm:txFillClrLst>
+    <dgm:txEffectClrLst/>
+  </dgm:styleLbl>
+  <dgm:styleLbl name="fgShp">
+    <dgm:fillClrLst meth="repeat">
+      <a:schemeClr val="accent5">
+        <a:tint val="40000"/>
+      </a:schemeClr>
+    </dgm:fillClrLst>
+    <dgm:linClrLst meth="repeat">
+      <a:schemeClr val="lt1"/>
+    </dgm:linClrLst>
+    <dgm:effectClrLst/>
+    <dgm:txLinClrLst/>
+    <dgm:txFillClrLst meth="repeat">
+      <a:schemeClr val="dk1"/>
+    </dgm:txFillClrLst>
+    <dgm:txEffectClrLst/>
+  </dgm:styleLbl>
+  <dgm:styleLbl name="revTx">
+    <dgm:fillClrLst meth="repeat">
+      <a:schemeClr val="lt1">
+        <a:alpha val="0"/>
+      </a:schemeClr>
+    </dgm:fillClrLst>
+    <dgm:linClrLst meth="repeat">
+      <a:schemeClr val="dk1">
+        <a:alpha val="0"/>
+      </a:schemeClr>
+    </dgm:linClrLst>
+    <dgm:effectClrLst/>
+    <dgm:txLinClrLst/>
+    <dgm:txFillClrLst meth="repeat">
+      <a:schemeClr val="tx1"/>
+    </dgm:txFillClrLst>
+    <dgm:txEffectClrLst/>
+  </dgm:styleLbl>
+</dgm:colorsDef>
+</file>
+
+<file path=ppt/diagrams/data1.xml><?xml version="1.0" encoding="utf-8"?>
+<dgm:dataModel xmlns:dgm="http://schemas.openxmlformats.org/drawingml/2006/diagram" xmlns:a="http://schemas.openxmlformats.org/drawingml/2006/main">
+  <dgm:ptLst>
+    <dgm:pt modelId="{F1B989D2-3E5D-43A3-B94F-C5B24734BF93}" type="doc">
+      <dgm:prSet loTypeId="urn:microsoft.com/office/officeart/2005/8/layout/StepDownProcess" loCatId="process" qsTypeId="urn:microsoft.com/office/officeart/2005/8/quickstyle/simple1" qsCatId="simple" csTypeId="urn:microsoft.com/office/officeart/2005/8/colors/accent0_3" csCatId="mainScheme" phldr="1"/>
+      <dgm:spPr/>
+      <dgm:t>
+        <a:bodyPr/>
+        <a:lstStyle/>
+        <a:p>
+          <a:endParaRPr lang="de-DE"/>
+        </a:p>
+      </dgm:t>
+    </dgm:pt>
+    <dgm:pt modelId="{4F52A44D-6DCA-4AF5-BE07-E0AE8C33BDE5}">
+      <dgm:prSet phldrT="[Text]"/>
+      <dgm:spPr/>
+      <dgm:t>
+        <a:bodyPr/>
+        <a:lstStyle/>
+        <a:p>
+          <a:r>
+            <a:rPr lang="de-DE" dirty="0"/>
+            <a:t>Port öffnen</a:t>
+          </a:r>
+        </a:p>
+      </dgm:t>
+    </dgm:pt>
+    <dgm:pt modelId="{A9CBC772-07AD-46F3-9EEC-D979C9732730}" type="parTrans" cxnId="{C93F1AF2-660F-4E74-93AB-2E7B6E172A8A}">
+      <dgm:prSet/>
+      <dgm:spPr/>
+      <dgm:t>
+        <a:bodyPr/>
+        <a:lstStyle/>
+        <a:p>
+          <a:endParaRPr lang="de-DE"/>
+        </a:p>
+      </dgm:t>
+    </dgm:pt>
+    <dgm:pt modelId="{8B0878E4-57F9-40CF-B939-183C892675AC}" type="sibTrans" cxnId="{C93F1AF2-660F-4E74-93AB-2E7B6E172A8A}">
+      <dgm:prSet/>
+      <dgm:spPr/>
+      <dgm:t>
+        <a:bodyPr/>
+        <a:lstStyle/>
+        <a:p>
+          <a:endParaRPr lang="de-DE"/>
+        </a:p>
+      </dgm:t>
+    </dgm:pt>
+    <dgm:pt modelId="{459A4A83-01BD-4F1C-9F00-AF0D1910C0B9}">
+      <dgm:prSet phldrT="[Text]"/>
+      <dgm:spPr/>
+      <dgm:t>
+        <a:bodyPr/>
+        <a:lstStyle/>
+        <a:p>
+          <a:r>
+            <a:rPr lang="de-DE" dirty="0"/>
+            <a:t>Port konfigurieren</a:t>
+          </a:r>
+        </a:p>
+      </dgm:t>
+    </dgm:pt>
+    <dgm:pt modelId="{C80E59A0-EF49-47CD-B39D-A084DB2E608C}" type="parTrans" cxnId="{91A21A1A-469D-42BC-9676-0E6AD50EA90F}">
+      <dgm:prSet/>
+      <dgm:spPr/>
+      <dgm:t>
+        <a:bodyPr/>
+        <a:lstStyle/>
+        <a:p>
+          <a:endParaRPr lang="de-DE"/>
+        </a:p>
+      </dgm:t>
+    </dgm:pt>
+    <dgm:pt modelId="{2F88EA0F-252C-471E-A14A-DB6E02525F20}" type="sibTrans" cxnId="{91A21A1A-469D-42BC-9676-0E6AD50EA90F}">
+      <dgm:prSet/>
+      <dgm:spPr/>
+      <dgm:t>
+        <a:bodyPr/>
+        <a:lstStyle/>
+        <a:p>
+          <a:endParaRPr lang="de-DE"/>
+        </a:p>
+      </dgm:t>
+    </dgm:pt>
+    <dgm:pt modelId="{AD815A4C-D4C2-4672-AEE9-02F9842F085A}">
+      <dgm:prSet phldrT="[Text]"/>
+      <dgm:spPr/>
+      <dgm:t>
+        <a:bodyPr/>
+        <a:lstStyle/>
+        <a:p>
+          <a:r>
+            <a:rPr lang="de-DE" dirty="0"/>
+            <a:t>Auf Arduino warten</a:t>
+          </a:r>
+        </a:p>
+      </dgm:t>
+    </dgm:pt>
+    <dgm:pt modelId="{BFEAB814-F5E5-4A1F-A967-058325E55185}" type="parTrans" cxnId="{CAFB6C5F-8970-489E-BB45-D5BAD575EC8F}">
+      <dgm:prSet/>
+      <dgm:spPr/>
+      <dgm:t>
+        <a:bodyPr/>
+        <a:lstStyle/>
+        <a:p>
+          <a:endParaRPr lang="de-DE"/>
+        </a:p>
+      </dgm:t>
+    </dgm:pt>
+    <dgm:pt modelId="{E99D69BA-0CF7-4395-B2A4-0EC88DA652C2}" type="sibTrans" cxnId="{CAFB6C5F-8970-489E-BB45-D5BAD575EC8F}">
+      <dgm:prSet/>
+      <dgm:spPr/>
+      <dgm:t>
+        <a:bodyPr/>
+        <a:lstStyle/>
+        <a:p>
+          <a:endParaRPr lang="de-DE"/>
+        </a:p>
+      </dgm:t>
+    </dgm:pt>
+    <dgm:pt modelId="{A94C6398-4EB7-4DF6-A02D-E43028F98B3C}" type="pres">
+      <dgm:prSet presAssocID="{F1B989D2-3E5D-43A3-B94F-C5B24734BF93}" presName="rootnode" presStyleCnt="0">
+        <dgm:presLayoutVars>
+          <dgm:chMax/>
+          <dgm:chPref/>
+          <dgm:dir/>
+          <dgm:animLvl val="lvl"/>
+        </dgm:presLayoutVars>
+      </dgm:prSet>
+      <dgm:spPr/>
+    </dgm:pt>
+    <dgm:pt modelId="{B8DA1703-0097-4426-934F-67B802BD6868}" type="pres">
+      <dgm:prSet presAssocID="{4F52A44D-6DCA-4AF5-BE07-E0AE8C33BDE5}" presName="composite" presStyleCnt="0"/>
+      <dgm:spPr/>
+    </dgm:pt>
+    <dgm:pt modelId="{46569FE1-1605-4B36-8795-D71CFAEDBE7A}" type="pres">
+      <dgm:prSet presAssocID="{4F52A44D-6DCA-4AF5-BE07-E0AE8C33BDE5}" presName="bentUpArrow1" presStyleLbl="alignImgPlace1" presStyleIdx="0" presStyleCnt="2"/>
+      <dgm:spPr/>
+    </dgm:pt>
+    <dgm:pt modelId="{9B96DF07-D727-4BFF-9B65-BBA3269F281A}" type="pres">
+      <dgm:prSet presAssocID="{4F52A44D-6DCA-4AF5-BE07-E0AE8C33BDE5}" presName="ParentText" presStyleLbl="node1" presStyleIdx="0" presStyleCnt="3">
+        <dgm:presLayoutVars>
+          <dgm:chMax val="1"/>
+          <dgm:chPref val="1"/>
+          <dgm:bulletEnabled val="1"/>
+        </dgm:presLayoutVars>
+      </dgm:prSet>
+      <dgm:spPr/>
+    </dgm:pt>
+    <dgm:pt modelId="{26509860-8451-4E81-A78A-220D9583893F}" type="pres">
+      <dgm:prSet presAssocID="{4F52A44D-6DCA-4AF5-BE07-E0AE8C33BDE5}" presName="ChildText" presStyleLbl="revTx" presStyleIdx="0" presStyleCnt="2">
+        <dgm:presLayoutVars>
+          <dgm:chMax val="0"/>
+          <dgm:chPref val="0"/>
+          <dgm:bulletEnabled val="1"/>
+        </dgm:presLayoutVars>
+      </dgm:prSet>
+      <dgm:spPr/>
+    </dgm:pt>
+    <dgm:pt modelId="{B9E369AB-53C2-4163-AA1D-CC061428350F}" type="pres">
+      <dgm:prSet presAssocID="{8B0878E4-57F9-40CF-B939-183C892675AC}" presName="sibTrans" presStyleCnt="0"/>
+      <dgm:spPr/>
+    </dgm:pt>
+    <dgm:pt modelId="{5C084572-06C1-4056-8DC5-DADCFBAEB850}" type="pres">
+      <dgm:prSet presAssocID="{459A4A83-01BD-4F1C-9F00-AF0D1910C0B9}" presName="composite" presStyleCnt="0"/>
+      <dgm:spPr/>
+    </dgm:pt>
+    <dgm:pt modelId="{EF7F75C7-7C19-49C3-8425-B527160CA725}" type="pres">
+      <dgm:prSet presAssocID="{459A4A83-01BD-4F1C-9F00-AF0D1910C0B9}" presName="bentUpArrow1" presStyleLbl="alignImgPlace1" presStyleIdx="1" presStyleCnt="2"/>
+      <dgm:spPr/>
+    </dgm:pt>
+    <dgm:pt modelId="{F0171777-06A4-4941-81E8-0E71A556219F}" type="pres">
+      <dgm:prSet presAssocID="{459A4A83-01BD-4F1C-9F00-AF0D1910C0B9}" presName="ParentText" presStyleLbl="node1" presStyleIdx="1" presStyleCnt="3">
+        <dgm:presLayoutVars>
+          <dgm:chMax val="1"/>
+          <dgm:chPref val="1"/>
+          <dgm:bulletEnabled val="1"/>
+        </dgm:presLayoutVars>
+      </dgm:prSet>
+      <dgm:spPr/>
+    </dgm:pt>
+    <dgm:pt modelId="{78663588-2508-4258-B8AA-880DA12EA827}" type="pres">
+      <dgm:prSet presAssocID="{459A4A83-01BD-4F1C-9F00-AF0D1910C0B9}" presName="ChildText" presStyleLbl="revTx" presStyleIdx="1" presStyleCnt="2">
+        <dgm:presLayoutVars>
+          <dgm:chMax val="0"/>
+          <dgm:chPref val="0"/>
+          <dgm:bulletEnabled val="1"/>
+        </dgm:presLayoutVars>
+      </dgm:prSet>
+      <dgm:spPr/>
+    </dgm:pt>
+    <dgm:pt modelId="{3225B52E-3D8C-4B77-BEA6-DFA41F4C6BDF}" type="pres">
+      <dgm:prSet presAssocID="{2F88EA0F-252C-471E-A14A-DB6E02525F20}" presName="sibTrans" presStyleCnt="0"/>
+      <dgm:spPr/>
+    </dgm:pt>
+    <dgm:pt modelId="{7C07C5E5-F489-40AE-BECB-365B137AD80B}" type="pres">
+      <dgm:prSet presAssocID="{AD815A4C-D4C2-4672-AEE9-02F9842F085A}" presName="composite" presStyleCnt="0"/>
+      <dgm:spPr/>
+    </dgm:pt>
+    <dgm:pt modelId="{EC49155E-747D-4303-8FC1-6D0294522666}" type="pres">
+      <dgm:prSet presAssocID="{AD815A4C-D4C2-4672-AEE9-02F9842F085A}" presName="ParentText" presStyleLbl="node1" presStyleIdx="2" presStyleCnt="3">
+        <dgm:presLayoutVars>
+          <dgm:chMax val="1"/>
+          <dgm:chPref val="1"/>
+          <dgm:bulletEnabled val="1"/>
+        </dgm:presLayoutVars>
+      </dgm:prSet>
+      <dgm:spPr/>
+    </dgm:pt>
+  </dgm:ptLst>
+  <dgm:cxnLst>
+    <dgm:cxn modelId="{91A21A1A-469D-42BC-9676-0E6AD50EA90F}" srcId="{F1B989D2-3E5D-43A3-B94F-C5B24734BF93}" destId="{459A4A83-01BD-4F1C-9F00-AF0D1910C0B9}" srcOrd="1" destOrd="0" parTransId="{C80E59A0-EF49-47CD-B39D-A084DB2E608C}" sibTransId="{2F88EA0F-252C-471E-A14A-DB6E02525F20}"/>
+    <dgm:cxn modelId="{9B07AF1C-836D-4BEB-A01A-280943E5B3C1}" type="presOf" srcId="{F1B989D2-3E5D-43A3-B94F-C5B24734BF93}" destId="{A94C6398-4EB7-4DF6-A02D-E43028F98B3C}" srcOrd="0" destOrd="0" presId="urn:microsoft.com/office/officeart/2005/8/layout/StepDownProcess"/>
+    <dgm:cxn modelId="{CAFB6C5F-8970-489E-BB45-D5BAD575EC8F}" srcId="{F1B989D2-3E5D-43A3-B94F-C5B24734BF93}" destId="{AD815A4C-D4C2-4672-AEE9-02F9842F085A}" srcOrd="2" destOrd="0" parTransId="{BFEAB814-F5E5-4A1F-A967-058325E55185}" sibTransId="{E99D69BA-0CF7-4395-B2A4-0EC88DA652C2}"/>
+    <dgm:cxn modelId="{3B96B741-421A-4B22-B996-05E3D9DA57EE}" type="presOf" srcId="{4F52A44D-6DCA-4AF5-BE07-E0AE8C33BDE5}" destId="{9B96DF07-D727-4BFF-9B65-BBA3269F281A}" srcOrd="0" destOrd="0" presId="urn:microsoft.com/office/officeart/2005/8/layout/StepDownProcess"/>
+    <dgm:cxn modelId="{73AB5775-7271-4A76-B779-17C35C80A0BC}" type="presOf" srcId="{459A4A83-01BD-4F1C-9F00-AF0D1910C0B9}" destId="{F0171777-06A4-4941-81E8-0E71A556219F}" srcOrd="0" destOrd="0" presId="urn:microsoft.com/office/officeart/2005/8/layout/StepDownProcess"/>
+    <dgm:cxn modelId="{B96D665A-EC61-45F9-931F-B8673F91726E}" type="presOf" srcId="{AD815A4C-D4C2-4672-AEE9-02F9842F085A}" destId="{EC49155E-747D-4303-8FC1-6D0294522666}" srcOrd="0" destOrd="0" presId="urn:microsoft.com/office/officeart/2005/8/layout/StepDownProcess"/>
+    <dgm:cxn modelId="{C93F1AF2-660F-4E74-93AB-2E7B6E172A8A}" srcId="{F1B989D2-3E5D-43A3-B94F-C5B24734BF93}" destId="{4F52A44D-6DCA-4AF5-BE07-E0AE8C33BDE5}" srcOrd="0" destOrd="0" parTransId="{A9CBC772-07AD-46F3-9EEC-D979C9732730}" sibTransId="{8B0878E4-57F9-40CF-B939-183C892675AC}"/>
+    <dgm:cxn modelId="{FAF677B7-B391-486A-933D-0A71D33980AE}" type="presParOf" srcId="{A94C6398-4EB7-4DF6-A02D-E43028F98B3C}" destId="{B8DA1703-0097-4426-934F-67B802BD6868}" srcOrd="0" destOrd="0" presId="urn:microsoft.com/office/officeart/2005/8/layout/StepDownProcess"/>
+    <dgm:cxn modelId="{F73EB6F6-C780-4802-AA7E-099FC272C7BE}" type="presParOf" srcId="{B8DA1703-0097-4426-934F-67B802BD6868}" destId="{46569FE1-1605-4B36-8795-D71CFAEDBE7A}" srcOrd="0" destOrd="0" presId="urn:microsoft.com/office/officeart/2005/8/layout/StepDownProcess"/>
+    <dgm:cxn modelId="{3B00807F-0AB8-44D5-B553-0B0254897501}" type="presParOf" srcId="{B8DA1703-0097-4426-934F-67B802BD6868}" destId="{9B96DF07-D727-4BFF-9B65-BBA3269F281A}" srcOrd="1" destOrd="0" presId="urn:microsoft.com/office/officeart/2005/8/layout/StepDownProcess"/>
+    <dgm:cxn modelId="{9178356D-85BE-4BC3-BCBE-BEB0F0AB9B47}" type="presParOf" srcId="{B8DA1703-0097-4426-934F-67B802BD6868}" destId="{26509860-8451-4E81-A78A-220D9583893F}" srcOrd="2" destOrd="0" presId="urn:microsoft.com/office/officeart/2005/8/layout/StepDownProcess"/>
+    <dgm:cxn modelId="{25DC2838-C550-42A9-935D-EE1CAD7C68D7}" type="presParOf" srcId="{A94C6398-4EB7-4DF6-A02D-E43028F98B3C}" destId="{B9E369AB-53C2-4163-AA1D-CC061428350F}" srcOrd="1" destOrd="0" presId="urn:microsoft.com/office/officeart/2005/8/layout/StepDownProcess"/>
+    <dgm:cxn modelId="{A57B3CB7-2F46-4FA4-8659-2CEA35CAA5E6}" type="presParOf" srcId="{A94C6398-4EB7-4DF6-A02D-E43028F98B3C}" destId="{5C084572-06C1-4056-8DC5-DADCFBAEB850}" srcOrd="2" destOrd="0" presId="urn:microsoft.com/office/officeart/2005/8/layout/StepDownProcess"/>
+    <dgm:cxn modelId="{21F12229-FD2B-4CA6-9DB9-835069300303}" type="presParOf" srcId="{5C084572-06C1-4056-8DC5-DADCFBAEB850}" destId="{EF7F75C7-7C19-49C3-8425-B527160CA725}" srcOrd="0" destOrd="0" presId="urn:microsoft.com/office/officeart/2005/8/layout/StepDownProcess"/>
+    <dgm:cxn modelId="{2875A73D-C4CA-4A89-A69C-1ED206ECCEE1}" type="presParOf" srcId="{5C084572-06C1-4056-8DC5-DADCFBAEB850}" destId="{F0171777-06A4-4941-81E8-0E71A556219F}" srcOrd="1" destOrd="0" presId="urn:microsoft.com/office/officeart/2005/8/layout/StepDownProcess"/>
+    <dgm:cxn modelId="{8669B389-FA92-4BB5-9256-14D905F77BBF}" type="presParOf" srcId="{5C084572-06C1-4056-8DC5-DADCFBAEB850}" destId="{78663588-2508-4258-B8AA-880DA12EA827}" srcOrd="2" destOrd="0" presId="urn:microsoft.com/office/officeart/2005/8/layout/StepDownProcess"/>
+    <dgm:cxn modelId="{70D85216-79B8-4B30-8194-80213023C6D6}" type="presParOf" srcId="{A94C6398-4EB7-4DF6-A02D-E43028F98B3C}" destId="{3225B52E-3D8C-4B77-BEA6-DFA41F4C6BDF}" srcOrd="3" destOrd="0" presId="urn:microsoft.com/office/officeart/2005/8/layout/StepDownProcess"/>
+    <dgm:cxn modelId="{F62C0CAD-2243-4830-AB6D-FE9E4CE8A570}" type="presParOf" srcId="{A94C6398-4EB7-4DF6-A02D-E43028F98B3C}" destId="{7C07C5E5-F489-40AE-BECB-365B137AD80B}" srcOrd="4" destOrd="0" presId="urn:microsoft.com/office/officeart/2005/8/layout/StepDownProcess"/>
+    <dgm:cxn modelId="{4514C07E-5761-43D1-94EA-558741EBCCDF}" type="presParOf" srcId="{7C07C5E5-F489-40AE-BECB-365B137AD80B}" destId="{EC49155E-747D-4303-8FC1-6D0294522666}" srcOrd="0" destOrd="0" presId="urn:microsoft.com/office/officeart/2005/8/layout/StepDownProcess"/>
+  </dgm:cxnLst>
+  <dgm:bg/>
+  <dgm:whole/>
+  <dgm:extLst>
+    <a:ext uri="http://schemas.microsoft.com/office/drawing/2008/diagram">
+      <dsp:dataModelExt xmlns:dsp="http://schemas.microsoft.com/office/drawing/2008/diagram" relId="rId7" minVer="http://schemas.openxmlformats.org/drawingml/2006/diagram"/>
+    </a:ext>
+  </dgm:extLst>
+</dgm:dataModel>
+</file>
+
+<file path=ppt/diagrams/data2.xml><?xml version="1.0" encoding="utf-8"?>
+<dgm:dataModel xmlns:dgm="http://schemas.openxmlformats.org/drawingml/2006/diagram" xmlns:a="http://schemas.openxmlformats.org/drawingml/2006/main">
+  <dgm:ptLst>
+    <dgm:pt modelId="{66A15DC4-F34C-40CA-A18C-8378C521ED1A}" type="doc">
+      <dgm:prSet loTypeId="urn:microsoft.com/office/officeart/2008/layout/VerticalCurvedList" loCatId="list" qsTypeId="urn:microsoft.com/office/officeart/2005/8/quickstyle/simple1" qsCatId="simple" csTypeId="urn:microsoft.com/office/officeart/2005/8/colors/colorful5" csCatId="colorful" phldr="1"/>
+      <dgm:spPr/>
+      <dgm:t>
+        <a:bodyPr/>
+        <a:lstStyle/>
+        <a:p>
+          <a:endParaRPr lang="de-DE"/>
+        </a:p>
+      </dgm:t>
+    </dgm:pt>
+    <dgm:pt modelId="{C99FC39B-A191-49FF-8414-F587A19355EF}">
+      <dgm:prSet phldrT="[Text]"/>
+      <dgm:spPr/>
+      <dgm:t>
+        <a:bodyPr/>
+        <a:lstStyle/>
+        <a:p>
+          <a:r>
+            <a:rPr lang="de-DE" dirty="0"/>
+            <a:t>Plattformunabhängige GUI-Bibliothek</a:t>
+          </a:r>
+        </a:p>
+      </dgm:t>
+    </dgm:pt>
+    <dgm:pt modelId="{60F5ECA0-230E-4AD0-8EB0-6D1F4D0A24E8}" type="parTrans" cxnId="{2ACB09E8-104E-45D6-9C21-6717951DAA19}">
+      <dgm:prSet/>
+      <dgm:spPr/>
+      <dgm:t>
+        <a:bodyPr/>
+        <a:lstStyle/>
+        <a:p>
+          <a:endParaRPr lang="de-DE"/>
+        </a:p>
+      </dgm:t>
+    </dgm:pt>
+    <dgm:pt modelId="{D87140A3-BE3A-4330-B538-0A716FDABF80}" type="sibTrans" cxnId="{2ACB09E8-104E-45D6-9C21-6717951DAA19}">
+      <dgm:prSet/>
+      <dgm:spPr/>
+      <dgm:t>
+        <a:bodyPr/>
+        <a:lstStyle/>
+        <a:p>
+          <a:endParaRPr lang="de-DE"/>
+        </a:p>
+      </dgm:t>
+    </dgm:pt>
+    <dgm:pt modelId="{6603BFFC-7B9D-4250-BA4D-1B5074B9CDCC}">
+      <dgm:prSet phldrT="[Text]"/>
+      <dgm:spPr/>
+      <dgm:t>
+        <a:bodyPr/>
+        <a:lstStyle/>
+        <a:p>
+          <a:r>
+            <a:rPr lang="de-DE" dirty="0"/>
+            <a:t>Kein Cross-Compiler nötig </a:t>
+          </a:r>
+        </a:p>
+      </dgm:t>
+    </dgm:pt>
+    <dgm:pt modelId="{A56294F9-96ED-4F80-AE78-46147E5794FF}" type="parTrans" cxnId="{4A26A08C-CB61-4F08-A8F6-CAFA7507CA5F}">
+      <dgm:prSet/>
+      <dgm:spPr/>
+      <dgm:t>
+        <a:bodyPr/>
+        <a:lstStyle/>
+        <a:p>
+          <a:endParaRPr lang="de-DE"/>
+        </a:p>
+      </dgm:t>
+    </dgm:pt>
+    <dgm:pt modelId="{ABB64D9F-808A-4E98-9B12-F0970CB98F9E}" type="sibTrans" cxnId="{4A26A08C-CB61-4F08-A8F6-CAFA7507CA5F}">
+      <dgm:prSet/>
+      <dgm:spPr/>
+      <dgm:t>
+        <a:bodyPr/>
+        <a:lstStyle/>
+        <a:p>
+          <a:endParaRPr lang="de-DE"/>
+        </a:p>
+      </dgm:t>
+    </dgm:pt>
+    <dgm:pt modelId="{222E04BB-88A7-436F-AEA6-58C69A878F49}">
+      <dgm:prSet phldrT="[Text]"/>
+      <dgm:spPr/>
+      <dgm:t>
+        <a:bodyPr/>
+        <a:lstStyle/>
+        <a:p>
+          <a:r>
+            <a:rPr lang="de-DE" dirty="0"/>
+            <a:t>C++ / Qt Bibliotheken (nicht GUI)</a:t>
+          </a:r>
+        </a:p>
+      </dgm:t>
+    </dgm:pt>
+    <dgm:pt modelId="{17210292-9B9D-416D-ADA8-B09B16D2CC1D}" type="parTrans" cxnId="{707952AE-7DEB-4AF5-B378-A7888A1354A5}">
+      <dgm:prSet/>
+      <dgm:spPr/>
+      <dgm:t>
+        <a:bodyPr/>
+        <a:lstStyle/>
+        <a:p>
+          <a:endParaRPr lang="de-DE"/>
+        </a:p>
+      </dgm:t>
+    </dgm:pt>
+    <dgm:pt modelId="{46810BE1-FA1D-409A-97A1-A681C6EEC85E}" type="sibTrans" cxnId="{707952AE-7DEB-4AF5-B378-A7888A1354A5}">
+      <dgm:prSet/>
+      <dgm:spPr/>
+      <dgm:t>
+        <a:bodyPr/>
+        <a:lstStyle/>
+        <a:p>
+          <a:endParaRPr lang="de-DE"/>
+        </a:p>
+      </dgm:t>
+    </dgm:pt>
+    <dgm:pt modelId="{C3904771-43A0-4B09-BCC1-802CA4369066}">
+      <dgm:prSet phldrT="[Text]"/>
+      <dgm:spPr/>
+      <dgm:t>
+        <a:bodyPr/>
+        <a:lstStyle/>
+        <a:p>
+          <a:r>
+            <a:rPr lang="de-DE" dirty="0"/>
+            <a:t>Einmaliges kompilieren auf der Zielplattform (Raspbian Stretch)</a:t>
+          </a:r>
+        </a:p>
+      </dgm:t>
+    </dgm:pt>
+    <dgm:pt modelId="{BD447D22-724F-4C8D-BBFB-055D850FD9B1}" type="parTrans" cxnId="{28219C7A-8805-4DCF-8D11-11536600441A}">
+      <dgm:prSet/>
+      <dgm:spPr/>
+      <dgm:t>
+        <a:bodyPr/>
+        <a:lstStyle/>
+        <a:p>
+          <a:endParaRPr lang="de-DE"/>
+        </a:p>
+      </dgm:t>
+    </dgm:pt>
+    <dgm:pt modelId="{AEDF0189-E1C0-441E-A108-0C26DA5D1487}" type="sibTrans" cxnId="{28219C7A-8805-4DCF-8D11-11536600441A}">
+      <dgm:prSet/>
+      <dgm:spPr/>
+      <dgm:t>
+        <a:bodyPr/>
+        <a:lstStyle/>
+        <a:p>
+          <a:endParaRPr lang="de-DE"/>
+        </a:p>
+      </dgm:t>
+    </dgm:pt>
+    <dgm:pt modelId="{DE8DC283-A616-4E12-B8C8-F0E7D0842E69}">
+      <dgm:prSet phldrT="[Text]"/>
+      <dgm:spPr/>
+      <dgm:t>
+        <a:bodyPr/>
+        <a:lstStyle/>
+        <a:p>
+          <a:r>
+            <a:rPr lang="de-DE" dirty="0"/>
+            <a:t>Windows / Linux / OSX / iOS / Android</a:t>
+          </a:r>
+        </a:p>
+      </dgm:t>
+    </dgm:pt>
+    <dgm:pt modelId="{1391B2C3-9949-4D90-AAA9-89D1374D85AE}" type="parTrans" cxnId="{9A98324D-4F7F-4D86-BCE9-9014A91E5337}">
+      <dgm:prSet/>
+      <dgm:spPr/>
+      <dgm:t>
+        <a:bodyPr/>
+        <a:lstStyle/>
+        <a:p>
+          <a:endParaRPr lang="de-DE"/>
+        </a:p>
+      </dgm:t>
+    </dgm:pt>
+    <dgm:pt modelId="{E8D57983-4E00-4AD2-A69B-7F4444CDB560}" type="sibTrans" cxnId="{9A98324D-4F7F-4D86-BCE9-9014A91E5337}">
+      <dgm:prSet/>
+      <dgm:spPr/>
+      <dgm:t>
+        <a:bodyPr/>
+        <a:lstStyle/>
+        <a:p>
+          <a:endParaRPr lang="de-DE"/>
+        </a:p>
+      </dgm:t>
+    </dgm:pt>
+    <dgm:pt modelId="{8CF47C46-AFA2-4133-BCF3-E81ADA245901}">
+      <dgm:prSet phldrT="[Text]"/>
+      <dgm:spPr/>
+      <dgm:t>
+        <a:bodyPr/>
+        <a:lstStyle/>
+        <a:p>
+          <a:r>
+            <a:rPr lang="de-DE" dirty="0"/>
+            <a:t>Qt bietet auch eine große Auswahl an nicht GUI Bibliotheken</a:t>
+          </a:r>
+        </a:p>
+      </dgm:t>
+    </dgm:pt>
+    <dgm:pt modelId="{78E1DC55-7043-4CD0-83E1-208EDB62E58D}" type="parTrans" cxnId="{1902E60F-FAAB-4187-8CE3-6CAFE15CC6D5}">
+      <dgm:prSet/>
+      <dgm:spPr/>
+      <dgm:t>
+        <a:bodyPr/>
+        <a:lstStyle/>
+        <a:p>
+          <a:endParaRPr lang="de-DE"/>
+        </a:p>
+      </dgm:t>
+    </dgm:pt>
+    <dgm:pt modelId="{E2611111-E0D6-4CDF-9D72-8EF771D5FA0E}" type="sibTrans" cxnId="{1902E60F-FAAB-4187-8CE3-6CAFE15CC6D5}">
+      <dgm:prSet/>
+      <dgm:spPr/>
+      <dgm:t>
+        <a:bodyPr/>
+        <a:lstStyle/>
+        <a:p>
+          <a:endParaRPr lang="de-DE"/>
+        </a:p>
+      </dgm:t>
+    </dgm:pt>
+    <dgm:pt modelId="{B319FAE2-3765-4BF3-8244-E7520DEAE540}">
+      <dgm:prSet phldrT="[Text]"/>
+      <dgm:spPr/>
+      <dgm:t>
+        <a:bodyPr/>
+        <a:lstStyle/>
+        <a:p>
+          <a:r>
+            <a:rPr lang="de-DE" dirty="0"/>
+            <a:t>Entwicklungsumgebung</a:t>
+          </a:r>
+        </a:p>
+      </dgm:t>
+    </dgm:pt>
+    <dgm:pt modelId="{CFD67DA3-5827-4EAE-8718-5301F06E6595}" type="parTrans" cxnId="{D5109285-A1AC-4666-A9A4-4BEB48F41FEE}">
+      <dgm:prSet/>
+      <dgm:spPr/>
+      <dgm:t>
+        <a:bodyPr/>
+        <a:lstStyle/>
+        <a:p>
+          <a:endParaRPr lang="de-DE"/>
+        </a:p>
+      </dgm:t>
+    </dgm:pt>
+    <dgm:pt modelId="{E4739A8A-84B0-4DA9-A28A-B6F43EF96165}" type="sibTrans" cxnId="{D5109285-A1AC-4666-A9A4-4BEB48F41FEE}">
+      <dgm:prSet/>
+      <dgm:spPr/>
+      <dgm:t>
+        <a:bodyPr/>
+        <a:lstStyle/>
+        <a:p>
+          <a:endParaRPr lang="de-DE"/>
+        </a:p>
+      </dgm:t>
+    </dgm:pt>
+    <dgm:pt modelId="{5D2EA632-AE2B-4622-8842-BF98C503F08D}">
+      <dgm:prSet phldrT="[Text]"/>
+      <dgm:spPr/>
+      <dgm:t>
+        <a:bodyPr/>
+        <a:lstStyle/>
+        <a:p>
+          <a:r>
+            <a:rPr lang="de-DE" dirty="0"/>
+            <a:t>Qt Creator (Direkte Entwicklung auf dem Raspberry möglich)</a:t>
+          </a:r>
+        </a:p>
+      </dgm:t>
+    </dgm:pt>
+    <dgm:pt modelId="{F73A9872-3D78-4D4B-9E92-DD526674DC43}" type="parTrans" cxnId="{43D8C03A-CB8B-4DE3-B17F-E59A35504DDB}">
+      <dgm:prSet/>
+      <dgm:spPr/>
+      <dgm:t>
+        <a:bodyPr/>
+        <a:lstStyle/>
+        <a:p>
+          <a:endParaRPr lang="de-DE"/>
+        </a:p>
+      </dgm:t>
+    </dgm:pt>
+    <dgm:pt modelId="{CBCCA0AD-2314-44A4-A89B-63C768CDEA23}" type="sibTrans" cxnId="{43D8C03A-CB8B-4DE3-B17F-E59A35504DDB}">
+      <dgm:prSet/>
+      <dgm:spPr/>
+      <dgm:t>
+        <a:bodyPr/>
+        <a:lstStyle/>
+        <a:p>
+          <a:endParaRPr lang="de-DE"/>
+        </a:p>
+      </dgm:t>
+    </dgm:pt>
+    <dgm:pt modelId="{B8F5A438-7D96-4474-8D4B-B0B5633C2CFC}">
+      <dgm:prSet phldrT="[Text]"/>
+      <dgm:spPr/>
+      <dgm:t>
+        <a:bodyPr/>
+        <a:lstStyle/>
+        <a:p>
+          <a:r>
+            <a:rPr lang="de-DE" dirty="0"/>
+            <a:t>Sehr gute Dokumentation / Große Community </a:t>
+          </a:r>
+        </a:p>
+      </dgm:t>
+    </dgm:pt>
+    <dgm:pt modelId="{FDC63B3F-3C4F-4B10-BD05-E71B503AB8D4}" type="parTrans" cxnId="{612A8477-B4D4-4E28-AD84-423FF7EED180}">
+      <dgm:prSet/>
+      <dgm:spPr/>
+      <dgm:t>
+        <a:bodyPr/>
+        <a:lstStyle/>
+        <a:p>
+          <a:endParaRPr lang="de-DE"/>
+        </a:p>
+      </dgm:t>
+    </dgm:pt>
+    <dgm:pt modelId="{EF9CA1C3-4B48-4756-BF4E-965DABAC9A50}" type="sibTrans" cxnId="{612A8477-B4D4-4E28-AD84-423FF7EED180}">
+      <dgm:prSet/>
+      <dgm:spPr/>
+      <dgm:t>
+        <a:bodyPr/>
+        <a:lstStyle/>
+        <a:p>
+          <a:endParaRPr lang="de-DE"/>
+        </a:p>
+      </dgm:t>
+    </dgm:pt>
+    <dgm:pt modelId="{8FEE18A1-8D58-4B0E-B5E5-CFA613397ECD}" type="pres">
+      <dgm:prSet presAssocID="{66A15DC4-F34C-40CA-A18C-8378C521ED1A}" presName="Name0" presStyleCnt="0">
+        <dgm:presLayoutVars>
+          <dgm:chMax val="7"/>
+          <dgm:chPref val="7"/>
+          <dgm:dir/>
+        </dgm:presLayoutVars>
+      </dgm:prSet>
+      <dgm:spPr/>
+    </dgm:pt>
+    <dgm:pt modelId="{68C541FE-09FC-4EDD-AFEE-2CCCC160FFF6}" type="pres">
+      <dgm:prSet presAssocID="{66A15DC4-F34C-40CA-A18C-8378C521ED1A}" presName="Name1" presStyleCnt="0"/>
+      <dgm:spPr/>
+    </dgm:pt>
+    <dgm:pt modelId="{694527EE-9B6F-49A3-934D-00C5831BC572}" type="pres">
+      <dgm:prSet presAssocID="{66A15DC4-F34C-40CA-A18C-8378C521ED1A}" presName="cycle" presStyleCnt="0"/>
+      <dgm:spPr/>
+    </dgm:pt>
+    <dgm:pt modelId="{24060F93-F908-4C45-B31D-5F066641A181}" type="pres">
+      <dgm:prSet presAssocID="{66A15DC4-F34C-40CA-A18C-8378C521ED1A}" presName="srcNode" presStyleLbl="node1" presStyleIdx="0" presStyleCnt="4"/>
+      <dgm:spPr/>
+    </dgm:pt>
+    <dgm:pt modelId="{FA53A114-638A-4B59-B4EA-64E3D9903C6A}" type="pres">
+      <dgm:prSet presAssocID="{66A15DC4-F34C-40CA-A18C-8378C521ED1A}" presName="conn" presStyleLbl="parChTrans1D2" presStyleIdx="0" presStyleCnt="1"/>
+      <dgm:spPr/>
+    </dgm:pt>
+    <dgm:pt modelId="{A827CD60-5884-4B19-A1D9-3211B1FA8886}" type="pres">
+      <dgm:prSet presAssocID="{66A15DC4-F34C-40CA-A18C-8378C521ED1A}" presName="extraNode" presStyleLbl="node1" presStyleIdx="0" presStyleCnt="4"/>
+      <dgm:spPr/>
+    </dgm:pt>
+    <dgm:pt modelId="{7EE99F2A-258F-419F-9504-F39F39841524}" type="pres">
+      <dgm:prSet presAssocID="{66A15DC4-F34C-40CA-A18C-8378C521ED1A}" presName="dstNode" presStyleLbl="node1" presStyleIdx="0" presStyleCnt="4"/>
+      <dgm:spPr/>
+    </dgm:pt>
+    <dgm:pt modelId="{39A855B7-EFCE-45F6-82D0-0576BC30B6B5}" type="pres">
+      <dgm:prSet presAssocID="{C99FC39B-A191-49FF-8414-F587A19355EF}" presName="text_1" presStyleLbl="node1" presStyleIdx="0" presStyleCnt="4">
+        <dgm:presLayoutVars>
+          <dgm:bulletEnabled val="1"/>
+        </dgm:presLayoutVars>
+      </dgm:prSet>
+      <dgm:spPr/>
+    </dgm:pt>
+    <dgm:pt modelId="{B50CABAB-4FE9-428C-8309-E40C35A9D651}" type="pres">
+      <dgm:prSet presAssocID="{C99FC39B-A191-49FF-8414-F587A19355EF}" presName="accent_1" presStyleCnt="0"/>
+      <dgm:spPr/>
+    </dgm:pt>
+    <dgm:pt modelId="{068CAD24-9606-43DD-BC5B-D2D06B0732D7}" type="pres">
+      <dgm:prSet presAssocID="{C99FC39B-A191-49FF-8414-F587A19355EF}" presName="accentRepeatNode" presStyleLbl="solidFgAcc1" presStyleIdx="0" presStyleCnt="4"/>
+      <dgm:spPr/>
+    </dgm:pt>
+    <dgm:pt modelId="{622552BB-AC2B-4E52-A9BF-616DB6930AB8}" type="pres">
+      <dgm:prSet presAssocID="{6603BFFC-7B9D-4250-BA4D-1B5074B9CDCC}" presName="text_2" presStyleLbl="node1" presStyleIdx="1" presStyleCnt="4">
+        <dgm:presLayoutVars>
+          <dgm:bulletEnabled val="1"/>
+        </dgm:presLayoutVars>
+      </dgm:prSet>
+      <dgm:spPr/>
+    </dgm:pt>
+    <dgm:pt modelId="{167B34E4-B47B-4328-90ED-99519C599AFD}" type="pres">
+      <dgm:prSet presAssocID="{6603BFFC-7B9D-4250-BA4D-1B5074B9CDCC}" presName="accent_2" presStyleCnt="0"/>
+      <dgm:spPr/>
+    </dgm:pt>
+    <dgm:pt modelId="{24FA80D9-0DEC-4812-A161-3F51EC33EBE5}" type="pres">
+      <dgm:prSet presAssocID="{6603BFFC-7B9D-4250-BA4D-1B5074B9CDCC}" presName="accentRepeatNode" presStyleLbl="solidFgAcc1" presStyleIdx="1" presStyleCnt="4"/>
+      <dgm:spPr/>
+    </dgm:pt>
+    <dgm:pt modelId="{73F473BD-3F3C-4F25-BBF5-FB03A69C0828}" type="pres">
+      <dgm:prSet presAssocID="{222E04BB-88A7-436F-AEA6-58C69A878F49}" presName="text_3" presStyleLbl="node1" presStyleIdx="2" presStyleCnt="4">
+        <dgm:presLayoutVars>
+          <dgm:bulletEnabled val="1"/>
+        </dgm:presLayoutVars>
+      </dgm:prSet>
+      <dgm:spPr/>
+    </dgm:pt>
+    <dgm:pt modelId="{B3D568FD-C258-477D-8142-BE7C691396A5}" type="pres">
+      <dgm:prSet presAssocID="{222E04BB-88A7-436F-AEA6-58C69A878F49}" presName="accent_3" presStyleCnt="0"/>
+      <dgm:spPr/>
+    </dgm:pt>
+    <dgm:pt modelId="{3C19B86F-7EEF-4881-A98C-AB0F335F5784}" type="pres">
+      <dgm:prSet presAssocID="{222E04BB-88A7-436F-AEA6-58C69A878F49}" presName="accentRepeatNode" presStyleLbl="solidFgAcc1" presStyleIdx="2" presStyleCnt="4"/>
+      <dgm:spPr/>
+    </dgm:pt>
+    <dgm:pt modelId="{F9963788-2395-476A-A8CB-027FA145B4EF}" type="pres">
+      <dgm:prSet presAssocID="{B319FAE2-3765-4BF3-8244-E7520DEAE540}" presName="text_4" presStyleLbl="node1" presStyleIdx="3" presStyleCnt="4">
+        <dgm:presLayoutVars>
+          <dgm:bulletEnabled val="1"/>
+        </dgm:presLayoutVars>
+      </dgm:prSet>
+      <dgm:spPr/>
+    </dgm:pt>
+    <dgm:pt modelId="{EA137AEE-48CF-46DC-897F-B5CF0C17A341}" type="pres">
+      <dgm:prSet presAssocID="{B319FAE2-3765-4BF3-8244-E7520DEAE540}" presName="accent_4" presStyleCnt="0"/>
+      <dgm:spPr/>
+    </dgm:pt>
+    <dgm:pt modelId="{CB50AAE3-1065-40A1-955E-3B7E14BAA628}" type="pres">
+      <dgm:prSet presAssocID="{B319FAE2-3765-4BF3-8244-E7520DEAE540}" presName="accentRepeatNode" presStyleLbl="solidFgAcc1" presStyleIdx="3" presStyleCnt="4"/>
+      <dgm:spPr/>
+    </dgm:pt>
+  </dgm:ptLst>
+  <dgm:cxnLst>
+    <dgm:cxn modelId="{1902E60F-FAAB-4187-8CE3-6CAFE15CC6D5}" srcId="{222E04BB-88A7-436F-AEA6-58C69A878F49}" destId="{8CF47C46-AFA2-4133-BCF3-E81ADA245901}" srcOrd="0" destOrd="0" parTransId="{78E1DC55-7043-4CD0-83E1-208EDB62E58D}" sibTransId="{E2611111-E0D6-4CDF-9D72-8EF771D5FA0E}"/>
+    <dgm:cxn modelId="{154C5A1B-FE71-4CD7-8A89-4738937E183B}" type="presOf" srcId="{5D2EA632-AE2B-4622-8842-BF98C503F08D}" destId="{F9963788-2395-476A-A8CB-027FA145B4EF}" srcOrd="0" destOrd="1" presId="urn:microsoft.com/office/officeart/2008/layout/VerticalCurvedList"/>
+    <dgm:cxn modelId="{29A2A721-2225-4BA9-9787-0693879AD21C}" type="presOf" srcId="{222E04BB-88A7-436F-AEA6-58C69A878F49}" destId="{73F473BD-3F3C-4F25-BBF5-FB03A69C0828}" srcOrd="0" destOrd="0" presId="urn:microsoft.com/office/officeart/2008/layout/VerticalCurvedList"/>
+    <dgm:cxn modelId="{43D8C03A-CB8B-4DE3-B17F-E59A35504DDB}" srcId="{B319FAE2-3765-4BF3-8244-E7520DEAE540}" destId="{5D2EA632-AE2B-4622-8842-BF98C503F08D}" srcOrd="0" destOrd="0" parTransId="{F73A9872-3D78-4D4B-9E92-DD526674DC43}" sibTransId="{CBCCA0AD-2314-44A4-A89B-63C768CDEA23}"/>
+    <dgm:cxn modelId="{FB756E3E-604A-4628-9CE6-52941C7F150E}" type="presOf" srcId="{E8D57983-4E00-4AD2-A69B-7F4444CDB560}" destId="{FA53A114-638A-4B59-B4EA-64E3D9903C6A}" srcOrd="0" destOrd="0" presId="urn:microsoft.com/office/officeart/2008/layout/VerticalCurvedList"/>
+    <dgm:cxn modelId="{9A98324D-4F7F-4D86-BCE9-9014A91E5337}" srcId="{C99FC39B-A191-49FF-8414-F587A19355EF}" destId="{DE8DC283-A616-4E12-B8C8-F0E7D0842E69}" srcOrd="0" destOrd="0" parTransId="{1391B2C3-9949-4D90-AAA9-89D1374D85AE}" sibTransId="{E8D57983-4E00-4AD2-A69B-7F4444CDB560}"/>
+    <dgm:cxn modelId="{FB671E71-2C07-472C-BD59-C36F99F0B5C1}" type="presOf" srcId="{C99FC39B-A191-49FF-8414-F587A19355EF}" destId="{39A855B7-EFCE-45F6-82D0-0576BC30B6B5}" srcOrd="0" destOrd="0" presId="urn:microsoft.com/office/officeart/2008/layout/VerticalCurvedList"/>
+    <dgm:cxn modelId="{612A8477-B4D4-4E28-AD84-423FF7EED180}" srcId="{B319FAE2-3765-4BF3-8244-E7520DEAE540}" destId="{B8F5A438-7D96-4474-8D4B-B0B5633C2CFC}" srcOrd="1" destOrd="0" parTransId="{FDC63B3F-3C4F-4B10-BD05-E71B503AB8D4}" sibTransId="{EF9CA1C3-4B48-4756-BF4E-965DABAC9A50}"/>
+    <dgm:cxn modelId="{28219C7A-8805-4DCF-8D11-11536600441A}" srcId="{6603BFFC-7B9D-4250-BA4D-1B5074B9CDCC}" destId="{C3904771-43A0-4B09-BCC1-802CA4369066}" srcOrd="0" destOrd="0" parTransId="{BD447D22-724F-4C8D-BBFB-055D850FD9B1}" sibTransId="{AEDF0189-E1C0-441E-A108-0C26DA5D1487}"/>
+    <dgm:cxn modelId="{D5109285-A1AC-4666-A9A4-4BEB48F41FEE}" srcId="{66A15DC4-F34C-40CA-A18C-8378C521ED1A}" destId="{B319FAE2-3765-4BF3-8244-E7520DEAE540}" srcOrd="3" destOrd="0" parTransId="{CFD67DA3-5827-4EAE-8718-5301F06E6595}" sibTransId="{E4739A8A-84B0-4DA9-A28A-B6F43EF96165}"/>
+    <dgm:cxn modelId="{4A26A08C-CB61-4F08-A8F6-CAFA7507CA5F}" srcId="{66A15DC4-F34C-40CA-A18C-8378C521ED1A}" destId="{6603BFFC-7B9D-4250-BA4D-1B5074B9CDCC}" srcOrd="1" destOrd="0" parTransId="{A56294F9-96ED-4F80-AE78-46147E5794FF}" sibTransId="{ABB64D9F-808A-4E98-9B12-F0970CB98F9E}"/>
+    <dgm:cxn modelId="{2D3F2C8D-5C16-4760-9D00-71FB61F7178F}" type="presOf" srcId="{6603BFFC-7B9D-4250-BA4D-1B5074B9CDCC}" destId="{622552BB-AC2B-4E52-A9BF-616DB6930AB8}" srcOrd="0" destOrd="0" presId="urn:microsoft.com/office/officeart/2008/layout/VerticalCurvedList"/>
+    <dgm:cxn modelId="{94A19591-743E-45A6-86E9-4CCDEAF88A8D}" type="presOf" srcId="{DE8DC283-A616-4E12-B8C8-F0E7D0842E69}" destId="{39A855B7-EFCE-45F6-82D0-0576BC30B6B5}" srcOrd="0" destOrd="1" presId="urn:microsoft.com/office/officeart/2008/layout/VerticalCurvedList"/>
+    <dgm:cxn modelId="{E86F0EA5-B85F-4677-A4F8-9B7F7D975F31}" type="presOf" srcId="{C3904771-43A0-4B09-BCC1-802CA4369066}" destId="{622552BB-AC2B-4E52-A9BF-616DB6930AB8}" srcOrd="0" destOrd="1" presId="urn:microsoft.com/office/officeart/2008/layout/VerticalCurvedList"/>
+    <dgm:cxn modelId="{707952AE-7DEB-4AF5-B378-A7888A1354A5}" srcId="{66A15DC4-F34C-40CA-A18C-8378C521ED1A}" destId="{222E04BB-88A7-436F-AEA6-58C69A878F49}" srcOrd="2" destOrd="0" parTransId="{17210292-9B9D-416D-ADA8-B09B16D2CC1D}" sibTransId="{46810BE1-FA1D-409A-97A1-A681C6EEC85E}"/>
+    <dgm:cxn modelId="{7E319BB5-070B-4250-BA32-7B75698D2EB9}" type="presOf" srcId="{8CF47C46-AFA2-4133-BCF3-E81ADA245901}" destId="{73F473BD-3F3C-4F25-BBF5-FB03A69C0828}" srcOrd="0" destOrd="1" presId="urn:microsoft.com/office/officeart/2008/layout/VerticalCurvedList"/>
+    <dgm:cxn modelId="{114043B7-2501-416C-B8C4-73A0590E105A}" type="presOf" srcId="{B319FAE2-3765-4BF3-8244-E7520DEAE540}" destId="{F9963788-2395-476A-A8CB-027FA145B4EF}" srcOrd="0" destOrd="0" presId="urn:microsoft.com/office/officeart/2008/layout/VerticalCurvedList"/>
+    <dgm:cxn modelId="{5BC904D3-3784-423C-A5FB-5476350E083F}" type="presOf" srcId="{66A15DC4-F34C-40CA-A18C-8378C521ED1A}" destId="{8FEE18A1-8D58-4B0E-B5E5-CFA613397ECD}" srcOrd="0" destOrd="0" presId="urn:microsoft.com/office/officeart/2008/layout/VerticalCurvedList"/>
+    <dgm:cxn modelId="{77B0C8D5-AD74-4005-842F-2FAD9F0409C6}" type="presOf" srcId="{B8F5A438-7D96-4474-8D4B-B0B5633C2CFC}" destId="{F9963788-2395-476A-A8CB-027FA145B4EF}" srcOrd="0" destOrd="2" presId="urn:microsoft.com/office/officeart/2008/layout/VerticalCurvedList"/>
+    <dgm:cxn modelId="{2ACB09E8-104E-45D6-9C21-6717951DAA19}" srcId="{66A15DC4-F34C-40CA-A18C-8378C521ED1A}" destId="{C99FC39B-A191-49FF-8414-F587A19355EF}" srcOrd="0" destOrd="0" parTransId="{60F5ECA0-230E-4AD0-8EB0-6D1F4D0A24E8}" sibTransId="{D87140A3-BE3A-4330-B538-0A716FDABF80}"/>
+    <dgm:cxn modelId="{BA9E6420-CAD4-455C-8982-A927161543A8}" type="presParOf" srcId="{8FEE18A1-8D58-4B0E-B5E5-CFA613397ECD}" destId="{68C541FE-09FC-4EDD-AFEE-2CCCC160FFF6}" srcOrd="0" destOrd="0" presId="urn:microsoft.com/office/officeart/2008/layout/VerticalCurvedList"/>
+    <dgm:cxn modelId="{26302E61-96A6-4C1C-8098-4CA814CDB094}" type="presParOf" srcId="{68C541FE-09FC-4EDD-AFEE-2CCCC160FFF6}" destId="{694527EE-9B6F-49A3-934D-00C5831BC572}" srcOrd="0" destOrd="0" presId="urn:microsoft.com/office/officeart/2008/layout/VerticalCurvedList"/>
+    <dgm:cxn modelId="{952B486C-3099-4148-A7A6-212A11467352}" type="presParOf" srcId="{694527EE-9B6F-49A3-934D-00C5831BC572}" destId="{24060F93-F908-4C45-B31D-5F066641A181}" srcOrd="0" destOrd="0" presId="urn:microsoft.com/office/officeart/2008/layout/VerticalCurvedList"/>
+    <dgm:cxn modelId="{9841714E-B27B-4C23-A933-B84F00EA5706}" type="presParOf" srcId="{694527EE-9B6F-49A3-934D-00C5831BC572}" destId="{FA53A114-638A-4B59-B4EA-64E3D9903C6A}" srcOrd="1" destOrd="0" presId="urn:microsoft.com/office/officeart/2008/layout/VerticalCurvedList"/>
+    <dgm:cxn modelId="{09388C43-4A1E-4DC3-888F-6EF9313A881A}" type="presParOf" srcId="{694527EE-9B6F-49A3-934D-00C5831BC572}" destId="{A827CD60-5884-4B19-A1D9-3211B1FA8886}" srcOrd="2" destOrd="0" presId="urn:microsoft.com/office/officeart/2008/layout/VerticalCurvedList"/>
+    <dgm:cxn modelId="{A76EA360-8582-4133-8EBD-CF91348A3897}" type="presParOf" srcId="{694527EE-9B6F-49A3-934D-00C5831BC572}" destId="{7EE99F2A-258F-419F-9504-F39F39841524}" srcOrd="3" destOrd="0" presId="urn:microsoft.com/office/officeart/2008/layout/VerticalCurvedList"/>
+    <dgm:cxn modelId="{3B160870-61EB-4FC7-B953-AAEBC3A92B69}" type="presParOf" srcId="{68C541FE-09FC-4EDD-AFEE-2CCCC160FFF6}" destId="{39A855B7-EFCE-45F6-82D0-0576BC30B6B5}" srcOrd="1" destOrd="0" presId="urn:microsoft.com/office/officeart/2008/layout/VerticalCurvedList"/>
+    <dgm:cxn modelId="{966692C2-CB40-4CC5-BDB9-F268F9C3902F}" type="presParOf" srcId="{68C541FE-09FC-4EDD-AFEE-2CCCC160FFF6}" destId="{B50CABAB-4FE9-428C-8309-E40C35A9D651}" srcOrd="2" destOrd="0" presId="urn:microsoft.com/office/officeart/2008/layout/VerticalCurvedList"/>
+    <dgm:cxn modelId="{04F5A9D7-3EBD-41C6-B3A2-BC46FD367D71}" type="presParOf" srcId="{B50CABAB-4FE9-428C-8309-E40C35A9D651}" destId="{068CAD24-9606-43DD-BC5B-D2D06B0732D7}" srcOrd="0" destOrd="0" presId="urn:microsoft.com/office/officeart/2008/layout/VerticalCurvedList"/>
+    <dgm:cxn modelId="{23317209-27BF-48C9-8AC9-BFD8C3C45E90}" type="presParOf" srcId="{68C541FE-09FC-4EDD-AFEE-2CCCC160FFF6}" destId="{622552BB-AC2B-4E52-A9BF-616DB6930AB8}" srcOrd="3" destOrd="0" presId="urn:microsoft.com/office/officeart/2008/layout/VerticalCurvedList"/>
+    <dgm:cxn modelId="{A4DA491C-AD3D-46EE-BBD3-F3911305272A}" type="presParOf" srcId="{68C541FE-09FC-4EDD-AFEE-2CCCC160FFF6}" destId="{167B34E4-B47B-4328-90ED-99519C599AFD}" srcOrd="4" destOrd="0" presId="urn:microsoft.com/office/officeart/2008/layout/VerticalCurvedList"/>
+    <dgm:cxn modelId="{A524AB6F-3EED-4B7B-A058-9549698A689A}" type="presParOf" srcId="{167B34E4-B47B-4328-90ED-99519C599AFD}" destId="{24FA80D9-0DEC-4812-A161-3F51EC33EBE5}" srcOrd="0" destOrd="0" presId="urn:microsoft.com/office/officeart/2008/layout/VerticalCurvedList"/>
+    <dgm:cxn modelId="{20B35C60-2B27-4E99-9641-FE2B8EF1EC10}" type="presParOf" srcId="{68C541FE-09FC-4EDD-AFEE-2CCCC160FFF6}" destId="{73F473BD-3F3C-4F25-BBF5-FB03A69C0828}" srcOrd="5" destOrd="0" presId="urn:microsoft.com/office/officeart/2008/layout/VerticalCurvedList"/>
+    <dgm:cxn modelId="{F00804F1-D02A-4E3A-B976-622DA6603853}" type="presParOf" srcId="{68C541FE-09FC-4EDD-AFEE-2CCCC160FFF6}" destId="{B3D568FD-C258-477D-8142-BE7C691396A5}" srcOrd="6" destOrd="0" presId="urn:microsoft.com/office/officeart/2008/layout/VerticalCurvedList"/>
+    <dgm:cxn modelId="{8C08921B-37B9-4C91-9729-57CC04D5A54F}" type="presParOf" srcId="{B3D568FD-C258-477D-8142-BE7C691396A5}" destId="{3C19B86F-7EEF-4881-A98C-AB0F335F5784}" srcOrd="0" destOrd="0" presId="urn:microsoft.com/office/officeart/2008/layout/VerticalCurvedList"/>
+    <dgm:cxn modelId="{6BF56ECA-66C2-41E7-ACF3-04C037D6A138}" type="presParOf" srcId="{68C541FE-09FC-4EDD-AFEE-2CCCC160FFF6}" destId="{F9963788-2395-476A-A8CB-027FA145B4EF}" srcOrd="7" destOrd="0" presId="urn:microsoft.com/office/officeart/2008/layout/VerticalCurvedList"/>
+    <dgm:cxn modelId="{BA920A88-7931-49DD-9DB4-53FAB3E7981C}" type="presParOf" srcId="{68C541FE-09FC-4EDD-AFEE-2CCCC160FFF6}" destId="{EA137AEE-48CF-46DC-897F-B5CF0C17A341}" srcOrd="8" destOrd="0" presId="urn:microsoft.com/office/officeart/2008/layout/VerticalCurvedList"/>
+    <dgm:cxn modelId="{5248B0E2-92A0-44BE-89AA-3862AD01E9C6}" type="presParOf" srcId="{EA137AEE-48CF-46DC-897F-B5CF0C17A341}" destId="{CB50AAE3-1065-40A1-955E-3B7E14BAA628}" srcOrd="0" destOrd="0" presId="urn:microsoft.com/office/officeart/2008/layout/VerticalCurvedList"/>
+  </dgm:cxnLst>
+  <dgm:bg/>
+  <dgm:whole/>
+  <dgm:extLst>
+    <a:ext uri="http://schemas.microsoft.com/office/drawing/2008/diagram">
+      <dsp:dataModelExt xmlns:dsp="http://schemas.microsoft.com/office/drawing/2008/diagram" relId="rId7" minVer="http://schemas.openxmlformats.org/drawingml/2006/diagram"/>
+    </a:ext>
+  </dgm:extLst>
+</dgm:dataModel>
+</file>
+
+<file path=ppt/diagrams/drawing1.xml><?xml version="1.0" encoding="utf-8"?>
+<dsp:drawing xmlns:dgm="http://schemas.openxmlformats.org/drawingml/2006/diagram" xmlns:dsp="http://schemas.microsoft.com/office/drawing/2008/diagram" xmlns:a="http://schemas.openxmlformats.org/drawingml/2006/main">
+  <dsp:spTree>
+    <dsp:nvGrpSpPr>
+      <dsp:cNvPr id="0" name=""/>
+      <dsp:cNvGrpSpPr/>
+    </dsp:nvGrpSpPr>
+    <dsp:grpSpPr/>
+    <dsp:sp modelId="{46569FE1-1605-4B36-8795-D71CFAEDBE7A}">
+      <dsp:nvSpPr>
+        <dsp:cNvPr id="0" name=""/>
+        <dsp:cNvSpPr/>
+      </dsp:nvSpPr>
+      <dsp:spPr>
+        <a:xfrm rot="5400000">
+          <a:off x="249210" y="1533248"/>
+          <a:ext cx="932154" cy="1061225"/>
+        </a:xfrm>
+        <a:prstGeom prst="bentUpArrow">
+          <a:avLst>
+            <a:gd name="adj1" fmla="val 32840"/>
+            <a:gd name="adj2" fmla="val 25000"/>
+            <a:gd name="adj3" fmla="val 35780"/>
+          </a:avLst>
+        </a:prstGeom>
+        <a:solidFill>
+          <a:schemeClr val="dk2">
+            <a:tint val="50000"/>
+            <a:hueOff val="0"/>
+            <a:satOff val="0"/>
+            <a:lumOff val="0"/>
+            <a:alphaOff val="0"/>
+          </a:schemeClr>
+        </a:solidFill>
+        <a:ln w="12700" cap="flat" cmpd="sng" algn="ctr">
+          <a:solidFill>
+            <a:schemeClr val="dk2">
+              <a:shade val="80000"/>
+              <a:hueOff val="0"/>
+              <a:satOff val="0"/>
+              <a:lumOff val="0"/>
+              <a:alphaOff val="0"/>
+            </a:schemeClr>
+          </a:solidFill>
+          <a:prstDash val="solid"/>
+          <a:miter lim="800000"/>
+        </a:ln>
+        <a:effectLst/>
+      </dsp:spPr>
+      <dsp:style>
+        <a:lnRef idx="2">
+          <a:scrgbClr r="0" g="0" b="0"/>
+        </a:lnRef>
+        <a:fillRef idx="1">
+          <a:scrgbClr r="0" g="0" b="0"/>
+        </a:fillRef>
+        <a:effectRef idx="0">
+          <a:scrgbClr r="0" g="0" b="0"/>
+        </a:effectRef>
+        <a:fontRef idx="minor"/>
+      </dsp:style>
+    </dsp:sp>
+    <dsp:sp modelId="{9B96DF07-D727-4BFF-9B65-BBA3269F281A}">
+      <dsp:nvSpPr>
+        <dsp:cNvPr id="0" name=""/>
+        <dsp:cNvSpPr/>
+      </dsp:nvSpPr>
+      <dsp:spPr>
+        <a:xfrm>
+          <a:off x="2246" y="499935"/>
+          <a:ext cx="1569199" cy="1098388"/>
+        </a:xfrm>
+        <a:prstGeom prst="roundRect">
+          <a:avLst>
+            <a:gd name="adj" fmla="val 16670"/>
+          </a:avLst>
+        </a:prstGeom>
+        <a:solidFill>
+          <a:schemeClr val="dk2">
+            <a:hueOff val="0"/>
+            <a:satOff val="0"/>
+            <a:lumOff val="0"/>
+            <a:alphaOff val="0"/>
+          </a:schemeClr>
+        </a:solidFill>
+        <a:ln w="12700" cap="flat" cmpd="sng" algn="ctr">
+          <a:solidFill>
+            <a:schemeClr val="lt2">
+              <a:hueOff val="0"/>
+              <a:satOff val="0"/>
+              <a:lumOff val="0"/>
+              <a:alphaOff val="0"/>
+            </a:schemeClr>
+          </a:solidFill>
+          <a:prstDash val="solid"/>
+          <a:miter lim="800000"/>
+        </a:ln>
+        <a:effectLst/>
+      </dsp:spPr>
+      <dsp:style>
+        <a:lnRef idx="2">
+          <a:scrgbClr r="0" g="0" b="0"/>
+        </a:lnRef>
+        <a:fillRef idx="1">
+          <a:scrgbClr r="0" g="0" b="0"/>
+        </a:fillRef>
+        <a:effectRef idx="0">
+          <a:scrgbClr r="0" g="0" b="0"/>
+        </a:effectRef>
+        <a:fontRef idx="minor">
+          <a:schemeClr val="lt1"/>
+        </a:fontRef>
+      </dsp:style>
+      <dsp:txBody>
+        <a:bodyPr spcFirstLastPara="0" vert="horz" wrap="square" lIns="72390" tIns="72390" rIns="72390" bIns="72390" numCol="1" spcCol="1270" anchor="ctr" anchorCtr="0">
+          <a:noAutofit/>
+        </a:bodyPr>
+        <a:lstStyle/>
+        <a:p>
+          <a:pPr marL="0" lvl="0" indent="0" algn="ctr" defTabSz="844550">
+            <a:lnSpc>
+              <a:spcPct val="90000"/>
+            </a:lnSpc>
+            <a:spcBef>
+              <a:spcPct val="0"/>
+            </a:spcBef>
+            <a:spcAft>
+              <a:spcPct val="35000"/>
+            </a:spcAft>
+            <a:buNone/>
+          </a:pPr>
+          <a:r>
+            <a:rPr lang="de-DE" sz="1900" kern="1200" dirty="0"/>
+            <a:t>Port öffnen</a:t>
+          </a:r>
+        </a:p>
+      </dsp:txBody>
+      <dsp:txXfrm>
+        <a:off x="55875" y="553564"/>
+        <a:ext cx="1461941" cy="991130"/>
+      </dsp:txXfrm>
+    </dsp:sp>
+    <dsp:sp modelId="{26509860-8451-4E81-A78A-220D9583893F}">
+      <dsp:nvSpPr>
+        <dsp:cNvPr id="0" name=""/>
+        <dsp:cNvSpPr/>
+      </dsp:nvSpPr>
+      <dsp:spPr>
+        <a:xfrm>
+          <a:off x="1571446" y="604692"/>
+          <a:ext cx="1141286" cy="887766"/>
+        </a:xfrm>
+        <a:prstGeom prst="rect">
+          <a:avLst/>
+        </a:prstGeom>
+        <a:noFill/>
+        <a:ln>
+          <a:noFill/>
+        </a:ln>
+        <a:effectLst/>
+      </dsp:spPr>
+      <dsp:style>
+        <a:lnRef idx="0">
+          <a:scrgbClr r="0" g="0" b="0"/>
+        </a:lnRef>
+        <a:fillRef idx="0">
+          <a:scrgbClr r="0" g="0" b="0"/>
+        </a:fillRef>
+        <a:effectRef idx="0">
+          <a:scrgbClr r="0" g="0" b="0"/>
+        </a:effectRef>
+        <a:fontRef idx="minor"/>
+      </dsp:style>
+    </dsp:sp>
+    <dsp:sp modelId="{EF7F75C7-7C19-49C3-8425-B527160CA725}">
+      <dsp:nvSpPr>
+        <dsp:cNvPr id="0" name=""/>
+        <dsp:cNvSpPr/>
+      </dsp:nvSpPr>
+      <dsp:spPr>
+        <a:xfrm rot="5400000">
+          <a:off x="1550244" y="2767101"/>
+          <a:ext cx="932154" cy="1061225"/>
+        </a:xfrm>
+        <a:prstGeom prst="bentUpArrow">
+          <a:avLst>
+            <a:gd name="adj1" fmla="val 32840"/>
+            <a:gd name="adj2" fmla="val 25000"/>
+            <a:gd name="adj3" fmla="val 35780"/>
+          </a:avLst>
+        </a:prstGeom>
+        <a:solidFill>
+          <a:schemeClr val="dk2">
+            <a:tint val="50000"/>
+            <a:hueOff val="0"/>
+            <a:satOff val="0"/>
+            <a:lumOff val="0"/>
+            <a:alphaOff val="0"/>
+          </a:schemeClr>
+        </a:solidFill>
+        <a:ln w="12700" cap="flat" cmpd="sng" algn="ctr">
+          <a:solidFill>
+            <a:schemeClr val="dk2">
+              <a:shade val="80000"/>
+              <a:hueOff val="0"/>
+              <a:satOff val="0"/>
+              <a:lumOff val="0"/>
+              <a:alphaOff val="0"/>
+            </a:schemeClr>
+          </a:solidFill>
+          <a:prstDash val="solid"/>
+          <a:miter lim="800000"/>
+        </a:ln>
+        <a:effectLst/>
+      </dsp:spPr>
+      <dsp:style>
+        <a:lnRef idx="2">
+          <a:scrgbClr r="0" g="0" b="0"/>
+        </a:lnRef>
+        <a:fillRef idx="1">
+          <a:scrgbClr r="0" g="0" b="0"/>
+        </a:fillRef>
+        <a:effectRef idx="0">
+          <a:scrgbClr r="0" g="0" b="0"/>
+        </a:effectRef>
+        <a:fontRef idx="minor"/>
+      </dsp:style>
+    </dsp:sp>
+    <dsp:sp modelId="{F0171777-06A4-4941-81E8-0E71A556219F}">
+      <dsp:nvSpPr>
+        <dsp:cNvPr id="0" name=""/>
+        <dsp:cNvSpPr/>
+      </dsp:nvSpPr>
+      <dsp:spPr>
+        <a:xfrm>
+          <a:off x="1303279" y="1733789"/>
+          <a:ext cx="1569199" cy="1098388"/>
+        </a:xfrm>
+        <a:prstGeom prst="roundRect">
+          <a:avLst>
+            <a:gd name="adj" fmla="val 16670"/>
+          </a:avLst>
+        </a:prstGeom>
+        <a:solidFill>
+          <a:schemeClr val="dk2">
+            <a:hueOff val="0"/>
+            <a:satOff val="0"/>
+            <a:lumOff val="0"/>
+            <a:alphaOff val="0"/>
+          </a:schemeClr>
+        </a:solidFill>
+        <a:ln w="12700" cap="flat" cmpd="sng" algn="ctr">
+          <a:solidFill>
+            <a:schemeClr val="lt2">
+              <a:hueOff val="0"/>
+              <a:satOff val="0"/>
+              <a:lumOff val="0"/>
+              <a:alphaOff val="0"/>
+            </a:schemeClr>
+          </a:solidFill>
+          <a:prstDash val="solid"/>
+          <a:miter lim="800000"/>
+        </a:ln>
+        <a:effectLst/>
+      </dsp:spPr>
+      <dsp:style>
+        <a:lnRef idx="2">
+          <a:scrgbClr r="0" g="0" b="0"/>
+        </a:lnRef>
+        <a:fillRef idx="1">
+          <a:scrgbClr r="0" g="0" b="0"/>
+        </a:fillRef>
+        <a:effectRef idx="0">
+          <a:scrgbClr r="0" g="0" b="0"/>
+        </a:effectRef>
+        <a:fontRef idx="minor">
+          <a:schemeClr val="lt1"/>
+        </a:fontRef>
+      </dsp:style>
+      <dsp:txBody>
+        <a:bodyPr spcFirstLastPara="0" vert="horz" wrap="square" lIns="72390" tIns="72390" rIns="72390" bIns="72390" numCol="1" spcCol="1270" anchor="ctr" anchorCtr="0">
+          <a:noAutofit/>
+        </a:bodyPr>
+        <a:lstStyle/>
+        <a:p>
+          <a:pPr marL="0" lvl="0" indent="0" algn="ctr" defTabSz="844550">
+            <a:lnSpc>
+              <a:spcPct val="90000"/>
+            </a:lnSpc>
+            <a:spcBef>
+              <a:spcPct val="0"/>
+            </a:spcBef>
+            <a:spcAft>
+              <a:spcPct val="35000"/>
+            </a:spcAft>
+            <a:buNone/>
+          </a:pPr>
+          <a:r>
+            <a:rPr lang="de-DE" sz="1900" kern="1200" dirty="0"/>
+            <a:t>Port konfigurieren</a:t>
+          </a:r>
+        </a:p>
+      </dsp:txBody>
+      <dsp:txXfrm>
+        <a:off x="1356908" y="1787418"/>
+        <a:ext cx="1461941" cy="991130"/>
+      </dsp:txXfrm>
+    </dsp:sp>
+    <dsp:sp modelId="{78663588-2508-4258-B8AA-880DA12EA827}">
+      <dsp:nvSpPr>
+        <dsp:cNvPr id="0" name=""/>
+        <dsp:cNvSpPr/>
+      </dsp:nvSpPr>
+      <dsp:spPr>
+        <a:xfrm>
+          <a:off x="2872479" y="1838545"/>
+          <a:ext cx="1141286" cy="887766"/>
+        </a:xfrm>
+        <a:prstGeom prst="rect">
+          <a:avLst/>
+        </a:prstGeom>
+        <a:noFill/>
+        <a:ln>
+          <a:noFill/>
+        </a:ln>
+        <a:effectLst/>
+      </dsp:spPr>
+      <dsp:style>
+        <a:lnRef idx="0">
+          <a:scrgbClr r="0" g="0" b="0"/>
+        </a:lnRef>
+        <a:fillRef idx="0">
+          <a:scrgbClr r="0" g="0" b="0"/>
+        </a:fillRef>
+        <a:effectRef idx="0">
+          <a:scrgbClr r="0" g="0" b="0"/>
+        </a:effectRef>
+        <a:fontRef idx="minor"/>
+      </dsp:style>
+    </dsp:sp>
+    <dsp:sp modelId="{EC49155E-747D-4303-8FC1-6D0294522666}">
+      <dsp:nvSpPr>
+        <dsp:cNvPr id="0" name=""/>
+        <dsp:cNvSpPr/>
+      </dsp:nvSpPr>
+      <dsp:spPr>
+        <a:xfrm>
+          <a:off x="2604312" y="2967642"/>
+          <a:ext cx="1569199" cy="1098388"/>
+        </a:xfrm>
+        <a:prstGeom prst="roundRect">
+          <a:avLst>
+            <a:gd name="adj" fmla="val 16670"/>
+          </a:avLst>
+        </a:prstGeom>
+        <a:solidFill>
+          <a:schemeClr val="dk2">
+            <a:hueOff val="0"/>
+            <a:satOff val="0"/>
+            <a:lumOff val="0"/>
+            <a:alphaOff val="0"/>
+          </a:schemeClr>
+        </a:solidFill>
+        <a:ln w="12700" cap="flat" cmpd="sng" algn="ctr">
+          <a:solidFill>
+            <a:schemeClr val="lt2">
+              <a:hueOff val="0"/>
+              <a:satOff val="0"/>
+              <a:lumOff val="0"/>
+              <a:alphaOff val="0"/>
+            </a:schemeClr>
+          </a:solidFill>
+          <a:prstDash val="solid"/>
+          <a:miter lim="800000"/>
+        </a:ln>
+        <a:effectLst/>
+      </dsp:spPr>
+      <dsp:style>
+        <a:lnRef idx="2">
+          <a:scrgbClr r="0" g="0" b="0"/>
+        </a:lnRef>
+        <a:fillRef idx="1">
+          <a:scrgbClr r="0" g="0" b="0"/>
+        </a:fillRef>
+        <a:effectRef idx="0">
+          <a:scrgbClr r="0" g="0" b="0"/>
+        </a:effectRef>
+        <a:fontRef idx="minor">
+          <a:schemeClr val="lt1"/>
+        </a:fontRef>
+      </dsp:style>
+      <dsp:txBody>
+        <a:bodyPr spcFirstLastPara="0" vert="horz" wrap="square" lIns="72390" tIns="72390" rIns="72390" bIns="72390" numCol="1" spcCol="1270" anchor="ctr" anchorCtr="0">
+          <a:noAutofit/>
+        </a:bodyPr>
+        <a:lstStyle/>
+        <a:p>
+          <a:pPr marL="0" lvl="0" indent="0" algn="ctr" defTabSz="844550">
+            <a:lnSpc>
+              <a:spcPct val="90000"/>
+            </a:lnSpc>
+            <a:spcBef>
+              <a:spcPct val="0"/>
+            </a:spcBef>
+            <a:spcAft>
+              <a:spcPct val="35000"/>
+            </a:spcAft>
+            <a:buNone/>
+          </a:pPr>
+          <a:r>
+            <a:rPr lang="de-DE" sz="1900" kern="1200" dirty="0"/>
+            <a:t>Auf Arduino warten</a:t>
+          </a:r>
+        </a:p>
+      </dsp:txBody>
+      <dsp:txXfrm>
+        <a:off x="2657941" y="3021271"/>
+        <a:ext cx="1461941" cy="991130"/>
+      </dsp:txXfrm>
+    </dsp:sp>
+  </dsp:spTree>
+</dsp:drawing>
+</file>
+
+<file path=ppt/diagrams/drawing2.xml><?xml version="1.0" encoding="utf-8"?>
+<dsp:drawing xmlns:dgm="http://schemas.openxmlformats.org/drawingml/2006/diagram" xmlns:dsp="http://schemas.microsoft.com/office/drawing/2008/diagram" xmlns:a="http://schemas.openxmlformats.org/drawingml/2006/main">
+  <dsp:spTree>
+    <dsp:nvGrpSpPr>
+      <dsp:cNvPr id="0" name=""/>
+      <dsp:cNvGrpSpPr/>
+    </dsp:nvGrpSpPr>
+    <dsp:grpSpPr/>
+    <dsp:sp modelId="{FA53A114-638A-4B59-B4EA-64E3D9903C6A}">
+      <dsp:nvSpPr>
+        <dsp:cNvPr id="0" name=""/>
+        <dsp:cNvSpPr/>
+      </dsp:nvSpPr>
+      <dsp:spPr>
+        <a:xfrm>
+          <a:off x="-5498835" y="-841915"/>
+          <a:ext cx="6547296" cy="6547296"/>
+        </a:xfrm>
+        <a:prstGeom prst="blockArc">
+          <a:avLst>
+            <a:gd name="adj1" fmla="val 18900000"/>
+            <a:gd name="adj2" fmla="val 2700000"/>
+            <a:gd name="adj3" fmla="val 330"/>
+          </a:avLst>
+        </a:prstGeom>
+        <a:noFill/>
+        <a:ln w="12700" cap="flat" cmpd="sng" algn="ctr">
+          <a:solidFill>
+            <a:schemeClr val="accent6">
+              <a:hueOff val="0"/>
+              <a:satOff val="0"/>
+              <a:lumOff val="0"/>
+              <a:alphaOff val="0"/>
+            </a:schemeClr>
+          </a:solidFill>
+          <a:prstDash val="solid"/>
+          <a:miter lim="800000"/>
+        </a:ln>
+        <a:effectLst/>
+      </dsp:spPr>
+      <dsp:style>
+        <a:lnRef idx="2">
+          <a:scrgbClr r="0" g="0" b="0"/>
+        </a:lnRef>
+        <a:fillRef idx="0">
+          <a:scrgbClr r="0" g="0" b="0"/>
+        </a:fillRef>
+        <a:effectRef idx="0">
+          <a:scrgbClr r="0" g="0" b="0"/>
+        </a:effectRef>
+        <a:fontRef idx="minor"/>
+      </dsp:style>
+    </dsp:sp>
+    <dsp:sp modelId="{39A855B7-EFCE-45F6-82D0-0576BC30B6B5}">
+      <dsp:nvSpPr>
+        <dsp:cNvPr id="0" name=""/>
+        <dsp:cNvSpPr/>
+      </dsp:nvSpPr>
+      <dsp:spPr>
+        <a:xfrm>
+          <a:off x="548874" y="373903"/>
+          <a:ext cx="5479312" cy="748195"/>
+        </a:xfrm>
+        <a:prstGeom prst="rect">
+          <a:avLst/>
+        </a:prstGeom>
+        <a:solidFill>
+          <a:schemeClr val="accent5">
+            <a:hueOff val="0"/>
+            <a:satOff val="0"/>
+            <a:lumOff val="0"/>
+            <a:alphaOff val="0"/>
+          </a:schemeClr>
+        </a:solidFill>
+        <a:ln w="12700" cap="flat" cmpd="sng" algn="ctr">
+          <a:solidFill>
+            <a:schemeClr val="lt1">
+              <a:hueOff val="0"/>
+              <a:satOff val="0"/>
+              <a:lumOff val="0"/>
+              <a:alphaOff val="0"/>
+            </a:schemeClr>
+          </a:solidFill>
+          <a:prstDash val="solid"/>
+          <a:miter lim="800000"/>
+        </a:ln>
+        <a:effectLst/>
+      </dsp:spPr>
+      <dsp:style>
+        <a:lnRef idx="2">
+          <a:scrgbClr r="0" g="0" b="0"/>
+        </a:lnRef>
+        <a:fillRef idx="1">
+          <a:scrgbClr r="0" g="0" b="0"/>
+        </a:fillRef>
+        <a:effectRef idx="0">
+          <a:scrgbClr r="0" g="0" b="0"/>
+        </a:effectRef>
+        <a:fontRef idx="minor">
+          <a:schemeClr val="lt1"/>
+        </a:fontRef>
+      </dsp:style>
+      <dsp:txBody>
+        <a:bodyPr spcFirstLastPara="0" vert="horz" wrap="square" lIns="593880" tIns="38100" rIns="38100" bIns="38100" numCol="1" spcCol="1270" anchor="t" anchorCtr="0">
+          <a:noAutofit/>
+        </a:bodyPr>
+        <a:lstStyle/>
+        <a:p>
+          <a:pPr marL="0" lvl="0" indent="0" algn="l" defTabSz="666750">
+            <a:lnSpc>
+              <a:spcPct val="90000"/>
+            </a:lnSpc>
+            <a:spcBef>
+              <a:spcPct val="0"/>
+            </a:spcBef>
+            <a:spcAft>
+              <a:spcPct val="35000"/>
+            </a:spcAft>
+            <a:buNone/>
+          </a:pPr>
+          <a:r>
+            <a:rPr lang="de-DE" sz="1500" kern="1200" dirty="0"/>
+            <a:t>Plattformunabhängige GUI-Bibliothek</a:t>
+          </a:r>
+        </a:p>
+        <a:p>
+          <a:pPr marL="114300" lvl="1" indent="-114300" algn="l" defTabSz="533400">
+            <a:lnSpc>
+              <a:spcPct val="90000"/>
+            </a:lnSpc>
+            <a:spcBef>
+              <a:spcPct val="0"/>
+            </a:spcBef>
+            <a:spcAft>
+              <a:spcPct val="15000"/>
+            </a:spcAft>
+            <a:buChar char="•"/>
+          </a:pPr>
+          <a:r>
+            <a:rPr lang="de-DE" sz="1200" kern="1200" dirty="0"/>
+            <a:t>Windows / Linux / OSX / iOS / Android</a:t>
+          </a:r>
+        </a:p>
+      </dsp:txBody>
+      <dsp:txXfrm>
+        <a:off x="548874" y="373903"/>
+        <a:ext cx="5479312" cy="748195"/>
+      </dsp:txXfrm>
+    </dsp:sp>
+    <dsp:sp modelId="{068CAD24-9606-43DD-BC5B-D2D06B0732D7}">
+      <dsp:nvSpPr>
+        <dsp:cNvPr id="0" name=""/>
+        <dsp:cNvSpPr/>
+      </dsp:nvSpPr>
+      <dsp:spPr>
+        <a:xfrm>
+          <a:off x="81251" y="280378"/>
+          <a:ext cx="935244" cy="935244"/>
+        </a:xfrm>
+        <a:prstGeom prst="ellipse">
+          <a:avLst/>
+        </a:prstGeom>
+        <a:solidFill>
+          <a:schemeClr val="lt1">
+            <a:hueOff val="0"/>
+            <a:satOff val="0"/>
+            <a:lumOff val="0"/>
+            <a:alphaOff val="0"/>
+          </a:schemeClr>
+        </a:solidFill>
+        <a:ln w="12700" cap="flat" cmpd="sng" algn="ctr">
+          <a:solidFill>
+            <a:schemeClr val="accent5">
+              <a:hueOff val="0"/>
+              <a:satOff val="0"/>
+              <a:lumOff val="0"/>
+              <a:alphaOff val="0"/>
+            </a:schemeClr>
+          </a:solidFill>
+          <a:prstDash val="solid"/>
+          <a:miter lim="800000"/>
+        </a:ln>
+        <a:effectLst/>
+      </dsp:spPr>
+      <dsp:style>
+        <a:lnRef idx="2">
+          <a:scrgbClr r="0" g="0" b="0"/>
+        </a:lnRef>
+        <a:fillRef idx="1">
+          <a:scrgbClr r="0" g="0" b="0"/>
+        </a:fillRef>
+        <a:effectRef idx="0">
+          <a:scrgbClr r="0" g="0" b="0"/>
+        </a:effectRef>
+        <a:fontRef idx="minor"/>
+      </dsp:style>
+    </dsp:sp>
+    <dsp:sp modelId="{622552BB-AC2B-4E52-A9BF-616DB6930AB8}">
+      <dsp:nvSpPr>
+        <dsp:cNvPr id="0" name=""/>
+        <dsp:cNvSpPr/>
+      </dsp:nvSpPr>
+      <dsp:spPr>
+        <a:xfrm>
+          <a:off x="977831" y="1496390"/>
+          <a:ext cx="5050355" cy="748195"/>
+        </a:xfrm>
+        <a:prstGeom prst="rect">
+          <a:avLst/>
+        </a:prstGeom>
+        <a:solidFill>
+          <a:schemeClr val="accent5">
+            <a:hueOff val="-2451115"/>
+            <a:satOff val="-3409"/>
+            <a:lumOff val="-1307"/>
+            <a:alphaOff val="0"/>
+          </a:schemeClr>
+        </a:solidFill>
+        <a:ln w="12700" cap="flat" cmpd="sng" algn="ctr">
+          <a:solidFill>
+            <a:schemeClr val="lt1">
+              <a:hueOff val="0"/>
+              <a:satOff val="0"/>
+              <a:lumOff val="0"/>
+              <a:alphaOff val="0"/>
+            </a:schemeClr>
+          </a:solidFill>
+          <a:prstDash val="solid"/>
+          <a:miter lim="800000"/>
+        </a:ln>
+        <a:effectLst/>
+      </dsp:spPr>
+      <dsp:style>
+        <a:lnRef idx="2">
+          <a:scrgbClr r="0" g="0" b="0"/>
+        </a:lnRef>
+        <a:fillRef idx="1">
+          <a:scrgbClr r="0" g="0" b="0"/>
+        </a:fillRef>
+        <a:effectRef idx="0">
+          <a:scrgbClr r="0" g="0" b="0"/>
+        </a:effectRef>
+        <a:fontRef idx="minor">
+          <a:schemeClr val="lt1"/>
+        </a:fontRef>
+      </dsp:style>
+      <dsp:txBody>
+        <a:bodyPr spcFirstLastPara="0" vert="horz" wrap="square" lIns="593880" tIns="38100" rIns="38100" bIns="38100" numCol="1" spcCol="1270" anchor="t" anchorCtr="0">
+          <a:noAutofit/>
+        </a:bodyPr>
+        <a:lstStyle/>
+        <a:p>
+          <a:pPr marL="0" lvl="0" indent="0" algn="l" defTabSz="666750">
+            <a:lnSpc>
+              <a:spcPct val="90000"/>
+            </a:lnSpc>
+            <a:spcBef>
+              <a:spcPct val="0"/>
+            </a:spcBef>
+            <a:spcAft>
+              <a:spcPct val="35000"/>
+            </a:spcAft>
+            <a:buNone/>
+          </a:pPr>
+          <a:r>
+            <a:rPr lang="de-DE" sz="1500" kern="1200" dirty="0"/>
+            <a:t>Kein Cross-Compiler nötig </a:t>
+          </a:r>
+        </a:p>
+        <a:p>
+          <a:pPr marL="114300" lvl="1" indent="-114300" algn="l" defTabSz="533400">
+            <a:lnSpc>
+              <a:spcPct val="90000"/>
+            </a:lnSpc>
+            <a:spcBef>
+              <a:spcPct val="0"/>
+            </a:spcBef>
+            <a:spcAft>
+              <a:spcPct val="15000"/>
+            </a:spcAft>
+            <a:buChar char="•"/>
+          </a:pPr>
+          <a:r>
+            <a:rPr lang="de-DE" sz="1200" kern="1200" dirty="0"/>
+            <a:t>Einmaliges kompilieren auf der Zielplattform (Raspbian Stretch)</a:t>
+          </a:r>
+        </a:p>
+      </dsp:txBody>
+      <dsp:txXfrm>
+        <a:off x="977831" y="1496390"/>
+        <a:ext cx="5050355" cy="748195"/>
+      </dsp:txXfrm>
+    </dsp:sp>
+    <dsp:sp modelId="{24FA80D9-0DEC-4812-A161-3F51EC33EBE5}">
+      <dsp:nvSpPr>
+        <dsp:cNvPr id="0" name=""/>
+        <dsp:cNvSpPr/>
+      </dsp:nvSpPr>
+      <dsp:spPr>
+        <a:xfrm>
+          <a:off x="510209" y="1402866"/>
+          <a:ext cx="935244" cy="935244"/>
+        </a:xfrm>
+        <a:prstGeom prst="ellipse">
+          <a:avLst/>
+        </a:prstGeom>
+        <a:solidFill>
+          <a:schemeClr val="lt1">
+            <a:hueOff val="0"/>
+            <a:satOff val="0"/>
+            <a:lumOff val="0"/>
+            <a:alphaOff val="0"/>
+          </a:schemeClr>
+        </a:solidFill>
+        <a:ln w="12700" cap="flat" cmpd="sng" algn="ctr">
+          <a:solidFill>
+            <a:schemeClr val="accent5">
+              <a:hueOff val="-2451115"/>
+              <a:satOff val="-3409"/>
+              <a:lumOff val="-1307"/>
+              <a:alphaOff val="0"/>
+            </a:schemeClr>
+          </a:solidFill>
+          <a:prstDash val="solid"/>
+          <a:miter lim="800000"/>
+        </a:ln>
+        <a:effectLst/>
+      </dsp:spPr>
+      <dsp:style>
+        <a:lnRef idx="2">
+          <a:scrgbClr r="0" g="0" b="0"/>
+        </a:lnRef>
+        <a:fillRef idx="1">
+          <a:scrgbClr r="0" g="0" b="0"/>
+        </a:fillRef>
+        <a:effectRef idx="0">
+          <a:scrgbClr r="0" g="0" b="0"/>
+        </a:effectRef>
+        <a:fontRef idx="minor"/>
+      </dsp:style>
+    </dsp:sp>
+    <dsp:sp modelId="{73F473BD-3F3C-4F25-BBF5-FB03A69C0828}">
+      <dsp:nvSpPr>
+        <dsp:cNvPr id="0" name=""/>
+        <dsp:cNvSpPr/>
+      </dsp:nvSpPr>
+      <dsp:spPr>
+        <a:xfrm>
+          <a:off x="977831" y="2618878"/>
+          <a:ext cx="5050355" cy="748195"/>
+        </a:xfrm>
+        <a:prstGeom prst="rect">
+          <a:avLst/>
+        </a:prstGeom>
+        <a:solidFill>
+          <a:schemeClr val="accent5">
+            <a:hueOff val="-4902230"/>
+            <a:satOff val="-6819"/>
+            <a:lumOff val="-2615"/>
+            <a:alphaOff val="0"/>
+          </a:schemeClr>
+        </a:solidFill>
+        <a:ln w="12700" cap="flat" cmpd="sng" algn="ctr">
+          <a:solidFill>
+            <a:schemeClr val="lt1">
+              <a:hueOff val="0"/>
+              <a:satOff val="0"/>
+              <a:lumOff val="0"/>
+              <a:alphaOff val="0"/>
+            </a:schemeClr>
+          </a:solidFill>
+          <a:prstDash val="solid"/>
+          <a:miter lim="800000"/>
+        </a:ln>
+        <a:effectLst/>
+      </dsp:spPr>
+      <dsp:style>
+        <a:lnRef idx="2">
+          <a:scrgbClr r="0" g="0" b="0"/>
+        </a:lnRef>
+        <a:fillRef idx="1">
+          <a:scrgbClr r="0" g="0" b="0"/>
+        </a:fillRef>
+        <a:effectRef idx="0">
+          <a:scrgbClr r="0" g="0" b="0"/>
+        </a:effectRef>
+        <a:fontRef idx="minor">
+          <a:schemeClr val="lt1"/>
+        </a:fontRef>
+      </dsp:style>
+      <dsp:txBody>
+        <a:bodyPr spcFirstLastPara="0" vert="horz" wrap="square" lIns="593880" tIns="38100" rIns="38100" bIns="38100" numCol="1" spcCol="1270" anchor="t" anchorCtr="0">
+          <a:noAutofit/>
+        </a:bodyPr>
+        <a:lstStyle/>
+        <a:p>
+          <a:pPr marL="0" lvl="0" indent="0" algn="l" defTabSz="666750">
+            <a:lnSpc>
+              <a:spcPct val="90000"/>
+            </a:lnSpc>
+            <a:spcBef>
+              <a:spcPct val="0"/>
+            </a:spcBef>
+            <a:spcAft>
+              <a:spcPct val="35000"/>
+            </a:spcAft>
+            <a:buNone/>
+          </a:pPr>
+          <a:r>
+            <a:rPr lang="de-DE" sz="1500" kern="1200" dirty="0"/>
+            <a:t>C++ / Qt Bibliotheken (nicht GUI)</a:t>
+          </a:r>
+        </a:p>
+        <a:p>
+          <a:pPr marL="114300" lvl="1" indent="-114300" algn="l" defTabSz="533400">
+            <a:lnSpc>
+              <a:spcPct val="90000"/>
+            </a:lnSpc>
+            <a:spcBef>
+              <a:spcPct val="0"/>
+            </a:spcBef>
+            <a:spcAft>
+              <a:spcPct val="15000"/>
+            </a:spcAft>
+            <a:buChar char="•"/>
+          </a:pPr>
+          <a:r>
+            <a:rPr lang="de-DE" sz="1200" kern="1200" dirty="0"/>
+            <a:t>Qt bietet auch eine große Auswahl an nicht GUI Bibliotheken</a:t>
+          </a:r>
+        </a:p>
+      </dsp:txBody>
+      <dsp:txXfrm>
+        <a:off x="977831" y="2618878"/>
+        <a:ext cx="5050355" cy="748195"/>
+      </dsp:txXfrm>
+    </dsp:sp>
+    <dsp:sp modelId="{3C19B86F-7EEF-4881-A98C-AB0F335F5784}">
+      <dsp:nvSpPr>
+        <dsp:cNvPr id="0" name=""/>
+        <dsp:cNvSpPr/>
+      </dsp:nvSpPr>
+      <dsp:spPr>
+        <a:xfrm>
+          <a:off x="510209" y="2525354"/>
+          <a:ext cx="935244" cy="935244"/>
+        </a:xfrm>
+        <a:prstGeom prst="ellipse">
+          <a:avLst/>
+        </a:prstGeom>
+        <a:solidFill>
+          <a:schemeClr val="lt1">
+            <a:hueOff val="0"/>
+            <a:satOff val="0"/>
+            <a:lumOff val="0"/>
+            <a:alphaOff val="0"/>
+          </a:schemeClr>
+        </a:solidFill>
+        <a:ln w="12700" cap="flat" cmpd="sng" algn="ctr">
+          <a:solidFill>
+            <a:schemeClr val="accent5">
+              <a:hueOff val="-4902230"/>
+              <a:satOff val="-6819"/>
+              <a:lumOff val="-2615"/>
+              <a:alphaOff val="0"/>
+            </a:schemeClr>
+          </a:solidFill>
+          <a:prstDash val="solid"/>
+          <a:miter lim="800000"/>
+        </a:ln>
+        <a:effectLst/>
+      </dsp:spPr>
+      <dsp:style>
+        <a:lnRef idx="2">
+          <a:scrgbClr r="0" g="0" b="0"/>
+        </a:lnRef>
+        <a:fillRef idx="1">
+          <a:scrgbClr r="0" g="0" b="0"/>
+        </a:fillRef>
+        <a:effectRef idx="0">
+          <a:scrgbClr r="0" g="0" b="0"/>
+        </a:effectRef>
+        <a:fontRef idx="minor"/>
+      </dsp:style>
+    </dsp:sp>
+    <dsp:sp modelId="{F9963788-2395-476A-A8CB-027FA145B4EF}">
+      <dsp:nvSpPr>
+        <dsp:cNvPr id="0" name=""/>
+        <dsp:cNvSpPr/>
+      </dsp:nvSpPr>
+      <dsp:spPr>
+        <a:xfrm>
+          <a:off x="548874" y="3741366"/>
+          <a:ext cx="5479312" cy="748195"/>
+        </a:xfrm>
+        <a:prstGeom prst="rect">
+          <a:avLst/>
+        </a:prstGeom>
+        <a:solidFill>
+          <a:schemeClr val="accent5">
+            <a:hueOff val="-7353344"/>
+            <a:satOff val="-10228"/>
+            <a:lumOff val="-3922"/>
+            <a:alphaOff val="0"/>
+          </a:schemeClr>
+        </a:solidFill>
+        <a:ln w="12700" cap="flat" cmpd="sng" algn="ctr">
+          <a:solidFill>
+            <a:schemeClr val="lt1">
+              <a:hueOff val="0"/>
+              <a:satOff val="0"/>
+              <a:lumOff val="0"/>
+              <a:alphaOff val="0"/>
+            </a:schemeClr>
+          </a:solidFill>
+          <a:prstDash val="solid"/>
+          <a:miter lim="800000"/>
+        </a:ln>
+        <a:effectLst/>
+      </dsp:spPr>
+      <dsp:style>
+        <a:lnRef idx="2">
+          <a:scrgbClr r="0" g="0" b="0"/>
+        </a:lnRef>
+        <a:fillRef idx="1">
+          <a:scrgbClr r="0" g="0" b="0"/>
+        </a:fillRef>
+        <a:effectRef idx="0">
+          <a:scrgbClr r="0" g="0" b="0"/>
+        </a:effectRef>
+        <a:fontRef idx="minor">
+          <a:schemeClr val="lt1"/>
+        </a:fontRef>
+      </dsp:style>
+      <dsp:txBody>
+        <a:bodyPr spcFirstLastPara="0" vert="horz" wrap="square" lIns="593880" tIns="38100" rIns="38100" bIns="38100" numCol="1" spcCol="1270" anchor="t" anchorCtr="0">
+          <a:noAutofit/>
+        </a:bodyPr>
+        <a:lstStyle/>
+        <a:p>
+          <a:pPr marL="0" lvl="0" indent="0" algn="l" defTabSz="666750">
+            <a:lnSpc>
+              <a:spcPct val="90000"/>
+            </a:lnSpc>
+            <a:spcBef>
+              <a:spcPct val="0"/>
+            </a:spcBef>
+            <a:spcAft>
+              <a:spcPct val="35000"/>
+            </a:spcAft>
+            <a:buNone/>
+          </a:pPr>
+          <a:r>
+            <a:rPr lang="de-DE" sz="1500" kern="1200" dirty="0"/>
+            <a:t>Entwicklungsumgebung</a:t>
+          </a:r>
+        </a:p>
+        <a:p>
+          <a:pPr marL="114300" lvl="1" indent="-114300" algn="l" defTabSz="533400">
+            <a:lnSpc>
+              <a:spcPct val="90000"/>
+            </a:lnSpc>
+            <a:spcBef>
+              <a:spcPct val="0"/>
+            </a:spcBef>
+            <a:spcAft>
+              <a:spcPct val="15000"/>
+            </a:spcAft>
+            <a:buChar char="•"/>
+          </a:pPr>
+          <a:r>
+            <a:rPr lang="de-DE" sz="1200" kern="1200" dirty="0"/>
+            <a:t>Qt Creator (Direkte Entwicklung auf dem Raspberry möglich)</a:t>
+          </a:r>
+        </a:p>
+        <a:p>
+          <a:pPr marL="114300" lvl="1" indent="-114300" algn="l" defTabSz="533400">
+            <a:lnSpc>
+              <a:spcPct val="90000"/>
+            </a:lnSpc>
+            <a:spcBef>
+              <a:spcPct val="0"/>
+            </a:spcBef>
+            <a:spcAft>
+              <a:spcPct val="15000"/>
+            </a:spcAft>
+            <a:buChar char="•"/>
+          </a:pPr>
+          <a:r>
+            <a:rPr lang="de-DE" sz="1200" kern="1200" dirty="0"/>
+            <a:t>Sehr gute Dokumentation / Große Community </a:t>
+          </a:r>
+        </a:p>
+      </dsp:txBody>
+      <dsp:txXfrm>
+        <a:off x="548874" y="3741366"/>
+        <a:ext cx="5479312" cy="748195"/>
+      </dsp:txXfrm>
+    </dsp:sp>
+    <dsp:sp modelId="{CB50AAE3-1065-40A1-955E-3B7E14BAA628}">
+      <dsp:nvSpPr>
+        <dsp:cNvPr id="0" name=""/>
+        <dsp:cNvSpPr/>
+      </dsp:nvSpPr>
+      <dsp:spPr>
+        <a:xfrm>
+          <a:off x="81251" y="3647841"/>
+          <a:ext cx="935244" cy="935244"/>
+        </a:xfrm>
+        <a:prstGeom prst="ellipse">
+          <a:avLst/>
+        </a:prstGeom>
+        <a:solidFill>
+          <a:schemeClr val="lt1">
+            <a:hueOff val="0"/>
+            <a:satOff val="0"/>
+            <a:lumOff val="0"/>
+            <a:alphaOff val="0"/>
+          </a:schemeClr>
+        </a:solidFill>
+        <a:ln w="12700" cap="flat" cmpd="sng" algn="ctr">
+          <a:solidFill>
+            <a:schemeClr val="accent5">
+              <a:hueOff val="-7353344"/>
+              <a:satOff val="-10228"/>
+              <a:lumOff val="-3922"/>
+              <a:alphaOff val="0"/>
+            </a:schemeClr>
+          </a:solidFill>
+          <a:prstDash val="solid"/>
+          <a:miter lim="800000"/>
+        </a:ln>
+        <a:effectLst/>
+      </dsp:spPr>
+      <dsp:style>
+        <a:lnRef idx="2">
+          <a:scrgbClr r="0" g="0" b="0"/>
+        </a:lnRef>
+        <a:fillRef idx="1">
+          <a:scrgbClr r="0" g="0" b="0"/>
+        </a:fillRef>
+        <a:effectRef idx="0">
+          <a:scrgbClr r="0" g="0" b="0"/>
+        </a:effectRef>
+        <a:fontRef idx="minor"/>
+      </dsp:style>
+    </dsp:sp>
+  </dsp:spTree>
+</dsp:drawing>
+</file>
+
+<file path=ppt/diagrams/layout1.xml><?xml version="1.0" encoding="utf-8"?>
+<dgm:layoutDef xmlns:dgm="http://schemas.openxmlformats.org/drawingml/2006/diagram" xmlns:a="http://schemas.openxmlformats.org/drawingml/2006/main" uniqueId="urn:microsoft.com/office/officeart/2005/8/layout/StepDownProcess">
+  <dgm:title val=""/>
+  <dgm:desc val=""/>
+  <dgm:catLst>
+    <dgm:cat type="process" pri="1600"/>
+  </dgm:catLst>
+  <dgm:sampData>
+    <dgm:dataModel>
+      <dgm:ptLst>
+        <dgm:pt modelId="0" type="doc"/>
+        <dgm:pt modelId="10">
+          <dgm:prSet phldr="1"/>
+        </dgm:pt>
+        <dgm:pt modelId="11">
+          <dgm:prSet phldr="1"/>
+        </dgm:pt>
+        <dgm:pt modelId="20">
+          <dgm:prSet phldr="1"/>
+        </dgm:pt>
+        <dgm:pt modelId="21">
+          <dgm:prSet phldr="1"/>
+        </dgm:pt>
+        <dgm:pt modelId="30">
+          <dgm:prSet phldr="1"/>
+        </dgm:pt>
+        <dgm:pt modelId="31">
+          <dgm:prSet phldr="1"/>
+        </dgm:pt>
+      </dgm:ptLst>
+      <dgm:cxnLst>
+        <dgm:cxn modelId="60" srcId="0" destId="10" srcOrd="0" destOrd="0"/>
+        <dgm:cxn modelId="12" srcId="10" destId="11" srcOrd="0" destOrd="0"/>
+        <dgm:cxn modelId="70" srcId="0" destId="20" srcOrd="1" destOrd="0"/>
+        <dgm:cxn modelId="22" srcId="20" destId="21" srcOrd="0" destOrd="0"/>
+        <dgm:cxn modelId="80" srcId="0" destId="30" srcOrd="2" destOrd="0"/>
+        <dgm:cxn modelId="32" srcId="30" destId="31" srcOrd="0" destOrd="0"/>
+      </dgm:cxnLst>
+      <dgm:bg/>
+      <dgm:whole/>
+    </dgm:dataModel>
+  </dgm:sampData>
+  <dgm:styleData>
+    <dgm:dataModel>
+      <dgm:ptLst>
+        <dgm:pt modelId="0" type="doc"/>
+        <dgm:pt modelId="10">
+          <dgm:prSet phldr="1"/>
+        </dgm:pt>
+        <dgm:pt modelId="20">
+          <dgm:prSet phldr="1"/>
+        </dgm:pt>
+      </dgm:ptLst>
+      <dgm:cxnLst>
+        <dgm:cxn modelId="60" srcId="0" destId="10" srcOrd="0" destOrd="0"/>
+        <dgm:cxn modelId="70" srcId="0" destId="20" srcOrd="1" destOrd="0"/>
+      </dgm:cxnLst>
+      <dgm:bg/>
+      <dgm:whole/>
+    </dgm:dataModel>
+  </dgm:styleData>
+  <dgm:clrData>
+    <dgm:dataModel>
+      <dgm:ptLst>
+        <dgm:pt modelId="0" type="doc"/>
+        <dgm:pt modelId="10">
+          <dgm:prSet phldr="1"/>
+        </dgm:pt>
+        <dgm:pt modelId="20">
+          <dgm:prSet phldr="1"/>
+        </dgm:pt>
+        <dgm:pt modelId="30">
+          <dgm:prSet phldr="1"/>
+        </dgm:pt>
+        <dgm:pt modelId="40">
+          <dgm:prSet phldr="1"/>
+        </dgm:pt>
+      </dgm:ptLst>
+      <dgm:cxnLst>
+        <dgm:cxn modelId="60" srcId="0" destId="10" srcOrd="0" destOrd="0"/>
+        <dgm:cxn modelId="70" srcId="0" destId="20" srcOrd="1" destOrd="0"/>
+        <dgm:cxn modelId="80" srcId="0" destId="30" srcOrd="2" destOrd="0"/>
+        <dgm:cxn modelId="90" srcId="0" destId="40" srcOrd="3" destOrd="0"/>
+      </dgm:cxnLst>
+      <dgm:bg/>
+      <dgm:whole/>
+    </dgm:dataModel>
+  </dgm:clrData>
+  <dgm:layoutNode name="rootnode">
+    <dgm:varLst>
+      <dgm:chMax/>
+      <dgm:chPref/>
+      <dgm:dir/>
+      <dgm:animLvl val="lvl"/>
+    </dgm:varLst>
+    <dgm:choose name="Name0">
+      <dgm:if name="Name1" func="var" arg="dir" op="equ" val="norm">
+        <dgm:alg type="snake">
+          <dgm:param type="grDir" val="tL"/>
+          <dgm:param type="flowDir" val="row"/>
+          <dgm:param type="off" val="off"/>
+          <dgm:param type="bkpt" val="fixed"/>
+          <dgm:param type="bkPtFixedVal" val="1"/>
+        </dgm:alg>
+      </dgm:if>
+      <dgm:else name="Name2">
+        <dgm:alg type="snake">
+          <dgm:param type="grDir" val="tR"/>
+          <dgm:param type="flowDir" val="row"/>
+          <dgm:param type="off" val="off"/>
+          <dgm:param type="bkpt" val="fixed"/>
+          <dgm:param type="bkPtFixedVal" val="1"/>
+        </dgm:alg>
+      </dgm:else>
+    </dgm:choose>
+    <dgm:shape xmlns:r="http://schemas.openxmlformats.org/officeDocument/2006/relationships" r:blip="">
+      <dgm:adjLst/>
+    </dgm:shape>
+    <dgm:choose name="Name3">
+      <dgm:if name="Name4" func="var" arg="dir" op="equ" val="norm">
+        <dgm:constrLst>
+          <dgm:constr type="alignOff" forName="rootnode" val="0.48"/>
+          <dgm:constr type="primFontSz" for="des" forName="ParentText" val="65"/>
+          <dgm:constr type="primFontSz" for="des" forName="ChildText" refType="primFontSz" refFor="des" refForName="ParentText" op="lte"/>
+          <dgm:constr type="w" for="ch" forName="composite" refType="w"/>
+          <dgm:constr type="h" for="ch" forName="composite" refType="h"/>
+          <dgm:constr type="sp" refType="h" refFor="ch" refForName="composite" op="equ" fact="-0.38"/>
+        </dgm:constrLst>
+      </dgm:if>
+      <dgm:else name="Name5">
+        <dgm:constrLst>
+          <dgm:constr type="alignOff" forName="rootnode" val="0.48"/>
+          <dgm:constr type="primFontSz" for="des" forName="ParentText" val="65"/>
+          <dgm:constr type="primFontSz" for="des" forName="ChildText" refType="primFontSz" refFor="des" refForName="ParentText" op="lte"/>
+          <dgm:constr type="w" for="ch" forName="composite" refType="w"/>
+          <dgm:constr type="h" for="ch" forName="composite" refType="h"/>
+          <dgm:constr type="sp" refType="h" refFor="ch" refForName="composite" op="equ" fact="-0.38"/>
+        </dgm:constrLst>
+      </dgm:else>
+    </dgm:choose>
+    <dgm:forEach name="nodesForEach" axis="ch" ptType="node">
+      <dgm:layoutNode name="composite">
+        <dgm:alg type="composite">
+          <dgm:param type="ar" val="1.2439"/>
+        </dgm:alg>
+        <dgm:shape xmlns:r="http://schemas.openxmlformats.org/officeDocument/2006/relationships" r:blip="">
+          <dgm:adjLst/>
+        </dgm:shape>
+        <dgm:choose name="Name6">
+          <dgm:if name="Name7" func="var" arg="dir" op="equ" val="norm">
+            <dgm:constrLst>
+              <dgm:constr type="l" for="ch" forName="bentUpArrow1" refType="w" fact="0.07"/>
+              <dgm:constr type="t" for="ch" forName="bentUpArrow1" refType="h" fact="0.524"/>
+              <dgm:constr type="w" for="ch" forName="bentUpArrow1" refType="w" fact="0.3844"/>
+              <dgm:constr type="h" for="ch" forName="bentUpArrow1" refType="h" fact="0.42"/>
+              <dgm:constr type="l" for="ch" forName="ParentText" refType="w" fact="0"/>
+              <dgm:constr type="t" for="ch" forName="ParentText" refType="h" fact="0"/>
+              <dgm:constr type="w" for="ch" forName="ParentText" refType="w" fact="0.5684"/>
+              <dgm:constr type="h" for="ch" forName="ParentText" refType="h" fact="0.4949"/>
+              <dgm:constr type="l" for="ch" forName="ChildText" refType="w" refFor="ch" refForName="ParentText"/>
+              <dgm:constr type="t" for="ch" forName="ChildText" refType="h" fact="0.05"/>
+              <dgm:constr type="w" for="ch" forName="ChildText" refType="w" fact="0.4134"/>
+              <dgm:constr type="h" for="ch" forName="ChildText" refType="h" fact="0.4"/>
+              <dgm:constr type="l" for="ch" forName="FinalChildText" refType="w" refFor="ch" refForName="ParentText"/>
+              <dgm:constr type="t" for="ch" forName="FinalChildText" refType="h" fact="0.05"/>
+              <dgm:constr type="w" for="ch" forName="FinalChildText" refType="w" fact="0.4134"/>
+              <dgm:constr type="h" for="ch" forName="FinalChildText" refType="h" fact="0.4"/>
+            </dgm:constrLst>
+          </dgm:if>
+          <dgm:else name="Name8">
+            <dgm:constrLst>
+              <dgm:constr type="r" for="ch" forName="bentUpArrow1" refType="w" fact="0.97"/>
+              <dgm:constr type="t" for="ch" forName="bentUpArrow1" refType="h" fact="0.524"/>
+              <dgm:constr type="w" for="ch" forName="bentUpArrow1" refType="w" fact="0.3844"/>
+              <dgm:constr type="h" for="ch" forName="bentUpArrow1" refType="h" fact="0.42"/>
+              <dgm:constr type="l" for="ch" forName="ParentText" refType="w" fact="0.4316"/>
+              <dgm:constr type="t" for="ch" forName="ParentText" refType="h" fact="0"/>
+              <dgm:constr type="w" for="ch" forName="ParentText" refType="w" fact="0.5684"/>
+              <dgm:constr type="h" for="ch" forName="ParentText" refType="h" fact="0.4949"/>
+              <dgm:constr type="l" for="ch" forName="ChildText" refType="w" fact="0"/>
+              <dgm:constr type="t" for="ch" forName="ChildText" refType="h" fact="0.05"/>
+              <dgm:constr type="w" for="ch" forName="ChildText" refType="w" fact="0.4134"/>
+              <dgm:constr type="h" for="ch" forName="ChildText" refType="h" fact="0.4"/>
+              <dgm:constr type="l" for="ch" forName="FinalChildText" refType="w" fact="0"/>
+              <dgm:constr type="t" for="ch" forName="FinalChildText" refType="h" fact="0.05"/>
+              <dgm:constr type="w" for="ch" forName="FinalChildText" refType="w" fact="0.4134"/>
+              <dgm:constr type="h" for="ch" forName="FinalChildText" refType="h" fact="0.4"/>
+            </dgm:constrLst>
+          </dgm:else>
+        </dgm:choose>
+        <dgm:choose name="Name9">
+          <dgm:if name="Name10" axis="followSib" ptType="node" func="cnt" op="gte" val="1">
+            <dgm:layoutNode name="bentUpArrow1" styleLbl="alignImgPlace1">
+              <dgm:alg type="sp"/>
+              <dgm:choose name="Name11">
+                <dgm:if name="Name12" func="var" arg="dir" op="equ" val="norm">
+                  <dgm:shape xmlns:r="http://schemas.openxmlformats.org/officeDocument/2006/relationships" rot="90" type="bentUpArrow" r:blip="">
+                    <dgm:adjLst>
+                      <dgm:adj idx="1" val="0.3284"/>
+                      <dgm:adj idx="2" val="0.25"/>
+                      <dgm:adj idx="3" val="0.3578"/>
+                    </dgm:adjLst>
+                  </dgm:shape>
+                </dgm:if>
+                <dgm:else name="Name13">
+                  <dgm:shape xmlns:r="http://schemas.openxmlformats.org/officeDocument/2006/relationships" rot="180" type="bentArrow" r:blip="">
+                    <dgm:adjLst>
+                      <dgm:adj idx="1" val="0.3284"/>
+                      <dgm:adj idx="2" val="0.25"/>
+                      <dgm:adj idx="3" val="0.3578"/>
+                      <dgm:adj idx="4" val="0"/>
+                    </dgm:adjLst>
+                  </dgm:shape>
+                </dgm:else>
+              </dgm:choose>
+              <dgm:presOf/>
+            </dgm:layoutNode>
+          </dgm:if>
+          <dgm:else name="Name14"/>
+        </dgm:choose>
+        <dgm:layoutNode name="ParentText" styleLbl="node1">
+          <dgm:varLst>
+            <dgm:chMax val="1"/>
+            <dgm:chPref val="1"/>
+            <dgm:bulletEnabled val="1"/>
+          </dgm:varLst>
+          <dgm:alg type="tx"/>
+          <dgm:shape xmlns:r="http://schemas.openxmlformats.org/officeDocument/2006/relationships" type="roundRect" r:blip="">
+            <dgm:adjLst>
+              <dgm:adj idx="1" val="0.1667"/>
+            </dgm:adjLst>
+          </dgm:shape>
+          <dgm:presOf axis="self" ptType="node"/>
+          <dgm:constrLst>
+            <dgm:constr type="lMarg" refType="primFontSz" fact="0.3"/>
+            <dgm:constr type="rMarg" refType="primFontSz" fact="0.3"/>
+            <dgm:constr type="tMarg" refType="primFontSz" fact="0.3"/>
+            <dgm:constr type="bMarg" refType="primFontSz" fact="0.3"/>
+          </dgm:constrLst>
+          <dgm:ruleLst>
+            <dgm:rule type="primFontSz" val="5" fact="NaN" max="NaN"/>
+          </dgm:ruleLst>
+        </dgm:layoutNode>
+        <dgm:choose name="Name15">
+          <dgm:if name="Name16" axis="followSib" ptType="node" func="cnt" op="equ" val="0">
+            <dgm:choose name="Name17">
+              <dgm:if name="Name18" axis="ch" ptType="node" func="cnt" op="gte" val="1">
+                <dgm:layoutNode name="FinalChildText" styleLbl="revTx">
+                  <dgm:varLst>
+                    <dgm:chMax val="0"/>
+                    <dgm:chPref val="0"/>
+                    <dgm:bulletEnabled val="1"/>
+                  </dgm:varLst>
+                  <dgm:alg type="tx">
+                    <dgm:param type="stBulletLvl" val="1"/>
+                    <dgm:param type="txAnchorVertCh" val="mid"/>
+                    <dgm:param type="parTxLTRAlign" val="l"/>
+                  </dgm:alg>
+                  <dgm:shape xmlns:r="http://schemas.openxmlformats.org/officeDocument/2006/relationships" type="rect" r:blip="">
+                    <dgm:adjLst/>
+                  </dgm:shape>
+                  <dgm:presOf axis="des" ptType="node"/>
+                  <dgm:constrLst>
+                    <dgm:constr type="lMarg" refType="primFontSz" fact="0.3"/>
+                    <dgm:constr type="rMarg" refType="primFontSz" fact="0.3"/>
+                    <dgm:constr type="tMarg" refType="primFontSz" fact="0.3"/>
+                    <dgm:constr type="bMarg" refType="primFontSz" fact="0.3"/>
+                  </dgm:constrLst>
+                  <dgm:ruleLst>
+                    <dgm:rule type="primFontSz" val="5" fact="NaN" max="NaN"/>
+                  </dgm:ruleLst>
+                </dgm:layoutNode>
+              </dgm:if>
+              <dgm:else name="Name19"/>
+            </dgm:choose>
+          </dgm:if>
+          <dgm:else name="Name20">
+            <dgm:layoutNode name="ChildText" styleLbl="revTx">
+              <dgm:varLst>
+                <dgm:chMax val="0"/>
+                <dgm:chPref val="0"/>
+                <dgm:bulletEnabled val="1"/>
+              </dgm:varLst>
+              <dgm:alg type="tx">
+                <dgm:param type="stBulletLvl" val="1"/>
+                <dgm:param type="txAnchorVertCh" val="mid"/>
+                <dgm:param type="parTxLTRAlign" val="l"/>
+              </dgm:alg>
+              <dgm:shape xmlns:r="http://schemas.openxmlformats.org/officeDocument/2006/relationships" type="rect" r:blip="">
+                <dgm:adjLst/>
+              </dgm:shape>
+              <dgm:presOf axis="des" ptType="node"/>
+              <dgm:constrLst>
+                <dgm:constr type="lMarg" refType="primFontSz" fact="0.3"/>
+                <dgm:constr type="rMarg" refType="primFontSz" fact="0.3"/>
+                <dgm:constr type="tMarg" refType="primFontSz" fact="0.3"/>
+                <dgm:constr type="bMarg" refType="primFontSz" fact="0.3"/>
+              </dgm:constrLst>
+              <dgm:ruleLst>
+                <dgm:rule type="primFontSz" val="5" fact="NaN" max="NaN"/>
+              </dgm:ruleLst>
+            </dgm:layoutNode>
+          </dgm:else>
+        </dgm:choose>
+      </dgm:layoutNode>
+      <dgm:forEach name="sibTransForEach" axis="followSib" ptType="sibTrans" cnt="1">
+        <dgm:layoutNode name="sibTrans">
+          <dgm:alg type="sp"/>
+          <dgm:shape xmlns:r="http://schemas.openxmlformats.org/officeDocument/2006/relationships" r:blip="">
+            <dgm:adjLst/>
+          </dgm:shape>
+        </dgm:layoutNode>
+      </dgm:forEach>
+    </dgm:forEach>
+  </dgm:layoutNode>
+</dgm:layoutDef>
+</file>
+
+<file path=ppt/diagrams/layout2.xml><?xml version="1.0" encoding="utf-8"?>
+<dgm:layoutDef xmlns:dgm="http://schemas.openxmlformats.org/drawingml/2006/diagram" xmlns:a="http://schemas.openxmlformats.org/drawingml/2006/main" uniqueId="urn:microsoft.com/office/officeart/2008/layout/VerticalCurvedList">
+  <dgm:title val=""/>
+  <dgm:desc val=""/>
+  <dgm:catLst>
+    <dgm:cat type="list" pri="20000"/>
+  </dgm:catLst>
+  <dgm:sampData>
+    <dgm:dataModel>
+      <dgm:ptLst>
+        <dgm:pt modelId="0" type="doc"/>
+        <dgm:pt modelId="1">
+          <dgm:prSet phldr="1"/>
+        </dgm:pt>
+        <dgm:pt modelId="2">
+          <dgm:prSet phldr="1"/>
+        </dgm:pt>
+        <dgm:pt modelId="3">
+          <dgm:prSet phldr="1"/>
+        </dgm:pt>
+      </dgm:ptLst>
+      <dgm:cxnLst>
+        <dgm:cxn modelId="4" srcId="0" destId="1" srcOrd="0" destOrd="0"/>
+        <dgm:cxn modelId="5" srcId="0" destId="2" srcOrd="1" destOrd="0"/>
+        <dgm:cxn modelId="6" srcId="0" destId="3" srcOrd="2" destOrd="0"/>
+      </dgm:cxnLst>
+      <dgm:bg/>
+      <dgm:whole/>
+    </dgm:dataModel>
+  </dgm:sampData>
+  <dgm:styleData>
+    <dgm:dataModel>
+      <dgm:ptLst>
+        <dgm:pt modelId="0" type="doc"/>
+        <dgm:pt modelId="1">
+          <dgm:prSet phldr="1"/>
+        </dgm:pt>
+        <dgm:pt modelId="2">
+          <dgm:prSet phldr="1"/>
+        </dgm:pt>
+      </dgm:ptLst>
+      <dgm:cxnLst>
+        <dgm:cxn modelId="3" srcId="0" destId="1" srcOrd="0" destOrd="0"/>
+        <dgm:cxn modelId="4" srcId="0" destId="2" srcOrd="1" destOrd="0"/>
+      </dgm:cxnLst>
+      <dgm:bg/>
+      <dgm:whole/>
+    </dgm:dataModel>
+  </dgm:styleData>
+  <dgm:clrData>
+    <dgm:dataModel>
+      <dgm:ptLst>
+        <dgm:pt modelId="0" type="doc"/>
+        <dgm:pt modelId="1">
+          <dgm:prSet phldr="1"/>
+        </dgm:pt>
+        <dgm:pt modelId="2">
+          <dgm:prSet phldr="1"/>
+        </dgm:pt>
+        <dgm:pt modelId="3">
+          <dgm:prSet phldr="1"/>
+        </dgm:pt>
+        <dgm:pt modelId="4">
+          <dgm:prSet phldr="1"/>
+        </dgm:pt>
+      </dgm:ptLst>
+      <dgm:cxnLst>
+        <dgm:cxn modelId="5" srcId="0" destId="1" srcOrd="0" destOrd="0"/>
+        <dgm:cxn modelId="6" srcId="0" destId="2" srcOrd="1" destOrd="0"/>
+        <dgm:cxn modelId="7" srcId="0" destId="3" srcOrd="2" destOrd="0"/>
+        <dgm:cxn modelId="8" srcId="0" destId="4" srcOrd="3" destOrd="0"/>
+      </dgm:cxnLst>
+      <dgm:bg/>
+      <dgm:whole/>
+    </dgm:dataModel>
+  </dgm:clrData>
+  <dgm:layoutNode name="Name0">
+    <dgm:varLst>
+      <dgm:chMax val="7"/>
+      <dgm:chPref val="7"/>
+      <dgm:dir/>
+    </dgm:varLst>
+    <dgm:alg type="composite"/>
+    <dgm:shape xmlns:r="http://schemas.openxmlformats.org/officeDocument/2006/relationships" r:blip="">
+      <dgm:adjLst/>
+    </dgm:shape>
+    <dgm:constrLst>
+      <dgm:constr type="w" for="ch" refType="h" refFor="ch" op="gte" fact="0.8"/>
+    </dgm:constrLst>
+    <dgm:layoutNode name="Name1">
+      <dgm:alg type="composite"/>
+      <dgm:shape xmlns:r="http://schemas.openxmlformats.org/officeDocument/2006/relationships" r:blip="">
+        <dgm:adjLst/>
+      </dgm:shape>
+      <dgm:choose name="Name2">
+        <dgm:if name="Name3" func="var" arg="dir" op="equ" val="norm">
+          <dgm:choose name="Name4">
+            <dgm:if name="Name5" axis="ch" ptType="node" func="cnt" op="equ" val="1">
+              <dgm:constrLst>
+                <dgm:constr type="h" for="ch" forName="cycle" refType="h"/>
+                <dgm:constr type="w" for="ch" forName="cycle" refType="h" refFor="ch" refForName="cycle" fact="0.26"/>
+                <dgm:constr type="l" for="ch" forName="cycle"/>
+                <dgm:constr type="ctrY" for="ch" forName="cycle" refType="h" fact="0.5"/>
+                <dgm:constr type="diam" for="ch" forName="cycle" refType="h" fact="1.344"/>
+                <dgm:constr type="h" for="ch" forName="accent_1" refType="h" fact="0.625"/>
+                <dgm:constr type="w" for="ch" forName="accent_1" refType="h" refFor="ch" refForName="accent_1" op="equ"/>
+                <dgm:constr type="ctrY" for="ch" forName="accent_1" refType="h" fact="0.5"/>
+                <dgm:constr type="ctrX" for="ch" forName="accent_1" refType="h" fact="0.2253"/>
+                <dgm:constr type="l" for="ch" forName="text_1" refType="ctrX" refFor="ch" refForName="accent_1"/>
+                <dgm:constr type="r" for="ch" forName="text_1" refType="w"/>
+                <dgm:constr type="w" for="ch" forName="text_1" refType="h" refFor="ch" refForName="text_1" op="gte"/>
+                <dgm:constr type="h" for="ch" forName="text_1" refType="h" refFor="ch" refForName="accent_1" fact="0.8"/>
+                <dgm:constr type="ctrY" for="ch" forName="text_1" refType="ctrY" refFor="ch" refForName="accent_1"/>
+                <dgm:constr type="lMarg" for="ch" forName="text_1" refType="w" refFor="ch" refForName="accent_1" fact="1.8"/>
+                <dgm:constr type="primFontSz" for="ch" ptType="node" op="equ" val="65"/>
+              </dgm:constrLst>
+            </dgm:if>
+            <dgm:if name="Name6" axis="ch" ptType="node" func="cnt" op="equ" val="2">
+              <dgm:constrLst>
+                <dgm:constr type="h" for="ch" forName="cycle" refType="h"/>
+                <dgm:constr type="w" for="ch" forName="cycle" refType="h" refFor="ch" refForName="cycle" fact="0.26"/>
+                <dgm:constr type="l" for="ch" forName="cycle"/>
+                <dgm:constr type="ctrY" for="ch" forName="cycle" refType="h" fact="0.5"/>
+                <dgm:constr type="diam" for="ch" forName="cycle" refType="h" fact="1.344"/>
+                <dgm:constr type="h" for="ch" forName="accent_1" refType="h" fact="0.3571"/>
+                <dgm:constr type="w" for="ch" forName="accent_1" refType="h" refFor="ch" refForName="accent_1" op="equ"/>
+                <dgm:constr type="ctrY" for="ch" forName="accent_1" refType="h" fact="0.2857"/>
+                <dgm:constr type="ctrX" for="ch" forName="accent_1" refType="h" fact="0.1891"/>
+                <dgm:constr type="l" for="ch" forName="text_1" refType="ctrX" refFor="ch" refForName="accent_1"/>
+                <dgm:constr type="r" for="ch" forName="text_1" refType="w"/>
+                <dgm:constr type="w" for="ch" forName="text_1" refType="h" refFor="ch" refForName="text_1" op="gte"/>
+                <dgm:constr type="h" for="ch" forName="text_1" refType="h" refFor="ch" refForName="accent_1" fact="0.8"/>
+                <dgm:constr type="ctrY" for="ch" forName="text_1" refType="ctrY" refFor="ch" refForName="accent_1"/>
+                <dgm:constr type="lMarg" for="ch" forName="text_1" refType="w" refFor="ch" refForName="accent_1" fact="1.8"/>
+                <dgm:constr type="h" for="ch" forName="accent_2" refType="h" fact="0.3571"/>
+                <dgm:constr type="w" for="ch" forName="accent_2" refType="h" refFor="ch" refForName="accent_2" op="equ"/>
+                <dgm:constr type="ctrY" for="ch" forName="accent_2" refType="h" fact="0.7143"/>
+                <dgm:constr type="ctrX" for="ch" forName="accent_2" refType="h" fact="0.1891"/>
+                <dgm:constr type="l" for="ch" forName="text_2" refType="ctrX" refFor="ch" refForName="accent_2"/>
+                <dgm:constr type="r" for="ch" forName="text_2" refType="w"/>
+                <dgm:constr type="w" for="ch" forName="text_2" refType="h" refFor="ch" refForName="text_2" op="gte"/>
+                <dgm:constr type="h" for="ch" forName="text_2" refType="h" refFor="ch" refForName="accent_2" fact="0.8"/>
+                <dgm:constr type="ctrY" for="ch" forName="text_2" refType="ctrY" refFor="ch" refForName="accent_2"/>
+                <dgm:constr type="lMarg" for="ch" forName="text_2" refType="w" refFor="ch" refForName="accent_2" fact="1.8"/>
+                <dgm:constr type="primFontSz" for="ch" ptType="node" op="equ" val="65"/>
+              </dgm:constrLst>
+            </dgm:if>
+            <dgm:if name="Name7" axis="ch" ptType="node" func="cnt" op="equ" val="3">
+              <dgm:constrLst>
+                <dgm:constr type="h" for="ch" forName="cycle" refType="h"/>
+                <dgm:constr type="w" for="ch" forName="cycle" refType="h" refFor="ch" refForName="cycle" fact="0.26"/>
+                <dgm:constr type="l" for="ch" forName="cycle"/>
+                <dgm:constr type="ctrY" for="ch" forName="cycle" refType="h" fact="0.5"/>
+                <dgm:constr type="diam" for="ch" forName="cycle" refType="h" fact="1.344"/>
+                <dgm:constr type="h" for="ch" forName="accent_1" refType="h" fact="0.25"/>
+                <dgm:constr type="w" for="ch" forName="accent_1" refType="h" refFor="ch" refForName="accent_1" op="equ"/>
+                <dgm:constr type="ctrY" for="ch" forName="accent_1" refType="h" fact="0.2"/>
+                <dgm:constr type="ctrX" for="ch" forName="accent_1" refType="h" fact="0.1526"/>
+                <dgm:constr type="l" for="ch" forName="text_1" refType="ctrX" refFor="ch" refForName="accent_1"/>
+                <dgm:constr type="r" for="ch" forName="text_1" refType="w"/>
+                <dgm:constr type="w" for="ch" forName="text_1" refType="h" refFor="ch" refForName="text_1" op="gte"/>
+                <dgm:constr type="h" for="ch" forName="text_1" refType="h" refFor="ch" refForName="accent_1" fact="0.8"/>
+                <dgm:constr type="ctrY" for="ch" forName="text_1" refType="ctrY" refFor="ch" refForName="accent_1"/>
+                <dgm:constr type="lMarg" for="ch" forName="text_1" refType="w" refFor="ch" refForName="accent_1" fact="1.8"/>
+                <dgm:constr type="h" for="ch" forName="accent_2" refType="h" fact="0.25"/>
+                <dgm:constr type="w" for="ch" forName="accent_2" refType="h" refFor="ch" refForName="accent_2" op="equ"/>
+                <dgm:constr type="ctrY" for="ch" forName="accent_2" refType="h" fact="0.5"/>
+                <dgm:constr type="ctrX" for="ch" forName="accent_2" refType="h" fact="0.2253"/>
+                <dgm:constr type="l" for="ch" forName="text_2" refType="ctrX" refFor="ch" refForName="accent_2"/>
+                <dgm:constr type="r" for="ch" forName="text_2" refType="w"/>
+                <dgm:constr type="w" for="ch" forName="text_2" refType="h" refFor="ch" refForName="text_2" op="gte"/>
+                <dgm:constr type="h" for="ch" forName="text_2" refType="h" refFor="ch" refForName="accent_2" fact="0.8"/>
+                <dgm:constr type="ctrY" for="ch" forName="text_2" refType="ctrY" refFor="ch" refForName="accent_2"/>
+                <dgm:constr type="lMarg" for="ch" forName="text_2" refType="w" refFor="ch" refForName="accent_2" fact="1.8"/>
+                <dgm:constr type="h" for="ch" forName="accent_3" refType="h" fact="0.25"/>
+                <dgm:constr type="w" for="ch" forName="accent_3" refType="h" refFor="ch" refForName="accent_3" op="equ"/>
+                <dgm:constr type="ctrY" for="ch" forName="accent_3" refType="h" fact="0.8"/>
+                <dgm:constr type="ctrX" for="ch" forName="accent_3" refType="h" fact="0.1526"/>
+                <dgm:constr type="l" for="ch" forName="text_3" refType="ctrX" refFor="ch" refForName="accent_3"/>
+                <dgm:constr type="r" for="ch" forName="text_3" refType="w"/>
+                <dgm:constr type="w" for="ch" forName="text_3" refType="h" refFor="ch" refForName="text_3" op="gte"/>
+                <dgm:constr type="h" for="ch" forName="text_3" refType="h" refFor="ch" refForName="accent_3" fact="0.8"/>
+                <dgm:constr type="ctrY" for="ch" forName="text_3" refType="ctrY" refFor="ch" refForName="accent_3"/>
+                <dgm:constr type="lMarg" for="ch" forName="text_3" refType="w" refFor="ch" refForName="accent_3" fact="1.8"/>
+                <dgm:constr type="primFontSz" for="ch" ptType="node" op="equ" val="65"/>
+              </dgm:constrLst>
+            </dgm:if>
+            <dgm:if name="Name8" axis="ch" ptType="node" func="cnt" op="equ" val="4">
+              <dgm:constrLst>
+                <dgm:constr type="h" for="ch" forName="cycle" refType="h"/>
+                <dgm:constr type="w" for="ch" forName="cycle" refType="h" refFor="ch" refForName="cycle" fact="0.26"/>
+                <dgm:constr type="l" for="ch" forName="cycle"/>
+                <dgm:constr type="ctrY" for="ch" forName="cycle" refType="h" fact="0.5"/>
+                <dgm:constr type="diam" for="ch" forName="cycle" refType="h" fact="1.344"/>
+                <dgm:constr type="h" for="ch" forName="accent_1" refType="h" fact="0.1923"/>
+                <dgm:constr type="w" for="ch" forName="accent_1" refType="h" refFor="ch" refForName="accent_1" op="equ"/>
+                <dgm:constr type="ctrY" for="ch" forName="accent_1" refType="h" fact="0.1538"/>
+                <dgm:constr type="ctrX" for="ch" forName="accent_1" refType="h" fact="0.1268"/>
+                <dgm:constr type="l" for="ch" forName="text_1" refType="ctrX" refFor="ch" refForName="accent_1"/>
+                <dgm:constr type="r" for="ch" forName="text_1" refType="w"/>
+                <dgm:constr type="w" for="ch" forName="text_1" refType="h" refFor="ch" refForName="text_1" op="gte"/>
+                <dgm:constr type="h" for="ch" forName="text_1" refType="h" refFor="ch" refForName="accent_1" fact="0.8"/>
+                <dgm:constr type="ctrY" for="ch" forName="text_1" refType="ctrY" refFor="ch" refForName="accent_1"/>
+                <dgm:constr type="lMarg" for="ch" forName="text_1" refType="w" refFor="ch" refForName="accent_1" fact="1.8"/>
+                <dgm:constr type="h" for="ch" forName="accent_2" refType="h" fact="0.1923"/>
+                <dgm:constr type="w" for="ch" forName="accent_2" refType="h" refFor="ch" refForName="accent_2" op="equ"/>
+                <dgm:constr type="ctrY" for="ch" forName="accent_2" refType="h" fact="0.3846"/>
+                <dgm:constr type="ctrX" for="ch" forName="accent_2" refType="h" fact="0.215"/>
+                <dgm:constr type="l" for="ch" forName="text_2" refType="ctrX" refFor="ch" refForName="accent_2"/>
+                <dgm:constr type="r" for="ch" forName="text_2" refType="w"/>
+                <dgm:constr type="w" for="ch" forName="text_2" refType="h" refFor="ch" refForName="text_2" op="gte"/>
+                <dgm:constr type="h" for="ch" forName="text_2" refType="h" refFor="ch" refForName="accent_2" fact="0.8"/>
+                <dgm:constr type="ctrY" for="ch" forName="text_2" refType="ctrY" refFor="ch" refForName="accent_2"/>
+                <dgm:constr type="lMarg" for="ch" forName="text_2" refType="w" refFor="ch" refForName="accent_2" fact="1.8"/>
+                <dgm:constr type="h" for="ch" forName="accent_3" refType="h" fact="0.1923"/>
+                <dgm:constr type="w" for="ch" forName="accent_3" refType="h" refFor="ch" refForName="accent_3" op="equ"/>
+                <dgm:constr type="ctrY" for="ch" forName="accent_3" refType="h" fact="0.6154"/>
+                <dgm:constr type="ctrX" for="ch" forName="accent_3" refType="h" fact="0.215"/>
+                <dgm:constr type="l" for="ch" forName="text_3" refType="ctrX" refFor="ch" refForName="accent_3"/>
+                <dgm:constr type="r" for="ch" forName="text_3" refType="w"/>
+                <dgm:constr type="w" for="ch" forName="text_3" refType="h" refFor="ch" refForName="text_3" op="gte"/>
+                <dgm:constr type="h" for="ch" forName="text_3" refType="h" refFor="ch" refForName="accent_3" fact="0.8"/>
+                <dgm:constr type="ctrY" for="ch" forName="text_3" refType="ctrY" refFor="ch" refForName="accent_3"/>
+                <dgm:constr type="lMarg" for="ch" forName="text_3" refType="w" refFor="ch" refForName="accent_3" fact="1.8"/>
+                <dgm:constr type="h" for="ch" forName="accent_4" refType="h" fact="0.1923"/>
+                <dgm:constr type="w" for="ch" forName="accent_4" refType="h" refFor="ch" refForName="accent_4" op="equ"/>
+                <dgm:constr type="ctrY" for="ch" forName="accent_4" refType="h" fact="0.8462"/>
+                <dgm:constr type="ctrX" for="ch" forName="accent_4" refType="h" fact="0.1268"/>
+                <dgm:constr type="l" for="ch" forName="text_4" refType="ctrX" refFor="ch" refForName="accent_4"/>
+                <dgm:constr type="r" for="ch" forName="text_4" refType="w"/>
+                <dgm:constr type="w" for="ch" forName="text_4" refType="h" refFor="ch" refForName="text_4" op="gte"/>
+                <dgm:constr type="h" for="ch" forName="text_4" refType="h" refFor="ch" refForName="accent_4" fact="0.8"/>
+                <dgm:constr type="ctrY" for="ch" forName="text_4" refType="ctrY" refFor="ch" refForName="accent_4"/>
+                <dgm:constr type="lMarg" for="ch" forName="text_4" refType="w" refFor="ch" refForName="accent_4" fact="1.8"/>
+                <dgm:constr type="primFontSz" for="ch" ptType="node" op="equ" val="65"/>
+              </dgm:constrLst>
+            </dgm:if>
+            <dgm:if name="Name9" axis="ch" ptType="node" func="cnt" op="equ" val="5">
+              <dgm:constrLst>
+                <dgm:constr type="h" for="ch" forName="cycle" refType="h"/>
+                <dgm:constr type="w" for="ch" forName="cycle" refType="h" refFor="ch" refForName="cycle" fact="0.26"/>
+                <dgm:constr type="l" for="ch" forName="cycle"/>
+                <dgm:constr type="ctrY" for="ch" forName="cycle" refType="h" fact="0.5"/>
+                <dgm:constr type="diam" for="ch" forName="cycle" refType="h" fact="1.344"/>
+                <dgm:constr type="h" for="ch" forName="accent_1" refType="h" fact="0.1563"/>
+                <dgm:constr type="w" for="ch" forName="accent_1" refType="h" refFor="ch" refForName="accent_1" op="equ"/>
+                <dgm:constr type="ctrY" for="ch" forName="accent_1" refType="h" fact="0.125"/>
+                <dgm:constr type="ctrX" for="ch" forName="accent_1" refType="h" fact="0.1082"/>
+                <dgm:constr type="l" for="ch" forName="text_1" refType="ctrX" refFor="ch" refForName="accent_1"/>
+                <dgm:constr type="r" for="ch" forName="text_1" refType="w"/>
+                <dgm:constr type="w" for="ch" forName="text_1" refType="h" refFor="ch" refForName="text_1" op="gte"/>
+                <dgm:constr type="h" for="ch" forName="text_1" refType="h" refFor="ch" refForName="accent_1" fact="0.8"/>
+                <dgm:constr type="ctrY" for="ch" forName="text_1" refType="ctrY" refFor="ch" refForName="accent_1"/>
+                <dgm:constr type="lMarg" for="ch" forName="text_1" refType="w" refFor="ch" refForName="accent_1" fact="1.8"/>
+                <dgm:constr type="h" for="ch" forName="accent_2" refType="h" fact="0.1563"/>
+                <dgm:constr type="w" for="ch" forName="accent_2" refType="h" refFor="ch" refForName="accent_2" op="equ"/>
+                <dgm:constr type="ctrY" for="ch" forName="accent_2" refType="h" fact="0.3125"/>
+                <dgm:constr type="ctrX" for="ch" forName="accent_2" refType="h" fact="0.1978"/>
+                <dgm:constr type="l" for="ch" forName="text_2" refType="ctrX" refFor="ch" refForName="accent_2"/>
+                <dgm:constr type="r" for="ch" forName="text_2" refType="w"/>
+                <dgm:constr type="w" for="ch" forName="text_2" refType="h" refFor="ch" refForName="text_2" op="gte"/>
+                <dgm:constr type="h" for="ch" forName="text_2" refType="h" refFor="ch" refForName="accent_2" fact="0.8"/>
+                <dgm:constr type="ctrY" for="ch" forName="text_2" refType="ctrY" refFor="ch" refForName="accent_2"/>
+                <dgm:constr type="lMarg" for="ch" forName="text_2" refType="w" refFor="ch" refForName="accent_2" fact="1.8"/>
+                <dgm:constr type="h" for="ch" forName="accent_3" refType="h" fact="0.1563"/>
+                <dgm:constr type="w" for="ch" forName="accent_3" refType="h" refFor="ch" refForName="accent_3" op="equ"/>
+                <dgm:constr type="ctrY" for="ch" forName="accent_3" refType="h" fact="0.5"/>
+                <dgm:constr type="ctrX" for="ch" forName="accent_3" refType="h" fact="0.2253"/>
+                <dgm:constr type="l" for="ch" forName="text_3" refType="ctrX" refFor="ch" refForName="accent_3"/>
+                <dgm:constr type="r" for="ch" forName="text_3" refType="w"/>
+                <dgm:constr type="w" for="ch" forName="text_3" refType="h" refFor="ch" refForName="text_3" op="gte"/>
+                <dgm:constr type="h" for="ch" forName="text_3" refType="h" refFor="ch" refForName="accent_3" fact="0.8"/>
+                <dgm:constr type="ctrY" for="ch" forName="text_3" refType="ctrY" refFor="ch" refForName="accent_3"/>
+                <dgm:constr type="lMarg" for="ch" forName="text_3" refType="w" refFor="ch" refForName="accent_3" fact="1.8"/>
+                <dgm:constr type="h" for="ch" forName="accent_4" refType="h" fact="0.1563"/>
+                <dgm:constr type="w" for="ch" forName="accent_4" refType="h" refFor="ch" refForName="accent_4" op="equ"/>
+                <dgm:constr type="ctrY" for="ch" forName="accent_4" refType="h" fact="0.6875"/>
+                <dgm:constr type="ctrX" for="ch" forName="accent_4" refType="h" fact="0.1978"/>
+                <dgm:constr type="l" for="ch" forName="text_4" refType="ctrX" refFor="ch" refForName="accent_4"/>
+                <dgm:constr type="r" for="ch" forName="text_4" refType="w"/>
+                <dgm:constr type="w" for="ch" forName="text_4" refType="h" refFor="ch" refForName="text_4" op="gte"/>
+                <dgm:constr type="h" for="ch" forName="text_4" refType="h" refFor="ch" refForName="accent_4" fact="0.8"/>
+                <dgm:constr type="ctrY" for="ch" forName="text_4" refType="ctrY" refFor="ch" refForName="accent_4"/>
+                <dgm:constr type="lMarg" for="ch" forName="text_4" refType="w" refFor="ch" refForName="accent_4" fact="1.8"/>
+                <dgm:constr type="h" for="ch" forName="accent_5" refType="h" fact="0.1563"/>
+                <dgm:constr type="w" for="ch" forName="accent_5" refType="h" refFor="ch" refForName="accent_5" op="equ"/>
+                <dgm:constr type="ctrY" for="ch" forName="accent_5" refType="h" fact="0.875"/>
+                <dgm:constr type="ctrX" for="ch" forName="accent_5" refType="h" fact="0.1082"/>
+                <dgm:constr type="l" for="ch" forName="text_5" refType="ctrX" refFor="ch" refForName="accent_5"/>
+                <dgm:constr type="r" for="ch" forName="text_5" refType="w"/>
+                <dgm:constr type="w" for="ch" forName="text_5" refType="h" refFor="ch" refForName="text_5" op="gte"/>
+                <dgm:constr type="h" for="ch" forName="text_5" refType="h" refFor="ch" refForName="accent_5" fact="0.8"/>
+                <dgm:constr type="ctrY" for="ch" forName="text_5" refType="ctrY" refFor="ch" refForName="accent_5"/>
+                <dgm:constr type="lMarg" for="ch" forName="text_5" refType="w" refFor="ch" refForName="accent_5" fact="1.8"/>
+                <dgm:constr type="primFontSz" for="ch" ptType="node" op="equ" val="65"/>
+              </dgm:constrLst>
+            </dgm:if>
+            <dgm:if name="Name10" axis="ch" ptType="node" func="cnt" op="equ" val="6">
+              <dgm:constrLst>
+                <dgm:constr type="h" for="ch" forName="cycle" refType="h"/>
+                <dgm:constr type="w" for="ch" forName="cycle" refType="h" refFor="ch" refForName="cycle" fact="0.26"/>
+                <dgm:constr type="l" for="ch" forName="cycle"/>
+                <dgm:constr type="ctrY" for="ch" forName="cycle" refType="h" fact="0.5"/>
+                <dgm:constr type="diam" for="ch" forName="cycle" refType="h" fact="1.344"/>
+                <dgm:constr type="h" for="ch" forName="accent_1" refType="h" fact="0.1316"/>
+                <dgm:constr type="w" for="ch" forName="accent_1" refType="h" refFor="ch" refForName="accent_1" op="equ"/>
+                <dgm:constr type="ctrY" for="ch" forName="accent_1" refType="h" fact="0.1053"/>
+                <dgm:constr type="ctrX" for="ch" forName="accent_1" refType="h" fact="0.0943"/>
+                <dgm:constr type="l" for="ch" forName="text_1" refType="ctrX" refFor="ch" refForName="accent_1"/>
+                <dgm:constr type="r" for="ch" forName="text_1" refType="w"/>
+                <dgm:constr type="w" for="ch" forName="text_1" refType="h" refFor="ch" refForName="text_1" op="gte"/>
+                <dgm:constr type="h" for="ch" forName="text_1" refType="h" refFor="ch" refForName="accent_1" fact="0.8"/>
+                <dgm:constr type="ctrY" for="ch" forName="text_1" refType="ctrY" refFor="ch" refForName="accent_1"/>
+                <dgm:constr type="lMarg" for="ch" forName="text_1" refType="w" refFor="ch" refForName="accent_1" fact="1.8"/>
+                <dgm:constr type="h" for="ch" forName="accent_2" refType="h" fact="0.1316"/>
+                <dgm:constr type="w" for="ch" forName="accent_2" refType="h" refFor="ch" refForName="accent_2" op="equ"/>
+                <dgm:constr type="ctrY" for="ch" forName="accent_2" refType="h" fact="0.2632"/>
+                <dgm:constr type="ctrX" for="ch" forName="accent_2" refType="h" fact="0.1809"/>
+                <dgm:constr type="l" for="ch" forName="text_2" refType="ctrX" refFor="ch" refForName="accent_2"/>
+                <dgm:constr type="r" for="ch" forName="text_2" refType="w"/>
+                <dgm:constr type="w" for="ch" forName="text_2" refType="h" refFor="ch" refForName="text_2" op="gte"/>
+                <dgm:constr type="h" for="ch" forName="text_2" refType="h" refFor="ch" refForName="accent_2" fact="0.8"/>
+                <dgm:constr type="ctrY" for="ch" forName="text_2" refType="ctrY" refFor="ch" refForName="accent_2"/>
+                <dgm:constr type="lMarg" for="ch" forName="text_2" refType="w" refFor="ch" refForName="accent_2" fact="1.8"/>
+                <dgm:constr type="h" for="ch" forName="accent_3" refType="h" fact="0.1316"/>
+                <dgm:constr type="w" for="ch" forName="accent_3" refType="h" refFor="ch" refForName="accent_3" op="equ"/>
+                <dgm:constr type="ctrY" for="ch" forName="accent_3" refType="h" fact="0.4211"/>
+                <dgm:constr type="ctrX" for="ch" forName="accent_3" refType="h" fact="0.2205"/>
+                <dgm:constr type="l" for="ch" forName="text_3" refType="ctrX" refFor="ch" refForName="accent_3"/>
+                <dgm:constr type="r" for="ch" forName="text_3" refType="w"/>
+                <dgm:constr type="w" for="ch" forName="text_3" refType="h" refFor="ch" refForName="text_3" op="gte"/>
+                <dgm:constr type="h" for="ch" forName="text_3" refType="h" refFor="ch" refForName="accent_3" fact="0.8"/>
+                <dgm:constr type="ctrY" for="ch" forName="text_3" refType="ctrY" refFor="ch" refForName="accent_3"/>
+                <dgm:constr type="lMarg" for="ch" forName="text_3" refType="w" refFor="ch" refForName="accent_3" fact="1.8"/>
+                <dgm:constr type="h" for="ch" forName="accent_4" refType="h" fact="0.1316"/>
+                <dgm:constr type="w" for="ch" forName="accent_4" refType="h" refFor="ch" refForName="accent_4" op="equ"/>
+                <dgm:constr type="ctrY" for="ch" forName="accent_4" refType="h" fact="0.5789"/>
+                <dgm:constr type="ctrX" for="ch" forName="accent_4" refType="h" fact="0.2205"/>
+                <dgm:constr type="l" for="ch" forName="text_4" refType="ctrX" refFor="ch" refForName="accent_4"/>
+                <dgm:constr type="r" for="ch" forName="text_4" refType="w"/>
+                <dgm:constr type="w" for="ch" forName="text_4" refType="h" refFor="ch" refForName="text_4" op="gte"/>
+                <dgm:constr type="h" for="ch" forName="text_4" refType="h" refFor="ch" refForName="accent_4" fact="0.8"/>
+                <dgm:constr type="ctrY" for="ch" forName="text_4" refType="ctrY" refFor="ch" refForName="accent_4"/>
+                <dgm:constr type="lMarg" for="ch" forName="text_4" refType="w" refFor="ch" refForName="accent_4" fact="1.8"/>
+                <dgm:constr type="h" for="ch" forName="accent_5" refType="h" fact="0.1316"/>
+                <dgm:constr type="w" for="ch" forName="accent_5" refType="h" refFor="ch" refForName="accent_5" op="equ"/>
+                <dgm:constr type="ctrY" for="ch" forName="accent_5" refType="h" fact="0.7368"/>
+                <dgm:constr type="ctrX" for="ch" forName="accent_5" refType="h" fact="0.1809"/>
+                <dgm:constr type="l" for="ch" forName="text_5" refType="ctrX" refFor="ch" refForName="accent_5"/>
+                <dgm:constr type="r" for="ch" forName="text_5" refType="w"/>
+                <dgm:constr type="w" for="ch" forName="text_5" refType="h" refFor="ch" refForName="text_5" op="gte"/>
+                <dgm:constr type="h" for="ch" forName="text_5" refType="h" refFor="ch" refForName="accent_5" fact="0.8"/>
+                <dgm:constr type="ctrY" for="ch" forName="text_5" refType="ctrY" refFor="ch" refForName="accent_5"/>
+                <dgm:constr type="lMarg" for="ch" forName="text_5" refType="w" refFor="ch" refForName="accent_5" fact="1.8"/>
+                <dgm:constr type="h" for="ch" forName="accent_6" refType="h" fact="0.1316"/>
+                <dgm:constr type="w" for="ch" forName="accent_6" refType="h" refFor="ch" refForName="accent_6" op="equ"/>
+                <dgm:constr type="ctrY" for="ch" forName="accent_6" refType="h" fact="0.8947"/>
+                <dgm:constr type="ctrX" for="ch" forName="accent_6" refType="h" fact="0.0943"/>
+                <dgm:constr type="l" for="ch" forName="text_6" refType="ctrX" refFor="ch" refForName="accent_6"/>
+                <dgm:constr type="r" for="ch" forName="text_6" refType="w"/>
+                <dgm:constr type="w" for="ch" forName="text_6" refType="h" refFor="ch" refForName="text_6" op="gte"/>
+                <dgm:constr type="h" for="ch" forName="text_6" refType="h" refFor="ch" refForName="accent_6" fact="0.8"/>
+                <dgm:constr type="ctrY" for="ch" forName="text_6" refType="ctrY" refFor="ch" refForName="accent_6"/>
+                <dgm:constr type="lMarg" for="ch" forName="text_6" refType="w" refFor="ch" refForName="accent_6" fact="1.8"/>
+                <dgm:constr type="primFontSz" for="ch" ptType="node" op="equ" val="65"/>
+              </dgm:constrLst>
+            </dgm:if>
+            <dgm:else name="Name11">
+              <dgm:constrLst>
+                <dgm:constr type="h" for="ch" forName="cycle" refType="h"/>
+                <dgm:constr type="w" for="ch" forName="cycle" refType="h" refFor="ch" refForName="cycle" fact="0.26"/>
+                <dgm:constr type="l" for="ch" forName="cycle"/>
+                <dgm:constr type="ctrY" for="ch" forName="cycle" refType="h" fact="0.5"/>
+                <dgm:constr type="diam" for="ch" forName="cycle" refType="h" fact="1.344"/>
+                <dgm:constr type="h" for="ch" forName="accent_1" refType="h" fact="0.1136"/>
+                <dgm:constr type="w" for="ch" forName="accent_1" refType="h" refFor="ch" refForName="accent_1" op="equ"/>
+                <dgm:constr type="ctrY" for="ch" forName="accent_1" refType="h" fact="0.0909"/>
+                <dgm:constr type="ctrX" for="ch" forName="accent_1" refType="h" fact="0.0835"/>
+                <dgm:constr type="l" for="ch" forName="text_1" refType="ctrX" refFor="ch" refForName="accent_1"/>
+                <dgm:constr type="r" for="ch" forName="text_1" refType="w"/>
+                <dgm:constr type="w" for="ch" forName="text_1" refType="h" refFor="ch" refForName="text_1" op="gte"/>
+                <dgm:constr type="h" for="ch" forName="text_1" refType="h" refFor="ch" refForName="accent_1" fact="0.8"/>
+                <dgm:constr type="ctrY" for="ch" forName="text_1" refType="ctrY" refFor="ch" refForName="accent_1"/>
+                <dgm:constr type="lMarg" for="ch" forName="text_1" refType="w" refFor="ch" refForName="accent_1" fact="1.8"/>
+                <dgm:constr type="h" for="ch" forName="accent_2" refType="h" fact="0.1136"/>
+                <dgm:constr type="w" for="ch" forName="accent_2" refType="h" refFor="ch" refForName="accent_2" op="equ"/>
+                <dgm:constr type="ctrY" for="ch" forName="accent_2" refType="h" fact="0.2273"/>
+                <dgm:constr type="ctrX" for="ch" forName="accent_2" refType="h" fact="0.1658"/>
+                <dgm:constr type="l" for="ch" forName="text_2" refType="ctrX" refFor="ch" refForName="accent_2"/>
+                <dgm:constr type="r" for="ch" forName="text_2" refType="w"/>
+                <dgm:constr type="w" for="ch" forName="text_2" refType="h" refFor="ch" refForName="text_2" op="gte"/>
+                <dgm:constr type="h" for="ch" forName="text_2" refType="h" refFor="ch" refForName="accent_2" fact="0.8"/>
+                <dgm:constr type="ctrY" for="ch" forName="text_2" refType="ctrY" refFor="ch" refForName="accent_2"/>
+                <dgm:constr type="lMarg" for="ch" forName="text_2" refType="w" refFor="ch" refForName="accent_2" fact="1.8"/>
+                <dgm:constr type="h" for="ch" forName="accent_3" refType="h" fact="0.1136"/>
+                <dgm:constr type="w" for="ch" forName="accent_3" refType="h" refFor="ch" refForName="accent_3" op="equ"/>
+                <dgm:constr type="ctrY" for="ch" forName="accent_3" refType="h" fact="0.3636"/>
+                <dgm:constr type="ctrX" for="ch" forName="accent_3" refType="h" fact="0.2109"/>
+                <dgm:constr type="l" for="ch" forName="text_3" refType="ctrX" refFor="ch" refForName="accent_3"/>
+                <dgm:constr type="r" for="ch" forName="text_3" refType="w"/>
+                <dgm:constr type="w" for="ch" forName="text_3" refType="h" refFor="ch" refForName="text_3" op="gte"/>
+                <dgm:constr type="h" for="ch" forName="text_3" refType="h" refFor="ch" refForName="accent_3" fact="0.8"/>
+                <dgm:constr type="ctrY" for="ch" forName="text_3" refType="ctrY" refFor="ch" refForName="accent_3"/>
+                <dgm:constr type="lMarg" for="ch" forName="text_3" refType="w" refFor="ch" refForName="accent_3" fact="1.8"/>
+                <dgm:constr type="h" for="ch" forName="accent_4" refType="h" fact="0.1136"/>
+                <dgm:constr type="w" for="ch" forName="accent_4" refType="h" refFor="ch" refForName="accent_4" op="equ"/>
+                <dgm:constr type="ctrY" for="ch" forName="accent_4" refType="h" fact="0.5"/>
+                <dgm:constr type="ctrX" for="ch" forName="accent_4" refType="h" fact="0.2253"/>
+                <dgm:constr type="l" for="ch" forName="text_4" refType="ctrX" refFor="ch" refForName="accent_4"/>
+                <dgm:constr type="r" for="ch" forName="text_4" refType="w"/>
+                <dgm:constr type="w" for="ch" forName="text_4" refType="h" refFor="ch" refForName="text_4" op="gte"/>
+                <dgm:constr type="h" for="ch" forName="text_4" refType="h" refFor="ch" refForName="accent_4" fact="0.8"/>
+                <dgm:constr type="ctrY" for="ch" forName="text_4" refType="ctrY" refFor="ch" refForName="accent_4"/>
+                <dgm:constr type="lMarg" for="ch" forName="text_4" refType="w" refFor="ch" refForName="accent_4" fact="1.8"/>
+                <dgm:constr type="h" for="ch" forName="accent_5" refType="h" fact="0.1136"/>
+                <dgm:constr type="w" for="ch" forName="accent_5" refType="h" refFor="ch" refForName="accent_5" op="equ"/>
+                <dgm:constr type="ctrY" for="ch" forName="accent_5" refType="h" fact="0.6364"/>
+                <dgm:constr type="ctrX" for="ch" forName="accent_5" refType="h" fact="0.2109"/>
+                <dgm:constr type="l" for="ch" forName="text_5" refType="ctrX" refFor="ch" refForName="accent_5"/>
+                <dgm:constr type="r" for="ch" forName="text_5" refType="w"/>
+                <dgm:constr type="w" for="ch" forName="text_5" refType="h" refFor="ch" refForName="text_5" op="gte"/>
+                <dgm:constr type="h" for="ch" forName="text_5" refType="h" refFor="ch" refForName="accent_5" fact="0.8"/>
+                <dgm:constr type="ctrY" for="ch" forName="text_5" refType="ctrY" refFor="ch" refForName="accent_5"/>
+                <dgm:constr type="lMarg" for="ch" forName="text_5" refType="w" refFor="ch" refForName="accent_5" fact="1.8"/>
+                <dgm:constr type="h" for="ch" forName="accent_6" refType="h" fact="0.1136"/>
+                <dgm:constr type="w" for="ch" forName="accent_6" refType="h" refFor="ch" refForName="accent_6" op="equ"/>
+                <dgm:constr type="ctrY" for="ch" forName="accent_6" refType="h" fact="0.7727"/>
+                <dgm:constr type="ctrX" for="ch" forName="accent_6" refType="h" fact="0.1658"/>
+                <dgm:constr type="l" for="ch" forName="text_6" refType="ctrX" refFor="ch" refForName="accent_6"/>
+                <dgm:constr type="r" for="ch" forName="text_6" refType="w"/>
+                <dgm:constr type="w" for="ch" forName="text_6" refType="h" refFor="ch" refForName="text_6" op="gte"/>
+                <dgm:constr type="h" for="ch" forName="text_6" refType="h" refFor="ch" refForName="accent_6" fact="0.8"/>
+                <dgm:constr type="ctrY" for="ch" forName="text_6" refType="ctrY" refFor="ch" refForName="accent_6"/>
+                <dgm:constr type="lMarg" for="ch" forName="text_6" refType="w" refFor="ch" refForName="accent_6" fact="1.8"/>
+                <dgm:constr type="h" for="ch" forName="accent_7" refType="h" fact="0.1136"/>
+                <dgm:constr type="w" for="ch" forName="accent_7" refType="h" refFor="ch" refForName="accent_7" op="equ"/>
+                <dgm:constr type="ctrY" for="ch" forName="accent_7" refType="h" fact="0.9091"/>
+                <dgm:constr type="ctrX" for="ch" forName="accent_7" refType="h" fact="0.0835"/>
+                <dgm:constr type="l" for="ch" forName="text_7" refType="ctrX" refFor="ch" refForName="accent_7"/>
+                <dgm:constr type="r" for="ch" forName="text_7" refType="w"/>
+                <dgm:constr type="w" for="ch" forName="text_7" refType="h" refFor="ch" refForName="text_7" op="gte"/>
+                <dgm:constr type="h" for="ch" forName="text_7" refType="h" refFor="ch" refForName="accent_7" fact="0.8"/>
+                <dgm:constr type="ctrY" for="ch" forName="text_7" refType="ctrY" refFor="ch" refForName="accent_7"/>
+                <dgm:constr type="lMarg" for="ch" forName="text_7" refType="w" refFor="ch" refForName="accent_7" fact="1.8"/>
+                <dgm:constr type="primFontSz" for="ch" ptType="node" op="equ" val="65"/>
+              </dgm:constrLst>
+            </dgm:else>
+          </dgm:choose>
+        </dgm:if>
+        <dgm:else name="Name12">
+          <dgm:choose name="Name13">
+            <dgm:if name="Name14" axis="ch" ptType="node" func="cnt" op="equ" val="1">
+              <dgm:constrLst>
+                <dgm:constr type="h" for="ch" forName="cycle" refType="h"/>
+                <dgm:constr type="w" for="ch" forName="cycle" refType="h" refFor="ch" refForName="cycle" fact="0.26"/>
+                <dgm:constr type="r" for="ch" forName="cycle" refType="w"/>
+                <dgm:constr type="ctrY" for="ch" forName="cycle" refType="h" fact="0.5"/>
+                <dgm:constr type="diam" for="ch" forName="cycle" refType="h" fact="1.344"/>
+                <dgm:constr type="h" for="ch" forName="accent_1" refType="h" fact="0.625"/>
+                <dgm:constr type="w" for="ch" forName="accent_1" refType="h" refFor="ch" refForName="accent_1" op="equ"/>
+                <dgm:constr type="ctrY" for="ch" forName="accent_1" refType="h" fact="0.5"/>
+                <dgm:constr type="ctrX" for="ch" forName="accent_1" refType="w"/>
+                <dgm:constr type="ctrXOff" for="ch" forName="accent_1" refType="h" fact="-0.2253"/>
+                <dgm:constr type="r" for="ch" forName="text_1" refType="ctrX" refFor="ch" refForName="accent_1"/>
+                <dgm:constr type="rOff" for="ch" forName="text_1" refType="ctrXOff" refFor="ch" refForName="accent_1"/>
+                <dgm:constr type="l" for="ch" forName="text_1"/>
+                <dgm:constr type="w" for="ch" forName="text_1" refType="h" refFor="ch" refForName="text_1" op="gte"/>
+                <dgm:constr type="h" for="ch" forName="text_1" refType="h" refFor="ch" refForName="accent_1" fact="0.8"/>
+                <dgm:constr type="ctrY" for="ch" forName="text_1" refType="ctrY" refFor="ch" refForName="accent_1"/>
+                <dgm:constr type="rMarg" for="ch" forName="text_1" refType="w" refFor="ch" refForName="accent_1" fact="1.8"/>
+                <dgm:constr type="primFontSz" for="ch" ptType="node" op="equ" val="65"/>
+              </dgm:constrLst>
+            </dgm:if>
+            <dgm:if name="Name15" axis="ch" ptType="node" func="cnt" op="equ" val="2">
+              <dgm:constrLst>
+                <dgm:constr type="h" for="ch" forName="cycle" refType="h"/>
+                <dgm:constr type="w" for="ch" forName="cycle" refType="h" refFor="ch" refForName="cycle" fact="0.26"/>
+                <dgm:constr type="r" for="ch" forName="cycle" refType="w"/>
+                <dgm:constr type="ctrY" for="ch" forName="cycle" refType="h" fact="0.5"/>
+                <dgm:constr type="diam" for="ch" forName="cycle" refType="h" fact="1.344"/>
+                <dgm:constr type="h" for="ch" forName="accent_1" refType="h" fact="0.3571"/>
+                <dgm:constr type="w" for="ch" forName="accent_1" refType="h" refFor="ch" refForName="accent_1" op="equ"/>
+                <dgm:constr type="ctrY" for="ch" forName="accent_1" refType="h" fact="0.2857"/>
+                <dgm:constr type="ctrX" for="ch" forName="accent_1" refType="w"/>
+                <dgm:constr type="ctrXOff" for="ch" forName="accent_1" refType="h" fact="-0.1891"/>
+                <dgm:constr type="r" for="ch" forName="text_1" refType="ctrX" refFor="ch" refForName="accent_1"/>
+                <dgm:constr type="rOff" for="ch" forName="text_1" refType="ctrXOff" refFor="ch" refForName="accent_1"/>
+                <dgm:constr type="l" for="ch" forName="text_1"/>
+                <dgm:constr type="w" for="ch" forName="text_1" refType="h" refFor="ch" refForName="text_1" op="gte"/>
+                <dgm:constr type="h" for="ch" forName="text_1" refType="h" refFor="ch" refForName="accent_1" fact="0.8"/>
+                <dgm:constr type="ctrY" for="ch" forName="text_1" refType="ctrY" refFor="ch" refForName="accent_1"/>
+                <dgm:constr type="rMarg" for="ch" forName="text_1" refType="w" refFor="ch" refForName="accent_1" fact="1.8"/>
+                <dgm:constr type="h" for="ch" forName="accent_2" refType="h" fact="0.3571"/>
+                <dgm:constr type="w" for="ch" forName="accent_2" refType="h" refFor="ch" refForName="accent_2" op="equ"/>
+                <dgm:constr type="ctrY" for="ch" forName="accent_2" refType="h" fact="0.7143"/>
+                <dgm:constr type="ctrX" for="ch" forName="accent_2" refType="w"/>
+                <dgm:constr type="ctrXOff" for="ch" forName="accent_2" refType="h" fact="-0.1891"/>
+                <dgm:constr type="r" for="ch" forName="text_2" refType="ctrX" refFor="ch" refForName="accent_2"/>
+                <dgm:constr type="rOff" for="ch" forName="text_2" refType="ctrXOff" refFor="ch" refForName="accent_2"/>
+                <dgm:constr type="l" for="ch" forName="text_2"/>
+                <dgm:constr type="w" for="ch" forName="text_2" refType="h" refFor="ch" refForName="text_2" op="gte"/>
+                <dgm:constr type="h" for="ch" forName="text_2" refType="h" refFor="ch" refForName="accent_2" fact="0.8"/>
+                <dgm:constr type="ctrY" for="ch" forName="text_2" refType="ctrY" refFor="ch" refForName="accent_2"/>
+                <dgm:constr type="rMarg" for="ch" forName="text_2" refType="w" refFor="ch" refForName="accent_2" fact="1.8"/>
+                <dgm:constr type="primFontSz" for="ch" ptType="node" op="equ" val="65"/>
+              </dgm:constrLst>
+            </dgm:if>
+            <dgm:if name="Name16" axis="ch" ptType="node" func="cnt" op="equ" val="3">
+              <dgm:constrLst>
+                <dgm:constr type="h" for="ch" forName="cycle" refType="h"/>
+                <dgm:constr type="w" for="ch" forName="cycle" refType="h" refFor="ch" refForName="cycle" fact="0.26"/>
+                <dgm:constr type="r" for="ch" forName="cycle" refType="w"/>
+                <dgm:constr type="ctrY" for="ch" forName="cycle" refType="h" fact="0.5"/>
+                <dgm:constr type="diam" for="ch" forName="cycle" refType="h" fact="1.344"/>
+                <dgm:constr type="h" for="ch" forName="accent_1" refType="h" fact="0.25"/>
+                <dgm:constr type="w" for="ch" forName="accent_1" refType="h" refFor="ch" refForName="accent_1" op="equ"/>
+                <dgm:constr type="ctrY" for="ch" forName="accent_1" refType="h" fact="0.2"/>
+                <dgm:constr type="ctrX" for="ch" forName="accent_1" refType="w"/>
+                <dgm:constr type="ctrXOff" for="ch" forName="accent_1" refType="h" fact="-0.1526"/>
+                <dgm:constr type="r" for="ch" forName="text_1" refType="ctrX" refFor="ch" refForName="accent_1"/>
+                <dgm:constr type="rOff" for="ch" forName="text_1" refType="ctrXOff" refFor="ch" refForName="accent_1"/>
+                <dgm:constr type="l" for="ch" forName="text_1"/>
+                <dgm:constr type="w" for="ch" forName="text_1" refType="h" refFor="ch" refForName="text_1" op="gte"/>
+                <dgm:constr type="h" for="ch" forName="text_1" refType="h" refFor="ch" refForName="accent_1" fact="0.8"/>
+                <dgm:constr type="ctrY" for="ch" forName="text_1" refType="ctrY" refFor="ch" refForName="accent_1"/>
+                <dgm:constr type="rMarg" for="ch" forName="text_1" refType="w" refFor="ch" refForName="accent_1" fact="1.8"/>
+                <dgm:constr type="h" for="ch" forName="accent_2" refType="h" fact="0.25"/>
+                <dgm:constr type="w" for="ch" forName="accent_2" refType="h" refFor="ch" refForName="accent_2" op="equ"/>
+                <dgm:constr type="ctrY" for="ch" forName="accent_2" refType="h" fact="0.5"/>
+                <dgm:constr type="ctrX" for="ch" forName="accent_2" refType="w"/>
+                <dgm:constr type="ctrXOff" for="ch" forName="accent_2" refType="h" fact="-0.2253"/>
+                <dgm:constr type="r" for="ch" forName="text_2" refType="ctrX" refFor="ch" refForName="accent_2"/>
+                <dgm:constr type="rOff" for="ch" forName="text_2" refType="ctrXOff" refFor="ch" refForName="accent_2"/>
+                <dgm:constr type="l" for="ch" forName="text_2"/>
+                <dgm:constr type="w" for="ch" forName="text_2" refType="h" refFor="ch" refForName="text_2" op="gte"/>
+                <dgm:constr type="h" for="ch" forName="text_2" refType="h" refFor="ch" refForName="accent_2" fact="0.8"/>
+                <dgm:constr type="ctrY" for="ch" forName="text_2" refType="ctrY" refFor="ch" refForName="accent_2"/>
+                <dgm:constr type="rMarg" for="ch" forName="text_2" refType="w" refFor="ch" refForName="accent_2" fact="1.8"/>
+                <dgm:constr type="h" for="ch" forName="accent_3" refType="h" fact="0.25"/>
+                <dgm:constr type="w" for="ch" forName="accent_3" refType="h" refFor="ch" refForName="accent_3" op="equ"/>
+                <dgm:constr type="ctrY" for="ch" forName="accent_3" refType="h" fact="0.8"/>
+                <dgm:constr type="ctrX" for="ch" forName="accent_3" refType="w"/>
+                <dgm:constr type="ctrXOff" for="ch" forName="accent_3" refType="h" fact="-0.1526"/>
+                <dgm:constr type="r" for="ch" forName="text_3" refType="ctrX" refFor="ch" refForName="accent_3"/>
+                <dgm:constr type="rOff" for="ch" forName="text_3" refType="ctrXOff" refFor="ch" refForName="accent_3"/>
+                <dgm:constr type="l" for="ch" forName="text_3"/>
+                <dgm:constr type="w" for="ch" forName="text_3" refType="h" refFor="ch" refForName="text_3" op="gte"/>
+                <dgm:constr type="h" for="ch" forName="text_3" refType="h" refFor="ch" refForName="accent_3" fact="0.8"/>
+                <dgm:constr type="ctrY" for="ch" forName="text_3" refType="ctrY" refFor="ch" refForName="accent_3"/>
+                <dgm:constr type="rMarg" for="ch" forName="text_3" refType="w" refFor="ch" refForName="accent_3" fact="1.8"/>
+                <dgm:constr type="primFontSz" for="ch" ptType="node" op="equ" val="65"/>
+              </dgm:constrLst>
+            </dgm:if>
+            <dgm:if name="Name17" axis="ch" ptType="node" func="cnt" op="equ" val="4">
+              <dgm:constrLst>
+                <dgm:constr type="h" for="ch" forName="cycle" refType="h"/>
+                <dgm:constr type="w" for="ch" forName="cycle" refType="h" refFor="ch" refForName="cycle" fact="0.26"/>
+                <dgm:constr type="r" for="ch" forName="cycle" refType="w"/>
+                <dgm:constr type="ctrY" for="ch" forName="cycle" refType="h" fact="0.5"/>
+                <dgm:constr type="diam" for="ch" forName="cycle" refType="h" fact="1.344"/>
+                <dgm:constr type="h" for="ch" forName="accent_1" refType="h" fact="0.1923"/>
+                <dgm:constr type="w" for="ch" forName="accent_1" refType="h" refFor="ch" refForName="accent_1" op="equ"/>
+                <dgm:constr type="ctrY" for="ch" forName="accent_1" refType="h" fact="0.1538"/>
+                <dgm:constr type="ctrX" for="ch" forName="accent_1" refType="w"/>
+                <dgm:constr type="ctrXOff" for="ch" forName="accent_1" refType="h" fact="-0.1268"/>
+                <dgm:constr type="r" for="ch" forName="text_1" refType="ctrX" refFor="ch" refForName="accent_1"/>
+                <dgm:constr type="rOff" for="ch" forName="text_1" refType="ctrXOff" refFor="ch" refForName="accent_1"/>
+                <dgm:constr type="l" for="ch" forName="text_1"/>
+                <dgm:constr type="w" for="ch" forName="text_1" refType="h" refFor="ch" refForName="text_1" op="gte"/>
+                <dgm:constr type="h" for="ch" forName="text_1" refType="h" refFor="ch" refForName="accent_1" fact="0.8"/>
+                <dgm:constr type="ctrY" for="ch" forName="text_1" refType="ctrY" refFor="ch" refForName="accent_1"/>
+                <dgm:constr type="rMarg" for="ch" forName="text_1" refType="w" refFor="ch" refForName="accent_1" fact="1.8"/>
+                <dgm:constr type="h" for="ch" forName="accent_2" refType="h" fact="0.1923"/>
+                <dgm:constr type="w" for="ch" forName="accent_2" refType="h" refFor="ch" refForName="accent_2" op="equ"/>
+                <dgm:constr type="ctrY" for="ch" forName="accent_2" refType="h" fact="0.3846"/>
+                <dgm:constr type="ctrX" for="ch" forName="accent_2" refType="w"/>
+                <dgm:constr type="ctrXOff" for="ch" forName="accent_2" refType="h" fact="-0.215"/>
+                <dgm:constr type="r" for="ch" forName="text_2" refType="ctrX" refFor="ch" refForName="accent_2"/>
+                <dgm:constr type="rOff" for="ch" forName="text_2" refType="ctrXOff" refFor="ch" refForName="accent_2"/>
+                <dgm:constr type="l" for="ch" forName="text_2"/>
+                <dgm:constr type="w" for="ch" forName="text_2" refType="h" refFor="ch" refForName="text_2" op="gte"/>
+                <dgm:constr type="h" for="ch" forName="text_2" refType="h" refFor="ch" refForName="accent_2" fact="0.8"/>
+                <dgm:constr type="ctrY" for="ch" forName="text_2" refType="ctrY" refFor="ch" refForName="accent_2"/>
+                <dgm:constr type="rMarg" for="ch" forName="text_2" refType="w" refFor="ch" refForName="accent_2" fact="1.8"/>
+                <dgm:constr type="h" for="ch" forName="accent_3" refType="h" fact="0.1923"/>
+                <dgm:constr type="w" for="ch" forName="accent_3" refType="h" refFor="ch" refForName="accent_3" op="equ"/>
+                <dgm:constr type="ctrY" for="ch" forName="accent_3" refType="h" fact="0.6154"/>
+                <dgm:constr type="ctrX" for="ch" forName="accent_3" refType="w"/>
+                <dgm:constr type="ctrXOff" for="ch" forName="accent_3" refType="h" fact="-0.215"/>
+                <dgm:constr type="r" for="ch" forName="text_3" refType="ctrX" refFor="ch" refForName="accent_3"/>
+                <dgm:constr type="rOff" for="ch" forName="text_3" refType="ctrXOff" refFor="ch" refForName="accent_3"/>
+                <dgm:constr type="l" for="ch" forName="text_3"/>
+                <dgm:constr type="w" for="ch" forName="text_3" refType="h" refFor="ch" refForName="text_3" op="gte"/>
+                <dgm:constr type="h" for="ch" forName="text_3" refType="h" refFor="ch" refForName="accent_3" fact="0.8"/>
+                <dgm:constr type="ctrY" for="ch" forName="text_3" refType="ctrY" refFor="ch" refForName="accent_3"/>
+                <dgm:constr type="rMarg" for="ch" forName="text_3" refType="w" refFor="ch" refForName="accent_3" fact="1.8"/>
+                <dgm:constr type="h" for="ch" forName="accent_4" refType="h" fact="0.1923"/>
+                <dgm:constr type="w" for="ch" forName="accent_4" refType="h" refFor="ch" refForName="accent_4" op="equ"/>
+                <dgm:constr type="ctrY" for="ch" forName="accent_4" refType="h" fact="0.8462"/>
+                <dgm:constr type="ctrX" for="ch" forName="accent_4" refType="w"/>
+                <dgm:constr type="ctrXOff" for="ch" forName="accent_4" refType="h" fact="-0.1268"/>
+                <dgm:constr type="r" for="ch" forName="text_4" refType="ctrX" refFor="ch" refForName="accent_4"/>
+                <dgm:constr type="rOff" for="ch" forName="text_4" refType="ctrXOff" refFor="ch" refForName="accent_4"/>
+                <dgm:constr type="l" for="ch" forName="text_4"/>
+                <dgm:constr type="w" for="ch" forName="text_4" refType="h" refFor="ch" refForName="text_4" op="gte"/>
+                <dgm:constr type="h" for="ch" forName="text_4" refType="h" refFor="ch" refForName="accent_4" fact="0.8"/>
+                <dgm:constr type="ctrY" for="ch" forName="text_4" refType="ctrY" refFor="ch" refForName="accent_4"/>
+                <dgm:constr type="rMarg" for="ch" forName="text_4" refType="w" refFor="ch" refForName="accent_4" fact="1.8"/>
+                <dgm:constr type="primFontSz" for="ch" ptType="node" op="equ" val="65"/>
+              </dgm:constrLst>
+            </dgm:if>
+            <dgm:if name="Name18" axis="ch" ptType="node" func="cnt" op="equ" val="5">
+              <dgm:constrLst>
+                <dgm:constr type="h" for="ch" forName="cycle" refType="h"/>
+                <dgm:constr type="w" for="ch" forName="cycle" refType="h" refFor="ch" refForName="cycle" fact="0.26"/>
+                <dgm:constr type="r" for="ch" forName="cycle" refType="w"/>
+                <dgm:constr type="ctrY" for="ch" forName="cycle" refType="h" fact="0.5"/>
+                <dgm:constr type="diam" for="ch" forName="cycle" refType="h" fact="1.344"/>
+                <dgm:constr type="h" for="ch" forName="accent_1" refType="h" fact="0.1563"/>
+                <dgm:constr type="w" for="ch" forName="accent_1" refType="h" refFor="ch" refForName="accent_1" op="equ"/>
+                <dgm:constr type="ctrY" for="ch" forName="accent_1" refType="h" fact="0.125"/>
+                <dgm:constr type="ctrX" for="ch" forName="accent_1" refType="w"/>
+                <dgm:constr type="ctrXOff" for="ch" forName="accent_1" refType="h" fact="-0.1082"/>
+                <dgm:constr type="r" for="ch" forName="text_1" refType="ctrX" refFor="ch" refForName="accent_1"/>
+                <dgm:constr type="rOff" for="ch" forName="text_1" refType="ctrXOff" refFor="ch" refForName="accent_1"/>
+                <dgm:constr type="l" for="ch" forName="text_1"/>
+                <dgm:constr type="w" for="ch" forName="text_1" refType="h" refFor="ch" refForName="text_1" op="gte"/>
+                <dgm:constr type="h" for="ch" forName="text_1" refType="h" refFor="ch" refForName="accent_1" fact="0.8"/>
+                <dgm:constr type="ctrY" for="ch" forName="text_1" refType="ctrY" refFor="ch" refForName="accent_1"/>
+                <dgm:constr type="rMarg" for="ch" forName="text_1" refType="w" refFor="ch" refForName="accent_1" fact="1.8"/>
+                <dgm:constr type="h" for="ch" forName="accent_2" refType="h" fact="0.1563"/>
+                <dgm:constr type="w" for="ch" forName="accent_2" refType="h" refFor="ch" refForName="accent_2" op="equ"/>
+                <dgm:constr type="ctrY" for="ch" forName="accent_2" refType="h" fact="0.3125"/>
+                <dgm:constr type="ctrX" for="ch" forName="accent_2" refType="w"/>
+                <dgm:constr type="ctrXOff" for="ch" forName="accent_2" refType="h" fact="-0.1978"/>
+                <dgm:constr type="r" for="ch" forName="text_2" refType="ctrX" refFor="ch" refForName="accent_2"/>
+                <dgm:constr type="rOff" for="ch" forName="text_2" refType="ctrXOff" refFor="ch" refForName="accent_2"/>
+                <dgm:constr type="l" for="ch" forName="text_2"/>
+                <dgm:constr type="w" for="ch" forName="text_2" refType="h" refFor="ch" refForName="text_2" op="gte"/>
+                <dgm:constr type="h" for="ch" forName="text_2" refType="h" refFor="ch" refForName="accent_2" fact="0.8"/>
+                <dgm:constr type="ctrY" for="ch" forName="text_2" refType="ctrY" refFor="ch" refForName="accent_2"/>
+                <dgm:constr type="rMarg" for="ch" forName="text_2" refType="w" refFor="ch" refForName="accent_2" fact="1.8"/>
+                <dgm:constr type="h" for="ch" forName="accent_3" refType="h" fact="0.1563"/>
+                <dgm:constr type="w" for="ch" forName="accent_3" refType="h" refFor="ch" refForName="accent_3" op="equ"/>
+                <dgm:constr type="ctrY" for="ch" forName="accent_3" refType="h" fact="0.5"/>
+                <dgm:constr type="ctrX" for="ch" forName="accent_3" refType="w"/>
+                <dgm:constr type="ctrXOff" for="ch" forName="accent_3" refType="h" fact="-0.2253"/>
+                <dgm:constr type="r" for="ch" forName="text_3" refType="ctrX" refFor="ch" refForName="accent_3"/>
+                <dgm:constr type="rOff" for="ch" forName="text_3" refType="ctrXOff" refFor="ch" refForName="accent_3"/>
+                <dgm:constr type="l" for="ch" forName="text_3"/>
+                <dgm:constr type="w" for="ch" forName="text_3" refType="h" refFor="ch" refForName="text_3" op="gte"/>
+                <dgm:constr type="h" for="ch" forName="text_3" refType="h" refFor="ch" refForName="accent_3" fact="0.8"/>
+                <dgm:constr type="ctrY" for="ch" forName="text_3" refType="ctrY" refFor="ch" refForName="accent_3"/>
+                <dgm:constr type="rMarg" for="ch" forName="text_3" refType="w" refFor="ch" refForName="accent_3" fact="1.8"/>
+                <dgm:constr type="h" for="ch" forName="accent_4" refType="h" fact="0.1563"/>
+                <dgm:constr type="w" for="ch" forName="accent_4" refType="h" refFor="ch" refForName="accent_4" op="equ"/>
+                <dgm:constr type="ctrY" for="ch" forName="accent_4" refType="h" fact="0.6875"/>
+                <dgm:constr type="ctrX" for="ch" forName="accent_4" refType="w"/>
+                <dgm:constr type="ctrXOff" for="ch" forName="accent_4" refType="h" fact="-0.1978"/>
+                <dgm:constr type="r" for="ch" forName="text_4" refType="ctrX" refFor="ch" refForName="accent_4"/>
+                <dgm:constr type="rOff" for="ch" forName="text_4" refType="ctrXOff" refFor="ch" refForName="accent_4"/>
+                <dgm:constr type="l" for="ch" forName="text_4"/>
+                <dgm:constr type="w" for="ch" forName="text_4" refType="h" refFor="ch" refForName="text_4" op="gte"/>
+                <dgm:constr type="h" for="ch" forName="text_4" refType="h" refFor="ch" refForName="accent_4" fact="0.8"/>
+                <dgm:constr type="ctrY" for="ch" forName="text_4" refType="ctrY" refFor="ch" refForName="accent_4"/>
+                <dgm:constr type="rMarg" for="ch" forName="text_4" refType="w" refFor="ch" refForName="accent_4" fact="1.8"/>
+                <dgm:constr type="h" for="ch" forName="accent_5" refType="h" fact="0.1563"/>
+                <dgm:constr type="w" for="ch" forName="accent_5" refType="h" refFor="ch" refForName="accent_5" op="equ"/>
+                <dgm:constr type="ctrY" for="ch" forName="accent_5" refType="h" fact="0.875"/>
+                <dgm:constr type="ctrX" for="ch" forName="accent_5" refType="w"/>
+                <dgm:constr type="ctrXOff" for="ch" forName="accent_5" refType="h" fact="-0.1082"/>
+                <dgm:constr type="r" for="ch" forName="text_5" refType="ctrX" refFor="ch" refForName="accent_5"/>
+                <dgm:constr type="rOff" for="ch" forName="text_5" refType="ctrXOff" refFor="ch" refForName="accent_5"/>
+                <dgm:constr type="l" for="ch" forName="text_5"/>
+                <dgm:constr type="w" for="ch" forName="text_5" refType="h" refFor="ch" refForName="text_5" op="gte"/>
+                <dgm:constr type="h" for="ch" forName="text_5" refType="h" refFor="ch" refForName="accent_5" fact="0.8"/>
+                <dgm:constr type="ctrY" for="ch" forName="text_5" refType="ctrY" refFor="ch" refForName="accent_5"/>
+                <dgm:constr type="rMarg" for="ch" forName="text_5" refType="w" refFor="ch" refForName="accent_5" fact="1.8"/>
+                <dgm:constr type="primFontSz" for="ch" ptType="node" op="equ" val="65"/>
+              </dgm:constrLst>
+            </dgm:if>
+            <dgm:if name="Name19" axis="ch" ptType="node" func="cnt" op="equ" val="6">
+              <dgm:constrLst>
+                <dgm:constr type="h" for="ch" forName="cycle" refType="h"/>
+                <dgm:constr type="w" for="ch" forName="cycle" refType="h" refFor="ch" refForName="cycle" fact="0.26"/>
+                <dgm:constr type="r" for="ch" forName="cycle" refType="w"/>
+                <dgm:constr type="ctrY" for="ch" forName="cycle" refType="h" fact="0.5"/>
+                <dgm:constr type="diam" for="ch" forName="cycle" refType="h" fact="1.344"/>
+                <dgm:constr type="h" for="ch" forName="accent_1" refType="h" fact="0.1316"/>
+                <dgm:constr type="w" for="ch" forName="accent_1" refType="h" refFor="ch" refForName="accent_1" op="equ"/>
+                <dgm:constr type="ctrY" for="ch" forName="accent_1" refType="h" fact="0.1053"/>
+                <dgm:constr type="ctrX" for="ch" forName="accent_1" refType="w"/>
+                <dgm:constr type="ctrXOff" for="ch" forName="accent_1" refType="h" fact="-0.0943"/>
+                <dgm:constr type="r" for="ch" forName="text_1" refType="ctrX" refFor="ch" refForName="accent_1"/>
+                <dgm:constr type="rOff" for="ch" forName="text_1" refType="ctrXOff" refFor="ch" refForName="accent_1"/>
+                <dgm:constr type="l" for="ch" forName="text_1"/>
+                <dgm:constr type="w" for="ch" forName="text_1" refType="h" refFor="ch" refForName="text_1" op="gte"/>
+                <dgm:constr type="h" for="ch" forName="text_1" refType="h" refFor="ch" refForName="accent_1" fact="0.8"/>
+                <dgm:constr type="ctrY" for="ch" forName="text_1" refType="ctrY" refFor="ch" refForName="accent_1"/>
+                <dgm:constr type="rMarg" for="ch" forName="text_1" refType="w" refFor="ch" refForName="accent_1" fact="1.8"/>
+                <dgm:constr type="h" for="ch" forName="accent_2" refType="h" fact="0.1316"/>
+                <dgm:constr type="w" for="ch" forName="accent_2" refType="h" refFor="ch" refForName="accent_2" op="equ"/>
+                <dgm:constr type="ctrY" for="ch" forName="accent_2" refType="h" fact="0.2632"/>
+                <dgm:constr type="ctrX" for="ch" forName="accent_2" refType="w"/>
+                <dgm:constr type="ctrXOff" for="ch" forName="accent_2" refType="h" fact="-0.1809"/>
+                <dgm:constr type="r" for="ch" forName="text_2" refType="ctrX" refFor="ch" refForName="accent_2"/>
+                <dgm:constr type="rOff" for="ch" forName="text_2" refType="ctrXOff" refFor="ch" refForName="accent_2"/>
+                <dgm:constr type="l" for="ch" forName="text_2"/>
+                <dgm:constr type="w" for="ch" forName="text_2" refType="h" refFor="ch" refForName="text_2" op="gte"/>
+                <dgm:constr type="h" for="ch" forName="text_2" refType="h" refFor="ch" refForName="accent_2" fact="0.8"/>
+                <dgm:constr type="ctrY" for="ch" forName="text_2" refType="ctrY" refFor="ch" refForName="accent_2"/>
+                <dgm:constr type="rMarg" for="ch" forName="text_2" refType="w" refFor="ch" refForName="accent_2" fact="1.8"/>
+                <dgm:constr type="h" for="ch" forName="accent_3" refType="h" fact="0.1316"/>
+                <dgm:constr type="w" for="ch" forName="accent_3" refType="h" refFor="ch" refForName="accent_3" op="equ"/>
+                <dgm:constr type="ctrY" for="ch" forName="accent_3" refType="h" fact="0.4211"/>
+                <dgm:constr type="ctrX" for="ch" forName="accent_3" refType="w"/>
+                <dgm:constr type="ctrXOff" for="ch" forName="accent_3" refType="h" fact="-0.2205"/>
+                <dgm:constr type="r" for="ch" forName="text_3" refType="ctrX" refFor="ch" refForName="accent_3"/>
+                <dgm:constr type="rOff" for="ch" forName="text_3" refType="ctrXOff" refFor="ch" refForName="accent_3"/>
+                <dgm:constr type="l" for="ch" forName="text_3"/>
+                <dgm:constr type="w" for="ch" forName="text_3" refType="h" refFor="ch" refForName="text_3" op="gte"/>
+                <dgm:constr type="h" for="ch" forName="text_3" refType="h" refFor="ch" refForName="accent_3" fact="0.8"/>
+                <dgm:constr type="ctrY" for="ch" forName="text_3" refType="ctrY" refFor="ch" refForName="accent_3"/>
+                <dgm:constr type="rMarg" for="ch" forName="text_3" refType="w" refFor="ch" refForName="accent_3" fact="1.8"/>
+                <dgm:constr type="h" for="ch" forName="accent_4" refType="h" fact="0.1316"/>
+                <dgm:constr type="w" for="ch" forName="accent_4" refType="h" refFor="ch" refForName="accent_4" op="equ"/>
+                <dgm:constr type="ctrY" for="ch" forName="accent_4" refType="h" fact="0.5789"/>
+                <dgm:constr type="ctrX" for="ch" forName="accent_4" refType="w"/>
+                <dgm:constr type="ctrXOff" for="ch" forName="accent_4" refType="h" fact="-0.2205"/>
+                <dgm:constr type="r" for="ch" forName="text_4" refType="ctrX" refFor="ch" refForName="accent_4"/>
+                <dgm:constr type="rOff" for="ch" forName="text_4" refType="ctrXOff" refFor="ch" refForName="accent_4"/>
+                <dgm:constr type="l" for="ch" forName="text_4"/>
+                <dgm:constr type="w" for="ch" forName="text_4" refType="h" refFor="ch" refForName="text_4" op="gte"/>
+                <dgm:constr type="h" for="ch" forName="text_4" refType="h" refFor="ch" refForName="accent_4" fact="0.8"/>
+                <dgm:constr type="ctrY" for="ch" forName="text_4" refType="ctrY" refFor="ch" refForName="accent_4"/>
+                <dgm:constr type="rMarg" for="ch" forName="text_4" refType="w" refFor="ch" refForName="accent_4" fact="1.8"/>
+                <dgm:constr type="h" for="ch" forName="accent_5" refType="h" fact="0.1316"/>
+                <dgm:constr type="w" for="ch" forName="accent_5" refType="h" refFor="ch" refForName="accent_5" op="equ"/>
+                <dgm:constr type="ctrY" for="ch" forName="accent_5" refType="h" fact="0.7368"/>
+                <dgm:constr type="ctrX" for="ch" forName="accent_5" refType="w"/>
+                <dgm:constr type="ctrXOff" for="ch" forName="accent_5" refType="h" fact="-0.1809"/>
+                <dgm:constr type="r" for="ch" forName="text_5" refType="ctrX" refFor="ch" refForName="accent_5"/>
+                <dgm:constr type="rOff" for="ch" forName="text_5" refType="ctrXOff" refFor="ch" refForName="accent_5"/>
+                <dgm:constr type="l" for="ch" forName="text_5"/>
+                <dgm:constr type="w" for="ch" forName="text_5" refType="h" refFor="ch" refForName="text_5" op="gte"/>
+                <dgm:constr type="h" for="ch" forName="text_5" refType="h" refFor="ch" refForName="accent_5" fact="0.8"/>
+                <dgm:constr type="ctrY" for="ch" forName="text_5" refType="ctrY" refFor="ch" refForName="accent_5"/>
+                <dgm:constr type="rMarg" for="ch" forName="text_5" refType="w" refFor="ch" refForName="accent_5" fact="1.8"/>
+                <dgm:constr type="h" for="ch" forName="accent_6" refType="h" fact="0.1316"/>
+                <dgm:constr type="w" for="ch" forName="accent_6" refType="h" refFor="ch" refForName="accent_6" op="equ"/>
+                <dgm:constr type="ctrY" for="ch" forName="accent_6" refType="h" fact="0.8947"/>
+                <dgm:constr type="ctrX" for="ch" forName="accent_6" refType="w"/>
+                <dgm:constr type="ctrXOff" for="ch" forName="accent_6" refType="h" fact="-0.0943"/>
+                <dgm:constr type="r" for="ch" forName="text_6" refType="ctrX" refFor="ch" refForName="accent_6"/>
+                <dgm:constr type="rOff" for="ch" forName="text_6" refType="ctrXOff" refFor="ch" refForName="accent_6"/>
+                <dgm:constr type="l" for="ch" forName="text_6"/>
+                <dgm:constr type="w" for="ch" forName="text_6" refType="h" refFor="ch" refForName="text_6" op="gte"/>
+                <dgm:constr type="h" for="ch" forName="text_6" refType="h" refFor="ch" refForName="accent_6" fact="0.8"/>
+                <dgm:constr type="ctrY" for="ch" forName="text_6" refType="ctrY" refFor="ch" refForName="accent_6"/>
+                <dgm:constr type="rMarg" for="ch" forName="text_6" refType="w" refFor="ch" refForName="accent_6" fact="1.8"/>
+                <dgm:constr type="primFontSz" for="ch" ptType="node" op="equ" val="65"/>
+              </dgm:constrLst>
+            </dgm:if>
+            <dgm:else name="Name20">
+              <dgm:constrLst>
+                <dgm:constr type="h" for="ch" forName="cycle" refType="h"/>
+                <dgm:constr type="w" for="ch" forName="cycle" refType="h" refFor="ch" refForName="cycle" fact="0.26"/>
+                <dgm:constr type="r" for="ch" forName="cycle" refType="w"/>
+                <dgm:constr type="ctrY" for="ch" forName="cycle" refType="h" fact="0.5"/>
+                <dgm:constr type="diam" for="ch" forName="cycle" refType="h" fact="1.344"/>
+                <dgm:constr type="h" for="ch" forName="accent_1" refType="h" fact="0.1136"/>
+                <dgm:constr type="w" for="ch" forName="accent_1" refType="h" refFor="ch" refForName="accent_1" op="equ"/>
+                <dgm:constr type="ctrY" for="ch" forName="accent_1" refType="h" fact="0.0909"/>
+                <dgm:constr type="ctrX" for="ch" forName="accent_1" refType="w"/>
+                <dgm:constr type="ctrXOff" for="ch" forName="accent_1" refType="h" fact="-0.0835"/>
+                <dgm:constr type="r" for="ch" forName="text_1" refType="ctrX" refFor="ch" refForName="accent_1"/>
+                <dgm:constr type="rOff" for="ch" forName="text_1" refType="ctrXOff" refFor="ch" refForName="accent_1"/>
+                <dgm:constr type="l" for="ch" forName="text_1"/>
+                <dgm:constr type="w" for="ch" forName="text_1" refType="h" refFor="ch" refForName="text_1" op="gte"/>
+                <dgm:constr type="h" for="ch" forName="text_1" refType="h" refFor="ch" refForName="accent_1" fact="0.8"/>
+                <dgm:constr type="ctrY" for="ch" forName="text_1" refType="ctrY" refFor="ch" refForName="accent_1"/>
+                <dgm:constr type="rMarg" for="ch" forName="text_1" refType="w" refFor="ch" refForName="accent_1" fact="1.8"/>
+                <dgm:constr type="h" for="ch" forName="accent_2" refType="h" fact="0.1136"/>
+                <dgm:constr type="w" for="ch" forName="accent_2" refType="h" refFor="ch" refForName="accent_2" op="equ"/>
+                <dgm:constr type="ctrY" for="ch" forName="accent_2" refType="h" fact="0.2273"/>
+                <dgm:constr type="ctrX" for="ch" forName="accent_2" refType="w"/>
+                <dgm:constr type="ctrXOff" for="ch" forName="accent_2" refType="h" fact="-0.1658"/>
+                <dgm:constr type="r" for="ch" forName="text_2" refType="ctrX" refFor="ch" refForName="accent_2"/>
+                <dgm:constr type="rOff" for="ch" forName="text_2" refType="ctrXOff" refFor="ch" refForName="accent_2"/>
+                <dgm:constr type="l" for="ch" forName="text_2"/>
+                <dgm:constr type="w" for="ch" forName="text_2" refType="h" refFor="ch" refForName="text_2" op="gte"/>
+                <dgm:constr type="h" for="ch" forName="text_2" refType="h" refFor="ch" refForName="accent_2" fact="0.8"/>
+                <dgm:constr type="ctrY" for="ch" forName="text_2" refType="ctrY" refFor="ch" refForName="accent_2"/>
+                <dgm:constr type="rMarg" for="ch" forName="text_2" refType="w" refFor="ch" refForName="accent_2" fact="1.8"/>
+                <dgm:constr type="h" for="ch" forName="accent_3" refType="h" fact="0.1136"/>
+                <dgm:constr type="w" for="ch" forName="accent_3" refType="h" refFor="ch" refForName="accent_3" op="equ"/>
+                <dgm:constr type="ctrY" for="ch" forName="accent_3" refType="h" fact="0.3636"/>
+                <dgm:constr type="ctrX" for="ch" forName="accent_3" refType="w"/>
+                <dgm:constr type="ctrXOff" for="ch" forName="accent_3" refType="h" fact="-0.2109"/>
+                <dgm:constr type="r" for="ch" forName="text_3" refType="ctrX" refFor="ch" refForName="accent_3"/>
+                <dgm:constr type="rOff" for="ch" forName="text_3" refType="ctrXOff" refFor="ch" refForName="accent_3"/>
+                <dgm:constr type="l" for="ch" forName="text_3"/>
+                <dgm:constr type="w" for="ch" forName="text_3" refType="h" refFor="ch" refForName="text_3" op="gte"/>
+                <dgm:constr type="h" for="ch" forName="text_3" refType="h" refFor="ch" refForName="accent_3" fact="0.8"/>
+                <dgm:constr type="ctrY" for="ch" forName="text_3" refType="ctrY" refFor="ch" refForName="accent_3"/>
+                <dgm:constr type="rMarg" for="ch" forName="text_3" refType="w" refFor="ch" refForName="accent_3" fact="1.8"/>
+                <dgm:constr type="h" for="ch" forName="accent_4" refType="h" fact="0.1136"/>
+                <dgm:constr type="w" for="ch" forName="accent_4" refType="h" refFor="ch" refForName="accent_4" op="equ"/>
+                <dgm:constr type="ctrY" for="ch" forName="accent_4" refType="h" fact="0.5"/>
+                <dgm:constr type="ctrX" for="ch" forName="accent_4" refType="w"/>
+                <dgm:constr type="ctrXOff" for="ch" forName="accent_4" refType="h" fact="-0.2253"/>
+                <dgm:constr type="r" for="ch" forName="text_4" refType="ctrX" refFor="ch" refForName="accent_4"/>
+                <dgm:constr type="rOff" for="ch" forName="text_4" refType="ctrXOff" refFor="ch" refForName="accent_4"/>
+                <dgm:constr type="l" for="ch" forName="text_4"/>
+                <dgm:constr type="w" for="ch" forName="text_4" refType="h" refFor="ch" refForName="text_4" op="gte"/>
+                <dgm:constr type="h" for="ch" forName="text_4" refType="h" refFor="ch" refForName="accent_4" fact="0.8"/>
+                <dgm:constr type="ctrY" for="ch" forName="text_4" refType="ctrY" refFor="ch" refForName="accent_4"/>
+                <dgm:constr type="rMarg" for="ch" forName="text_4" refType="w" refFor="ch" refForName="accent_4" fact="1.8"/>
+                <dgm:constr type="h" for="ch" forName="accent_5" refType="h" fact="0.1136"/>
+                <dgm:constr type="w" for="ch" forName="accent_5" refType="h" refFor="ch" refForName="accent_5" op="equ"/>
+                <dgm:constr type="ctrY" for="ch" forName="accent_5" refType="h" fact="0.6364"/>
+                <dgm:constr type="ctrX" for="ch" forName="accent_5" refType="w"/>
+                <dgm:constr type="ctrXOff" for="ch" forName="accent_5" refType="h" fact="-0.2109"/>
+                <dgm:constr type="r" for="ch" forName="text_5" refType="ctrX" refFor="ch" refForName="accent_5"/>
+                <dgm:constr type="rOff" for="ch" forName="text_5" refType="ctrXOff" refFor="ch" refForName="accent_5"/>
+                <dgm:constr type="l" for="ch" forName="text_5"/>
+                <dgm:constr type="w" for="ch" forName="text_5" refType="h" refFor="ch" refForName="text_5" op="gte"/>
+                <dgm:constr type="h" for="ch" forName="text_5" refType="h" refFor="ch" refForName="accent_5" fact="0.8"/>
+                <dgm:constr type="ctrY" for="ch" forName="text_5" refType="ctrY" refFor="ch" refForName="accent_5"/>
+                <dgm:constr type="rMarg" for="ch" forName="text_5" refType="w" refFor="ch" refForName="accent_5" fact="1.8"/>
+                <dgm:constr type="h" for="ch" forName="accent_6" refType="h" fact="0.1136"/>
+                <dgm:constr type="w" for="ch" forName="accent_6" refType="h" refFor="ch" refForName="accent_6" op="equ"/>
+                <dgm:constr type="ctrY" for="ch" forName="accent_6" refType="h" fact="0.7727"/>
+                <dgm:constr type="ctrX" for="ch" forName="accent_6" refType="w"/>
+                <dgm:constr type="ctrXOff" for="ch" forName="accent_6" refType="h" fact="-0.1658"/>
+                <dgm:constr type="r" for="ch" forName="text_6" refType="ctrX" refFor="ch" refForName="accent_6"/>
+                <dgm:constr type="rOff" for="ch" forName="text_6" refType="ctrXOff" refFor="ch" refForName="accent_6"/>
+                <dgm:constr type="l" for="ch" forName="text_6"/>
+                <dgm:constr type="w" for="ch" forName="text_6" refType="h" refFor="ch" refForName="text_6" op="gte"/>
+                <dgm:constr type="h" for="ch" forName="text_6" refType="h" refFor="ch" refForName="accent_6" fact="0.8"/>
+                <dgm:constr type="ctrY" for="ch" forName="text_6" refType="ctrY" refFor="ch" refForName="accent_6"/>
+                <dgm:constr type="rMarg" for="ch" forName="text_6" refType="w" refFor="ch" refForName="accent_6" fact="1.8"/>
+                <dgm:constr type="h" for="ch" forName="accent_7" refType="h" fact="0.1136"/>
+                <dgm:constr type="w" for="ch" forName="accent_7" refType="h" refFor="ch" refForName="accent_7" op="equ"/>
+                <dgm:constr type="ctrY" for="ch" forName="accent_7" refType="h" fact="0.9091"/>
+                <dgm:constr type="ctrX" for="ch" forName="accent_7" refType="w"/>
+                <dgm:constr type="ctrXOff" for="ch" forName="accent_7" refType="h" fact="-0.0835"/>
+                <dgm:constr type="r" for="ch" forName="text_7" refType="ctrX" refFor="ch" refForName="accent_7"/>
+                <dgm:constr type="rOff" for="ch" forName="text_7" refType="ctrXOff" refFor="ch" refForName="accent_7"/>
+                <dgm:constr type="l" for="ch" forName="text_7"/>
+                <dgm:constr type="w" for="ch" forName="text_7" refType="h" refFor="ch" refForName="text_7" op="gte"/>
+                <dgm:constr type="h" for="ch" forName="text_7" refType="h" refFor="ch" refForName="accent_7" fact="0.8"/>
+                <dgm:constr type="ctrY" for="ch" forName="text_7" refType="ctrY" refFor="ch" refForName="accent_7"/>
+                <dgm:constr type="rMarg" for="ch" forName="text_7" refType="w" refFor="ch" refForName="accent_7" fact="1.8"/>
+                <dgm:constr type="primFontSz" for="ch" ptType="node" op="equ" val="65"/>
+              </dgm:constrLst>
+            </dgm:else>
+          </dgm:choose>
+        </dgm:else>
+      </dgm:choose>
+      <dgm:layoutNode name="cycle">
+        <dgm:choose name="Name21">
+          <dgm:if name="Name22" func="var" arg="dir" op="equ" val="norm">
+            <dgm:alg type="cycle">
+              <dgm:param type="stAng" val="45"/>
+              <dgm:param type="spanAng" val="90"/>
+            </dgm:alg>
+          </dgm:if>
+          <dgm:else name="Name23">
+            <dgm:alg type="cycle">
+              <dgm:param type="stAng" val="225"/>
+              <dgm:param type="spanAng" val="90"/>
+            </dgm:alg>
+          </dgm:else>
+        </dgm:choose>
+        <dgm:shape xmlns:r="http://schemas.openxmlformats.org/officeDocument/2006/relationships" r:blip="">
+          <dgm:adjLst/>
+        </dgm:shape>
+        <dgm:presOf/>
+        <dgm:constrLst>
+          <dgm:constr type="w" for="ch" val="1"/>
+          <dgm:constr type="h" for="ch" val="1"/>
+          <dgm:constr type="diam" for="ch" forName="conn" refType="diam"/>
+        </dgm:constrLst>
+        <dgm:layoutNode name="srcNode">
+          <dgm:alg type="sp"/>
+          <dgm:shape xmlns:r="http://schemas.openxmlformats.org/officeDocument/2006/relationships" type="rect" r:blip="" hideGeom="1">
+            <dgm:adjLst/>
+          </dgm:shape>
+          <dgm:presOf/>
+        </dgm:layoutNode>
+        <dgm:layoutNode name="conn" styleLbl="parChTrans1D2">
+          <dgm:alg type="conn">
+            <dgm:param type="connRout" val="curve"/>
+            <dgm:param type="srcNode" val="srcNode"/>
+            <dgm:param type="dstNode" val="dstNode"/>
+            <dgm:param type="begPts" val="ctr"/>
+            <dgm:param type="endPts" val="ctr"/>
+            <dgm:param type="endSty" val="noArr"/>
+          </dgm:alg>
+          <dgm:shape xmlns:r="http://schemas.openxmlformats.org/officeDocument/2006/relationships" type="conn" r:blip="">
+            <dgm:adjLst/>
+          </dgm:shape>
+          <dgm:presOf axis="desOrSelf" ptType="sibTrans" hideLastTrans="0" st="0" cnt="1"/>
+          <dgm:constrLst>
+            <dgm:constr type="begPad"/>
+            <dgm:constr type="endPad"/>
+          </dgm:constrLst>
+        </dgm:layoutNode>
+        <dgm:layoutNode name="extraNode">
+          <dgm:alg type="sp"/>
+          <dgm:shape xmlns:r="http://schemas.openxmlformats.org/officeDocument/2006/relationships" type="rect" r:blip="" hideGeom="1">
+            <dgm:adjLst/>
+          </dgm:shape>
+          <dgm:presOf/>
+        </dgm:layoutNode>
+        <dgm:layoutNode name="dstNode">
+          <dgm:alg type="sp"/>
+          <dgm:shape xmlns:r="http://schemas.openxmlformats.org/officeDocument/2006/relationships" type="rect" r:blip="" hideGeom="1">
+            <dgm:adjLst/>
+          </dgm:shape>
+          <dgm:presOf/>
+        </dgm:layoutNode>
+      </dgm:layoutNode>
+      <dgm:forEach name="wrapper" axis="self" ptType="parTrans">
+        <dgm:forEach name="wrapper2" axis="self" ptType="sibTrans" st="2">
+          <dgm:forEach name="accentRepeat" axis="self">
+            <dgm:layoutNode name="accentRepeatNode" styleLbl="solidFgAcc1">
+              <dgm:alg type="sp"/>
+              <dgm:shape xmlns:r="http://schemas.openxmlformats.org/officeDocument/2006/relationships" type="ellipse" r:blip="">
+                <dgm:adjLst/>
+              </dgm:shape>
+              <dgm:presOf/>
+            </dgm:layoutNode>
+          </dgm:forEach>
+        </dgm:forEach>
+      </dgm:forEach>
+      <dgm:forEach name="Name24" axis="ch" ptType="node" cnt="1">
+        <dgm:layoutNode name="text_1" styleLbl="node1">
+          <dgm:varLst>
+            <dgm:bulletEnabled val="1"/>
+          </dgm:varLst>
+          <dgm:choose name="Name25">
+            <dgm:if name="Name26" func="var" arg="dir" op="equ" val="norm">
+              <dgm:alg type="tx">
+                <dgm:param type="parTxLTRAlign" val="l"/>
+                <dgm:param type="shpTxLTRAlignCh" val="l"/>
+                <dgm:param type="parTxRTLAlign" val="l"/>
+                <dgm:param type="shpTxRTLAlignCh" val="l"/>
+              </dgm:alg>
+            </dgm:if>
+            <dgm:else name="Name27">
+              <dgm:alg type="tx">
+                <dgm:param type="parTxLTRAlign" val="r"/>
+                <dgm:param type="shpTxLTRAlignCh" val="r"/>
+                <dgm:param type="parTxRTLAlign" val="r"/>
+                <dgm:param type="shpTxRTLAlignCh" val="r"/>
+              </dgm:alg>
+            </dgm:else>
+          </dgm:choose>
+          <dgm:shape xmlns:r="http://schemas.openxmlformats.org/officeDocument/2006/relationships" type="rect" r:blip="">
+            <dgm:adjLst/>
+          </dgm:shape>
+          <dgm:presOf axis="desOrSelf" ptType="node"/>
+          <dgm:constrLst>
+            <dgm:constr type="primFontSz" val="65"/>
+            <dgm:constr type="lMarg" refType="primFontSz" fact="0.2"/>
+            <dgm:constr type="rMarg" refType="primFontSz" fact="0.2"/>
+            <dgm:constr type="tMarg" refType="primFontSz" fact="0.2"/>
+            <dgm:constr type="bMarg" refType="primFontSz" fact="0.2"/>
+          </dgm:constrLst>
+          <dgm:ruleLst>
+            <dgm:rule type="primFontSz" val="5" fact="NaN" max="NaN"/>
+          </dgm:ruleLst>
+        </dgm:layoutNode>
+        <dgm:layoutNode name="accent_1">
+          <dgm:alg type="sp"/>
+          <dgm:shape xmlns:r="http://schemas.openxmlformats.org/officeDocument/2006/relationships" r:blip="">
+            <dgm:adjLst/>
+          </dgm:shape>
+          <dgm:presOf/>
+          <dgm:constrLst/>
+          <dgm:forEach name="Name28" ref="accentRepeat"/>
+        </dgm:layoutNode>
+      </dgm:forEach>
+      <dgm:forEach name="Name29" axis="ch" ptType="node" st="2" cnt="1">
+        <dgm:layoutNode name="text_2" styleLbl="node1">
+          <dgm:varLst>
+            <dgm:bulletEnabled val="1"/>
+          </dgm:varLst>
+          <dgm:choose name="Name30">
+            <dgm:if name="Name31" func="var" arg="dir" op="equ" val="norm">
+              <dgm:alg type="tx">
+                <dgm:param type="parTxLTRAlign" val="l"/>
+                <dgm:param type="shpTxLTRAlignCh" val="l"/>
+                <dgm:param type="parTxRTLAlign" val="l"/>
+                <dgm:param type="shpTxRTLAlignCh" val="l"/>
+              </dgm:alg>
+            </dgm:if>
+            <dgm:else name="Name32">
+              <dgm:alg type="tx">
+                <dgm:param type="parTxLTRAlign" val="r"/>
+                <dgm:param type="shpTxLTRAlignCh" val="r"/>
+                <dgm:param type="parTxRTLAlign" val="r"/>
+                <dgm:param type="shpTxRTLAlignCh" val="r"/>
+              </dgm:alg>
+            </dgm:else>
+          </dgm:choose>
+          <dgm:shape xmlns:r="http://schemas.openxmlformats.org/officeDocument/2006/relationships" type="rect" r:blip="">
+            <dgm:adjLst/>
+          </dgm:shape>
+          <dgm:presOf axis="desOrSelf" ptType="node"/>
+          <dgm:constrLst>
+            <dgm:constr type="primFontSz" val="65"/>
+            <dgm:constr type="lMarg" refType="primFontSz" fact="0.2"/>
+            <dgm:constr type="rMarg" refType="primFontSz" fact="0.2"/>
+            <dgm:constr type="tMarg" refType="primFontSz" fact="0.2"/>
+            <dgm:constr type="bMarg" refType="primFontSz" fact="0.2"/>
+          </dgm:constrLst>
+          <dgm:ruleLst>
+            <dgm:rule type="primFontSz" val="5" fact="NaN" max="NaN"/>
+          </dgm:ruleLst>
+        </dgm:layoutNode>
+        <dgm:layoutNode name="accent_2">
+          <dgm:alg type="sp"/>
+          <dgm:shape xmlns:r="http://schemas.openxmlformats.org/officeDocument/2006/relationships" r:blip="">
+            <dgm:adjLst/>
+          </dgm:shape>
+          <dgm:presOf/>
+          <dgm:constrLst/>
+          <dgm:forEach name="Name33" ref="accentRepeat"/>
+        </dgm:layoutNode>
+      </dgm:forEach>
+      <dgm:forEach name="Name34" axis="ch" ptType="node" st="3" cnt="1">
+        <dgm:layoutNode name="text_3" styleLbl="node1">
+          <dgm:varLst>
+            <dgm:bulletEnabled val="1"/>
+          </dgm:varLst>
+          <dgm:choose name="Name35">
+            <dgm:if name="Name36" func="var" arg="dir" op="equ" val="norm">
+              <dgm:alg type="tx">
+                <dgm:param type="parTxLTRAlign" val="l"/>
+                <dgm:param type="shpTxLTRAlignCh" val="l"/>
+                <dgm:param type="parTxRTLAlign" val="l"/>
+                <dgm:param type="shpTxRTLAlignCh" val="l"/>
+              </dgm:alg>
+            </dgm:if>
+            <dgm:else name="Name37">
+              <dgm:alg type="tx">
+                <dgm:param type="parTxLTRAlign" val="r"/>
+                <dgm:param type="shpTxLTRAlignCh" val="r"/>
+                <dgm:param type="parTxRTLAlign" val="r"/>
+                <dgm:param type="shpTxRTLAlignCh" val="r"/>
+              </dgm:alg>
+            </dgm:else>
+          </dgm:choose>
+          <dgm:shape xmlns:r="http://schemas.openxmlformats.org/officeDocument/2006/relationships" type="rect" r:blip="">
+            <dgm:adjLst/>
+          </dgm:shape>
+          <dgm:presOf axis="desOrSelf" ptType="node"/>
+          <dgm:constrLst>
+            <dgm:constr type="primFontSz" val="65"/>
+            <dgm:constr type="lMarg" refType="primFontSz" fact="0.2"/>
+            <dgm:constr type="rMarg" refType="primFontSz" fact="0.2"/>
+            <dgm:constr type="tMarg" refType="primFontSz" fact="0.2"/>
+            <dgm:constr type="bMarg" refType="primFontSz" fact="0.2"/>
+          </dgm:constrLst>
+          <dgm:ruleLst>
+            <dgm:rule type="primFontSz" val="5" fact="NaN" max="NaN"/>
+          </dgm:ruleLst>
+        </dgm:layoutNode>
+        <dgm:layoutNode name="accent_3">
+          <dgm:alg type="sp"/>
+          <dgm:shape xmlns:r="http://schemas.openxmlformats.org/officeDocument/2006/relationships" r:blip="">
+            <dgm:adjLst/>
+          </dgm:shape>
+          <dgm:presOf/>
+          <dgm:constrLst/>
+          <dgm:forEach name="Name38" ref="accentRepeat"/>
+        </dgm:layoutNode>
+      </dgm:forEach>
+      <dgm:forEach name="Name39" axis="ch" ptType="node" st="4" cnt="1">
+        <dgm:layoutNode name="text_4" styleLbl="node1">
+          <dgm:varLst>
+            <dgm:bulletEnabled val="1"/>
+          </dgm:varLst>
+          <dgm:choose name="Name40">
+            <dgm:if name="Name41" func="var" arg="dir" op="equ" val="norm">
+              <dgm:alg type="tx">
+                <dgm:param type="parTxLTRAlign" val="l"/>
+                <dgm:param type="shpTxLTRAlignCh" val="l"/>
+                <dgm:param type="parTxRTLAlign" val="l"/>
+                <dgm:param type="shpTxRTLAlignCh" val="l"/>
+              </dgm:alg>
+            </dgm:if>
+            <dgm:else name="Name42">
+              <dgm:alg type="tx">
+                <dgm:param type="parTxLTRAlign" val="r"/>
+                <dgm:param type="shpTxLTRAlignCh" val="r"/>
+                <dgm:param type="parTxRTLAlign" val="r"/>
+                <dgm:param type="shpTxRTLAlignCh" val="r"/>
+              </dgm:alg>
+            </dgm:else>
+          </dgm:choose>
+          <dgm:shape xmlns:r="http://schemas.openxmlformats.org/officeDocument/2006/relationships" type="rect" r:blip="">
+            <dgm:adjLst/>
+          </dgm:shape>
+          <dgm:presOf axis="desOrSelf" ptType="node"/>
+          <dgm:constrLst>
+            <dgm:constr type="primFontSz" val="65"/>
+            <dgm:constr type="lMarg" refType="primFontSz" fact="0.2"/>
+            <dgm:constr type="rMarg" refType="primFontSz" fact="0.2"/>
+            <dgm:constr type="tMarg" refType="primFontSz" fact="0.2"/>
+            <dgm:constr type="bMarg" refType="primFontSz" fact="0.2"/>
+          </dgm:constrLst>
+          <dgm:ruleLst>
+            <dgm:rule type="primFontSz" val="5" fact="NaN" max="NaN"/>
+          </dgm:ruleLst>
+        </dgm:layoutNode>
+        <dgm:layoutNode name="accent_4">
+          <dgm:alg type="sp"/>
+          <dgm:shape xmlns:r="http://schemas.openxmlformats.org/officeDocument/2006/relationships" r:blip="">
+            <dgm:adjLst/>
+          </dgm:shape>
+          <dgm:presOf/>
+          <dgm:constrLst/>
+          <dgm:forEach name="Name43" ref="accentRepeat"/>
+        </dgm:layoutNode>
+      </dgm:forEach>
+      <dgm:forEach name="Name44" axis="ch" ptType="node" st="5" cnt="1">
+        <dgm:layoutNode name="text_5" styleLbl="node1">
+          <dgm:varLst>
+            <dgm:bulletEnabled val="1"/>
+          </dgm:varLst>
+          <dgm:choose name="Name45">
+            <dgm:if name="Name46" func="var" arg="dir" op="equ" val="norm">
+              <dgm:alg type="tx">
+                <dgm:param type="parTxLTRAlign" val="l"/>
+                <dgm:param type="shpTxLTRAlignCh" val="l"/>
+                <dgm:param type="parTxRTLAlign" val="l"/>
+                <dgm:param type="shpTxRTLAlignCh" val="l"/>
+              </dgm:alg>
+            </dgm:if>
+            <dgm:else name="Name47">
+              <dgm:alg type="tx">
+                <dgm:param type="parTxLTRAlign" val="r"/>
+                <dgm:param type="shpTxLTRAlignCh" val="r"/>
+                <dgm:param type="parTxRTLAlign" val="r"/>
+                <dgm:param type="shpTxRTLAlignCh" val="r"/>
+              </dgm:alg>
+            </dgm:else>
+          </dgm:choose>
+          <dgm:shape xmlns:r="http://schemas.openxmlformats.org/officeDocument/2006/relationships" type="rect" r:blip="">
+            <dgm:adjLst/>
+          </dgm:shape>
+          <dgm:presOf axis="desOrSelf" ptType="node"/>
+          <dgm:constrLst>
+            <dgm:constr type="primFontSz" val="65"/>
+            <dgm:constr type="lMarg" refType="primFontSz" fact="0.2"/>
+            <dgm:constr type="rMarg" refType="primFontSz" fact="0.2"/>
+            <dgm:constr type="tMarg" refType="primFontSz" fact="0.2"/>
+            <dgm:constr type="bMarg" refType="primFontSz" fact="0.2"/>
+          </dgm:constrLst>
+          <dgm:ruleLst>
+            <dgm:rule type="primFontSz" val="5" fact="NaN" max="NaN"/>
+          </dgm:ruleLst>
+        </dgm:layoutNode>
+        <dgm:layoutNode name="accent_5">
+          <dgm:alg type="sp"/>
+          <dgm:shape xmlns:r="http://schemas.openxmlformats.org/officeDocument/2006/relationships" r:blip="">
+            <dgm:adjLst/>
+          </dgm:shape>
+          <dgm:presOf/>
+          <dgm:constrLst/>
+          <dgm:forEach name="Name48" ref="accentRepeat"/>
+        </dgm:layoutNode>
+      </dgm:forEach>
+      <dgm:forEach name="Name49" axis="ch" ptType="node" st="6" cnt="1">
+        <dgm:layoutNode name="text_6" styleLbl="node1">
+          <dgm:varLst>
+            <dgm:bulletEnabled val="1"/>
+          </dgm:varLst>
+          <dgm:choose name="Name50">
+            <dgm:if name="Name51" func="var" arg="dir" op="equ" val="norm">
+              <dgm:alg type="tx">
+                <dgm:param type="parTxLTRAlign" val="l"/>
+                <dgm:param type="shpTxLTRAlignCh" val="l"/>
+                <dgm:param type="parTxRTLAlign" val="l"/>
+                <dgm:param type="shpTxRTLAlignCh" val="l"/>
+              </dgm:alg>
+            </dgm:if>
+            <dgm:else name="Name52">
+              <dgm:alg type="tx">
+                <dgm:param type="parTxLTRAlign" val="r"/>
+                <dgm:param type="shpTxLTRAlignCh" val="r"/>
+                <dgm:param type="parTxRTLAlign" val="r"/>
+                <dgm:param type="shpTxRTLAlignCh" val="r"/>
+              </dgm:alg>
+            </dgm:else>
+          </dgm:choose>
+          <dgm:shape xmlns:r="http://schemas.openxmlformats.org/officeDocument/2006/relationships" type="rect" r:blip="">
+            <dgm:adjLst/>
+          </dgm:shape>
+          <dgm:presOf axis="desOrSelf" ptType="node"/>
+          <dgm:constrLst>
+            <dgm:constr type="primFontSz" val="65"/>
+            <dgm:constr type="lMarg" refType="primFontSz" fact="0.2"/>
+            <dgm:constr type="rMarg" refType="primFontSz" fact="0.2"/>
+            <dgm:constr type="tMarg" refType="primFontSz" fact="0.2"/>
+            <dgm:constr type="bMarg" refType="primFontSz" fact="0.2"/>
+          </dgm:constrLst>
+          <dgm:ruleLst>
+            <dgm:rule type="primFontSz" val="5" fact="NaN" max="NaN"/>
+          </dgm:ruleLst>
+        </dgm:layoutNode>
+        <dgm:layoutNode name="accent_6">
+          <dgm:alg type="sp"/>
+          <dgm:shape xmlns:r="http://schemas.openxmlformats.org/officeDocument/2006/relationships" r:blip="">
+            <dgm:adjLst/>
+          </dgm:shape>
+          <dgm:presOf/>
+          <dgm:constrLst/>
+          <dgm:forEach name="Name53" ref="accentRepeat"/>
+        </dgm:layoutNode>
+      </dgm:forEach>
+      <dgm:forEach name="Name54" axis="ch" ptType="node" st="7" cnt="1">
+        <dgm:layoutNode name="text_7" styleLbl="node1">
+          <dgm:varLst>
+            <dgm:bulletEnabled val="1"/>
+          </dgm:varLst>
+          <dgm:choose name="Name55">
+            <dgm:if name="Name56" func="var" arg="dir" op="equ" val="norm">
+              <dgm:alg type="tx">
+                <dgm:param type="parTxLTRAlign" val="l"/>
+                <dgm:param type="shpTxLTRAlignCh" val="l"/>
+                <dgm:param type="parTxRTLAlign" val="l"/>
+                <dgm:param type="shpTxRTLAlignCh" val="l"/>
+              </dgm:alg>
+            </dgm:if>
+            <dgm:else name="Name57">
+              <dgm:alg type="tx">
+                <dgm:param type="parTxLTRAlign" val="r"/>
+                <dgm:param type="shpTxLTRAlignCh" val="r"/>
+                <dgm:param type="parTxRTLAlign" val="r"/>
+                <dgm:param type="shpTxRTLAlignCh" val="r"/>
+              </dgm:alg>
+            </dgm:else>
+          </dgm:choose>
+          <dgm:shape xmlns:r="http://schemas.openxmlformats.org/officeDocument/2006/relationships" type="rect" r:blip="">
+            <dgm:adjLst/>
+          </dgm:shape>
+          <dgm:presOf axis="desOrSelf" ptType="node"/>
+          <dgm:constrLst>
+            <dgm:constr type="primFontSz" val="65"/>
+            <dgm:constr type="lMarg" refType="primFontSz" fact="0.2"/>
+            <dgm:constr type="rMarg" refType="primFontSz" fact="0.2"/>
+            <dgm:constr type="tMarg" refType="primFontSz" fact="0.2"/>
+            <dgm:constr type="bMarg" refType="primFontSz" fact="0.2"/>
+          </dgm:constrLst>
+          <dgm:ruleLst>
+            <dgm:rule type="primFontSz" val="5" fact="NaN" max="NaN"/>
+          </dgm:ruleLst>
+        </dgm:layoutNode>
+        <dgm:layoutNode name="accent_7">
+          <dgm:alg type="sp"/>
+          <dgm:shape xmlns:r="http://schemas.openxmlformats.org/officeDocument/2006/relationships" r:blip="">
+            <dgm:adjLst/>
+          </dgm:shape>
+          <dgm:presOf/>
+          <dgm:constrLst/>
+          <dgm:forEach name="Name58" ref="accentRepeat"/>
+        </dgm:layoutNode>
+      </dgm:forEach>
+    </dgm:layoutNode>
+  </dgm:layoutNode>
+</dgm:layoutDef>
+</file>
+
+<file path=ppt/diagrams/quickStyle1.xml><?xml version="1.0" encoding="utf-8"?>
+<dgm:styleDef xmlns:dgm="http://schemas.openxmlformats.org/drawingml/2006/diagram" xmlns:a="http://schemas.openxmlformats.org/drawingml/2006/main" uniqueId="urn:microsoft.com/office/officeart/2005/8/quickstyle/simple1">
+  <dgm:title val=""/>
+  <dgm:desc val=""/>
+  <dgm:catLst>
+    <dgm:cat type="simple" pri="10100"/>
+  </dgm:catLst>
+  <dgm:scene3d>
+    <a:camera prst="orthographicFront"/>
+    <a:lightRig rig="threePt" dir="t"/>
+  </dgm:scene3d>
+  <dgm:styleLbl name="node0">
+    <dgm:scene3d>
+      <a:camera prst="orthographicFront"/>
+      <a:lightRig rig="threePt" dir="t"/>
+    </dgm:scene3d>
+    <dgm:sp3d/>
+    <dgm:txPr/>
+    <dgm:style>
+      <a:lnRef idx="2">
+        <a:scrgbClr r="0" g="0" b="0"/>
+      </a:lnRef>
+      <a:fillRef idx="1">
+        <a:scrgbClr r="0" g="0" b="0"/>
+      </a:fillRef>
+      <a:effectRef idx="0">
+        <a:scrgbClr r="0" g="0" b="0"/>
+      </a:effectRef>
+      <a:fontRef idx="minor">
+        <a:schemeClr val="lt1"/>
+      </a:fontRef>
+    </dgm:style>
+  </dgm:styleLbl>
+  <dgm:styleLbl name="lnNode1">
+    <dgm:scene3d>
+      <a:camera prst="orthographicFront"/>
+      <a:lightRig rig="threePt" dir="t"/>
+    </dgm:scene3d>
+    <dgm:sp3d/>
+    <dgm:txPr/>
+    <dgm:style>
+      <a:lnRef idx="2">
+        <a:scrgbClr r="0" g="0" b="0"/>
+      </a:lnRef>
+      <a:fillRef idx="1">
+        <a:scrgbClr r="0" g="0" b="0"/>
+      </a:fillRef>
+      <a:effectRef idx="0">
+        <a:scrgbClr r="0" g="0" b="0"/>
+      </a:effectRef>
+      <a:fontRef idx="minor">
+        <a:schemeClr val="lt1"/>
+      </a:fontRef>
+    </dgm:style>
+  </dgm:styleLbl>
+  <dgm:styleLbl name="vennNode1">
+    <dgm:scene3d>
+      <a:camera prst="orthographicFront"/>
+      <a:lightRig rig="threePt" dir="t"/>
+    </dgm:scene3d>
+    <dgm:sp3d/>
+    <dgm:txPr/>
+    <dgm:style>
+      <a:lnRef idx="2">
+        <a:scrgbClr r="0" g="0" b="0"/>
+      </a:lnRef>
+      <a:fillRef idx="1">
+        <a:scrgbClr r="0" g="0" b="0"/>
+      </a:fillRef>
+      <a:effectRef idx="0">
+        <a:scrgbClr r="0" g="0" b="0"/>
+      </a:effectRef>
+      <a:fontRef idx="minor">
+        <a:schemeClr val="tx1"/>
+      </a:fontRef>
+    </dgm:style>
+  </dgm:styleLbl>
+  <dgm:styleLbl name="alignNode1">
+    <dgm:scene3d>
+      <a:camera prst="orthographicFront"/>
+      <a:lightRig rig="threePt" dir="t"/>
+    </dgm:scene3d>
+    <dgm:sp3d/>
+    <dgm:txPr/>
+    <dgm:style>
+      <a:lnRef idx="2">
+        <a:scrgbClr r="0" g="0" b="0"/>
+      </a:lnRef>
+      <a:fillRef idx="1">
+        <a:scrgbClr r="0" g="0" b="0"/>
+      </a:fillRef>
+      <a:effectRef idx="0">
+        <a:scrgbClr r="0" g="0" b="0"/>
+      </a:effectRef>
+      <a:fontRef idx="minor">
+        <a:schemeClr val="lt1"/>
+      </a:fontRef>
+    </dgm:style>
+  </dgm:styleLbl>
+  <dgm:styleLbl name="node1">
+    <dgm:scene3d>
+      <a:camera prst="orthographicFront"/>
+      <a:lightRig rig="threePt" dir="t"/>
+    </dgm:scene3d>
+    <dgm:sp3d/>
+    <dgm:txPr/>
+    <dgm:style>
+      <a:lnRef idx="2">
+        <a:scrgbClr r="0" g="0" b="0"/>
+      </a:lnRef>
+      <a:fillRef idx="1">
+        <a:scrgbClr r="0" g="0" b="0"/>
+      </a:fillRef>
+      <a:effectRef idx="0">
+        <a:scrgbClr r="0" g="0" b="0"/>
+      </a:effectRef>
+      <a:fontRef idx="minor">
+        <a:schemeClr val="lt1"/>
+      </a:fontRef>
+    </dgm:style>
+  </dgm:styleLbl>
+  <dgm:styleLbl name="node2">
+    <dgm:scene3d>
+      <a:camera prst="orthographicFront"/>
+      <a:lightRig rig="threePt" dir="t"/>
+    </dgm:scene3d>
+    <dgm:sp3d/>
+    <dgm:txPr/>
+    <dgm:style>
+      <a:lnRef idx="2">
+        <a:scrgbClr r="0" g="0" b="0"/>
+      </a:lnRef>
+      <a:fillRef idx="1">
+        <a:scrgbClr r="0" g="0" b="0"/>
+      </a:fillRef>
+      <a:effectRef idx="0">
+        <a:scrgbClr r="0" g="0" b="0"/>
+      </a:effectRef>
+      <a:fontRef idx="minor">
+        <a:schemeClr val="lt1"/>
+      </a:fontRef>
+    </dgm:style>
+  </dgm:styleLbl>
+  <dgm:styleLbl name="node3">
+    <dgm:scene3d>
+      <a:camera prst="orthographicFront"/>
+      <a:lightRig rig="threePt" dir="t"/>
+    </dgm:scene3d>
+    <dgm:sp3d/>
+    <dgm:txPr/>
+    <dgm:style>
+      <a:lnRef idx="2">
+        <a:scrgbClr r="0" g="0" b="0"/>
+      </a:lnRef>
+      <a:fillRef idx="1">
+        <a:scrgbClr r="0" g="0" b="0"/>
+      </a:fillRef>
+      <a:effectRef idx="0">
+        <a:scrgbClr r="0" g="0" b="0"/>
+      </a:effectRef>
+      <a:fontRef idx="minor">
+        <a:schemeClr val="lt1"/>
+      </a:fontRef>
+    </dgm:style>
+  </dgm:styleLbl>
+  <dgm:styleLbl name="node4">
+    <dgm:scene3d>
+      <a:camera prst="orthographicFront"/>
+      <a:lightRig rig="threePt" dir="t"/>
+    </dgm:scene3d>
+    <dgm:sp3d/>
+    <dgm:txPr/>
+    <dgm:style>
+      <a:lnRef idx="2">
+        <a:scrgbClr r="0" g="0" b="0"/>
+      </a:lnRef>
+      <a:fillRef idx="1">
+        <a:scrgbClr r="0" g="0" b="0"/>
+      </a:fillRef>
+      <a:effectRef idx="0">
+        <a:scrgbClr r="0" g="0" b="0"/>
+      </a:effectRef>
+      <a:fontRef idx="minor">
+        <a:schemeClr val="lt1"/>
+      </a:fontRef>
+    </dgm:style>
+  </dgm:styleLbl>
+  <dgm:styleLbl name="fgImgPlace1">
+    <dgm:scene3d>
+      <a:camera prst="orthographicFront"/>
+      <a:lightRig rig="threePt" dir="t"/>
+    </dgm:scene3d>
+    <dgm:sp3d/>
+    <dgm:txPr/>
+    <dgm:style>
+      <a:lnRef idx="2">
+        <a:scrgbClr r="0" g="0" b="0"/>
+      </a:lnRef>
+      <a:fillRef idx="1">
+        <a:scrgbClr r="0" g="0" b="0"/>
+      </a:fillRef>
+      <a:effectRef idx="0">
+        <a:scrgbClr r="0" g="0" b="0"/>
+      </a:effectRef>
+      <a:fontRef idx="minor"/>
+    </dgm:style>
+  </dgm:styleLbl>
+  <dgm:styleLbl name="alignImgPlace1">
+    <dgm:scene3d>
+      <a:camera prst="orthographicFront"/>
+      <a:lightRig rig="threePt" dir="t"/>
+    </dgm:scene3d>
+    <dgm:sp3d/>
+    <dgm:txPr/>
+    <dgm:style>
+      <a:lnRef idx="2">
+        <a:scrgbClr r="0" g="0" b="0"/>
+      </a:lnRef>
+      <a:fillRef idx="1">
+        <a:scrgbClr r="0" g="0" b="0"/>
+      </a:fillRef>
+      <a:effectRef idx="0">
+        <a:scrgbClr r="0" g="0" b="0"/>
+      </a:effectRef>
+      <a:fontRef idx="minor"/>
+    </dgm:style>
+  </dgm:styleLbl>
+  <dgm:styleLbl name="bgImgPlace1">
+    <dgm:scene3d>
+      <a:camera prst="orthographicFront"/>
+      <a:lightRig rig="threePt" dir="t"/>
+    </dgm:scene3d>
+    <dgm:sp3d/>
+    <dgm:txPr/>
+    <dgm:style>
+      <a:lnRef idx="2">
+        <a:scrgbClr r="0" g="0" b="0"/>
+      </a:lnRef>
+      <a:fillRef idx="1">
+        <a:scrgbClr r="0" g="0" b="0"/>
+      </a:fillRef>
+      <a:effectRef idx="0">
+        <a:scrgbClr r="0" g="0" b="0"/>
+      </a:effectRef>
+      <a:fontRef idx="minor"/>
+    </dgm:style>
+  </dgm:styleLbl>
+  <dgm:styleLbl name="sibTrans2D1">
+    <dgm:scene3d>
+      <a:camera prst="orthographicFront"/>
+      <a:lightRig rig="threePt" dir="t"/>
+    </dgm:scene3d>
+    <dgm:sp3d/>
+    <dgm:txPr/>
+    <dgm:style>
+      <a:lnRef idx="0">
+        <a:scrgbClr r="0" g="0" b="0"/>
+      </a:lnRef>
+      <a:fillRef idx="1">
+        <a:scrgbClr r="0" g="0" b="0"/>
+      </a:fillRef>
+      <a:effectRef idx="0">
+        <a:scrgbClr r="0" g="0" b="0"/>
+      </a:effectRef>
+      <a:fontRef idx="minor">
+        <a:schemeClr val="lt1"/>
+      </a:fontRef>
+    </dgm:style>
+  </dgm:styleLbl>
+  <dgm:styleLbl name="fgSibTrans2D1">
+    <dgm:scene3d>
+      <a:camera prst="orthographicFront"/>
+      <a:lightRig rig="threePt" dir="t"/>
+    </dgm:scene3d>
+    <dgm:sp3d/>
+    <dgm:txPr/>
+    <dgm:style>
+      <a:lnRef idx="0">
+        <a:scrgbClr r="0" g="0" b="0"/>
+      </a:lnRef>
+      <a:fillRef idx="1">
+        <a:scrgbClr r="0" g="0" b="0"/>
+      </a:fillRef>
+      <a:effectRef idx="0">
+        <a:scrgbClr r="0" g="0" b="0"/>
+      </a:effectRef>
+      <a:fontRef idx="minor">
+        <a:schemeClr val="lt1"/>
+      </a:fontRef>
+    </dgm:style>
+  </dgm:styleLbl>
+  <dgm:styleLbl name="bgSibTrans2D1">
+    <dgm:scene3d>
+      <a:camera prst="orthographicFront"/>
+      <a:lightRig rig="threePt" dir="t"/>
+    </dgm:scene3d>
+    <dgm:sp3d/>
+    <dgm:txPr/>
+    <dgm:style>
+      <a:lnRef idx="0">
+        <a:scrgbClr r="0" g="0" b="0"/>
+      </a:lnRef>
+      <a:fillRef idx="1">
+        <a:scrgbClr r="0" g="0" b="0"/>
+      </a:fillRef>
+      <a:effectRef idx="0">
+        <a:scrgbClr r="0" g="0" b="0"/>
+      </a:effectRef>
+      <a:fontRef idx="minor">
+        <a:schemeClr val="lt1"/>
+      </a:fontRef>
+    </dgm:style>
+  </dgm:styleLbl>
+  <dgm:styleLbl name="sibTrans1D1">
+    <dgm:scene3d>
+      <a:camera prst="orthographicFront"/>
+      <a:lightRig rig="threePt" dir="t"/>
+    </dgm:scene3d>
+    <dgm:sp3d/>
+    <dgm:txPr/>
+    <dgm:style>
+      <a:lnRef idx="1">
+        <a:scrgbClr r="0" g="0" b="0"/>
+      </a:lnRef>
+      <a:fillRef idx="0">
+        <a:scrgbClr r="0" g="0" b="0"/>
+      </a:fillRef>
+      <a:effectRef idx="0">
+        <a:scrgbClr r="0" g="0" b="0"/>
+      </a:effectRef>
+      <a:fontRef idx="minor"/>
+    </dgm:style>
+  </dgm:styleLbl>
+  <dgm:styleLbl name="callout">
+    <dgm:scene3d>
+      <a:camera prst="orthographicFront"/>
+      <a:lightRig rig="threePt" dir="t"/>
+    </dgm:scene3d>
+    <dgm:sp3d/>
+    <dgm:txPr/>
+    <dgm:style>
+      <a:lnRef idx="2">
+        <a:scrgbClr r="0" g="0" b="0"/>
+      </a:lnRef>
+      <a:fillRef idx="1">
+        <a:scrgbClr r="0" g="0" b="0"/>
+      </a:fillRef>
+      <a:effectRef idx="0">
+        <a:scrgbClr r="0" g="0" b="0"/>
+      </a:effectRef>
+      <a:fontRef idx="minor"/>
+    </dgm:style>
+  </dgm:styleLbl>
+  <dgm:styleLbl name="asst0">
+    <dgm:scene3d>
+      <a:camera prst="orthographicFront"/>
+      <a:lightRig rig="threePt" dir="t"/>
+    </dgm:scene3d>
+    <dgm:sp3d/>
+    <dgm:txPr/>
+    <dgm:style>
+      <a:lnRef idx="2">
+        <a:scrgbClr r="0" g="0" b="0"/>
+      </a:lnRef>
+      <a:fillRef idx="1">
+        <a:scrgbClr r="0" g="0" b="0"/>
+      </a:fillRef>
+      <a:effectRef idx="0">
+        <a:scrgbClr r="0" g="0" b="0"/>
+      </a:effectRef>
+      <a:fontRef idx="minor">
+        <a:schemeClr val="lt1"/>
+      </a:fontRef>
+    </dgm:style>
+  </dgm:styleLbl>
+  <dgm:styleLbl name="asst1">
+    <dgm:scene3d>
+      <a:camera prst="orthographicFront"/>
+      <a:lightRig rig="threePt" dir="t"/>
+    </dgm:scene3d>
+    <dgm:sp3d/>
+    <dgm:txPr/>
+    <dgm:style>
+      <a:lnRef idx="2">
+        <a:scrgbClr r="0" g="0" b="0"/>
+      </a:lnRef>
+      <a:fillRef idx="1">
+        <a:scrgbClr r="0" g="0" b="0"/>
+      </a:fillRef>
+      <a:effectRef idx="0">
+        <a:scrgbClr r="0" g="0" b="0"/>
+      </a:effectRef>
+      <a:fontRef idx="minor">
+        <a:schemeClr val="lt1"/>
+      </a:fontRef>
+    </dgm:style>
+  </dgm:styleLbl>
+  <dgm:styleLbl name="asst2">
+    <dgm:scene3d>
+      <a:camera prst="orthographicFront"/>
+      <a:lightRig rig="threePt" dir="t"/>
+    </dgm:scene3d>
+    <dgm:sp3d/>
+    <dgm:txPr/>
+    <dgm:style>
+      <a:lnRef idx="2">
+        <a:scrgbClr r="0" g="0" b="0"/>
+      </a:lnRef>
+      <a:fillRef idx="1">
+        <a:scrgbClr r="0" g="0" b="0"/>
+      </a:fillRef>
+      <a:effectRef idx="0">
+        <a:scrgbClr r="0" g="0" b="0"/>
+      </a:effectRef>
+      <a:fontRef idx="minor">
+        <a:schemeClr val="lt1"/>
+      </a:fontRef>
+    </dgm:style>
+  </dgm:styleLbl>
+  <dgm:styleLbl name="asst3">
+    <dgm:scene3d>
+      <a:camera prst="orthographicFront"/>
+      <a:lightRig rig="threePt" dir="t"/>
+    </dgm:scene3d>
+    <dgm:sp3d/>
+    <dgm:txPr/>
+    <dgm:style>
+      <a:lnRef idx="2">
+        <a:scrgbClr r="0" g="0" b="0"/>
+      </a:lnRef>
+      <a:fillRef idx="1">
+        <a:scrgbClr r="0" g="0" b="0"/>
+      </a:fillRef>
+      <a:effectRef idx="0">
+        <a:scrgbClr r="0" g="0" b="0"/>
+      </a:effectRef>
+      <a:fontRef idx="minor">
+        <a:schemeClr val="lt1"/>
+      </a:fontRef>
+    </dgm:style>
+  </dgm:styleLbl>
+  <dgm:styleLbl name="asst4">
+    <dgm:scene3d>
+      <a:camera prst="orthographicFront"/>
+      <a:lightRig rig="threePt" dir="t"/>
+    </dgm:scene3d>
+    <dgm:sp3d/>
+    <dgm:txPr/>
+    <dgm:style>
+      <a:lnRef idx="2">
+        <a:scrgbClr r="0" g="0" b="0"/>
+      </a:lnRef>
+      <a:fillRef idx="1">
+        <a:scrgbClr r="0" g="0" b="0"/>
+      </a:fillRef>
+      <a:effectRef idx="0">
+        <a:scrgbClr r="0" g="0" b="0"/>
+      </a:effectRef>
+      <a:fontRef idx="minor">
+        <a:schemeClr val="lt1"/>
+      </a:fontRef>
+    </dgm:style>
+  </dgm:styleLbl>
+  <dgm:styleLbl name="parChTrans2D1">
+    <dgm:scene3d>
+      <a:camera prst="orthographicFront"/>
+      <a:lightRig rig="threePt" dir="t"/>
+    </dgm:scene3d>
+    <dgm:sp3d/>
+    <dgm:txPr/>
+    <dgm:style>
+      <a:lnRef idx="2">
+        <a:scrgbClr r="0" g="0" b="0"/>
+      </a:lnRef>
+      <a:fillRef idx="1">
+        <a:scrgbClr r="0" g="0" b="0"/>
+      </a:fillRef>
+      <a:effectRef idx="0">
+        <a:scrgbClr r="0" g="0" b="0"/>
+      </a:effectRef>
+      <a:fontRef idx="minor">
+        <a:schemeClr val="lt1"/>
+      </a:fontRef>
+    </dgm:style>
+  </dgm:styleLbl>
+  <dgm:styleLbl name="parChTrans2D2">
+    <dgm:scene3d>
+      <a:camera prst="orthographicFront"/>
+      <a:lightRig rig="threePt" dir="t"/>
+    </dgm:scene3d>
+    <dgm:sp3d/>
+    <dgm:txPr/>
+    <dgm:style>
+      <a:lnRef idx="2">
+        <a:scrgbClr r="0" g="0" b="0"/>
+      </a:lnRef>
+      <a:fillRef idx="1">
+        <a:scrgbClr r="0" g="0" b="0"/>
+      </a:fillRef>
+      <a:effectRef idx="0">
+        <a:scrgbClr r="0" g="0" b="0"/>
+      </a:effectRef>
+      <a:fontRef idx="minor">
+        <a:schemeClr val="lt1"/>
+      </a:fontRef>
+    </dgm:style>
+  </dgm:styleLbl>
+  <dgm:styleLbl name="parChTrans2D3">
+    <dgm:scene3d>
+      <a:camera prst="orthographicFront"/>
+      <a:lightRig rig="threePt" dir="t"/>
+    </dgm:scene3d>
+    <dgm:sp3d/>
+    <dgm:txPr/>
+    <dgm:style>
+      <a:lnRef idx="2">
+        <a:scrgbClr r="0" g="0" b="0"/>
+      </a:lnRef>
+      <a:fillRef idx="1">
+        <a:scrgbClr r="0" g="0" b="0"/>
+      </a:fillRef>
+      <a:effectRef idx="0">
+        <a:scrgbClr r="0" g="0" b="0"/>
+      </a:effectRef>
+      <a:fontRef idx="minor">
+        <a:schemeClr val="lt1"/>
+      </a:fontRef>
+    </dgm:style>
+  </dgm:styleLbl>
+  <dgm:styleLbl name="parChTrans2D4">
+    <dgm:scene3d>
+      <a:camera prst="orthographicFront"/>
+      <a:lightRig rig="threePt" dir="t"/>
+    </dgm:scene3d>
+    <dgm:sp3d/>
+    <dgm:txPr/>
+    <dgm:style>
+      <a:lnRef idx="2">
+        <a:scrgbClr r="0" g="0" b="0"/>
+      </a:lnRef>
+      <a:fillRef idx="1">
+        <a:scrgbClr r="0" g="0" b="0"/>
+      </a:fillRef>
+      <a:effectRef idx="0">
+        <a:scrgbClr r="0" g="0" b="0"/>
+      </a:effectRef>
+      <a:fontRef idx="minor">
+        <a:schemeClr val="lt1"/>
+      </a:fontRef>
+    </dgm:style>
+  </dgm:styleLbl>
+  <dgm:styleLbl name="parChTrans1D1">
+    <dgm:scene3d>
+      <a:camera prst="orthographicFront"/>
+      <a:lightRig rig="threePt" dir="t"/>
+    </dgm:scene3d>
+    <dgm:sp3d/>
+    <dgm:txPr/>
+    <dgm:style>
+      <a:lnRef idx="2">
+        <a:scrgbClr r="0" g="0" b="0"/>
+      </a:lnRef>
+      <a:fillRef idx="0">
+        <a:scrgbClr r="0" g="0" b="0"/>
+      </a:fillRef>
+      <a:effectRef idx="0">
+        <a:scrgbClr r="0" g="0" b="0"/>
+      </a:effectRef>
+      <a:fontRef idx="minor"/>
+    </dgm:style>
+  </dgm:styleLbl>
+  <dgm:styleLbl name="parChTrans1D2">
+    <dgm:scene3d>
+      <a:camera prst="orthographicFront"/>
+      <a:lightRig rig="threePt" dir="t"/>
+    </dgm:scene3d>
+    <dgm:sp3d/>
+    <dgm:txPr/>
+    <dgm:style>
+      <a:lnRef idx="2">
+        <a:scrgbClr r="0" g="0" b="0"/>
+      </a:lnRef>
+      <a:fillRef idx="0">
+        <a:scrgbClr r="0" g="0" b="0"/>
+      </a:fillRef>
+      <a:effectRef idx="0">
+        <a:scrgbClr r="0" g="0" b="0"/>
+      </a:effectRef>
+      <a:fontRef idx="minor"/>
+    </dgm:style>
+  </dgm:styleLbl>
+  <dgm:styleLbl name="parChTrans1D3">
+    <dgm:scene3d>
+      <a:camera prst="orthographicFront"/>
+      <a:lightRig rig="threePt" dir="t"/>
+    </dgm:scene3d>
+    <dgm:sp3d/>
+    <dgm:txPr/>
+    <dgm:style>
+      <a:lnRef idx="2">
+        <a:scrgbClr r="0" g="0" b="0"/>
+      </a:lnRef>
+      <a:fillRef idx="0">
+        <a:scrgbClr r="0" g="0" b="0"/>
+      </a:fillRef>
+      <a:effectRef idx="0">
+        <a:scrgbClr r="0" g="0" b="0"/>
+      </a:effectRef>
+      <a:fontRef idx="minor"/>
+    </dgm:style>
+  </dgm:styleLbl>
+  <dgm:styleLbl name="parChTrans1D4">
+    <dgm:scene3d>
+      <a:camera prst="orthographicFront"/>
+      <a:lightRig rig="threePt" dir="t"/>
+    </dgm:scene3d>
+    <dgm:sp3d/>
+    <dgm:txPr/>
+    <dgm:style>
+      <a:lnRef idx="2">
+        <a:scrgbClr r="0" g="0" b="0"/>
+      </a:lnRef>
+      <a:fillRef idx="0">
+        <a:scrgbClr r="0" g="0" b="0"/>
+      </a:fillRef>
+      <a:effectRef idx="0">
+        <a:scrgbClr r="0" g="0" b="0"/>
+      </a:effectRef>
+      <a:fontRef idx="minor"/>
+    </dgm:style>
+  </dgm:styleLbl>
+  <dgm:styleLbl name="fgAcc1">
+    <dgm:scene3d>
+      <a:camera prst="orthographicFront"/>
+      <a:lightRig rig="threePt" dir="t"/>
+    </dgm:scene3d>
+    <dgm:sp3d/>
+    <dgm:txPr/>
+    <dgm:style>
+      <a:lnRef idx="2">
+        <a:scrgbClr r="0" g="0" b="0"/>
+      </a:lnRef>
+      <a:fillRef idx="1">
+        <a:scrgbClr r="0" g="0" b="0"/>
+      </a:fillRef>
+      <a:effectRef idx="0">
+        <a:scrgbClr r="0" g="0" b="0"/>
+      </a:effectRef>
+      <a:fontRef idx="minor"/>
+    </dgm:style>
+  </dgm:styleLbl>
+  <dgm:styleLbl name="conFgAcc1">
+    <dgm:scene3d>
+      <a:camera prst="orthographicFront"/>
+      <a:lightRig rig="threePt" dir="t"/>
+    </dgm:scene3d>
+    <dgm:sp3d/>
+    <dgm:txPr/>
+    <dgm:style>
+      <a:lnRef idx="2">
+        <a:scrgbClr r="0" g="0" b="0"/>
+      </a:lnRef>
+      <a:fillRef idx="1">
+        <a:scrgbClr r="0" g="0" b="0"/>
+      </a:fillRef>
+      <a:effectRef idx="0">
+        <a:scrgbClr r="0" g="0" b="0"/>
+      </a:effectRef>
+      <a:fontRef idx="minor"/>
+    </dgm:style>
+  </dgm:styleLbl>
+  <dgm:styleLbl name="alignAcc1">
+    <dgm:scene3d>
+      <a:camera prst="orthographicFront"/>
+      <a:lightRig rig="threePt" dir="t"/>
+    </dgm:scene3d>
+    <dgm:sp3d/>
+    <dgm:txPr/>
+    <dgm:style>
+      <a:lnRef idx="2">
+        <a:scrgbClr r="0" g="0" b="0"/>
+      </a:lnRef>
+      <a:fillRef idx="1">
+        <a:scrgbClr r="0" g="0" b="0"/>
+      </a:fillRef>
+      <a:effectRef idx="0">
+        <a:scrgbClr r="0" g="0" b="0"/>
+      </a:effectRef>
+      <a:fontRef idx="minor"/>
+    </dgm:style>
+  </dgm:styleLbl>
+  <dgm:styleLbl name="trAlignAcc1">
+    <dgm:scene3d>
+      <a:camera prst="orthographicFront"/>
+      <a:lightRig rig="threePt" dir="t"/>
+    </dgm:scene3d>
+    <dgm:sp3d/>
+    <dgm:txPr/>
+    <dgm:style>
+      <a:lnRef idx="1">
+        <a:scrgbClr r="0" g="0" b="0"/>
+      </a:lnRef>
+      <a:fillRef idx="1">
+        <a:scrgbClr r="0" g="0" b="0"/>
+      </a:fillRef>
+      <a:effectRef idx="0">
+        <a:scrgbClr r="0" g="0" b="0"/>
+      </a:effectRef>
+      <a:fontRef idx="minor"/>
+    </dgm:style>
+  </dgm:styleLbl>
+  <dgm:styleLbl name="bgAcc1">
+    <dgm:scene3d>
+      <a:camera prst="orthographicFront"/>
+      <a:lightRig rig="threePt" dir="t"/>
+    </dgm:scene3d>
+    <dgm:sp3d/>
+    <dgm:txPr/>
+    <dgm:style>
+      <a:lnRef idx="2">
+        <a:scrgbClr r="0" g="0" b="0"/>
+      </a:lnRef>
+      <a:fillRef idx="1">
+        <a:scrgbClr r="0" g="0" b="0"/>
+      </a:fillRef>
+      <a:effectRef idx="0">
+        <a:scrgbClr r="0" g="0" b="0"/>
+      </a:effectRef>
+      <a:fontRef idx="minor"/>
+    </dgm:style>
+  </dgm:styleLbl>
+  <dgm:styleLbl name="solidFgAcc1">
+    <dgm:scene3d>
+      <a:camera prst="orthographicFront"/>
+      <a:lightRig rig="threePt" dir="t"/>
+    </dgm:scene3d>
+    <dgm:sp3d/>
+    <dgm:txPr/>
+    <dgm:style>
+      <a:lnRef idx="2">
+        <a:scrgbClr r="0" g="0" b="0"/>
+      </a:lnRef>
+      <a:fillRef idx="1">
+        <a:scrgbClr r="0" g="0" b="0"/>
+      </a:fillRef>
+      <a:effectRef idx="0">
+        <a:scrgbClr r="0" g="0" b="0"/>
+      </a:effectRef>
+      <a:fontRef idx="minor"/>
+    </dgm:style>
+  </dgm:styleLbl>
+  <dgm:styleLbl name="solidAlignAcc1">
+    <dgm:scene3d>
+      <a:camera prst="orthographicFront"/>
+      <a:lightRig rig="threePt" dir="t"/>
+    </dgm:scene3d>
+    <dgm:sp3d/>
+    <dgm:txPr/>
+    <dgm:style>
+      <a:lnRef idx="2">
+        <a:scrgbClr r="0" g="0" b="0"/>
+      </a:lnRef>
+      <a:fillRef idx="1">
+        <a:scrgbClr r="0" g="0" b="0"/>
+      </a:fillRef>
+      <a:effectRef idx="0">
+        <a:scrgbClr r="0" g="0" b="0"/>
+      </a:effectRef>
+      <a:fontRef idx="minor"/>
+    </dgm:style>
+  </dgm:styleLbl>
+  <dgm:styleLbl name="solidBgAcc1">
+    <dgm:scene3d>
+      <a:camera prst="orthographicFront"/>
+      <a:lightRig rig="threePt" dir="t"/>
+    </dgm:scene3d>
+    <dgm:sp3d/>
+    <dgm:txPr/>
+    <dgm:style>
+      <a:lnRef idx="2">
+        <a:scrgbClr r="0" g="0" b="0"/>
+      </a:lnRef>
+      <a:fillRef idx="1">
+        <a:scrgbClr r="0" g="0" b="0"/>
+      </a:fillRef>
+      <a:effectRef idx="0">
+        <a:scrgbClr r="0" g="0" b="0"/>
+      </a:effectRef>
+      <a:fontRef idx="minor"/>
+    </dgm:style>
+  </dgm:styleLbl>
+  <dgm:styleLbl name="fgAccFollowNode1">
+    <dgm:scene3d>
+      <a:camera prst="orthographicFront"/>
+      <a:lightRig rig="threePt" dir="t"/>
+    </dgm:scene3d>
+    <dgm:sp3d/>
+    <dgm:txPr/>
+    <dgm:style>
+      <a:lnRef idx="2">
+        <a:scrgbClr r="0" g="0" b="0"/>
+      </a:lnRef>
+      <a:fillRef idx="1">
+        <a:scrgbClr r="0" g="0" b="0"/>
+      </a:fillRef>
+      <a:effectRef idx="0">
+        <a:scrgbClr r="0" g="0" b="0"/>
+      </a:effectRef>
+      <a:fontRef idx="minor"/>
+    </dgm:style>
+  </dgm:styleLbl>
+  <dgm:styleLbl name="alignAccFollowNode1">
+    <dgm:scene3d>
+      <a:camera prst="orthographicFront"/>
+      <a:lightRig rig="threePt" dir="t"/>
+    </dgm:scene3d>
+    <dgm:sp3d/>
+    <dgm:txPr/>
+    <dgm:style>
+      <a:lnRef idx="2">
+        <a:scrgbClr r="0" g="0" b="0"/>
+      </a:lnRef>
+      <a:fillRef idx="1">
+        <a:scrgbClr r="0" g="0" b="0"/>
+      </a:fillRef>
+      <a:effectRef idx="0">
+        <a:scrgbClr r="0" g="0" b="0"/>
+      </a:effectRef>
+      <a:fontRef idx="minor"/>
+    </dgm:style>
+  </dgm:styleLbl>
+  <dgm:styleLbl name="bgAccFollowNode1">
+    <dgm:scene3d>
+      <a:camera prst="orthographicFront"/>
+      <a:lightRig rig="threePt" dir="t"/>
+    </dgm:scene3d>
+    <dgm:sp3d/>
+    <dgm:txPr/>
+    <dgm:style>
+      <a:lnRef idx="2">
+        <a:scrgbClr r="0" g="0" b="0"/>
+      </a:lnRef>
+      <a:fillRef idx="1">
+        <a:scrgbClr r="0" g="0" b="0"/>
+      </a:fillRef>
+      <a:effectRef idx="0">
+        <a:scrgbClr r="0" g="0" b="0"/>
+      </a:effectRef>
+      <a:fontRef idx="minor"/>
+    </dgm:style>
+  </dgm:styleLbl>
+  <dgm:styleLbl name="fgAcc0">
+    <dgm:scene3d>
+      <a:camera prst="orthographicFront"/>
+      <a:lightRig rig="threePt" dir="t"/>
+    </dgm:scene3d>
+    <dgm:sp3d/>
+    <dgm:txPr/>
+    <dgm:style>
+      <a:lnRef idx="2">
+        <a:scrgbClr r="0" g="0" b="0"/>
+      </a:lnRef>
+      <a:fillRef idx="1">
+        <a:scrgbClr r="0" g="0" b="0"/>
+      </a:fillRef>
+      <a:effectRef idx="0">
+        <a:scrgbClr r="0" g="0" b="0"/>
+      </a:effectRef>
+      <a:fontRef idx="minor"/>
+    </dgm:style>
+  </dgm:styleLbl>
+  <dgm:styleLbl name="fgAcc2">
+    <dgm:scene3d>
+      <a:camera prst="orthographicFront"/>
+      <a:lightRig rig="threePt" dir="t"/>
+    </dgm:scene3d>
+    <dgm:sp3d/>
+    <dgm:txPr/>
+    <dgm:style>
+      <a:lnRef idx="2">
+        <a:scrgbClr r="0" g="0" b="0"/>
+      </a:lnRef>
+      <a:fillRef idx="1">
+        <a:scrgbClr r="0" g="0" b="0"/>
+      </a:fillRef>
+      <a:effectRef idx="0">
+        <a:scrgbClr r="0" g="0" b="0"/>
+      </a:effectRef>
+      <a:fontRef idx="minor"/>
+    </dgm:style>
+  </dgm:styleLbl>
+  <dgm:styleLbl name="fgAcc3">
+    <dgm:scene3d>
+      <a:camera prst="orthographicFront"/>
+      <a:lightRig rig="threePt" dir="t"/>
+    </dgm:scene3d>
+    <dgm:sp3d/>
+    <dgm:txPr/>
+    <dgm:style>
+      <a:lnRef idx="2">
+        <a:scrgbClr r="0" g="0" b="0"/>
+      </a:lnRef>
+      <a:fillRef idx="1">
+        <a:scrgbClr r="0" g="0" b="0"/>
+      </a:fillRef>
+      <a:effectRef idx="0">
+        <a:scrgbClr r="0" g="0" b="0"/>
+      </a:effectRef>
+      <a:fontRef idx="minor"/>
+    </dgm:style>
+  </dgm:styleLbl>
+  <dgm:styleLbl name="fgAcc4">
+    <dgm:scene3d>
+      <a:camera prst="orthographicFront"/>
+      <a:lightRig rig="threePt" dir="t"/>
+    </dgm:scene3d>
+    <dgm:sp3d/>
+    <dgm:txPr/>
+    <dgm:style>
+      <a:lnRef idx="2">
+        <a:scrgbClr r="0" g="0" b="0"/>
+      </a:lnRef>
+      <a:fillRef idx="1">
+        <a:scrgbClr r="0" g="0" b="0"/>
+      </a:fillRef>
+      <a:effectRef idx="0">
+        <a:scrgbClr r="0" g="0" b="0"/>
+      </a:effectRef>
+      <a:fontRef idx="minor"/>
+    </dgm:style>
+  </dgm:styleLbl>
+  <dgm:styleLbl name="bgShp">
+    <dgm:scene3d>
+      <a:camera prst="orthographicFront"/>
+      <a:lightRig rig="threePt" dir="t"/>
+    </dgm:scene3d>
+    <dgm:sp3d/>
+    <dgm:txPr/>
+    <dgm:style>
+      <a:lnRef idx="0">
+        <a:scrgbClr r="0" g="0" b="0"/>
+      </a:lnRef>
+      <a:fillRef idx="1">
+        <a:scrgbClr r="0" g="0" b="0"/>
+      </a:fillRef>
+      <a:effectRef idx="0">
+        <a:scrgbClr r="0" g="0" b="0"/>
+      </a:effectRef>
+      <a:fontRef idx="minor"/>
+    </dgm:style>
+  </dgm:styleLbl>
+  <dgm:styleLbl name="dkBgShp">
+    <dgm:scene3d>
+      <a:camera prst="orthographicFront"/>
+      <a:lightRig rig="threePt" dir="t"/>
+    </dgm:scene3d>
+    <dgm:sp3d/>
+    <dgm:txPr/>
+    <dgm:style>
+      <a:lnRef idx="0">
+        <a:scrgbClr r="0" g="0" b="0"/>
+      </a:lnRef>
+      <a:fillRef idx="1">
+        <a:scrgbClr r="0" g="0" b="0"/>
+      </a:fillRef>
+      <a:effectRef idx="0">
+        <a:scrgbClr r="0" g="0" b="0"/>
+      </a:effectRef>
+      <a:fontRef idx="minor"/>
+    </dgm:style>
+  </dgm:styleLbl>
+  <dgm:styleLbl name="trBgShp">
+    <dgm:scene3d>
+      <a:camera prst="orthographicFront"/>
+      <a:lightRig rig="threePt" dir="t"/>
+    </dgm:scene3d>
+    <dgm:sp3d/>
+    <dgm:txPr/>
+    <dgm:style>
+      <a:lnRef idx="0">
+        <a:scrgbClr r="0" g="0" b="0"/>
+      </a:lnRef>
+      <a:fillRef idx="1">
+        <a:scrgbClr r="0" g="0" b="0"/>
+      </a:fillRef>
+      <a:effectRef idx="0">
+        <a:scrgbClr r="0" g="0" b="0"/>
+      </a:effectRef>
+      <a:fontRef idx="minor"/>
+    </dgm:style>
+  </dgm:styleLbl>
+  <dgm:styleLbl name="fgShp">
+    <dgm:scene3d>
+      <a:camera prst="orthographicFront"/>
+      <a:lightRig rig="threePt" dir="t"/>
+    </dgm:scene3d>
+    <dgm:sp3d/>
+    <dgm:txPr/>
+    <dgm:style>
+      <a:lnRef idx="2">
+        <a:scrgbClr r="0" g="0" b="0"/>
+      </a:lnRef>
+      <a:fillRef idx="1">
+        <a:scrgbClr r="0" g="0" b="0"/>
+      </a:fillRef>
+      <a:effectRef idx="0">
+        <a:scrgbClr r="0" g="0" b="0"/>
+      </a:effectRef>
+      <a:fontRef idx="minor"/>
+    </dgm:style>
+  </dgm:styleLbl>
+  <dgm:styleLbl name="revTx">
+    <dgm:scene3d>
+      <a:camera prst="orthographicFront"/>
+      <a:lightRig rig="threePt" dir="t"/>
+    </dgm:scene3d>
+    <dgm:sp3d/>
+    <dgm:txPr/>
+    <dgm:style>
+      <a:lnRef idx="0">
+        <a:scrgbClr r="0" g="0" b="0"/>
+      </a:lnRef>
+      <a:fillRef idx="0">
+        <a:scrgbClr r="0" g="0" b="0"/>
+      </a:fillRef>
+      <a:effectRef idx="0">
+        <a:scrgbClr r="0" g="0" b="0"/>
+      </a:effectRef>
+      <a:fontRef idx="minor"/>
+    </dgm:style>
+  </dgm:styleLbl>
+</dgm:styleDef>
+</file>
+
+<file path=ppt/diagrams/quickStyle2.xml><?xml version="1.0" encoding="utf-8"?>
+<dgm:styleDef xmlns:dgm="http://schemas.openxmlformats.org/drawingml/2006/diagram" xmlns:a="http://schemas.openxmlformats.org/drawingml/2006/main" uniqueId="urn:microsoft.com/office/officeart/2005/8/quickstyle/simple1">
+  <dgm:title val=""/>
+  <dgm:desc val=""/>
+  <dgm:catLst>
+    <dgm:cat type="simple" pri="10100"/>
+  </dgm:catLst>
+  <dgm:scene3d>
+    <a:camera prst="orthographicFront"/>
+    <a:lightRig rig="threePt" dir="t"/>
+  </dgm:scene3d>
+  <dgm:styleLbl name="node0">
+    <dgm:scene3d>
+      <a:camera prst="orthographicFront"/>
+      <a:lightRig rig="threePt" dir="t"/>
+    </dgm:scene3d>
+    <dgm:sp3d/>
+    <dgm:txPr/>
+    <dgm:style>
+      <a:lnRef idx="2">
+        <a:scrgbClr r="0" g="0" b="0"/>
+      </a:lnRef>
+      <a:fillRef idx="1">
+        <a:scrgbClr r="0" g="0" b="0"/>
+      </a:fillRef>
+      <a:effectRef idx="0">
+        <a:scrgbClr r="0" g="0" b="0"/>
+      </a:effectRef>
+      <a:fontRef idx="minor">
+        <a:schemeClr val="lt1"/>
+      </a:fontRef>
+    </dgm:style>
+  </dgm:styleLbl>
+  <dgm:styleLbl name="lnNode1">
+    <dgm:scene3d>
+      <a:camera prst="orthographicFront"/>
+      <a:lightRig rig="threePt" dir="t"/>
+    </dgm:scene3d>
+    <dgm:sp3d/>
+    <dgm:txPr/>
+    <dgm:style>
+      <a:lnRef idx="2">
+        <a:scrgbClr r="0" g="0" b="0"/>
+      </a:lnRef>
+      <a:fillRef idx="1">
+        <a:scrgbClr r="0" g="0" b="0"/>
+      </a:fillRef>
+      <a:effectRef idx="0">
+        <a:scrgbClr r="0" g="0" b="0"/>
+      </a:effectRef>
+      <a:fontRef idx="minor">
+        <a:schemeClr val="lt1"/>
+      </a:fontRef>
+    </dgm:style>
+  </dgm:styleLbl>
+  <dgm:styleLbl name="vennNode1">
+    <dgm:scene3d>
+      <a:camera prst="orthographicFront"/>
+      <a:lightRig rig="threePt" dir="t"/>
+    </dgm:scene3d>
+    <dgm:sp3d/>
+    <dgm:txPr/>
+    <dgm:style>
+      <a:lnRef idx="2">
+        <a:scrgbClr r="0" g="0" b="0"/>
+      </a:lnRef>
+      <a:fillRef idx="1">
+        <a:scrgbClr r="0" g="0" b="0"/>
+      </a:fillRef>
+      <a:effectRef idx="0">
+        <a:scrgbClr r="0" g="0" b="0"/>
+      </a:effectRef>
+      <a:fontRef idx="minor">
+        <a:schemeClr val="tx1"/>
+      </a:fontRef>
+    </dgm:style>
+  </dgm:styleLbl>
+  <dgm:styleLbl name="alignNode1">
+    <dgm:scene3d>
+      <a:camera prst="orthographicFront"/>
+      <a:lightRig rig="threePt" dir="t"/>
+    </dgm:scene3d>
+    <dgm:sp3d/>
+    <dgm:txPr/>
+    <dgm:style>
+      <a:lnRef idx="2">
+        <a:scrgbClr r="0" g="0" b="0"/>
+      </a:lnRef>
+      <a:fillRef idx="1">
+        <a:scrgbClr r="0" g="0" b="0"/>
+      </a:fillRef>
+      <a:effectRef idx="0">
+        <a:scrgbClr r="0" g="0" b="0"/>
+      </a:effectRef>
+      <a:fontRef idx="minor">
+        <a:schemeClr val="lt1"/>
+      </a:fontRef>
+    </dgm:style>
+  </dgm:styleLbl>
+  <dgm:styleLbl name="node1">
+    <dgm:scene3d>
+      <a:camera prst="orthographicFront"/>
+      <a:lightRig rig="threePt" dir="t"/>
+    </dgm:scene3d>
+    <dgm:sp3d/>
+    <dgm:txPr/>
+    <dgm:style>
+      <a:lnRef idx="2">
+        <a:scrgbClr r="0" g="0" b="0"/>
+      </a:lnRef>
+      <a:fillRef idx="1">
+        <a:scrgbClr r="0" g="0" b="0"/>
+      </a:fillRef>
+      <a:effectRef idx="0">
+        <a:scrgbClr r="0" g="0" b="0"/>
+      </a:effectRef>
+      <a:fontRef idx="minor">
+        <a:schemeClr val="lt1"/>
+      </a:fontRef>
+    </dgm:style>
+  </dgm:styleLbl>
+  <dgm:styleLbl name="node2">
+    <dgm:scene3d>
+      <a:camera prst="orthographicFront"/>
+      <a:lightRig rig="threePt" dir="t"/>
+    </dgm:scene3d>
+    <dgm:sp3d/>
+    <dgm:txPr/>
+    <dgm:style>
+      <a:lnRef idx="2">
+        <a:scrgbClr r="0" g="0" b="0"/>
+      </a:lnRef>
+      <a:fillRef idx="1">
+        <a:scrgbClr r="0" g="0" b="0"/>
+      </a:fillRef>
+      <a:effectRef idx="0">
+        <a:scrgbClr r="0" g="0" b="0"/>
+      </a:effectRef>
+      <a:fontRef idx="minor">
+        <a:schemeClr val="lt1"/>
+      </a:fontRef>
+    </dgm:style>
+  </dgm:styleLbl>
+  <dgm:styleLbl name="node3">
+    <dgm:scene3d>
+      <a:camera prst="orthographicFront"/>
+      <a:lightRig rig="threePt" dir="t"/>
+    </dgm:scene3d>
+    <dgm:sp3d/>
+    <dgm:txPr/>
+    <dgm:style>
+      <a:lnRef idx="2">
+        <a:scrgbClr r="0" g="0" b="0"/>
+      </a:lnRef>
+      <a:fillRef idx="1">
+        <a:scrgbClr r="0" g="0" b="0"/>
+      </a:fillRef>
+      <a:effectRef idx="0">
+        <a:scrgbClr r="0" g="0" b="0"/>
+      </a:effectRef>
+      <a:fontRef idx="minor">
+        <a:schemeClr val="lt1"/>
+      </a:fontRef>
+    </dgm:style>
+  </dgm:styleLbl>
+  <dgm:styleLbl name="node4">
+    <dgm:scene3d>
+      <a:camera prst="orthographicFront"/>
+      <a:lightRig rig="threePt" dir="t"/>
+    </dgm:scene3d>
+    <dgm:sp3d/>
+    <dgm:txPr/>
+    <dgm:style>
+      <a:lnRef idx="2">
+        <a:scrgbClr r="0" g="0" b="0"/>
+      </a:lnRef>
+      <a:fillRef idx="1">
+        <a:scrgbClr r="0" g="0" b="0"/>
+      </a:fillRef>
+      <a:effectRef idx="0">
+        <a:scrgbClr r="0" g="0" b="0"/>
+      </a:effectRef>
+      <a:fontRef idx="minor">
+        <a:schemeClr val="lt1"/>
+      </a:fontRef>
+    </dgm:style>
+  </dgm:styleLbl>
+  <dgm:styleLbl name="fgImgPlace1">
+    <dgm:scene3d>
+      <a:camera prst="orthographicFront"/>
+      <a:lightRig rig="threePt" dir="t"/>
+    </dgm:scene3d>
+    <dgm:sp3d/>
+    <dgm:txPr/>
+    <dgm:style>
+      <a:lnRef idx="2">
+        <a:scrgbClr r="0" g="0" b="0"/>
+      </a:lnRef>
+      <a:fillRef idx="1">
+        <a:scrgbClr r="0" g="0" b="0"/>
+      </a:fillRef>
+      <a:effectRef idx="0">
+        <a:scrgbClr r="0" g="0" b="0"/>
+      </a:effectRef>
+      <a:fontRef idx="minor"/>
+    </dgm:style>
+  </dgm:styleLbl>
+  <dgm:styleLbl name="alignImgPlace1">
+    <dgm:scene3d>
+      <a:camera prst="orthographicFront"/>
+      <a:lightRig rig="threePt" dir="t"/>
+    </dgm:scene3d>
+    <dgm:sp3d/>
+    <dgm:txPr/>
+    <dgm:style>
+      <a:lnRef idx="2">
+        <a:scrgbClr r="0" g="0" b="0"/>
+      </a:lnRef>
+      <a:fillRef idx="1">
+        <a:scrgbClr r="0" g="0" b="0"/>
+      </a:fillRef>
+      <a:effectRef idx="0">
+        <a:scrgbClr r="0" g="0" b="0"/>
+      </a:effectRef>
+      <a:fontRef idx="minor"/>
+    </dgm:style>
+  </dgm:styleLbl>
+  <dgm:styleLbl name="bgImgPlace1">
+    <dgm:scene3d>
+      <a:camera prst="orthographicFront"/>
+      <a:lightRig rig="threePt" dir="t"/>
+    </dgm:scene3d>
+    <dgm:sp3d/>
+    <dgm:txPr/>
+    <dgm:style>
+      <a:lnRef idx="2">
+        <a:scrgbClr r="0" g="0" b="0"/>
+      </a:lnRef>
+      <a:fillRef idx="1">
+        <a:scrgbClr r="0" g="0" b="0"/>
+      </a:fillRef>
+      <a:effectRef idx="0">
+        <a:scrgbClr r="0" g="0" b="0"/>
+      </a:effectRef>
+      <a:fontRef idx="minor"/>
+    </dgm:style>
+  </dgm:styleLbl>
+  <dgm:styleLbl name="sibTrans2D1">
+    <dgm:scene3d>
+      <a:camera prst="orthographicFront"/>
+      <a:lightRig rig="threePt" dir="t"/>
+    </dgm:scene3d>
+    <dgm:sp3d/>
+    <dgm:txPr/>
+    <dgm:style>
+      <a:lnRef idx="0">
+        <a:scrgbClr r="0" g="0" b="0"/>
+      </a:lnRef>
+      <a:fillRef idx="1">
+        <a:scrgbClr r="0" g="0" b="0"/>
+      </a:fillRef>
+      <a:effectRef idx="0">
+        <a:scrgbClr r="0" g="0" b="0"/>
+      </a:effectRef>
+      <a:fontRef idx="minor">
+        <a:schemeClr val="lt1"/>
+      </a:fontRef>
+    </dgm:style>
+  </dgm:styleLbl>
+  <dgm:styleLbl name="fgSibTrans2D1">
+    <dgm:scene3d>
+      <a:camera prst="orthographicFront"/>
+      <a:lightRig rig="threePt" dir="t"/>
+    </dgm:scene3d>
+    <dgm:sp3d/>
+    <dgm:txPr/>
+    <dgm:style>
+      <a:lnRef idx="0">
+        <a:scrgbClr r="0" g="0" b="0"/>
+      </a:lnRef>
+      <a:fillRef idx="1">
+        <a:scrgbClr r="0" g="0" b="0"/>
+      </a:fillRef>
+      <a:effectRef idx="0">
+        <a:scrgbClr r="0" g="0" b="0"/>
+      </a:effectRef>
+      <a:fontRef idx="minor">
+        <a:schemeClr val="lt1"/>
+      </a:fontRef>
+    </dgm:style>
+  </dgm:styleLbl>
+  <dgm:styleLbl name="bgSibTrans2D1">
+    <dgm:scene3d>
+      <a:camera prst="orthographicFront"/>
+      <a:lightRig rig="threePt" dir="t"/>
+    </dgm:scene3d>
+    <dgm:sp3d/>
+    <dgm:txPr/>
+    <dgm:style>
+      <a:lnRef idx="0">
+        <a:scrgbClr r="0" g="0" b="0"/>
+      </a:lnRef>
+      <a:fillRef idx="1">
+        <a:scrgbClr r="0" g="0" b="0"/>
+      </a:fillRef>
+      <a:effectRef idx="0">
+        <a:scrgbClr r="0" g="0" b="0"/>
+      </a:effectRef>
+      <a:fontRef idx="minor">
+        <a:schemeClr val="lt1"/>
+      </a:fontRef>
+    </dgm:style>
+  </dgm:styleLbl>
+  <dgm:styleLbl name="sibTrans1D1">
+    <dgm:scene3d>
+      <a:camera prst="orthographicFront"/>
+      <a:lightRig rig="threePt" dir="t"/>
+    </dgm:scene3d>
+    <dgm:sp3d/>
+    <dgm:txPr/>
+    <dgm:style>
+      <a:lnRef idx="1">
+        <a:scrgbClr r="0" g="0" b="0"/>
+      </a:lnRef>
+      <a:fillRef idx="0">
+        <a:scrgbClr r="0" g="0" b="0"/>
+      </a:fillRef>
+      <a:effectRef idx="0">
+        <a:scrgbClr r="0" g="0" b="0"/>
+      </a:effectRef>
+      <a:fontRef idx="minor"/>
+    </dgm:style>
+  </dgm:styleLbl>
+  <dgm:styleLbl name="callout">
+    <dgm:scene3d>
+      <a:camera prst="orthographicFront"/>
+      <a:lightRig rig="threePt" dir="t"/>
+    </dgm:scene3d>
+    <dgm:sp3d/>
+    <dgm:txPr/>
+    <dgm:style>
+      <a:lnRef idx="2">
+        <a:scrgbClr r="0" g="0" b="0"/>
+      </a:lnRef>
+      <a:fillRef idx="1">
+        <a:scrgbClr r="0" g="0" b="0"/>
+      </a:fillRef>
+      <a:effectRef idx="0">
+        <a:scrgbClr r="0" g="0" b="0"/>
+      </a:effectRef>
+      <a:fontRef idx="minor"/>
+    </dgm:style>
+  </dgm:styleLbl>
+  <dgm:styleLbl name="asst0">
+    <dgm:scene3d>
+      <a:camera prst="orthographicFront"/>
+      <a:lightRig rig="threePt" dir="t"/>
+    </dgm:scene3d>
+    <dgm:sp3d/>
+    <dgm:txPr/>
+    <dgm:style>
+      <a:lnRef idx="2">
+        <a:scrgbClr r="0" g="0" b="0"/>
+      </a:lnRef>
+      <a:fillRef idx="1">
+        <a:scrgbClr r="0" g="0" b="0"/>
+      </a:fillRef>
+      <a:effectRef idx="0">
+        <a:scrgbClr r="0" g="0" b="0"/>
+      </a:effectRef>
+      <a:fontRef idx="minor">
+        <a:schemeClr val="lt1"/>
+      </a:fontRef>
+    </dgm:style>
+  </dgm:styleLbl>
+  <dgm:styleLbl name="asst1">
+    <dgm:scene3d>
+      <a:camera prst="orthographicFront"/>
+      <a:lightRig rig="threePt" dir="t"/>
+    </dgm:scene3d>
+    <dgm:sp3d/>
+    <dgm:txPr/>
+    <dgm:style>
+      <a:lnRef idx="2">
+        <a:scrgbClr r="0" g="0" b="0"/>
+      </a:lnRef>
+      <a:fillRef idx="1">
+        <a:scrgbClr r="0" g="0" b="0"/>
+      </a:fillRef>
+      <a:effectRef idx="0">
+        <a:scrgbClr r="0" g="0" b="0"/>
+      </a:effectRef>
+      <a:fontRef idx="minor">
+        <a:schemeClr val="lt1"/>
+      </a:fontRef>
+    </dgm:style>
+  </dgm:styleLbl>
+  <dgm:styleLbl name="asst2">
+    <dgm:scene3d>
+      <a:camera prst="orthographicFront"/>
+      <a:lightRig rig="threePt" dir="t"/>
+    </dgm:scene3d>
+    <dgm:sp3d/>
+    <dgm:txPr/>
+    <dgm:style>
+      <a:lnRef idx="2">
+        <a:scrgbClr r="0" g="0" b="0"/>
+      </a:lnRef>
+      <a:fillRef idx="1">
+        <a:scrgbClr r="0" g="0" b="0"/>
+      </a:fillRef>
+      <a:effectRef idx="0">
+        <a:scrgbClr r="0" g="0" b="0"/>
+      </a:effectRef>
+      <a:fontRef idx="minor">
+        <a:schemeClr val="lt1"/>
+      </a:fontRef>
+    </dgm:style>
+  </dgm:styleLbl>
+  <dgm:styleLbl name="asst3">
+    <dgm:scene3d>
+      <a:camera prst="orthographicFront"/>
+      <a:lightRig rig="threePt" dir="t"/>
+    </dgm:scene3d>
+    <dgm:sp3d/>
+    <dgm:txPr/>
+    <dgm:style>
+      <a:lnRef idx="2">
+        <a:scrgbClr r="0" g="0" b="0"/>
+      </a:lnRef>
+      <a:fillRef idx="1">
+        <a:scrgbClr r="0" g="0" b="0"/>
+      </a:fillRef>
+      <a:effectRef idx="0">
+        <a:scrgbClr r="0" g="0" b="0"/>
+      </a:effectRef>
+      <a:fontRef idx="minor">
+        <a:schemeClr val="lt1"/>
+      </a:fontRef>
+    </dgm:style>
+  </dgm:styleLbl>
+  <dgm:styleLbl name="asst4">
+    <dgm:scene3d>
+      <a:camera prst="orthographicFront"/>
+      <a:lightRig rig="threePt" dir="t"/>
+    </dgm:scene3d>
+    <dgm:sp3d/>
+    <dgm:txPr/>
+    <dgm:style>
+      <a:lnRef idx="2">
+        <a:scrgbClr r="0" g="0" b="0"/>
+      </a:lnRef>
+      <a:fillRef idx="1">
+        <a:scrgbClr r="0" g="0" b="0"/>
+      </a:fillRef>
+      <a:effectRef idx="0">
+        <a:scrgbClr r="0" g="0" b="0"/>
+      </a:effectRef>
+      <a:fontRef idx="minor">
+        <a:schemeClr val="lt1"/>
+      </a:fontRef>
+    </dgm:style>
+  </dgm:styleLbl>
+  <dgm:styleLbl name="parChTrans2D1">
+    <dgm:scene3d>
+      <a:camera prst="orthographicFront"/>
+      <a:lightRig rig="threePt" dir="t"/>
+    </dgm:scene3d>
+    <dgm:sp3d/>
+    <dgm:txPr/>
+    <dgm:style>
+      <a:lnRef idx="2">
+        <a:scrgbClr r="0" g="0" b="0"/>
+      </a:lnRef>
+      <a:fillRef idx="1">
+        <a:scrgbClr r="0" g="0" b="0"/>
+      </a:fillRef>
+      <a:effectRef idx="0">
+        <a:scrgbClr r="0" g="0" b="0"/>
+      </a:effectRef>
+      <a:fontRef idx="minor">
+        <a:schemeClr val="lt1"/>
+      </a:fontRef>
+    </dgm:style>
+  </dgm:styleLbl>
+  <dgm:styleLbl name="parChTrans2D2">
+    <dgm:scene3d>
+      <a:camera prst="orthographicFront"/>
+      <a:lightRig rig="threePt" dir="t"/>
+    </dgm:scene3d>
+    <dgm:sp3d/>
+    <dgm:txPr/>
+    <dgm:style>
+      <a:lnRef idx="2">
+        <a:scrgbClr r="0" g="0" b="0"/>
+      </a:lnRef>
+      <a:fillRef idx="1">
+        <a:scrgbClr r="0" g="0" b="0"/>
+      </a:fillRef>
+      <a:effectRef idx="0">
+        <a:scrgbClr r="0" g="0" b="0"/>
+      </a:effectRef>
+      <a:fontRef idx="minor">
+        <a:schemeClr val="lt1"/>
+      </a:fontRef>
+    </dgm:style>
+  </dgm:styleLbl>
+  <dgm:styleLbl name="parChTrans2D3">
+    <dgm:scene3d>
+      <a:camera prst="orthographicFront"/>
+      <a:lightRig rig="threePt" dir="t"/>
+    </dgm:scene3d>
+    <dgm:sp3d/>
+    <dgm:txPr/>
+    <dgm:style>
+      <a:lnRef idx="2">
+        <a:scrgbClr r="0" g="0" b="0"/>
+      </a:lnRef>
+      <a:fillRef idx="1">
+        <a:scrgbClr r="0" g="0" b="0"/>
+      </a:fillRef>
+      <a:effectRef idx="0">
+        <a:scrgbClr r="0" g="0" b="0"/>
+      </a:effectRef>
+      <a:fontRef idx="minor">
+        <a:schemeClr val="lt1"/>
+      </a:fontRef>
+    </dgm:style>
+  </dgm:styleLbl>
+  <dgm:styleLbl name="parChTrans2D4">
+    <dgm:scene3d>
+      <a:camera prst="orthographicFront"/>
+      <a:lightRig rig="threePt" dir="t"/>
+    </dgm:scene3d>
+    <dgm:sp3d/>
+    <dgm:txPr/>
+    <dgm:style>
+      <a:lnRef idx="2">
+        <a:scrgbClr r="0" g="0" b="0"/>
+      </a:lnRef>
+      <a:fillRef idx="1">
+        <a:scrgbClr r="0" g="0" b="0"/>
+      </a:fillRef>
+      <a:effectRef idx="0">
+        <a:scrgbClr r="0" g="0" b="0"/>
+      </a:effectRef>
+      <a:fontRef idx="minor">
+        <a:schemeClr val="lt1"/>
+      </a:fontRef>
+    </dgm:style>
+  </dgm:styleLbl>
+  <dgm:styleLbl name="parChTrans1D1">
+    <dgm:scene3d>
+      <a:camera prst="orthographicFront"/>
+      <a:lightRig rig="threePt" dir="t"/>
+    </dgm:scene3d>
+    <dgm:sp3d/>
+    <dgm:txPr/>
+    <dgm:style>
+      <a:lnRef idx="2">
+        <a:scrgbClr r="0" g="0" b="0"/>
+      </a:lnRef>
+      <a:fillRef idx="0">
+        <a:scrgbClr r="0" g="0" b="0"/>
+      </a:fillRef>
+      <a:effectRef idx="0">
+        <a:scrgbClr r="0" g="0" b="0"/>
+      </a:effectRef>
+      <a:fontRef idx="minor"/>
+    </dgm:style>
+  </dgm:styleLbl>
+  <dgm:styleLbl name="parChTrans1D2">
+    <dgm:scene3d>
+      <a:camera prst="orthographicFront"/>
+      <a:lightRig rig="threePt" dir="t"/>
+    </dgm:scene3d>
+    <dgm:sp3d/>
+    <dgm:txPr/>
+    <dgm:style>
+      <a:lnRef idx="2">
+        <a:scrgbClr r="0" g="0" b="0"/>
+      </a:lnRef>
+      <a:fillRef idx="0">
+        <a:scrgbClr r="0" g="0" b="0"/>
+      </a:fillRef>
+      <a:effectRef idx="0">
+        <a:scrgbClr r="0" g="0" b="0"/>
+      </a:effectRef>
+      <a:fontRef idx="minor"/>
+    </dgm:style>
+  </dgm:styleLbl>
+  <dgm:styleLbl name="parChTrans1D3">
+    <dgm:scene3d>
+      <a:camera prst="orthographicFront"/>
+      <a:lightRig rig="threePt" dir="t"/>
+    </dgm:scene3d>
+    <dgm:sp3d/>
+    <dgm:txPr/>
+    <dgm:style>
+      <a:lnRef idx="2">
+        <a:scrgbClr r="0" g="0" b="0"/>
+      </a:lnRef>
+      <a:fillRef idx="0">
+        <a:scrgbClr r="0" g="0" b="0"/>
+      </a:fillRef>
+      <a:effectRef idx="0">
+        <a:scrgbClr r="0" g="0" b="0"/>
+      </a:effectRef>
+      <a:fontRef idx="minor"/>
+    </dgm:style>
+  </dgm:styleLbl>
+  <dgm:styleLbl name="parChTrans1D4">
+    <dgm:scene3d>
+      <a:camera prst="orthographicFront"/>
+      <a:lightRig rig="threePt" dir="t"/>
+    </dgm:scene3d>
+    <dgm:sp3d/>
+    <dgm:txPr/>
+    <dgm:style>
+      <a:lnRef idx="2">
+        <a:scrgbClr r="0" g="0" b="0"/>
+      </a:lnRef>
+      <a:fillRef idx="0">
+        <a:scrgbClr r="0" g="0" b="0"/>
+      </a:fillRef>
+      <a:effectRef idx="0">
+        <a:scrgbClr r="0" g="0" b="0"/>
+      </a:effectRef>
+      <a:fontRef idx="minor"/>
+    </dgm:style>
+  </dgm:styleLbl>
+  <dgm:styleLbl name="fgAcc1">
+    <dgm:scene3d>
+      <a:camera prst="orthographicFront"/>
+      <a:lightRig rig="threePt" dir="t"/>
+    </dgm:scene3d>
+    <dgm:sp3d/>
+    <dgm:txPr/>
+    <dgm:style>
+      <a:lnRef idx="2">
+        <a:scrgbClr r="0" g="0" b="0"/>
+      </a:lnRef>
+      <a:fillRef idx="1">
+        <a:scrgbClr r="0" g="0" b="0"/>
+      </a:fillRef>
+      <a:effectRef idx="0">
+        <a:scrgbClr r="0" g="0" b="0"/>
+      </a:effectRef>
+      <a:fontRef idx="minor"/>
+    </dgm:style>
+  </dgm:styleLbl>
+  <dgm:styleLbl name="conFgAcc1">
+    <dgm:scene3d>
+      <a:camera prst="orthographicFront"/>
+      <a:lightRig rig="threePt" dir="t"/>
+    </dgm:scene3d>
+    <dgm:sp3d/>
+    <dgm:txPr/>
+    <dgm:style>
+      <a:lnRef idx="2">
+        <a:scrgbClr r="0" g="0" b="0"/>
+      </a:lnRef>
+      <a:fillRef idx="1">
+        <a:scrgbClr r="0" g="0" b="0"/>
+      </a:fillRef>
+      <a:effectRef idx="0">
+        <a:scrgbClr r="0" g="0" b="0"/>
+      </a:effectRef>
+      <a:fontRef idx="minor"/>
+    </dgm:style>
+  </dgm:styleLbl>
+  <dgm:styleLbl name="alignAcc1">
+    <dgm:scene3d>
+      <a:camera prst="orthographicFront"/>
+      <a:lightRig rig="threePt" dir="t"/>
+    </dgm:scene3d>
+    <dgm:sp3d/>
+    <dgm:txPr/>
+    <dgm:style>
+      <a:lnRef idx="2">
+        <a:scrgbClr r="0" g="0" b="0"/>
+      </a:lnRef>
+      <a:fillRef idx="1">
+        <a:scrgbClr r="0" g="0" b="0"/>
+      </a:fillRef>
+      <a:effectRef idx="0">
+        <a:scrgbClr r="0" g="0" b="0"/>
+      </a:effectRef>
+      <a:fontRef idx="minor"/>
+    </dgm:style>
+  </dgm:styleLbl>
+  <dgm:styleLbl name="trAlignAcc1">
+    <dgm:scene3d>
+      <a:camera prst="orthographicFront"/>
+      <a:lightRig rig="threePt" dir="t"/>
+    </dgm:scene3d>
+    <dgm:sp3d/>
+    <dgm:txPr/>
+    <dgm:style>
+      <a:lnRef idx="1">
+        <a:scrgbClr r="0" g="0" b="0"/>
+      </a:lnRef>
+      <a:fillRef idx="1">
+        <a:scrgbClr r="0" g="0" b="0"/>
+      </a:fillRef>
+      <a:effectRef idx="0">
+        <a:scrgbClr r="0" g="0" b="0"/>
+      </a:effectRef>
+      <a:fontRef idx="minor"/>
+    </dgm:style>
+  </dgm:styleLbl>
+  <dgm:styleLbl name="bgAcc1">
+    <dgm:scene3d>
+      <a:camera prst="orthographicFront"/>
+      <a:lightRig rig="threePt" dir="t"/>
+    </dgm:scene3d>
+    <dgm:sp3d/>
+    <dgm:txPr/>
+    <dgm:style>
+      <a:lnRef idx="2">
+        <a:scrgbClr r="0" g="0" b="0"/>
+      </a:lnRef>
+      <a:fillRef idx="1">
+        <a:scrgbClr r="0" g="0" b="0"/>
+      </a:fillRef>
+      <a:effectRef idx="0">
+        <a:scrgbClr r="0" g="0" b="0"/>
+      </a:effectRef>
+      <a:fontRef idx="minor"/>
+    </dgm:style>
+  </dgm:styleLbl>
+  <dgm:styleLbl name="solidFgAcc1">
+    <dgm:scene3d>
+      <a:camera prst="orthographicFront"/>
+      <a:lightRig rig="threePt" dir="t"/>
+    </dgm:scene3d>
+    <dgm:sp3d/>
+    <dgm:txPr/>
+    <dgm:style>
+      <a:lnRef idx="2">
+        <a:scrgbClr r="0" g="0" b="0"/>
+      </a:lnRef>
+      <a:fillRef idx="1">
+        <a:scrgbClr r="0" g="0" b="0"/>
+      </a:fillRef>
+      <a:effectRef idx="0">
+        <a:scrgbClr r="0" g="0" b="0"/>
+      </a:effectRef>
+      <a:fontRef idx="minor"/>
+    </dgm:style>
+  </dgm:styleLbl>
+  <dgm:styleLbl name="solidAlignAcc1">
+    <dgm:scene3d>
+      <a:camera prst="orthographicFront"/>
+      <a:lightRig rig="threePt" dir="t"/>
+    </dgm:scene3d>
+    <dgm:sp3d/>
+    <dgm:txPr/>
+    <dgm:style>
+      <a:lnRef idx="2">
+        <a:scrgbClr r="0" g="0" b="0"/>
+      </a:lnRef>
+      <a:fillRef idx="1">
+        <a:scrgbClr r="0" g="0" b="0"/>
+      </a:fillRef>
+      <a:effectRef idx="0">
+        <a:scrgbClr r="0" g="0" b="0"/>
+      </a:effectRef>
+      <a:fontRef idx="minor"/>
+    </dgm:style>
+  </dgm:styleLbl>
+  <dgm:styleLbl name="solidBgAcc1">
+    <dgm:scene3d>
+      <a:camera prst="orthographicFront"/>
+      <a:lightRig rig="threePt" dir="t"/>
+    </dgm:scene3d>
+    <dgm:sp3d/>
+    <dgm:txPr/>
+    <dgm:style>
+      <a:lnRef idx="2">
+        <a:scrgbClr r="0" g="0" b="0"/>
+      </a:lnRef>
+      <a:fillRef idx="1">
+        <a:scrgbClr r="0" g="0" b="0"/>
+      </a:fillRef>
+      <a:effectRef idx="0">
+        <a:scrgbClr r="0" g="0" b="0"/>
+      </a:effectRef>
+      <a:fontRef idx="minor"/>
+    </dgm:style>
+  </dgm:styleLbl>
+  <dgm:styleLbl name="fgAccFollowNode1">
+    <dgm:scene3d>
+      <a:camera prst="orthographicFront"/>
+      <a:lightRig rig="threePt" dir="t"/>
+    </dgm:scene3d>
+    <dgm:sp3d/>
+    <dgm:txPr/>
+    <dgm:style>
+      <a:lnRef idx="2">
+        <a:scrgbClr r="0" g="0" b="0"/>
+      </a:lnRef>
+      <a:fillRef idx="1">
+        <a:scrgbClr r="0" g="0" b="0"/>
+      </a:fillRef>
+      <a:effectRef idx="0">
+        <a:scrgbClr r="0" g="0" b="0"/>
+      </a:effectRef>
+      <a:fontRef idx="minor"/>
+    </dgm:style>
+  </dgm:styleLbl>
+  <dgm:styleLbl name="alignAccFollowNode1">
+    <dgm:scene3d>
+      <a:camera prst="orthographicFront"/>
+      <a:lightRig rig="threePt" dir="t"/>
+    </dgm:scene3d>
+    <dgm:sp3d/>
+    <dgm:txPr/>
+    <dgm:style>
+      <a:lnRef idx="2">
+        <a:scrgbClr r="0" g="0" b="0"/>
+      </a:lnRef>
+      <a:fillRef idx="1">
+        <a:scrgbClr r="0" g="0" b="0"/>
+      </a:fillRef>
+      <a:effectRef idx="0">
+        <a:scrgbClr r="0" g="0" b="0"/>
+      </a:effectRef>
+      <a:fontRef idx="minor"/>
+    </dgm:style>
+  </dgm:styleLbl>
+  <dgm:styleLbl name="bgAccFollowNode1">
+    <dgm:scene3d>
+      <a:camera prst="orthographicFront"/>
+      <a:lightRig rig="threePt" dir="t"/>
+    </dgm:scene3d>
+    <dgm:sp3d/>
+    <dgm:txPr/>
+    <dgm:style>
+      <a:lnRef idx="2">
+        <a:scrgbClr r="0" g="0" b="0"/>
+      </a:lnRef>
+      <a:fillRef idx="1">
+        <a:scrgbClr r="0" g="0" b="0"/>
+      </a:fillRef>
+      <a:effectRef idx="0">
+        <a:scrgbClr r="0" g="0" b="0"/>
+      </a:effectRef>
+      <a:fontRef idx="minor"/>
+    </dgm:style>
+  </dgm:styleLbl>
+  <dgm:styleLbl name="fgAcc0">
+    <dgm:scene3d>
+      <a:camera prst="orthographicFront"/>
+      <a:lightRig rig="threePt" dir="t"/>
+    </dgm:scene3d>
+    <dgm:sp3d/>
+    <dgm:txPr/>
+    <dgm:style>
+      <a:lnRef idx="2">
+        <a:scrgbClr r="0" g="0" b="0"/>
+      </a:lnRef>
+      <a:fillRef idx="1">
+        <a:scrgbClr r="0" g="0" b="0"/>
+      </a:fillRef>
+      <a:effectRef idx="0">
+        <a:scrgbClr r="0" g="0" b="0"/>
+      </a:effectRef>
+      <a:fontRef idx="minor"/>
+    </dgm:style>
+  </dgm:styleLbl>
+  <dgm:styleLbl name="fgAcc2">
+    <dgm:scene3d>
+      <a:camera prst="orthographicFront"/>
+      <a:lightRig rig="threePt" dir="t"/>
+    </dgm:scene3d>
+    <dgm:sp3d/>
+    <dgm:txPr/>
+    <dgm:style>
+      <a:lnRef idx="2">
+        <a:scrgbClr r="0" g="0" b="0"/>
+      </a:lnRef>
+      <a:fillRef idx="1">
+        <a:scrgbClr r="0" g="0" b="0"/>
+      </a:fillRef>
+      <a:effectRef idx="0">
+        <a:scrgbClr r="0" g="0" b="0"/>
+      </a:effectRef>
+      <a:fontRef idx="minor"/>
+    </dgm:style>
+  </dgm:styleLbl>
+  <dgm:styleLbl name="fgAcc3">
+    <dgm:scene3d>
+      <a:camera prst="orthographicFront"/>
+      <a:lightRig rig="threePt" dir="t"/>
+    </dgm:scene3d>
+    <dgm:sp3d/>
+    <dgm:txPr/>
+    <dgm:style>
+      <a:lnRef idx="2">
+        <a:scrgbClr r="0" g="0" b="0"/>
+      </a:lnRef>
+      <a:fillRef idx="1">
+        <a:scrgbClr r="0" g="0" b="0"/>
+      </a:fillRef>
+      <a:effectRef idx="0">
+        <a:scrgbClr r="0" g="0" b="0"/>
+      </a:effectRef>
+      <a:fontRef idx="minor"/>
+    </dgm:style>
+  </dgm:styleLbl>
+  <dgm:styleLbl name="fgAcc4">
+    <dgm:scene3d>
+      <a:camera prst="orthographicFront"/>
+      <a:lightRig rig="threePt" dir="t"/>
+    </dgm:scene3d>
+    <dgm:sp3d/>
+    <dgm:txPr/>
+    <dgm:style>
+      <a:lnRef idx="2">
+        <a:scrgbClr r="0" g="0" b="0"/>
+      </a:lnRef>
+      <a:fillRef idx="1">
+        <a:scrgbClr r="0" g="0" b="0"/>
+      </a:fillRef>
+      <a:effectRef idx="0">
+        <a:scrgbClr r="0" g="0" b="0"/>
+      </a:effectRef>
+      <a:fontRef idx="minor"/>
+    </dgm:style>
+  </dgm:styleLbl>
+  <dgm:styleLbl name="bgShp">
+    <dgm:scene3d>
+      <a:camera prst="orthographicFront"/>
+      <a:lightRig rig="threePt" dir="t"/>
+    </dgm:scene3d>
+    <dgm:sp3d/>
+    <dgm:txPr/>
+    <dgm:style>
+      <a:lnRef idx="0">
+        <a:scrgbClr r="0" g="0" b="0"/>
+      </a:lnRef>
+      <a:fillRef idx="1">
+        <a:scrgbClr r="0" g="0" b="0"/>
+      </a:fillRef>
+      <a:effectRef idx="0">
+        <a:scrgbClr r="0" g="0" b="0"/>
+      </a:effectRef>
+      <a:fontRef idx="minor"/>
+    </dgm:style>
+  </dgm:styleLbl>
+  <dgm:styleLbl name="dkBgShp">
+    <dgm:scene3d>
+      <a:camera prst="orthographicFront"/>
+      <a:lightRig rig="threePt" dir="t"/>
+    </dgm:scene3d>
+    <dgm:sp3d/>
+    <dgm:txPr/>
+    <dgm:style>
+      <a:lnRef idx="0">
+        <a:scrgbClr r="0" g="0" b="0"/>
+      </a:lnRef>
+      <a:fillRef idx="1">
+        <a:scrgbClr r="0" g="0" b="0"/>
+      </a:fillRef>
+      <a:effectRef idx="0">
+        <a:scrgbClr r="0" g="0" b="0"/>
+      </a:effectRef>
+      <a:fontRef idx="minor"/>
+    </dgm:style>
+  </dgm:styleLbl>
+  <dgm:styleLbl name="trBgShp">
+    <dgm:scene3d>
+      <a:camera prst="orthographicFront"/>
+      <a:lightRig rig="threePt" dir="t"/>
+    </dgm:scene3d>
+    <dgm:sp3d/>
+    <dgm:txPr/>
+    <dgm:style>
+      <a:lnRef idx="0">
+        <a:scrgbClr r="0" g="0" b="0"/>
+      </a:lnRef>
+      <a:fillRef idx="1">
+        <a:scrgbClr r="0" g="0" b="0"/>
+      </a:fillRef>
+      <a:effectRef idx="0">
+        <a:scrgbClr r="0" g="0" b="0"/>
+      </a:effectRef>
+      <a:fontRef idx="minor"/>
+    </dgm:style>
+  </dgm:styleLbl>
+  <dgm:styleLbl name="fgShp">
+    <dgm:scene3d>
+      <a:camera prst="orthographicFront"/>
+      <a:lightRig rig="threePt" dir="t"/>
+    </dgm:scene3d>
+    <dgm:sp3d/>
+    <dgm:txPr/>
+    <dgm:style>
+      <a:lnRef idx="2">
+        <a:scrgbClr r="0" g="0" b="0"/>
+      </a:lnRef>
+      <a:fillRef idx="1">
+        <a:scrgbClr r="0" g="0" b="0"/>
+      </a:fillRef>
+      <a:effectRef idx="0">
+        <a:scrgbClr r="0" g="0" b="0"/>
+      </a:effectRef>
+      <a:fontRef idx="minor"/>
+    </dgm:style>
+  </dgm:styleLbl>
+  <dgm:styleLbl name="revTx">
+    <dgm:scene3d>
+      <a:camera prst="orthographicFront"/>
+      <a:lightRig rig="threePt" dir="t"/>
+    </dgm:scene3d>
+    <dgm:sp3d/>
+    <dgm:txPr/>
+    <dgm:style>
+      <a:lnRef idx="0">
+        <a:scrgbClr r="0" g="0" b="0"/>
+      </a:lnRef>
+      <a:fillRef idx="0">
+        <a:scrgbClr r="0" g="0" b="0"/>
+      </a:fillRef>
+      <a:effectRef idx="0">
+        <a:scrgbClr r="0" g="0" b="0"/>
+      </a:effectRef>
+      <a:fontRef idx="minor"/>
+    </dgm:style>
+  </dgm:styleLbl>
+</dgm:styleDef>
 </file>
 
 <file path=ppt/handoutMasters/handoutMaster1.xml><?xml version="1.0" encoding="utf-8"?>
@@ -656,6 +7660,535 @@
     </a:lvl9pPr>
   </p:notesStyle>
 </p:notesMaster>
+</file>
+
+<file path=ppt/notesSlides/notesSlide1.xml><?xml version="1.0" encoding="utf-8"?>
+<p:notes xmlns:a="http://schemas.openxmlformats.org/drawingml/2006/main" xmlns:r="http://schemas.openxmlformats.org/officeDocument/2006/relationships" xmlns:p="http://schemas.openxmlformats.org/presentationml/2006/main">
+  <p:cSld>
+    <p:spTree>
+      <p:nvGrpSpPr>
+        <p:cNvPr id="1" name=""/>
+        <p:cNvGrpSpPr/>
+        <p:nvPr/>
+      </p:nvGrpSpPr>
+      <p:grpSpPr>
+        <a:xfrm>
+          <a:off x="0" y="0"/>
+          <a:ext cx="0" cy="0"/>
+          <a:chOff x="0" y="0"/>
+          <a:chExt cx="0" cy="0"/>
+        </a:xfrm>
+      </p:grpSpPr>
+      <p:sp>
+        <p:nvSpPr>
+          <p:cNvPr id="2" name="Folienbildplatzhalter 1"/>
+          <p:cNvSpPr>
+            <a:spLocks noGrp="1" noRot="1" noChangeAspect="1"/>
+          </p:cNvSpPr>
+          <p:nvPr>
+            <p:ph type="sldImg"/>
+          </p:nvPr>
+        </p:nvSpPr>
+        <p:spPr/>
+      </p:sp>
+      <p:sp>
+        <p:nvSpPr>
+          <p:cNvPr id="3" name="Notizenplatzhalter 2"/>
+          <p:cNvSpPr>
+            <a:spLocks noGrp="1"/>
+          </p:cNvSpPr>
+          <p:nvPr>
+            <p:ph type="body" idx="1"/>
+          </p:nvPr>
+        </p:nvSpPr>
+        <p:spPr/>
+        <p:txBody>
+          <a:bodyPr/>
+          <a:lstStyle/>
+          <a:p>
+            <a:r>
+              <a:rPr lang="de-DE" dirty="0"/>
+              <a:t>Gleichzeige Verwendung: Es müssen lediglich zwei Dateien bearbeitet werden</a:t>
+            </a:r>
+          </a:p>
+          <a:p>
+            <a:r>
+              <a:rPr lang="de-DE" dirty="0"/>
+              <a:t>Bzw. unkommentiert werden. </a:t>
+            </a:r>
+          </a:p>
+          <a:p>
+            <a:r>
+              <a:rPr lang="de-DE" dirty="0"/>
+              <a:t>HDMI &amp; Touch </a:t>
+            </a:r>
+            <a:r>
+              <a:rPr lang="de-DE" dirty="0">
+                <a:sym typeface="Wingdings" panose="05000000000000000000" pitchFamily="2" charset="2"/>
+              </a:rPr>
+              <a:t> Touch hat Auflösung von Monitor oder Monitor hat Auflösung</a:t>
+            </a:r>
+          </a:p>
+          <a:p>
+            <a:r>
+              <a:rPr lang="de-DE" dirty="0">
+                <a:sym typeface="Wingdings" panose="05000000000000000000" pitchFamily="2" charset="2"/>
+              </a:rPr>
+              <a:t>Von Touch</a:t>
+            </a:r>
+          </a:p>
+        </p:txBody>
+      </p:sp>
+      <p:sp>
+        <p:nvSpPr>
+          <p:cNvPr id="4" name="Foliennummernplatzhalter 3"/>
+          <p:cNvSpPr>
+            <a:spLocks noGrp="1"/>
+          </p:cNvSpPr>
+          <p:nvPr>
+            <p:ph type="sldNum" sz="quarter" idx="10"/>
+          </p:nvPr>
+        </p:nvSpPr>
+        <p:spPr/>
+        <p:txBody>
+          <a:bodyPr/>
+          <a:lstStyle/>
+          <a:p>
+            <a:fld id="{B88642E4-BB48-400A-ABBD-2D60BB3E5194}" type="slidenum">
+              <a:rPr lang="de-DE" smtClean="0"/>
+              <a:t>1</a:t>
+            </a:fld>
+            <a:endParaRPr lang="de-DE"/>
+          </a:p>
+        </p:txBody>
+      </p:sp>
+    </p:spTree>
+    <p:extLst>
+      <p:ext uri="{BB962C8B-B14F-4D97-AF65-F5344CB8AC3E}">
+        <p14:creationId xmlns:p14="http://schemas.microsoft.com/office/powerpoint/2010/main" val="3790930925"/>
+      </p:ext>
+    </p:extLst>
+  </p:cSld>
+  <p:clrMapOvr>
+    <a:masterClrMapping/>
+  </p:clrMapOvr>
+</p:notes>
+</file>
+
+<file path=ppt/notesSlides/notesSlide2.xml><?xml version="1.0" encoding="utf-8"?>
+<p:notes xmlns:a="http://schemas.openxmlformats.org/drawingml/2006/main" xmlns:r="http://schemas.openxmlformats.org/officeDocument/2006/relationships" xmlns:p="http://schemas.openxmlformats.org/presentationml/2006/main">
+  <p:cSld>
+    <p:spTree>
+      <p:nvGrpSpPr>
+        <p:cNvPr id="1" name=""/>
+        <p:cNvGrpSpPr/>
+        <p:nvPr/>
+      </p:nvGrpSpPr>
+      <p:grpSpPr>
+        <a:xfrm>
+          <a:off x="0" y="0"/>
+          <a:ext cx="0" cy="0"/>
+          <a:chOff x="0" y="0"/>
+          <a:chExt cx="0" cy="0"/>
+        </a:xfrm>
+      </p:grpSpPr>
+      <p:sp>
+        <p:nvSpPr>
+          <p:cNvPr id="2" name="Folienbildplatzhalter 1"/>
+          <p:cNvSpPr>
+            <a:spLocks noGrp="1" noRot="1" noChangeAspect="1"/>
+          </p:cNvSpPr>
+          <p:nvPr>
+            <p:ph type="sldImg"/>
+          </p:nvPr>
+        </p:nvSpPr>
+        <p:spPr/>
+      </p:sp>
+      <p:sp>
+        <p:nvSpPr>
+          <p:cNvPr id="3" name="Notizenplatzhalter 2"/>
+          <p:cNvSpPr>
+            <a:spLocks noGrp="1"/>
+          </p:cNvSpPr>
+          <p:nvPr>
+            <p:ph type="body" idx="1"/>
+          </p:nvPr>
+        </p:nvSpPr>
+        <p:spPr/>
+        <p:txBody>
+          <a:bodyPr/>
+          <a:lstStyle/>
+          <a:p>
+            <a:r>
+              <a:rPr lang="de-DE" dirty="0"/>
+              <a:t>Port öffnen:		</a:t>
+            </a:r>
+            <a:r>
+              <a:rPr lang="de-DE" dirty="0" err="1"/>
+              <a:t>usleep</a:t>
+            </a:r>
+            <a:r>
+              <a:rPr lang="de-DE" dirty="0"/>
+              <a:t> (200000) </a:t>
+            </a:r>
+            <a:r>
+              <a:rPr lang="de-DE" dirty="0">
+                <a:sym typeface="Wingdings" panose="05000000000000000000" pitchFamily="2" charset="2"/>
+              </a:rPr>
+              <a:t></a:t>
+            </a:r>
+            <a:r>
+              <a:rPr lang="de-DE" dirty="0"/>
+              <a:t> warten für 20 Millisekunden</a:t>
+            </a:r>
+          </a:p>
+          <a:p>
+            <a:r>
+              <a:rPr lang="de-DE" dirty="0"/>
+              <a:t>Port konfigurieren: 	Baudrate für Lesen und Schreiben setzen </a:t>
+            </a:r>
+            <a:r>
+              <a:rPr lang="de-DE" dirty="0">
+                <a:sym typeface="Wingdings" panose="05000000000000000000" pitchFamily="2" charset="2"/>
+              </a:rPr>
+              <a:t> muss mit Arduino übereinstimmen</a:t>
+            </a:r>
+          </a:p>
+          <a:p>
+            <a:r>
+              <a:rPr lang="de-DE" dirty="0">
+                <a:sym typeface="Wingdings" panose="05000000000000000000" pitchFamily="2" charset="2"/>
+              </a:rPr>
+              <a:t>Auf Arduino warten:	</a:t>
+            </a:r>
+            <a:r>
+              <a:rPr lang="de-DE" dirty="0" err="1">
+                <a:sym typeface="Wingdings" panose="05000000000000000000" pitchFamily="2" charset="2"/>
+              </a:rPr>
+              <a:t>sleep</a:t>
+            </a:r>
+            <a:r>
+              <a:rPr lang="de-DE" dirty="0">
+                <a:sym typeface="Wingdings" panose="05000000000000000000" pitchFamily="2" charset="2"/>
+              </a:rPr>
+              <a:t>(3)  für 3 Sekunden warten weil Arduino neu startet</a:t>
+            </a:r>
+            <a:endParaRPr lang="de-DE" dirty="0"/>
+          </a:p>
+        </p:txBody>
+      </p:sp>
+      <p:sp>
+        <p:nvSpPr>
+          <p:cNvPr id="4" name="Foliennummernplatzhalter 3"/>
+          <p:cNvSpPr>
+            <a:spLocks noGrp="1"/>
+          </p:cNvSpPr>
+          <p:nvPr>
+            <p:ph type="sldNum" sz="quarter" idx="10"/>
+          </p:nvPr>
+        </p:nvSpPr>
+        <p:spPr/>
+        <p:txBody>
+          <a:bodyPr/>
+          <a:lstStyle/>
+          <a:p>
+            <a:fld id="{B88642E4-BB48-400A-ABBD-2D60BB3E5194}" type="slidenum">
+              <a:rPr lang="de-DE" smtClean="0"/>
+              <a:t>2</a:t>
+            </a:fld>
+            <a:endParaRPr lang="de-DE"/>
+          </a:p>
+        </p:txBody>
+      </p:sp>
+    </p:spTree>
+    <p:extLst>
+      <p:ext uri="{BB962C8B-B14F-4D97-AF65-F5344CB8AC3E}">
+        <p14:creationId xmlns:p14="http://schemas.microsoft.com/office/powerpoint/2010/main" val="2487101887"/>
+      </p:ext>
+    </p:extLst>
+  </p:cSld>
+  <p:clrMapOvr>
+    <a:masterClrMapping/>
+  </p:clrMapOvr>
+</p:notes>
+</file>
+
+<file path=ppt/notesSlides/notesSlide3.xml><?xml version="1.0" encoding="utf-8"?>
+<p:notes xmlns:a="http://schemas.openxmlformats.org/drawingml/2006/main" xmlns:r="http://schemas.openxmlformats.org/officeDocument/2006/relationships" xmlns:p="http://schemas.openxmlformats.org/presentationml/2006/main">
+  <p:cSld>
+    <p:spTree>
+      <p:nvGrpSpPr>
+        <p:cNvPr id="1" name=""/>
+        <p:cNvGrpSpPr/>
+        <p:nvPr/>
+      </p:nvGrpSpPr>
+      <p:grpSpPr>
+        <a:xfrm>
+          <a:off x="0" y="0"/>
+          <a:ext cx="0" cy="0"/>
+          <a:chOff x="0" y="0"/>
+          <a:chExt cx="0" cy="0"/>
+        </a:xfrm>
+      </p:grpSpPr>
+      <p:sp>
+        <p:nvSpPr>
+          <p:cNvPr id="2" name="Folienbildplatzhalter 1"/>
+          <p:cNvSpPr>
+            <a:spLocks noGrp="1" noRot="1" noChangeAspect="1"/>
+          </p:cNvSpPr>
+          <p:nvPr>
+            <p:ph type="sldImg"/>
+          </p:nvPr>
+        </p:nvSpPr>
+        <p:spPr/>
+      </p:sp>
+      <p:sp>
+        <p:nvSpPr>
+          <p:cNvPr id="3" name="Notizenplatzhalter 2"/>
+          <p:cNvSpPr>
+            <a:spLocks noGrp="1"/>
+          </p:cNvSpPr>
+          <p:nvPr>
+            <p:ph type="body" idx="1"/>
+          </p:nvPr>
+        </p:nvSpPr>
+        <p:spPr/>
+        <p:txBody>
+          <a:bodyPr/>
+          <a:lstStyle/>
+          <a:p>
+            <a:r>
+              <a:rPr lang="de-DE" dirty="0"/>
+              <a:t>Zu 1: alle von Qt bereitgestellten Methoden sind auf jeder Plattform nutzbar</a:t>
+            </a:r>
+          </a:p>
+          <a:p>
+            <a:r>
+              <a:rPr lang="de-DE" dirty="0"/>
+              <a:t>Zu 2: Entwicklung z.B. auf Windows Rechner </a:t>
+            </a:r>
+            <a:r>
+              <a:rPr lang="de-DE" dirty="0">
+                <a:sym typeface="Wingdings" panose="05000000000000000000" pitchFamily="2" charset="2"/>
+              </a:rPr>
+              <a:t> Layout / Grundlegende Funktionalität</a:t>
+            </a:r>
+          </a:p>
+          <a:p>
+            <a:r>
+              <a:rPr lang="de-DE" dirty="0">
+                <a:sym typeface="Wingdings" panose="05000000000000000000" pitchFamily="2" charset="2"/>
+              </a:rPr>
+              <a:t>Zu 3: z.B. </a:t>
+            </a:r>
+            <a:r>
+              <a:rPr lang="de-DE" dirty="0" err="1">
+                <a:sym typeface="Wingdings" panose="05000000000000000000" pitchFamily="2" charset="2"/>
+              </a:rPr>
+              <a:t>Qstrings</a:t>
+            </a:r>
+            <a:r>
+              <a:rPr lang="de-DE" dirty="0">
+                <a:sym typeface="Wingdings" panose="05000000000000000000" pitchFamily="2" charset="2"/>
+              </a:rPr>
+              <a:t>, </a:t>
+            </a:r>
+            <a:r>
+              <a:rPr lang="de-DE" dirty="0" err="1">
+                <a:sym typeface="Wingdings" panose="05000000000000000000" pitchFamily="2" charset="2"/>
+              </a:rPr>
+              <a:t>Qlists</a:t>
+            </a:r>
+            <a:r>
+              <a:rPr lang="de-DE" dirty="0">
+                <a:sym typeface="Wingdings" panose="05000000000000000000" pitchFamily="2" charset="2"/>
+              </a:rPr>
+              <a:t>, </a:t>
+            </a:r>
+            <a:r>
+              <a:rPr lang="de-DE" dirty="0" err="1">
+                <a:sym typeface="Wingdings" panose="05000000000000000000" pitchFamily="2" charset="2"/>
+              </a:rPr>
+              <a:t>Qvector</a:t>
+            </a:r>
+            <a:endParaRPr lang="de-DE" dirty="0">
+              <a:sym typeface="Wingdings" panose="05000000000000000000" pitchFamily="2" charset="2"/>
+            </a:endParaRPr>
+          </a:p>
+          <a:p>
+            <a:r>
+              <a:rPr lang="de-DE" dirty="0">
+                <a:sym typeface="Wingdings" panose="05000000000000000000" pitchFamily="2" charset="2"/>
+              </a:rPr>
+              <a:t>Zu 4: Qt bietet den Qt Creator an  Entwicklungsumgebung mit Designer</a:t>
+            </a:r>
+          </a:p>
+          <a:p>
+            <a:r>
+              <a:rPr lang="de-DE" dirty="0">
+                <a:sym typeface="Wingdings" panose="05000000000000000000" pitchFamily="2" charset="2"/>
+              </a:rPr>
+              <a:t>         Qt Creator für alle Os verfügbar</a:t>
+            </a:r>
+          </a:p>
+          <a:p>
+            <a:r>
+              <a:rPr lang="de-DE" dirty="0">
+                <a:sym typeface="Wingdings" panose="05000000000000000000" pitchFamily="2" charset="2"/>
+              </a:rPr>
+              <a:t>         Ausgezeichnete Dokumentation und direkt enthaltene Beispiele</a:t>
+            </a:r>
+          </a:p>
+        </p:txBody>
+      </p:sp>
+      <p:sp>
+        <p:nvSpPr>
+          <p:cNvPr id="4" name="Foliennummernplatzhalter 3"/>
+          <p:cNvSpPr>
+            <a:spLocks noGrp="1"/>
+          </p:cNvSpPr>
+          <p:nvPr>
+            <p:ph type="sldNum" sz="quarter" idx="10"/>
+          </p:nvPr>
+        </p:nvSpPr>
+        <p:spPr/>
+        <p:txBody>
+          <a:bodyPr/>
+          <a:lstStyle/>
+          <a:p>
+            <a:fld id="{B88642E4-BB48-400A-ABBD-2D60BB3E5194}" type="slidenum">
+              <a:rPr lang="de-DE" smtClean="0"/>
+              <a:t>3</a:t>
+            </a:fld>
+            <a:endParaRPr lang="de-DE"/>
+          </a:p>
+        </p:txBody>
+      </p:sp>
+    </p:spTree>
+    <p:extLst>
+      <p:ext uri="{BB962C8B-B14F-4D97-AF65-F5344CB8AC3E}">
+        <p14:creationId xmlns:p14="http://schemas.microsoft.com/office/powerpoint/2010/main" val="1450765109"/>
+      </p:ext>
+    </p:extLst>
+  </p:cSld>
+  <p:clrMapOvr>
+    <a:masterClrMapping/>
+  </p:clrMapOvr>
+</p:notes>
+</file>
+
+<file path=ppt/notesSlides/notesSlide4.xml><?xml version="1.0" encoding="utf-8"?>
+<p:notes xmlns:a="http://schemas.openxmlformats.org/drawingml/2006/main" xmlns:r="http://schemas.openxmlformats.org/officeDocument/2006/relationships" xmlns:p="http://schemas.openxmlformats.org/presentationml/2006/main">
+  <p:cSld>
+    <p:spTree>
+      <p:nvGrpSpPr>
+        <p:cNvPr id="1" name=""/>
+        <p:cNvGrpSpPr/>
+        <p:nvPr/>
+      </p:nvGrpSpPr>
+      <p:grpSpPr>
+        <a:xfrm>
+          <a:off x="0" y="0"/>
+          <a:ext cx="0" cy="0"/>
+          <a:chOff x="0" y="0"/>
+          <a:chExt cx="0" cy="0"/>
+        </a:xfrm>
+      </p:grpSpPr>
+      <p:sp>
+        <p:nvSpPr>
+          <p:cNvPr id="2" name="Folienbildplatzhalter 1"/>
+          <p:cNvSpPr>
+            <a:spLocks noGrp="1" noRot="1" noChangeAspect="1"/>
+          </p:cNvSpPr>
+          <p:nvPr>
+            <p:ph type="sldImg"/>
+          </p:nvPr>
+        </p:nvSpPr>
+        <p:spPr/>
+      </p:sp>
+      <p:sp>
+        <p:nvSpPr>
+          <p:cNvPr id="3" name="Notizenplatzhalter 2"/>
+          <p:cNvSpPr>
+            <a:spLocks noGrp="1"/>
+          </p:cNvSpPr>
+          <p:nvPr>
+            <p:ph type="body" idx="1"/>
+          </p:nvPr>
+        </p:nvSpPr>
+        <p:spPr/>
+        <p:txBody>
+          <a:bodyPr/>
+          <a:lstStyle/>
+          <a:p>
+            <a:r>
+              <a:rPr lang="de-DE" dirty="0" err="1"/>
+              <a:t>emit</a:t>
+            </a:r>
+            <a:r>
+              <a:rPr lang="de-DE" dirty="0"/>
+              <a:t> schickt ein Signal an </a:t>
+            </a:r>
+            <a:r>
+              <a:rPr lang="de-DE" dirty="0" err="1"/>
+              <a:t>HomeWindow</a:t>
+            </a:r>
+            <a:endParaRPr lang="de-DE" dirty="0"/>
+          </a:p>
+          <a:p>
+            <a:r>
+              <a:rPr lang="de-DE" dirty="0" err="1"/>
+              <a:t>HomeWindow</a:t>
+            </a:r>
+            <a:r>
+              <a:rPr lang="de-DE" dirty="0"/>
+              <a:t> wartet auf Signal von </a:t>
+            </a:r>
+            <a:r>
+              <a:rPr lang="de-DE" dirty="0" err="1"/>
+              <a:t>OperationModeWidget</a:t>
+            </a:r>
+            <a:endParaRPr lang="de-DE" dirty="0"/>
+          </a:p>
+          <a:p>
+            <a:endParaRPr lang="de-DE" dirty="0"/>
+          </a:p>
+        </p:txBody>
+      </p:sp>
+      <p:sp>
+        <p:nvSpPr>
+          <p:cNvPr id="4" name="Foliennummernplatzhalter 3"/>
+          <p:cNvSpPr>
+            <a:spLocks noGrp="1"/>
+          </p:cNvSpPr>
+          <p:nvPr>
+            <p:ph type="sldNum" sz="quarter" idx="10"/>
+          </p:nvPr>
+        </p:nvSpPr>
+        <p:spPr/>
+        <p:txBody>
+          <a:bodyPr/>
+          <a:lstStyle/>
+          <a:p>
+            <a:fld id="{B88642E4-BB48-400A-ABBD-2D60BB3E5194}" type="slidenum">
+              <a:rPr lang="de-DE" smtClean="0"/>
+              <a:t>7</a:t>
+            </a:fld>
+            <a:endParaRPr lang="de-DE"/>
+          </a:p>
+        </p:txBody>
+      </p:sp>
+    </p:spTree>
+    <p:extLst>
+      <p:ext uri="{BB962C8B-B14F-4D97-AF65-F5344CB8AC3E}">
+        <p14:creationId xmlns:p14="http://schemas.microsoft.com/office/powerpoint/2010/main" val="3397866415"/>
+      </p:ext>
+    </p:extLst>
+  </p:cSld>
+  <p:clrMapOvr>
+    <a:masterClrMapping/>
+  </p:clrMapOvr>
+</p:notes>
 </file>
 
 <file path=ppt/slideLayouts/slideLayout1.xml><?xml version="1.0" encoding="utf-8"?>
@@ -6950,7 +14483,7 @@
           <p:nvPr/>
         </p:nvPicPr>
         <p:blipFill>
-          <a:blip r:embed="rId3">
+          <a:blip r:embed="rId4">
             <a:extLst>
               <a:ext uri="{28A0092B-C50C-407E-A947-70E740481C1C}">
                 <a14:useLocalDpi xmlns:a14="http://schemas.microsoft.com/office/drawing/2010/main" val="0"/>
@@ -7013,7 +14546,7 @@
           <a:p>
             <a:r>
               <a:rPr lang="de-DE" dirty="0"/>
-              <a:t>Nachteil:  - 26 der 40 verfügbaren GPIO‘s werden durch das Display beleget </a:t>
+              <a:t>Nachteil:  - 26 der 40 verfügbaren GPIO‘s werden durch das Display belegt </a:t>
             </a:r>
           </a:p>
         </p:txBody>
@@ -7031,7 +14564,7 @@
 </p:sld>
 </file>
 
-<file path=ppt/slides/slide2.xml><?xml version="1.0" encoding="utf-8"?>
+<file path=ppt/slides/slide10.xml><?xml version="1.0" encoding="utf-8"?>
 <p:sld xmlns:a="http://schemas.openxmlformats.org/drawingml/2006/main" xmlns:r="http://schemas.openxmlformats.org/officeDocument/2006/relationships" xmlns:p="http://schemas.openxmlformats.org/presentationml/2006/main">
   <p:cSld>
     <p:spTree>
@@ -7053,7 +14586,122 @@
           <p:cNvPr id="2" name="Inhaltsplatzhalter 1">
             <a:extLst>
               <a:ext uri="{FF2B5EF4-FFF2-40B4-BE49-F238E27FC236}">
-                <a16:creationId xmlns:a16="http://schemas.microsoft.com/office/drawing/2014/main" id="{0D800E2D-4520-4864-A093-C744AC44AF35}"/>
+                <a16:creationId xmlns:a16="http://schemas.microsoft.com/office/drawing/2014/main" id="{E921673F-910A-455F-8D4B-66DEC9F7CAB0}"/>
+              </a:ext>
+            </a:extLst>
+          </p:cNvPr>
+          <p:cNvSpPr>
+            <a:spLocks noGrp="1"/>
+          </p:cNvSpPr>
+          <p:nvPr>
+            <p:ph idx="1"/>
+          </p:nvPr>
+        </p:nvSpPr>
+        <p:spPr/>
+        <p:txBody>
+          <a:bodyPr/>
+          <a:lstStyle/>
+          <a:p>
+            <a:r>
+              <a:rPr lang="de-DE" dirty="0"/>
+              <a:t>TODO: Screenshot mit Werten, Wegschreiben der Daten</a:t>
+            </a:r>
+          </a:p>
+        </p:txBody>
+      </p:sp>
+      <p:sp>
+        <p:nvSpPr>
+          <p:cNvPr id="3" name="Inhaltsplatzhalter 2">
+            <a:extLst>
+              <a:ext uri="{FF2B5EF4-FFF2-40B4-BE49-F238E27FC236}">
+                <a16:creationId xmlns:a16="http://schemas.microsoft.com/office/drawing/2014/main" id="{1FC8872A-B0C3-428D-8846-E67CC3F1B19F}"/>
+              </a:ext>
+            </a:extLst>
+          </p:cNvPr>
+          <p:cNvSpPr>
+            <a:spLocks noGrp="1"/>
+          </p:cNvSpPr>
+          <p:nvPr>
+            <p:ph sz="quarter" idx="13"/>
+          </p:nvPr>
+        </p:nvSpPr>
+        <p:spPr/>
+        <p:txBody>
+          <a:bodyPr/>
+          <a:lstStyle/>
+          <a:p>
+            <a:r>
+              <a:rPr lang="de-DE" dirty="0"/>
+              <a:t>Sensorwerte</a:t>
+            </a:r>
+          </a:p>
+        </p:txBody>
+      </p:sp>
+      <p:sp>
+        <p:nvSpPr>
+          <p:cNvPr id="4" name="Fußzeilenplatzhalter 3">
+            <a:extLst>
+              <a:ext uri="{FF2B5EF4-FFF2-40B4-BE49-F238E27FC236}">
+                <a16:creationId xmlns:a16="http://schemas.microsoft.com/office/drawing/2014/main" id="{064B681A-132E-49B9-A00C-AE0F1F98B34C}"/>
+              </a:ext>
+            </a:extLst>
+          </p:cNvPr>
+          <p:cNvSpPr>
+            <a:spLocks noGrp="1"/>
+          </p:cNvSpPr>
+          <p:nvPr>
+            <p:ph type="ftr" sz="quarter" idx="3"/>
+          </p:nvPr>
+        </p:nvSpPr>
+        <p:spPr/>
+        <p:txBody>
+          <a:bodyPr/>
+          <a:lstStyle/>
+          <a:p>
+            <a:r>
+              <a:rPr lang="de-DE"/>
+              <a:t>Datenverarbeitung in der Technik</a:t>
+            </a:r>
+            <a:endParaRPr lang="de-DE" dirty="0"/>
+          </a:p>
+        </p:txBody>
+      </p:sp>
+    </p:spTree>
+    <p:extLst>
+      <p:ext uri="{BB962C8B-B14F-4D97-AF65-F5344CB8AC3E}">
+        <p14:creationId xmlns:p14="http://schemas.microsoft.com/office/powerpoint/2010/main" val="4149303702"/>
+      </p:ext>
+    </p:extLst>
+  </p:cSld>
+  <p:clrMapOvr>
+    <a:masterClrMapping/>
+  </p:clrMapOvr>
+</p:sld>
+</file>
+
+<file path=ppt/slides/slide11.xml><?xml version="1.0" encoding="utf-8"?>
+<p:sld xmlns:a="http://schemas.openxmlformats.org/drawingml/2006/main" xmlns:r="http://schemas.openxmlformats.org/officeDocument/2006/relationships" xmlns:p="http://schemas.openxmlformats.org/presentationml/2006/main">
+  <p:cSld>
+    <p:spTree>
+      <p:nvGrpSpPr>
+        <p:cNvPr id="1" name=""/>
+        <p:cNvGrpSpPr/>
+        <p:nvPr/>
+      </p:nvGrpSpPr>
+      <p:grpSpPr>
+        <a:xfrm>
+          <a:off x="0" y="0"/>
+          <a:ext cx="0" cy="0"/>
+          <a:chOff x="0" y="0"/>
+          <a:chExt cx="0" cy="0"/>
+        </a:xfrm>
+      </p:grpSpPr>
+      <p:sp>
+        <p:nvSpPr>
+          <p:cNvPr id="2" name="Inhaltsplatzhalter 1">
+            <a:extLst>
+              <a:ext uri="{FF2B5EF4-FFF2-40B4-BE49-F238E27FC236}">
+                <a16:creationId xmlns:a16="http://schemas.microsoft.com/office/drawing/2014/main" id="{B8AA4F43-A06D-496A-A25C-258F139D024D}"/>
               </a:ext>
             </a:extLst>
           </p:cNvPr>
@@ -7078,6 +14726,301 @@
           <p:cNvPr id="3" name="Inhaltsplatzhalter 2">
             <a:extLst>
               <a:ext uri="{FF2B5EF4-FFF2-40B4-BE49-F238E27FC236}">
+                <a16:creationId xmlns:a16="http://schemas.microsoft.com/office/drawing/2014/main" id="{CB7EA4FB-1FC0-4D61-AFA0-48522302E5A6}"/>
+              </a:ext>
+            </a:extLst>
+          </p:cNvPr>
+          <p:cNvSpPr>
+            <a:spLocks noGrp="1"/>
+          </p:cNvSpPr>
+          <p:nvPr>
+            <p:ph sz="quarter" idx="13"/>
+          </p:nvPr>
+        </p:nvSpPr>
+        <p:spPr/>
+        <p:txBody>
+          <a:bodyPr/>
+          <a:lstStyle/>
+          <a:p>
+            <a:r>
+              <a:rPr lang="de-DE" dirty="0"/>
+              <a:t>Sensorwerte wegschreiben</a:t>
+            </a:r>
+          </a:p>
+        </p:txBody>
+      </p:sp>
+      <p:sp>
+        <p:nvSpPr>
+          <p:cNvPr id="4" name="Fußzeilenplatzhalter 3">
+            <a:extLst>
+              <a:ext uri="{FF2B5EF4-FFF2-40B4-BE49-F238E27FC236}">
+                <a16:creationId xmlns:a16="http://schemas.microsoft.com/office/drawing/2014/main" id="{B00B12E4-4F3F-436E-B089-3C06C4708C9D}"/>
+              </a:ext>
+            </a:extLst>
+          </p:cNvPr>
+          <p:cNvSpPr>
+            <a:spLocks noGrp="1"/>
+          </p:cNvSpPr>
+          <p:nvPr>
+            <p:ph type="ftr" sz="quarter" idx="3"/>
+          </p:nvPr>
+        </p:nvSpPr>
+        <p:spPr/>
+        <p:txBody>
+          <a:bodyPr/>
+          <a:lstStyle/>
+          <a:p>
+            <a:r>
+              <a:rPr lang="de-DE"/>
+              <a:t>Datenverarbeitung in der Technik</a:t>
+            </a:r>
+            <a:endParaRPr lang="de-DE" dirty="0"/>
+          </a:p>
+        </p:txBody>
+      </p:sp>
+    </p:spTree>
+    <p:extLst>
+      <p:ext uri="{BB962C8B-B14F-4D97-AF65-F5344CB8AC3E}">
+        <p14:creationId xmlns:p14="http://schemas.microsoft.com/office/powerpoint/2010/main" val="1653311685"/>
+      </p:ext>
+    </p:extLst>
+  </p:cSld>
+  <p:clrMapOvr>
+    <a:masterClrMapping/>
+  </p:clrMapOvr>
+</p:sld>
+</file>
+
+<file path=ppt/slides/slide2.xml><?xml version="1.0" encoding="utf-8"?>
+<p:sld xmlns:a="http://schemas.openxmlformats.org/drawingml/2006/main" xmlns:r="http://schemas.openxmlformats.org/officeDocument/2006/relationships" xmlns:p="http://schemas.openxmlformats.org/presentationml/2006/main">
+  <p:cSld>
+    <p:spTree>
+      <p:nvGrpSpPr>
+        <p:cNvPr id="1" name=""/>
+        <p:cNvGrpSpPr/>
+        <p:nvPr/>
+      </p:nvGrpSpPr>
+      <p:grpSpPr>
+        <a:xfrm>
+          <a:off x="0" y="0"/>
+          <a:ext cx="0" cy="0"/>
+          <a:chOff x="0" y="0"/>
+          <a:chExt cx="0" cy="0"/>
+        </a:xfrm>
+      </p:grpSpPr>
+      <p:graphicFrame>
+        <p:nvGraphicFramePr>
+          <p:cNvPr id="5" name="Inhaltsplatzhalter 4">
+            <a:extLst>
+              <a:ext uri="{FF2B5EF4-FFF2-40B4-BE49-F238E27FC236}">
+                <a16:creationId xmlns:a16="http://schemas.microsoft.com/office/drawing/2014/main" id="{9975AB23-8D7C-49D0-8C2A-1D185427ED80}"/>
+              </a:ext>
+            </a:extLst>
+          </p:cNvPr>
+          <p:cNvGraphicFramePr>
+            <a:graphicFrameLocks noGrp="1"/>
+          </p:cNvGraphicFramePr>
+          <p:nvPr>
+            <p:ph idx="1"/>
+            <p:extLst>
+              <p:ext uri="{D42A27DB-BD31-4B8C-83A1-F6EECF244321}">
+                <p14:modId xmlns:p14="http://schemas.microsoft.com/office/powerpoint/2010/main" val="1542089225"/>
+              </p:ext>
+            </p:extLst>
+          </p:nvPr>
+        </p:nvGraphicFramePr>
+        <p:xfrm>
+          <a:off x="190501" y="1446213"/>
+          <a:ext cx="4175759" cy="4565967"/>
+        </p:xfrm>
+        <a:graphic>
+          <a:graphicData uri="http://schemas.openxmlformats.org/drawingml/2006/diagram">
+            <dgm:relIds xmlns:dgm="http://schemas.openxmlformats.org/drawingml/2006/diagram" xmlns:r="http://schemas.openxmlformats.org/officeDocument/2006/relationships" r:dm="rId3" r:lo="rId4" r:qs="rId5" r:cs="rId6"/>
+          </a:graphicData>
+        </a:graphic>
+      </p:graphicFrame>
+      <p:sp>
+        <p:nvSpPr>
+          <p:cNvPr id="3" name="Inhaltsplatzhalter 2">
+            <a:extLst>
+              <a:ext uri="{FF2B5EF4-FFF2-40B4-BE49-F238E27FC236}">
+                <a16:creationId xmlns:a16="http://schemas.microsoft.com/office/drawing/2014/main" id="{FBCE1994-6635-4598-88E0-B3CBD441FEC7}"/>
+              </a:ext>
+            </a:extLst>
+          </p:cNvPr>
+          <p:cNvSpPr>
+            <a:spLocks noGrp="1"/>
+          </p:cNvSpPr>
+          <p:nvPr>
+            <p:ph sz="quarter" idx="13"/>
+          </p:nvPr>
+        </p:nvSpPr>
+        <p:spPr/>
+        <p:txBody>
+          <a:bodyPr/>
+          <a:lstStyle/>
+          <a:p>
+            <a:r>
+              <a:rPr lang="de-DE" dirty="0"/>
+              <a:t>Serieller Port</a:t>
+            </a:r>
+          </a:p>
+        </p:txBody>
+      </p:sp>
+      <p:sp>
+        <p:nvSpPr>
+          <p:cNvPr id="4" name="Fußzeilenplatzhalter 3">
+            <a:extLst>
+              <a:ext uri="{FF2B5EF4-FFF2-40B4-BE49-F238E27FC236}">
+                <a16:creationId xmlns:a16="http://schemas.microsoft.com/office/drawing/2014/main" id="{0AAB72E1-4613-47CF-8D2F-5D3A25AC0998}"/>
+              </a:ext>
+            </a:extLst>
+          </p:cNvPr>
+          <p:cNvSpPr>
+            <a:spLocks noGrp="1"/>
+          </p:cNvSpPr>
+          <p:nvPr>
+            <p:ph type="ftr" sz="quarter" idx="3"/>
+          </p:nvPr>
+        </p:nvSpPr>
+        <p:spPr/>
+        <p:txBody>
+          <a:bodyPr/>
+          <a:lstStyle/>
+          <a:p>
+            <a:r>
+              <a:rPr lang="de-DE"/>
+              <a:t>Datenverarbeitung in der Technik</a:t>
+            </a:r>
+            <a:endParaRPr lang="de-DE" dirty="0"/>
+          </a:p>
+        </p:txBody>
+      </p:sp>
+      <p:pic>
+        <p:nvPicPr>
+          <p:cNvPr id="8" name="Grafik 7">
+            <a:extLst>
+              <a:ext uri="{FF2B5EF4-FFF2-40B4-BE49-F238E27FC236}">
+                <a16:creationId xmlns:a16="http://schemas.microsoft.com/office/drawing/2014/main" id="{E940F453-D45D-42D0-AC4E-72CDA5E3A957}"/>
+              </a:ext>
+            </a:extLst>
+          </p:cNvPr>
+          <p:cNvPicPr>
+            <a:picLocks noChangeAspect="1"/>
+          </p:cNvPicPr>
+          <p:nvPr/>
+        </p:nvPicPr>
+        <p:blipFill>
+          <a:blip r:embed="rId8"/>
+          <a:stretch>
+            <a:fillRect/>
+          </a:stretch>
+        </p:blipFill>
+        <p:spPr>
+          <a:xfrm>
+            <a:off x="3368040" y="3413760"/>
+            <a:ext cx="5775960" cy="381000"/>
+          </a:xfrm>
+          <a:prstGeom prst="rect">
+            <a:avLst/>
+          </a:prstGeom>
+        </p:spPr>
+      </p:pic>
+      <p:pic>
+        <p:nvPicPr>
+          <p:cNvPr id="12" name="Grafik 11">
+            <a:extLst>
+              <a:ext uri="{FF2B5EF4-FFF2-40B4-BE49-F238E27FC236}">
+                <a16:creationId xmlns:a16="http://schemas.microsoft.com/office/drawing/2014/main" id="{AA1D0620-90AF-457C-921E-768168D30E4F}"/>
+              </a:ext>
+            </a:extLst>
+          </p:cNvPr>
+          <p:cNvPicPr>
+            <a:picLocks noChangeAspect="1"/>
+          </p:cNvPicPr>
+          <p:nvPr/>
+        </p:nvPicPr>
+        <p:blipFill>
+          <a:blip r:embed="rId9"/>
+          <a:stretch>
+            <a:fillRect/>
+          </a:stretch>
+        </p:blipFill>
+        <p:spPr>
+          <a:xfrm>
+            <a:off x="4561059" y="4856480"/>
+            <a:ext cx="3276600" cy="219075"/>
+          </a:xfrm>
+          <a:prstGeom prst="rect">
+            <a:avLst/>
+          </a:prstGeom>
+        </p:spPr>
+      </p:pic>
+      <p:pic>
+        <p:nvPicPr>
+          <p:cNvPr id="13" name="Grafik 12">
+            <a:extLst>
+              <a:ext uri="{FF2B5EF4-FFF2-40B4-BE49-F238E27FC236}">
+                <a16:creationId xmlns:a16="http://schemas.microsoft.com/office/drawing/2014/main" id="{AEADBBAE-FC1A-401D-85C4-D9A8764B7B95}"/>
+              </a:ext>
+            </a:extLst>
+          </p:cNvPr>
+          <p:cNvPicPr>
+            <a:picLocks noChangeAspect="1"/>
+          </p:cNvPicPr>
+          <p:nvPr/>
+        </p:nvPicPr>
+        <p:blipFill>
+          <a:blip r:embed="rId10"/>
+          <a:stretch>
+            <a:fillRect/>
+          </a:stretch>
+        </p:blipFill>
+        <p:spPr>
+          <a:xfrm>
+            <a:off x="1985010" y="2329974"/>
+            <a:ext cx="7137108" cy="200025"/>
+          </a:xfrm>
+          <a:prstGeom prst="rect">
+            <a:avLst/>
+          </a:prstGeom>
+        </p:spPr>
+      </p:pic>
+    </p:spTree>
+    <p:extLst>
+      <p:ext uri="{BB962C8B-B14F-4D97-AF65-F5344CB8AC3E}">
+        <p14:creationId xmlns:p14="http://schemas.microsoft.com/office/powerpoint/2010/main" val="653739981"/>
+      </p:ext>
+    </p:extLst>
+  </p:cSld>
+  <p:clrMapOvr>
+    <a:masterClrMapping/>
+  </p:clrMapOvr>
+</p:sld>
+</file>
+
+<file path=ppt/slides/slide3.xml><?xml version="1.0" encoding="utf-8"?>
+<p:sld xmlns:a="http://schemas.openxmlformats.org/drawingml/2006/main" xmlns:r="http://schemas.openxmlformats.org/officeDocument/2006/relationships" xmlns:p="http://schemas.openxmlformats.org/presentationml/2006/main">
+  <p:cSld>
+    <p:spTree>
+      <p:nvGrpSpPr>
+        <p:cNvPr id="1" name=""/>
+        <p:cNvGrpSpPr/>
+        <p:nvPr/>
+      </p:nvGrpSpPr>
+      <p:grpSpPr>
+        <a:xfrm>
+          <a:off x="0" y="0"/>
+          <a:ext cx="0" cy="0"/>
+          <a:chOff x="0" y="0"/>
+          <a:chExt cx="0" cy="0"/>
+        </a:xfrm>
+      </p:grpSpPr>
+      <p:sp>
+        <p:nvSpPr>
+          <p:cNvPr id="3" name="Inhaltsplatzhalter 2">
+            <a:extLst>
+              <a:ext uri="{FF2B5EF4-FFF2-40B4-BE49-F238E27FC236}">
                 <a16:creationId xmlns:a16="http://schemas.microsoft.com/office/drawing/2014/main" id="{26F426B8-E488-4B13-8816-C1699C1976C9}"/>
               </a:ext>
             </a:extLst>
@@ -7096,15 +15039,7 @@
           <a:p>
             <a:r>
               <a:rPr lang="de-DE" dirty="0"/>
-              <a:t>Warum </a:t>
-            </a:r>
-            <a:r>
-              <a:rPr lang="de-DE" dirty="0" err="1"/>
-              <a:t>Qt</a:t>
-            </a:r>
-            <a:r>
-              <a:rPr lang="de-DE" dirty="0"/>
-              <a:t>?</a:t>
+              <a:t>Warum Qt?</a:t>
             </a:r>
           </a:p>
         </p:txBody>
@@ -7138,6 +15073,34 @@
           </a:p>
         </p:txBody>
       </p:sp>
+      <p:graphicFrame>
+        <p:nvGraphicFramePr>
+          <p:cNvPr id="5" name="Diagramm 4">
+            <a:extLst>
+              <a:ext uri="{FF2B5EF4-FFF2-40B4-BE49-F238E27FC236}">
+                <a16:creationId xmlns:a16="http://schemas.microsoft.com/office/drawing/2014/main" id="{CFB11536-B849-488F-956C-FF73AF7F8D48}"/>
+              </a:ext>
+            </a:extLst>
+          </p:cNvPr>
+          <p:cNvGraphicFramePr/>
+          <p:nvPr>
+            <p:extLst>
+              <p:ext uri="{D42A27DB-BD31-4B8C-83A1-F6EECF244321}">
+                <p14:modId xmlns:p14="http://schemas.microsoft.com/office/powerpoint/2010/main" val="3135892309"/>
+              </p:ext>
+            </p:extLst>
+          </p:nvPr>
+        </p:nvGraphicFramePr>
+        <p:xfrm>
+          <a:off x="1524000" y="1232534"/>
+          <a:ext cx="6096000" cy="4863465"/>
+        </p:xfrm>
+        <a:graphic>
+          <a:graphicData uri="http://schemas.openxmlformats.org/drawingml/2006/diagram">
+            <dgm:relIds xmlns:dgm="http://schemas.openxmlformats.org/drawingml/2006/diagram" xmlns:r="http://schemas.openxmlformats.org/officeDocument/2006/relationships" r:dm="rId3" r:lo="rId4" r:qs="rId5" r:cs="rId6"/>
+          </a:graphicData>
+        </a:graphic>
+      </p:graphicFrame>
     </p:spTree>
     <p:extLst>
       <p:ext uri="{BB962C8B-B14F-4D97-AF65-F5344CB8AC3E}">
@@ -7151,7 +15114,7 @@
 </p:sld>
 </file>
 
-<file path=ppt/slides/slide3.xml><?xml version="1.0" encoding="utf-8"?>
+<file path=ppt/slides/slide4.xml><?xml version="1.0" encoding="utf-8"?>
 <p:sld xmlns:a="http://schemas.openxmlformats.org/drawingml/2006/main" xmlns:r="http://schemas.openxmlformats.org/officeDocument/2006/relationships" xmlns:p="http://schemas.openxmlformats.org/presentationml/2006/main">
   <p:cSld>
     <p:spTree>
@@ -7270,7 +15233,7 @@
 </p:sld>
 </file>
 
-<file path=ppt/slides/slide4.xml><?xml version="1.0" encoding="utf-8"?>
+<file path=ppt/slides/slide5.xml><?xml version="1.0" encoding="utf-8"?>
 <p:sld xmlns:a="http://schemas.openxmlformats.org/drawingml/2006/main" xmlns:r="http://schemas.openxmlformats.org/officeDocument/2006/relationships" xmlns:p="http://schemas.openxmlformats.org/presentationml/2006/main">
   <p:cSld>
     <p:spTree>
@@ -7709,7 +15672,7 @@
 </p:sld>
 </file>
 
-<file path=ppt/slides/slide5.xml><?xml version="1.0" encoding="utf-8"?>
+<file path=ppt/slides/slide6.xml><?xml version="1.0" encoding="utf-8"?>
 <p:sld xmlns:a="http://schemas.openxmlformats.org/drawingml/2006/main" xmlns:r="http://schemas.openxmlformats.org/officeDocument/2006/relationships" xmlns:p="http://schemas.openxmlformats.org/presentationml/2006/main">
   <p:cSld>
     <p:spTree>
@@ -7952,7 +15915,7 @@
 </p:sld>
 </file>
 
-<file path=ppt/slides/slide6.xml><?xml version="1.0" encoding="utf-8"?>
+<file path=ppt/slides/slide7.xml><?xml version="1.0" encoding="utf-8"?>
 <p:sld xmlns:a="http://schemas.openxmlformats.org/drawingml/2006/main" xmlns:r="http://schemas.openxmlformats.org/officeDocument/2006/relationships" xmlns:p="http://schemas.openxmlformats.org/presentationml/2006/main">
   <p:cSld>
     <p:spTree>
@@ -7986,14 +15949,14 @@
           </p:nvPr>
         </p:nvPicPr>
         <p:blipFill>
-          <a:blip r:embed="rId2"/>
+          <a:blip r:embed="rId3"/>
           <a:stretch>
             <a:fillRect/>
           </a:stretch>
         </p:blipFill>
         <p:spPr>
           <a:xfrm>
-            <a:off x="371475" y="2300287"/>
+            <a:off x="386715" y="1670050"/>
             <a:ext cx="3028950" cy="2257425"/>
           </a:xfrm>
           <a:prstGeom prst="rect">
@@ -8073,15 +16036,50 @@
           <p:nvPr/>
         </p:nvPicPr>
         <p:blipFill>
-          <a:blip r:embed="rId3"/>
+          <a:blip r:embed="rId4"/>
           <a:stretch>
             <a:fillRect/>
           </a:stretch>
         </p:blipFill>
         <p:spPr>
           <a:xfrm>
-            <a:off x="4031242" y="2300287"/>
+            <a:off x="3886199" y="1670049"/>
             <a:ext cx="4962525" cy="2257426"/>
+          </a:xfrm>
+          <a:prstGeom prst="rect">
+            <a:avLst/>
+          </a:prstGeom>
+        </p:spPr>
+      </p:pic>
+      <p:pic>
+        <p:nvPicPr>
+          <p:cNvPr id="8" name="Grafik 7">
+            <a:extLst>
+              <a:ext uri="{FF2B5EF4-FFF2-40B4-BE49-F238E27FC236}">
+                <a16:creationId xmlns:a16="http://schemas.microsoft.com/office/drawing/2014/main" id="{0756EFDF-4B92-43CC-8A71-660DB1E3BAFD}"/>
+              </a:ext>
+            </a:extLst>
+          </p:cNvPr>
+          <p:cNvPicPr>
+            <a:picLocks noChangeAspect="1"/>
+          </p:cNvPicPr>
+          <p:nvPr/>
+        </p:nvPicPr>
+        <p:blipFill rotWithShape="1">
+          <a:blip r:embed="rId5">
+            <a:extLst>
+              <a:ext uri="{28A0092B-C50C-407E-A947-70E740481C1C}">
+                <a14:useLocalDpi xmlns:a14="http://schemas.microsoft.com/office/drawing/2010/main" val="0"/>
+              </a:ext>
+            </a:extLst>
+          </a:blip>
+          <a:srcRect t="-4" b="78434"/>
+          <a:stretch/>
+        </p:blipFill>
+        <p:spPr>
+          <a:xfrm>
+            <a:off x="167640" y="4446285"/>
+            <a:ext cx="8823960" cy="1421116"/>
           </a:xfrm>
           <a:prstGeom prst="rect">
             <a:avLst/>
@@ -8101,7 +16099,7 @@
 </p:sld>
 </file>
 
-<file path=ppt/slides/slide7.xml><?xml version="1.0" encoding="utf-8"?>
+<file path=ppt/slides/slide8.xml><?xml version="1.0" encoding="utf-8"?>
 <p:sld xmlns:a="http://schemas.openxmlformats.org/drawingml/2006/main" xmlns:r="http://schemas.openxmlformats.org/officeDocument/2006/relationships" xmlns:p="http://schemas.openxmlformats.org/presentationml/2006/main">
   <p:cSld>
     <p:spTree>
@@ -8381,7 +16379,7 @@
 </p:sld>
 </file>
 
-<file path=ppt/slides/slide8.xml><?xml version="1.0" encoding="utf-8"?>
+<file path=ppt/slides/slide9.xml><?xml version="1.0" encoding="utf-8"?>
 <p:sld xmlns:a="http://schemas.openxmlformats.org/drawingml/2006/main" xmlns:r="http://schemas.openxmlformats.org/officeDocument/2006/relationships" xmlns:p="http://schemas.openxmlformats.org/presentationml/2006/main">
   <p:cSld>
     <p:spTree>
@@ -8652,118 +16650,6 @@
     <p:extLst>
       <p:ext uri="{BB962C8B-B14F-4D97-AF65-F5344CB8AC3E}">
         <p14:creationId xmlns:p14="http://schemas.microsoft.com/office/powerpoint/2010/main" val="1768483848"/>
-      </p:ext>
-    </p:extLst>
-  </p:cSld>
-  <p:clrMapOvr>
-    <a:masterClrMapping/>
-  </p:clrMapOvr>
-</p:sld>
-</file>
-
-<file path=ppt/slides/slide9.xml><?xml version="1.0" encoding="utf-8"?>
-<p:sld xmlns:a="http://schemas.openxmlformats.org/drawingml/2006/main" xmlns:r="http://schemas.openxmlformats.org/officeDocument/2006/relationships" xmlns:p="http://schemas.openxmlformats.org/presentationml/2006/main">
-  <p:cSld>
-    <p:spTree>
-      <p:nvGrpSpPr>
-        <p:cNvPr id="1" name=""/>
-        <p:cNvGrpSpPr/>
-        <p:nvPr/>
-      </p:nvGrpSpPr>
-      <p:grpSpPr>
-        <a:xfrm>
-          <a:off x="0" y="0"/>
-          <a:ext cx="0" cy="0"/>
-          <a:chOff x="0" y="0"/>
-          <a:chExt cx="0" cy="0"/>
-        </a:xfrm>
-      </p:grpSpPr>
-      <p:sp>
-        <p:nvSpPr>
-          <p:cNvPr id="2" name="Inhaltsplatzhalter 1">
-            <a:extLst>
-              <a:ext uri="{FF2B5EF4-FFF2-40B4-BE49-F238E27FC236}">
-                <a16:creationId xmlns:a16="http://schemas.microsoft.com/office/drawing/2014/main" id="{E921673F-910A-455F-8D4B-66DEC9F7CAB0}"/>
-              </a:ext>
-            </a:extLst>
-          </p:cNvPr>
-          <p:cNvSpPr>
-            <a:spLocks noGrp="1"/>
-          </p:cNvSpPr>
-          <p:nvPr>
-            <p:ph idx="1"/>
-          </p:nvPr>
-        </p:nvSpPr>
-        <p:spPr/>
-        <p:txBody>
-          <a:bodyPr/>
-          <a:lstStyle/>
-          <a:p>
-            <a:endParaRPr lang="de-DE"/>
-          </a:p>
-        </p:txBody>
-      </p:sp>
-      <p:sp>
-        <p:nvSpPr>
-          <p:cNvPr id="3" name="Inhaltsplatzhalter 2">
-            <a:extLst>
-              <a:ext uri="{FF2B5EF4-FFF2-40B4-BE49-F238E27FC236}">
-                <a16:creationId xmlns:a16="http://schemas.microsoft.com/office/drawing/2014/main" id="{1FC8872A-B0C3-428D-8846-E67CC3F1B19F}"/>
-              </a:ext>
-            </a:extLst>
-          </p:cNvPr>
-          <p:cNvSpPr>
-            <a:spLocks noGrp="1"/>
-          </p:cNvSpPr>
-          <p:nvPr>
-            <p:ph sz="quarter" idx="13"/>
-          </p:nvPr>
-        </p:nvSpPr>
-        <p:spPr/>
-        <p:txBody>
-          <a:bodyPr/>
-          <a:lstStyle/>
-          <a:p>
-            <a:r>
-              <a:rPr lang="de-DE" dirty="0"/>
-              <a:t>Sensorwerte</a:t>
-            </a:r>
-          </a:p>
-        </p:txBody>
-      </p:sp>
-      <p:sp>
-        <p:nvSpPr>
-          <p:cNvPr id="4" name="Fußzeilenplatzhalter 3">
-            <a:extLst>
-              <a:ext uri="{FF2B5EF4-FFF2-40B4-BE49-F238E27FC236}">
-                <a16:creationId xmlns:a16="http://schemas.microsoft.com/office/drawing/2014/main" id="{064B681A-132E-49B9-A00C-AE0F1F98B34C}"/>
-              </a:ext>
-            </a:extLst>
-          </p:cNvPr>
-          <p:cNvSpPr>
-            <a:spLocks noGrp="1"/>
-          </p:cNvSpPr>
-          <p:nvPr>
-            <p:ph type="ftr" sz="quarter" idx="3"/>
-          </p:nvPr>
-        </p:nvSpPr>
-        <p:spPr/>
-        <p:txBody>
-          <a:bodyPr/>
-          <a:lstStyle/>
-          <a:p>
-            <a:r>
-              <a:rPr lang="de-DE"/>
-              <a:t>Datenverarbeitung in der Technik</a:t>
-            </a:r>
-            <a:endParaRPr lang="de-DE" dirty="0"/>
-          </a:p>
-        </p:txBody>
-      </p:sp>
-    </p:spTree>
-    <p:extLst>
-      <p:ext uri="{BB962C8B-B14F-4D97-AF65-F5344CB8AC3E}">
-        <p14:creationId xmlns:p14="http://schemas.microsoft.com/office/powerpoint/2010/main" val="4149303702"/>
       </p:ext>
     </p:extLst>
   </p:cSld>

--- a/dokumentation/bof31844/Folien-Florian-Boemmel.pptx
+++ b/dokumentation/bof31844/Folien-Florian-Boemmel.pptx
@@ -5,10 +5,10 @@
     <p:sldMasterId id="2147483660" r:id="rId1"/>
   </p:sldMasterIdLst>
   <p:notesMasterIdLst>
-    <p:notesMasterId r:id="rId13"/>
+    <p:notesMasterId r:id="rId12"/>
   </p:notesMasterIdLst>
   <p:handoutMasterIdLst>
-    <p:handoutMasterId r:id="rId14"/>
+    <p:handoutMasterId r:id="rId13"/>
   </p:handoutMasterIdLst>
   <p:sldIdLst>
     <p:sldId id="275" r:id="rId2"/>
@@ -21,7 +21,6 @@
     <p:sldId id="281" r:id="rId9"/>
     <p:sldId id="282" r:id="rId10"/>
     <p:sldId id="283" r:id="rId11"/>
-    <p:sldId id="285" r:id="rId12"/>
   </p:sldIdLst>
   <p:sldSz cx="9144000" cy="6858000" type="screen4x3"/>
   <p:notesSz cx="6858000" cy="9144000"/>
@@ -1645,6 +1644,788 @@
   <dgm:styleLbl name="fgShp">
     <dgm:fillClrLst meth="repeat">
       <a:schemeClr val="accent5">
+        <a:tint val="40000"/>
+      </a:schemeClr>
+    </dgm:fillClrLst>
+    <dgm:linClrLst meth="repeat">
+      <a:schemeClr val="lt1"/>
+    </dgm:linClrLst>
+    <dgm:effectClrLst/>
+    <dgm:txLinClrLst/>
+    <dgm:txFillClrLst meth="repeat">
+      <a:schemeClr val="dk1"/>
+    </dgm:txFillClrLst>
+    <dgm:txEffectClrLst/>
+  </dgm:styleLbl>
+  <dgm:styleLbl name="revTx">
+    <dgm:fillClrLst meth="repeat">
+      <a:schemeClr val="lt1">
+        <a:alpha val="0"/>
+      </a:schemeClr>
+    </dgm:fillClrLst>
+    <dgm:linClrLst meth="repeat">
+      <a:schemeClr val="dk1">
+        <a:alpha val="0"/>
+      </a:schemeClr>
+    </dgm:linClrLst>
+    <dgm:effectClrLst/>
+    <dgm:txLinClrLst/>
+    <dgm:txFillClrLst meth="repeat">
+      <a:schemeClr val="tx1"/>
+    </dgm:txFillClrLst>
+    <dgm:txEffectClrLst/>
+  </dgm:styleLbl>
+</dgm:colorsDef>
+</file>
+
+<file path=ppt/diagrams/colors3.xml><?xml version="1.0" encoding="utf-8"?>
+<dgm:colorsDef xmlns:dgm="http://schemas.openxmlformats.org/drawingml/2006/diagram" xmlns:a="http://schemas.openxmlformats.org/drawingml/2006/main" uniqueId="urn:microsoft.com/office/officeart/2005/8/colors/colorful3">
+  <dgm:title val=""/>
+  <dgm:desc val=""/>
+  <dgm:catLst>
+    <dgm:cat type="colorful" pri="10300"/>
+  </dgm:catLst>
+  <dgm:styleLbl name="node0">
+    <dgm:fillClrLst meth="repeat">
+      <a:schemeClr val="accent2"/>
+    </dgm:fillClrLst>
+    <dgm:linClrLst meth="repeat">
+      <a:schemeClr val="lt1"/>
+    </dgm:linClrLst>
+    <dgm:effectClrLst/>
+    <dgm:txLinClrLst/>
+    <dgm:txFillClrLst/>
+    <dgm:txEffectClrLst/>
+  </dgm:styleLbl>
+  <dgm:styleLbl name="node1">
+    <dgm:fillClrLst>
+      <a:schemeClr val="accent3"/>
+      <a:schemeClr val="accent4"/>
+    </dgm:fillClrLst>
+    <dgm:linClrLst meth="repeat">
+      <a:schemeClr val="lt1"/>
+    </dgm:linClrLst>
+    <dgm:effectClrLst/>
+    <dgm:txLinClrLst/>
+    <dgm:txFillClrLst/>
+    <dgm:txEffectClrLst/>
+  </dgm:styleLbl>
+  <dgm:styleLbl name="alignNode1">
+    <dgm:fillClrLst>
+      <a:schemeClr val="accent3"/>
+      <a:schemeClr val="accent4"/>
+    </dgm:fillClrLst>
+    <dgm:linClrLst>
+      <a:schemeClr val="accent3"/>
+      <a:schemeClr val="accent4"/>
+    </dgm:linClrLst>
+    <dgm:effectClrLst/>
+    <dgm:txLinClrLst/>
+    <dgm:txFillClrLst/>
+    <dgm:txEffectClrLst/>
+  </dgm:styleLbl>
+  <dgm:styleLbl name="lnNode1">
+    <dgm:fillClrLst>
+      <a:schemeClr val="accent3"/>
+      <a:schemeClr val="accent4"/>
+    </dgm:fillClrLst>
+    <dgm:linClrLst meth="repeat">
+      <a:schemeClr val="lt1"/>
+    </dgm:linClrLst>
+    <dgm:effectClrLst/>
+    <dgm:txLinClrLst/>
+    <dgm:txFillClrLst/>
+    <dgm:txEffectClrLst/>
+  </dgm:styleLbl>
+  <dgm:styleLbl name="vennNode1">
+    <dgm:fillClrLst>
+      <a:schemeClr val="accent3">
+        <a:alpha val="50000"/>
+      </a:schemeClr>
+      <a:schemeClr val="accent4">
+        <a:alpha val="50000"/>
+      </a:schemeClr>
+    </dgm:fillClrLst>
+    <dgm:linClrLst meth="repeat">
+      <a:schemeClr val="lt1"/>
+    </dgm:linClrLst>
+    <dgm:effectClrLst/>
+    <dgm:txLinClrLst/>
+    <dgm:txFillClrLst/>
+    <dgm:txEffectClrLst/>
+  </dgm:styleLbl>
+  <dgm:styleLbl name="node2">
+    <dgm:fillClrLst>
+      <a:schemeClr val="accent4"/>
+    </dgm:fillClrLst>
+    <dgm:linClrLst meth="repeat">
+      <a:schemeClr val="lt1"/>
+    </dgm:linClrLst>
+    <dgm:effectClrLst/>
+    <dgm:txLinClrLst/>
+    <dgm:txFillClrLst/>
+    <dgm:txEffectClrLst/>
+  </dgm:styleLbl>
+  <dgm:styleLbl name="node3">
+    <dgm:fillClrLst>
+      <a:schemeClr val="accent5"/>
+    </dgm:fillClrLst>
+    <dgm:linClrLst meth="repeat">
+      <a:schemeClr val="lt1"/>
+    </dgm:linClrLst>
+    <dgm:effectClrLst/>
+    <dgm:txLinClrLst/>
+    <dgm:txFillClrLst/>
+    <dgm:txEffectClrLst/>
+  </dgm:styleLbl>
+  <dgm:styleLbl name="node4">
+    <dgm:fillClrLst>
+      <a:schemeClr val="accent6"/>
+    </dgm:fillClrLst>
+    <dgm:linClrLst meth="repeat">
+      <a:schemeClr val="lt1"/>
+    </dgm:linClrLst>
+    <dgm:effectClrLst/>
+    <dgm:txLinClrLst/>
+    <dgm:txFillClrLst/>
+    <dgm:txEffectClrLst/>
+  </dgm:styleLbl>
+  <dgm:styleLbl name="fgImgPlace1">
+    <dgm:fillClrLst>
+      <a:schemeClr val="accent3">
+        <a:tint val="50000"/>
+      </a:schemeClr>
+      <a:schemeClr val="accent4">
+        <a:tint val="50000"/>
+      </a:schemeClr>
+    </dgm:fillClrLst>
+    <dgm:linClrLst meth="repeat">
+      <a:schemeClr val="lt1"/>
+    </dgm:linClrLst>
+    <dgm:effectClrLst/>
+    <dgm:txLinClrLst/>
+    <dgm:txFillClrLst meth="repeat">
+      <a:schemeClr val="lt1"/>
+    </dgm:txFillClrLst>
+    <dgm:txEffectClrLst/>
+  </dgm:styleLbl>
+  <dgm:styleLbl name="alignImgPlace1">
+    <dgm:fillClrLst>
+      <a:schemeClr val="accent3">
+        <a:tint val="50000"/>
+      </a:schemeClr>
+      <a:schemeClr val="accent4">
+        <a:tint val="20000"/>
+      </a:schemeClr>
+    </dgm:fillClrLst>
+    <dgm:linClrLst meth="repeat">
+      <a:schemeClr val="lt1"/>
+    </dgm:linClrLst>
+    <dgm:effectClrLst/>
+    <dgm:txLinClrLst/>
+    <dgm:txFillClrLst meth="repeat">
+      <a:schemeClr val="lt1"/>
+    </dgm:txFillClrLst>
+    <dgm:txEffectClrLst/>
+  </dgm:styleLbl>
+  <dgm:styleLbl name="bgImgPlace1">
+    <dgm:fillClrLst>
+      <a:schemeClr val="accent3">
+        <a:tint val="50000"/>
+      </a:schemeClr>
+      <a:schemeClr val="accent4">
+        <a:tint val="20000"/>
+      </a:schemeClr>
+    </dgm:fillClrLst>
+    <dgm:linClrLst meth="repeat">
+      <a:schemeClr val="lt1"/>
+    </dgm:linClrLst>
+    <dgm:effectClrLst/>
+    <dgm:txLinClrLst/>
+    <dgm:txFillClrLst meth="repeat">
+      <a:schemeClr val="lt1"/>
+    </dgm:txFillClrLst>
+    <dgm:txEffectClrLst/>
+  </dgm:styleLbl>
+  <dgm:styleLbl name="sibTrans2D1">
+    <dgm:fillClrLst>
+      <a:schemeClr val="accent3"/>
+      <a:schemeClr val="accent4"/>
+    </dgm:fillClrLst>
+    <dgm:linClrLst meth="repeat">
+      <a:schemeClr val="lt1"/>
+    </dgm:linClrLst>
+    <dgm:effectClrLst/>
+    <dgm:txLinClrLst/>
+    <dgm:txFillClrLst/>
+    <dgm:txEffectClrLst/>
+  </dgm:styleLbl>
+  <dgm:styleLbl name="fgSibTrans2D1">
+    <dgm:fillClrLst>
+      <a:schemeClr val="accent3"/>
+      <a:schemeClr val="accent4"/>
+    </dgm:fillClrLst>
+    <dgm:linClrLst meth="repeat">
+      <a:schemeClr val="lt1"/>
+    </dgm:linClrLst>
+    <dgm:effectClrLst/>
+    <dgm:txLinClrLst/>
+    <dgm:txFillClrLst meth="repeat">
+      <a:schemeClr val="lt1"/>
+    </dgm:txFillClrLst>
+    <dgm:txEffectClrLst/>
+  </dgm:styleLbl>
+  <dgm:styleLbl name="bgSibTrans2D1">
+    <dgm:fillClrLst>
+      <a:schemeClr val="accent3"/>
+      <a:schemeClr val="accent4"/>
+    </dgm:fillClrLst>
+    <dgm:linClrLst meth="repeat">
+      <a:schemeClr val="lt1"/>
+    </dgm:linClrLst>
+    <dgm:effectClrLst/>
+    <dgm:txLinClrLst/>
+    <dgm:txFillClrLst meth="repeat">
+      <a:schemeClr val="lt1"/>
+    </dgm:txFillClrLst>
+    <dgm:txEffectClrLst/>
+  </dgm:styleLbl>
+  <dgm:styleLbl name="sibTrans1D1">
+    <dgm:fillClrLst/>
+    <dgm:linClrLst>
+      <a:schemeClr val="accent3"/>
+      <a:schemeClr val="accent4"/>
+    </dgm:linClrLst>
+    <dgm:effectClrLst/>
+    <dgm:txLinClrLst/>
+    <dgm:txFillClrLst meth="repeat">
+      <a:schemeClr val="tx1"/>
+    </dgm:txFillClrLst>
+    <dgm:txEffectClrLst/>
+  </dgm:styleLbl>
+  <dgm:styleLbl name="callout">
+    <dgm:fillClrLst meth="repeat">
+      <a:schemeClr val="accent3"/>
+    </dgm:fillClrLst>
+    <dgm:linClrLst meth="repeat">
+      <a:schemeClr val="accent3">
+        <a:tint val="50000"/>
+      </a:schemeClr>
+    </dgm:linClrLst>
+    <dgm:effectClrLst/>
+    <dgm:txLinClrLst/>
+    <dgm:txFillClrLst meth="repeat">
+      <a:schemeClr val="tx1"/>
+    </dgm:txFillClrLst>
+    <dgm:txEffectClrLst/>
+  </dgm:styleLbl>
+  <dgm:styleLbl name="asst0">
+    <dgm:fillClrLst meth="repeat">
+      <a:schemeClr val="accent3"/>
+    </dgm:fillClrLst>
+    <dgm:linClrLst meth="repeat">
+      <a:schemeClr val="lt1">
+        <a:shade val="80000"/>
+      </a:schemeClr>
+    </dgm:linClrLst>
+    <dgm:effectClrLst/>
+    <dgm:txLinClrLst/>
+    <dgm:txFillClrLst/>
+    <dgm:txEffectClrLst/>
+  </dgm:styleLbl>
+  <dgm:styleLbl name="asst1">
+    <dgm:fillClrLst meth="repeat">
+      <a:schemeClr val="accent4"/>
+    </dgm:fillClrLst>
+    <dgm:linClrLst meth="repeat">
+      <a:schemeClr val="lt1">
+        <a:shade val="80000"/>
+      </a:schemeClr>
+    </dgm:linClrLst>
+    <dgm:effectClrLst/>
+    <dgm:txLinClrLst/>
+    <dgm:txFillClrLst/>
+    <dgm:txEffectClrLst/>
+  </dgm:styleLbl>
+  <dgm:styleLbl name="asst2">
+    <dgm:fillClrLst>
+      <a:schemeClr val="accent5"/>
+    </dgm:fillClrLst>
+    <dgm:linClrLst meth="repeat">
+      <a:schemeClr val="lt1"/>
+    </dgm:linClrLst>
+    <dgm:effectClrLst/>
+    <dgm:txLinClrLst/>
+    <dgm:txFillClrLst/>
+    <dgm:txEffectClrLst/>
+  </dgm:styleLbl>
+  <dgm:styleLbl name="asst3">
+    <dgm:fillClrLst>
+      <a:schemeClr val="accent6"/>
+    </dgm:fillClrLst>
+    <dgm:linClrLst meth="repeat">
+      <a:schemeClr val="lt1"/>
+    </dgm:linClrLst>
+    <dgm:effectClrLst/>
+    <dgm:txLinClrLst/>
+    <dgm:txFillClrLst/>
+    <dgm:txEffectClrLst/>
+  </dgm:styleLbl>
+  <dgm:styleLbl name="asst4">
+    <dgm:fillClrLst>
+      <a:schemeClr val="accent1"/>
+    </dgm:fillClrLst>
+    <dgm:linClrLst meth="repeat">
+      <a:schemeClr val="lt1"/>
+    </dgm:linClrLst>
+    <dgm:effectClrLst/>
+    <dgm:txLinClrLst/>
+    <dgm:txFillClrLst/>
+    <dgm:txEffectClrLst/>
+  </dgm:styleLbl>
+  <dgm:styleLbl name="parChTrans2D1">
+    <dgm:fillClrLst meth="repeat">
+      <a:schemeClr val="accent2"/>
+    </dgm:fillClrLst>
+    <dgm:linClrLst meth="repeat">
+      <a:schemeClr val="lt1"/>
+    </dgm:linClrLst>
+    <dgm:effectClrLst/>
+    <dgm:txLinClrLst/>
+    <dgm:txFillClrLst meth="repeat">
+      <a:schemeClr val="lt1"/>
+    </dgm:txFillClrLst>
+    <dgm:txEffectClrLst/>
+  </dgm:styleLbl>
+  <dgm:styleLbl name="parChTrans2D2">
+    <dgm:fillClrLst meth="repeat">
+      <a:schemeClr val="accent3"/>
+    </dgm:fillClrLst>
+    <dgm:linClrLst meth="repeat">
+      <a:schemeClr val="lt1"/>
+    </dgm:linClrLst>
+    <dgm:effectClrLst/>
+    <dgm:txLinClrLst/>
+    <dgm:txFillClrLst/>
+    <dgm:txEffectClrLst/>
+  </dgm:styleLbl>
+  <dgm:styleLbl name="parChTrans2D3">
+    <dgm:fillClrLst meth="repeat">
+      <a:schemeClr val="accent4"/>
+    </dgm:fillClrLst>
+    <dgm:linClrLst meth="repeat">
+      <a:schemeClr val="lt1"/>
+    </dgm:linClrLst>
+    <dgm:effectClrLst/>
+    <dgm:txLinClrLst/>
+    <dgm:txFillClrLst/>
+    <dgm:txEffectClrLst/>
+  </dgm:styleLbl>
+  <dgm:styleLbl name="parChTrans2D4">
+    <dgm:fillClrLst meth="repeat">
+      <a:schemeClr val="accent5"/>
+    </dgm:fillClrLst>
+    <dgm:linClrLst meth="repeat">
+      <a:schemeClr val="lt1"/>
+    </dgm:linClrLst>
+    <dgm:effectClrLst/>
+    <dgm:txLinClrLst/>
+    <dgm:txFillClrLst meth="repeat">
+      <a:schemeClr val="lt1"/>
+    </dgm:txFillClrLst>
+    <dgm:txEffectClrLst/>
+  </dgm:styleLbl>
+  <dgm:styleLbl name="parChTrans1D1">
+    <dgm:fillClrLst meth="repeat">
+      <a:schemeClr val="accent3"/>
+    </dgm:fillClrLst>
+    <dgm:linClrLst meth="repeat">
+      <a:schemeClr val="accent3"/>
+    </dgm:linClrLst>
+    <dgm:effectClrLst/>
+    <dgm:txLinClrLst/>
+    <dgm:txFillClrLst meth="repeat">
+      <a:schemeClr val="tx1"/>
+    </dgm:txFillClrLst>
+    <dgm:txEffectClrLst/>
+  </dgm:styleLbl>
+  <dgm:styleLbl name="parChTrans1D2">
+    <dgm:fillClrLst meth="repeat">
+      <a:schemeClr val="accent2">
+        <a:tint val="90000"/>
+      </a:schemeClr>
+    </dgm:fillClrLst>
+    <dgm:linClrLst meth="repeat">
+      <a:schemeClr val="accent4"/>
+    </dgm:linClrLst>
+    <dgm:effectClrLst/>
+    <dgm:txLinClrLst/>
+    <dgm:txFillClrLst meth="repeat">
+      <a:schemeClr val="tx1"/>
+    </dgm:txFillClrLst>
+    <dgm:txEffectClrLst/>
+  </dgm:styleLbl>
+  <dgm:styleLbl name="parChTrans1D3">
+    <dgm:fillClrLst meth="repeat">
+      <a:schemeClr val="accent2">
+        <a:tint val="70000"/>
+      </a:schemeClr>
+    </dgm:fillClrLst>
+    <dgm:linClrLst meth="repeat">
+      <a:schemeClr val="accent5"/>
+    </dgm:linClrLst>
+    <dgm:effectClrLst/>
+    <dgm:txLinClrLst/>
+    <dgm:txFillClrLst meth="repeat">
+      <a:schemeClr val="tx1"/>
+    </dgm:txFillClrLst>
+    <dgm:txEffectClrLst/>
+  </dgm:styleLbl>
+  <dgm:styleLbl name="parChTrans1D4">
+    <dgm:fillClrLst meth="repeat">
+      <a:schemeClr val="accent6">
+        <a:tint val="50000"/>
+      </a:schemeClr>
+    </dgm:fillClrLst>
+    <dgm:linClrLst meth="repeat">
+      <a:schemeClr val="accent6"/>
+    </dgm:linClrLst>
+    <dgm:effectClrLst/>
+    <dgm:txLinClrLst/>
+    <dgm:txFillClrLst meth="repeat">
+      <a:schemeClr val="tx1"/>
+    </dgm:txFillClrLst>
+    <dgm:txEffectClrLst/>
+  </dgm:styleLbl>
+  <dgm:styleLbl name="fgAcc1">
+    <dgm:fillClrLst meth="repeat">
+      <a:schemeClr val="lt1">
+        <a:alpha val="90000"/>
+      </a:schemeClr>
+    </dgm:fillClrLst>
+    <dgm:linClrLst>
+      <a:schemeClr val="accent3"/>
+      <a:schemeClr val="accent4"/>
+    </dgm:linClrLst>
+    <dgm:effectClrLst/>
+    <dgm:txLinClrLst/>
+    <dgm:txFillClrLst meth="repeat">
+      <a:schemeClr val="dk1"/>
+    </dgm:txFillClrLst>
+    <dgm:txEffectClrLst/>
+  </dgm:styleLbl>
+  <dgm:styleLbl name="conFgAcc1">
+    <dgm:fillClrLst meth="repeat">
+      <a:schemeClr val="lt1">
+        <a:alpha val="90000"/>
+      </a:schemeClr>
+    </dgm:fillClrLst>
+    <dgm:linClrLst>
+      <a:schemeClr val="accent3"/>
+      <a:schemeClr val="accent4"/>
+    </dgm:linClrLst>
+    <dgm:effectClrLst/>
+    <dgm:txLinClrLst/>
+    <dgm:txFillClrLst meth="repeat">
+      <a:schemeClr val="dk1"/>
+    </dgm:txFillClrLst>
+    <dgm:txEffectClrLst/>
+  </dgm:styleLbl>
+  <dgm:styleLbl name="alignAcc1">
+    <dgm:fillClrLst meth="repeat">
+      <a:schemeClr val="lt1">
+        <a:alpha val="90000"/>
+      </a:schemeClr>
+    </dgm:fillClrLst>
+    <dgm:linClrLst>
+      <a:schemeClr val="accent3"/>
+      <a:schemeClr val="accent4"/>
+    </dgm:linClrLst>
+    <dgm:effectClrLst/>
+    <dgm:txLinClrLst/>
+    <dgm:txFillClrLst meth="repeat">
+      <a:schemeClr val="dk1"/>
+    </dgm:txFillClrLst>
+    <dgm:txEffectClrLst/>
+  </dgm:styleLbl>
+  <dgm:styleLbl name="trAlignAcc1">
+    <dgm:fillClrLst meth="repeat">
+      <a:schemeClr val="lt1">
+        <a:alpha val="40000"/>
+      </a:schemeClr>
+    </dgm:fillClrLst>
+    <dgm:linClrLst meth="repeat">
+      <a:schemeClr val="accent2"/>
+    </dgm:linClrLst>
+    <dgm:effectClrLst/>
+    <dgm:txLinClrLst/>
+    <dgm:txFillClrLst meth="repeat">
+      <a:schemeClr val="dk1"/>
+    </dgm:txFillClrLst>
+    <dgm:txEffectClrLst/>
+  </dgm:styleLbl>
+  <dgm:styleLbl name="bgAcc1">
+    <dgm:fillClrLst meth="repeat">
+      <a:schemeClr val="lt1">
+        <a:alpha val="90000"/>
+      </a:schemeClr>
+    </dgm:fillClrLst>
+    <dgm:linClrLst>
+      <a:schemeClr val="accent3"/>
+      <a:schemeClr val="accent4"/>
+    </dgm:linClrLst>
+    <dgm:effectClrLst/>
+    <dgm:txLinClrLst/>
+    <dgm:txFillClrLst meth="repeat">
+      <a:schemeClr val="dk1"/>
+    </dgm:txFillClrLst>
+    <dgm:txEffectClrLst/>
+  </dgm:styleLbl>
+  <dgm:styleLbl name="solidFgAcc1">
+    <dgm:fillClrLst meth="repeat">
+      <a:schemeClr val="lt1"/>
+    </dgm:fillClrLst>
+    <dgm:linClrLst>
+      <a:schemeClr val="accent3"/>
+      <a:schemeClr val="accent4"/>
+    </dgm:linClrLst>
+    <dgm:effectClrLst/>
+    <dgm:txLinClrLst/>
+    <dgm:txFillClrLst meth="repeat">
+      <a:schemeClr val="dk1"/>
+    </dgm:txFillClrLst>
+    <dgm:txEffectClrLst/>
+  </dgm:styleLbl>
+  <dgm:styleLbl name="solidAlignAcc1">
+    <dgm:fillClrLst meth="repeat">
+      <a:schemeClr val="lt1"/>
+    </dgm:fillClrLst>
+    <dgm:linClrLst>
+      <a:schemeClr val="accent3"/>
+      <a:schemeClr val="accent4"/>
+    </dgm:linClrLst>
+    <dgm:effectClrLst/>
+    <dgm:txLinClrLst/>
+    <dgm:txFillClrLst meth="repeat">
+      <a:schemeClr val="dk1"/>
+    </dgm:txFillClrLst>
+    <dgm:txEffectClrLst/>
+  </dgm:styleLbl>
+  <dgm:styleLbl name="solidBgAcc1">
+    <dgm:fillClrLst meth="repeat">
+      <a:schemeClr val="lt1"/>
+    </dgm:fillClrLst>
+    <dgm:linClrLst>
+      <a:schemeClr val="accent3"/>
+      <a:schemeClr val="accent4"/>
+    </dgm:linClrLst>
+    <dgm:effectClrLst/>
+    <dgm:txLinClrLst/>
+    <dgm:txFillClrLst meth="repeat">
+      <a:schemeClr val="dk1"/>
+    </dgm:txFillClrLst>
+    <dgm:txEffectClrLst/>
+  </dgm:styleLbl>
+  <dgm:styleLbl name="fgAccFollowNode1">
+    <dgm:fillClrLst>
+      <a:schemeClr val="accent3">
+        <a:tint val="40000"/>
+        <a:alpha val="90000"/>
+      </a:schemeClr>
+      <a:schemeClr val="accent4">
+        <a:tint val="40000"/>
+        <a:alpha val="90000"/>
+      </a:schemeClr>
+    </dgm:fillClrLst>
+    <dgm:linClrLst>
+      <a:schemeClr val="accent3">
+        <a:tint val="40000"/>
+        <a:alpha val="90000"/>
+      </a:schemeClr>
+      <a:schemeClr val="accent4">
+        <a:tint val="40000"/>
+        <a:alpha val="90000"/>
+      </a:schemeClr>
+    </dgm:linClrLst>
+    <dgm:effectClrLst/>
+    <dgm:txLinClrLst/>
+    <dgm:txFillClrLst meth="repeat">
+      <a:schemeClr val="dk1"/>
+    </dgm:txFillClrLst>
+    <dgm:txEffectClrLst/>
+  </dgm:styleLbl>
+  <dgm:styleLbl name="alignAccFollowNode1">
+    <dgm:fillClrLst>
+      <a:schemeClr val="accent3">
+        <a:tint val="40000"/>
+        <a:alpha val="90000"/>
+      </a:schemeClr>
+      <a:schemeClr val="accent4">
+        <a:tint val="40000"/>
+        <a:alpha val="90000"/>
+      </a:schemeClr>
+    </dgm:fillClrLst>
+    <dgm:linClrLst>
+      <a:schemeClr val="accent3">
+        <a:tint val="40000"/>
+        <a:alpha val="90000"/>
+      </a:schemeClr>
+      <a:schemeClr val="accent4">
+        <a:tint val="40000"/>
+        <a:alpha val="90000"/>
+      </a:schemeClr>
+    </dgm:linClrLst>
+    <dgm:effectClrLst/>
+    <dgm:txLinClrLst/>
+    <dgm:txFillClrLst meth="repeat">
+      <a:schemeClr val="dk1"/>
+    </dgm:txFillClrLst>
+    <dgm:txEffectClrLst/>
+  </dgm:styleLbl>
+  <dgm:styleLbl name="bgAccFollowNode1">
+    <dgm:fillClrLst>
+      <a:schemeClr val="accent3">
+        <a:tint val="40000"/>
+        <a:alpha val="90000"/>
+      </a:schemeClr>
+      <a:schemeClr val="accent4">
+        <a:tint val="40000"/>
+        <a:alpha val="90000"/>
+      </a:schemeClr>
+    </dgm:fillClrLst>
+    <dgm:linClrLst>
+      <a:schemeClr val="accent3">
+        <a:tint val="40000"/>
+        <a:alpha val="90000"/>
+      </a:schemeClr>
+      <a:schemeClr val="accent4">
+        <a:tint val="40000"/>
+        <a:alpha val="90000"/>
+      </a:schemeClr>
+    </dgm:linClrLst>
+    <dgm:effectClrLst/>
+    <dgm:txLinClrLst/>
+    <dgm:txFillClrLst meth="repeat">
+      <a:schemeClr val="dk1"/>
+    </dgm:txFillClrLst>
+    <dgm:txEffectClrLst/>
+  </dgm:styleLbl>
+  <dgm:styleLbl name="fgAcc0">
+    <dgm:fillClrLst meth="repeat">
+      <a:schemeClr val="lt1">
+        <a:alpha val="90000"/>
+      </a:schemeClr>
+    </dgm:fillClrLst>
+    <dgm:linClrLst>
+      <a:schemeClr val="accent2"/>
+    </dgm:linClrLst>
+    <dgm:effectClrLst/>
+    <dgm:txLinClrLst/>
+    <dgm:txFillClrLst meth="repeat">
+      <a:schemeClr val="dk1"/>
+    </dgm:txFillClrLst>
+    <dgm:txEffectClrLst/>
+  </dgm:styleLbl>
+  <dgm:styleLbl name="fgAcc2">
+    <dgm:fillClrLst meth="repeat">
+      <a:schemeClr val="lt1">
+        <a:alpha val="90000"/>
+      </a:schemeClr>
+    </dgm:fillClrLst>
+    <dgm:linClrLst>
+      <a:schemeClr val="accent4"/>
+    </dgm:linClrLst>
+    <dgm:effectClrLst/>
+    <dgm:txLinClrLst/>
+    <dgm:txFillClrLst meth="repeat">
+      <a:schemeClr val="dk1"/>
+    </dgm:txFillClrLst>
+    <dgm:txEffectClrLst/>
+  </dgm:styleLbl>
+  <dgm:styleLbl name="fgAcc3">
+    <dgm:fillClrLst meth="repeat">
+      <a:schemeClr val="lt1">
+        <a:alpha val="90000"/>
+      </a:schemeClr>
+    </dgm:fillClrLst>
+    <dgm:linClrLst>
+      <a:schemeClr val="accent5"/>
+    </dgm:linClrLst>
+    <dgm:effectClrLst/>
+    <dgm:txLinClrLst/>
+    <dgm:txFillClrLst meth="repeat">
+      <a:schemeClr val="dk1"/>
+    </dgm:txFillClrLst>
+    <dgm:txEffectClrLst/>
+  </dgm:styleLbl>
+  <dgm:styleLbl name="fgAcc4">
+    <dgm:fillClrLst meth="repeat">
+      <a:schemeClr val="lt1">
+        <a:alpha val="90000"/>
+      </a:schemeClr>
+    </dgm:fillClrLst>
+    <dgm:linClrLst>
+      <a:schemeClr val="accent6"/>
+    </dgm:linClrLst>
+    <dgm:effectClrLst/>
+    <dgm:txLinClrLst/>
+    <dgm:txFillClrLst meth="repeat">
+      <a:schemeClr val="dk1"/>
+    </dgm:txFillClrLst>
+    <dgm:txEffectClrLst/>
+  </dgm:styleLbl>
+  <dgm:styleLbl name="bgShp">
+    <dgm:fillClrLst meth="repeat">
+      <a:schemeClr val="accent3">
+        <a:tint val="40000"/>
+      </a:schemeClr>
+    </dgm:fillClrLst>
+    <dgm:linClrLst meth="repeat">
+      <a:schemeClr val="dk1"/>
+    </dgm:linClrLst>
+    <dgm:effectClrLst/>
+    <dgm:txLinClrLst/>
+    <dgm:txFillClrLst meth="repeat">
+      <a:schemeClr val="dk1"/>
+    </dgm:txFillClrLst>
+    <dgm:txEffectClrLst/>
+  </dgm:styleLbl>
+  <dgm:styleLbl name="dkBgShp">
+    <dgm:fillClrLst meth="repeat">
+      <a:schemeClr val="accent3">
+        <a:shade val="90000"/>
+      </a:schemeClr>
+    </dgm:fillClrLst>
+    <dgm:linClrLst meth="repeat">
+      <a:schemeClr val="dk1"/>
+    </dgm:linClrLst>
+    <dgm:effectClrLst/>
+    <dgm:txLinClrLst/>
+    <dgm:txFillClrLst meth="repeat">
+      <a:schemeClr val="lt1"/>
+    </dgm:txFillClrLst>
+    <dgm:txEffectClrLst/>
+  </dgm:styleLbl>
+  <dgm:styleLbl name="trBgShp">
+    <dgm:fillClrLst meth="repeat">
+      <a:schemeClr val="accent2">
+        <a:tint val="50000"/>
+        <a:alpha val="40000"/>
+      </a:schemeClr>
+    </dgm:fillClrLst>
+    <dgm:linClrLst meth="repeat">
+      <a:schemeClr val="accent3"/>
+    </dgm:linClrLst>
+    <dgm:effectClrLst/>
+    <dgm:txLinClrLst/>
+    <dgm:txFillClrLst meth="repeat">
+      <a:schemeClr val="lt1"/>
+    </dgm:txFillClrLst>
+    <dgm:txEffectClrLst/>
+  </dgm:styleLbl>
+  <dgm:styleLbl name="fgShp">
+    <dgm:fillClrLst meth="repeat">
+      <a:schemeClr val="accent3">
         <a:tint val="40000"/>
       </a:schemeClr>
     </dgm:fillClrLst>
@@ -2404,6 +3185,417 @@
   <dgm:extLst>
     <a:ext uri="http://schemas.microsoft.com/office/drawing/2008/diagram">
       <dsp:dataModelExt xmlns:dsp="http://schemas.microsoft.com/office/drawing/2008/diagram" relId="rId7" minVer="http://schemas.openxmlformats.org/drawingml/2006/diagram"/>
+    </a:ext>
+  </dgm:extLst>
+</dgm:dataModel>
+</file>
+
+<file path=ppt/diagrams/data3.xml><?xml version="1.0" encoding="utf-8"?>
+<dgm:dataModel xmlns:dgm="http://schemas.openxmlformats.org/drawingml/2006/diagram" xmlns:a="http://schemas.openxmlformats.org/drawingml/2006/main">
+  <dgm:ptLst>
+    <dgm:pt modelId="{149FBEA3-E428-4730-9AD9-6057615644E6}" type="doc">
+      <dgm:prSet loTypeId="urn:microsoft.com/office/officeart/2008/layout/VerticalCurvedList" loCatId="list" qsTypeId="urn:microsoft.com/office/officeart/2005/8/quickstyle/simple1" qsCatId="simple" csTypeId="urn:microsoft.com/office/officeart/2005/8/colors/colorful3" csCatId="colorful" phldr="1"/>
+      <dgm:spPr/>
+      <dgm:t>
+        <a:bodyPr/>
+        <a:lstStyle/>
+        <a:p>
+          <a:endParaRPr lang="de-DE"/>
+        </a:p>
+      </dgm:t>
+    </dgm:pt>
+    <dgm:pt modelId="{AA7A0495-2722-4816-8384-F00D602FDFC2}">
+      <dgm:prSet phldrT="[Text]"/>
+      <dgm:spPr/>
+      <dgm:t>
+        <a:bodyPr/>
+        <a:lstStyle/>
+        <a:p>
+          <a:r>
+            <a:rPr lang="de-DE" dirty="0"/>
+            <a:t>UltraschallVorne.txt</a:t>
+          </a:r>
+        </a:p>
+      </dgm:t>
+    </dgm:pt>
+    <dgm:pt modelId="{2300D3A1-A25F-41DD-B707-F3DD9B364181}" type="parTrans" cxnId="{C6438B19-7154-47A5-A592-1F1B233C0031}">
+      <dgm:prSet/>
+      <dgm:spPr/>
+      <dgm:t>
+        <a:bodyPr/>
+        <a:lstStyle/>
+        <a:p>
+          <a:endParaRPr lang="de-DE"/>
+        </a:p>
+      </dgm:t>
+    </dgm:pt>
+    <dgm:pt modelId="{243276D9-983C-47FA-AE9A-C3ED7D1CD57C}" type="sibTrans" cxnId="{C6438B19-7154-47A5-A592-1F1B233C0031}">
+      <dgm:prSet/>
+      <dgm:spPr/>
+      <dgm:t>
+        <a:bodyPr/>
+        <a:lstStyle/>
+        <a:p>
+          <a:endParaRPr lang="de-DE"/>
+        </a:p>
+      </dgm:t>
+    </dgm:pt>
+    <dgm:pt modelId="{EA508702-3044-44F1-9BD0-21E9ECCDDFEB}">
+      <dgm:prSet phldrT="[Text]"/>
+      <dgm:spPr/>
+      <dgm:t>
+        <a:bodyPr/>
+        <a:lstStyle/>
+        <a:p>
+          <a:r>
+            <a:rPr lang="de-DE" dirty="0"/>
+            <a:t>UltraschallHinten.txt</a:t>
+          </a:r>
+        </a:p>
+      </dgm:t>
+    </dgm:pt>
+    <dgm:pt modelId="{930F5907-6A7C-41CF-87E3-72404D0CE216}" type="parTrans" cxnId="{E2F88AAD-A797-493E-A28C-3927AF3B3167}">
+      <dgm:prSet/>
+      <dgm:spPr/>
+      <dgm:t>
+        <a:bodyPr/>
+        <a:lstStyle/>
+        <a:p>
+          <a:endParaRPr lang="de-DE"/>
+        </a:p>
+      </dgm:t>
+    </dgm:pt>
+    <dgm:pt modelId="{904FBAFC-1087-4A0C-BFE8-0C164BC97DF6}" type="sibTrans" cxnId="{E2F88AAD-A797-493E-A28C-3927AF3B3167}">
+      <dgm:prSet/>
+      <dgm:spPr/>
+      <dgm:t>
+        <a:bodyPr/>
+        <a:lstStyle/>
+        <a:p>
+          <a:endParaRPr lang="de-DE"/>
+        </a:p>
+      </dgm:t>
+    </dgm:pt>
+    <dgm:pt modelId="{FA48CC9E-15F6-4227-9FE0-0C4C7E18CD08}">
+      <dgm:prSet phldrT="[Text]"/>
+      <dgm:spPr/>
+      <dgm:t>
+        <a:bodyPr/>
+        <a:lstStyle/>
+        <a:p>
+          <a:r>
+            <a:rPr lang="de-DE" dirty="0"/>
+            <a:t>Kompass.txt</a:t>
+          </a:r>
+        </a:p>
+      </dgm:t>
+    </dgm:pt>
+    <dgm:pt modelId="{619F82F4-C955-4246-B4E3-D3CBEB9FF4D8}" type="parTrans" cxnId="{CF56E786-3A61-494C-A3DE-34A95F266980}">
+      <dgm:prSet/>
+      <dgm:spPr/>
+      <dgm:t>
+        <a:bodyPr/>
+        <a:lstStyle/>
+        <a:p>
+          <a:endParaRPr lang="de-DE"/>
+        </a:p>
+      </dgm:t>
+    </dgm:pt>
+    <dgm:pt modelId="{72019321-A301-4A74-A8D1-7B86A20A70B2}" type="sibTrans" cxnId="{CF56E786-3A61-494C-A3DE-34A95F266980}">
+      <dgm:prSet/>
+      <dgm:spPr/>
+      <dgm:t>
+        <a:bodyPr/>
+        <a:lstStyle/>
+        <a:p>
+          <a:endParaRPr lang="de-DE"/>
+        </a:p>
+      </dgm:t>
+    </dgm:pt>
+    <dgm:pt modelId="{3B7D5E4E-A33A-4733-8562-8A7906616091}">
+      <dgm:prSet phldrT="[Text]"/>
+      <dgm:spPr/>
+      <dgm:t>
+        <a:bodyPr/>
+        <a:lstStyle/>
+        <a:p>
+          <a:r>
+            <a:rPr lang="de-DE" dirty="0"/>
+            <a:t>Beschleunigung.txt</a:t>
+          </a:r>
+        </a:p>
+      </dgm:t>
+    </dgm:pt>
+    <dgm:pt modelId="{E3E4591F-8BA5-42AA-9593-25F1396829E1}" type="parTrans" cxnId="{A795A506-A271-4692-B901-4394A811ECF7}">
+      <dgm:prSet/>
+      <dgm:spPr/>
+      <dgm:t>
+        <a:bodyPr/>
+        <a:lstStyle/>
+        <a:p>
+          <a:endParaRPr lang="de-DE"/>
+        </a:p>
+      </dgm:t>
+    </dgm:pt>
+    <dgm:pt modelId="{34367B9F-EE89-4F91-ACC1-8636EA9D0672}" type="sibTrans" cxnId="{A795A506-A271-4692-B901-4394A811ECF7}">
+      <dgm:prSet/>
+      <dgm:spPr/>
+      <dgm:t>
+        <a:bodyPr/>
+        <a:lstStyle/>
+        <a:p>
+          <a:endParaRPr lang="de-DE"/>
+        </a:p>
+      </dgm:t>
+    </dgm:pt>
+    <dgm:pt modelId="{497229A7-636B-4F95-AF74-EFF76FBD0C68}">
+      <dgm:prSet phldrT="[Text]"/>
+      <dgm:spPr/>
+      <dgm:t>
+        <a:bodyPr/>
+        <a:lstStyle/>
+        <a:p>
+          <a:r>
+            <a:rPr lang="de-DE" dirty="0"/>
+            <a:t>UWB.txt</a:t>
+          </a:r>
+        </a:p>
+      </dgm:t>
+    </dgm:pt>
+    <dgm:pt modelId="{55947480-1D33-44DB-9B1D-DF0E4CD7BDB1}" type="parTrans" cxnId="{1E5B5283-4683-4DF0-BD84-0D1A39CCF25E}">
+      <dgm:prSet/>
+      <dgm:spPr/>
+      <dgm:t>
+        <a:bodyPr/>
+        <a:lstStyle/>
+        <a:p>
+          <a:endParaRPr lang="de-DE"/>
+        </a:p>
+      </dgm:t>
+    </dgm:pt>
+    <dgm:pt modelId="{827546AE-7AA0-4403-84D4-F369A8D959D6}" type="sibTrans" cxnId="{1E5B5283-4683-4DF0-BD84-0D1A39CCF25E}">
+      <dgm:prSet/>
+      <dgm:spPr/>
+      <dgm:t>
+        <a:bodyPr/>
+        <a:lstStyle/>
+        <a:p>
+          <a:endParaRPr lang="de-DE"/>
+        </a:p>
+      </dgm:t>
+    </dgm:pt>
+    <dgm:pt modelId="{26DD8C2B-FC95-4085-AFCE-7125233B5192}">
+      <dgm:prSet phldrT="[Text]"/>
+      <dgm:spPr/>
+      <dgm:t>
+        <a:bodyPr/>
+        <a:lstStyle/>
+        <a:p>
+          <a:r>
+            <a:rPr lang="de-DE" dirty="0"/>
+            <a:t>Lidar.txt</a:t>
+          </a:r>
+        </a:p>
+      </dgm:t>
+    </dgm:pt>
+    <dgm:pt modelId="{03C44713-C9BC-4FEA-84B6-F53B6D119658}" type="parTrans" cxnId="{17B88B4C-0392-4543-AF55-942993ABA11B}">
+      <dgm:prSet/>
+      <dgm:spPr/>
+      <dgm:t>
+        <a:bodyPr/>
+        <a:lstStyle/>
+        <a:p>
+          <a:endParaRPr lang="de-DE"/>
+        </a:p>
+      </dgm:t>
+    </dgm:pt>
+    <dgm:pt modelId="{21B03867-D56F-4B76-927D-9C905C05C79F}" type="sibTrans" cxnId="{17B88B4C-0392-4543-AF55-942993ABA11B}">
+      <dgm:prSet/>
+      <dgm:spPr/>
+      <dgm:t>
+        <a:bodyPr/>
+        <a:lstStyle/>
+        <a:p>
+          <a:endParaRPr lang="de-DE"/>
+        </a:p>
+      </dgm:t>
+    </dgm:pt>
+    <dgm:pt modelId="{B8544DDC-B71B-4606-8EA9-1C43CB33EAD5}" type="pres">
+      <dgm:prSet presAssocID="{149FBEA3-E428-4730-9AD9-6057615644E6}" presName="Name0" presStyleCnt="0">
+        <dgm:presLayoutVars>
+          <dgm:chMax val="7"/>
+          <dgm:chPref val="7"/>
+          <dgm:dir/>
+        </dgm:presLayoutVars>
+      </dgm:prSet>
+      <dgm:spPr/>
+    </dgm:pt>
+    <dgm:pt modelId="{CCB5C1C4-98C8-4807-8411-13DC65838A73}" type="pres">
+      <dgm:prSet presAssocID="{149FBEA3-E428-4730-9AD9-6057615644E6}" presName="Name1" presStyleCnt="0"/>
+      <dgm:spPr/>
+    </dgm:pt>
+    <dgm:pt modelId="{C18B6D1B-117B-4D2F-A012-2623531F6666}" type="pres">
+      <dgm:prSet presAssocID="{149FBEA3-E428-4730-9AD9-6057615644E6}" presName="cycle" presStyleCnt="0"/>
+      <dgm:spPr/>
+    </dgm:pt>
+    <dgm:pt modelId="{F6401F1A-FF4E-455D-BD09-317E53802B5A}" type="pres">
+      <dgm:prSet presAssocID="{149FBEA3-E428-4730-9AD9-6057615644E6}" presName="srcNode" presStyleLbl="node1" presStyleIdx="0" presStyleCnt="6"/>
+      <dgm:spPr/>
+    </dgm:pt>
+    <dgm:pt modelId="{8FF24C8E-EDE9-4D03-AD86-BB57784E71B2}" type="pres">
+      <dgm:prSet presAssocID="{149FBEA3-E428-4730-9AD9-6057615644E6}" presName="conn" presStyleLbl="parChTrans1D2" presStyleIdx="0" presStyleCnt="1"/>
+      <dgm:spPr/>
+    </dgm:pt>
+    <dgm:pt modelId="{023D6A59-AD5B-4EB4-87D2-F2FE98586A04}" type="pres">
+      <dgm:prSet presAssocID="{149FBEA3-E428-4730-9AD9-6057615644E6}" presName="extraNode" presStyleLbl="node1" presStyleIdx="0" presStyleCnt="6"/>
+      <dgm:spPr/>
+    </dgm:pt>
+    <dgm:pt modelId="{3C5AF4EF-460E-445A-8052-DE21F2B24E22}" type="pres">
+      <dgm:prSet presAssocID="{149FBEA3-E428-4730-9AD9-6057615644E6}" presName="dstNode" presStyleLbl="node1" presStyleIdx="0" presStyleCnt="6"/>
+      <dgm:spPr/>
+    </dgm:pt>
+    <dgm:pt modelId="{9EC56DD6-836A-4310-A1BD-8CBA55F9DF38}" type="pres">
+      <dgm:prSet presAssocID="{AA7A0495-2722-4816-8384-F00D602FDFC2}" presName="text_1" presStyleLbl="node1" presStyleIdx="0" presStyleCnt="6">
+        <dgm:presLayoutVars>
+          <dgm:bulletEnabled val="1"/>
+        </dgm:presLayoutVars>
+      </dgm:prSet>
+      <dgm:spPr/>
+    </dgm:pt>
+    <dgm:pt modelId="{34FCD9B7-43F0-449B-9A36-3DF4C89F82C0}" type="pres">
+      <dgm:prSet presAssocID="{AA7A0495-2722-4816-8384-F00D602FDFC2}" presName="accent_1" presStyleCnt="0"/>
+      <dgm:spPr/>
+    </dgm:pt>
+    <dgm:pt modelId="{7C231448-8006-483E-B787-6677913CC386}" type="pres">
+      <dgm:prSet presAssocID="{AA7A0495-2722-4816-8384-F00D602FDFC2}" presName="accentRepeatNode" presStyleLbl="solidFgAcc1" presStyleIdx="0" presStyleCnt="6"/>
+      <dgm:spPr/>
+    </dgm:pt>
+    <dgm:pt modelId="{8E66A784-8F14-4CB3-9FE3-6FB3CE0396EE}" type="pres">
+      <dgm:prSet presAssocID="{EA508702-3044-44F1-9BD0-21E9ECCDDFEB}" presName="text_2" presStyleLbl="node1" presStyleIdx="1" presStyleCnt="6">
+        <dgm:presLayoutVars>
+          <dgm:bulletEnabled val="1"/>
+        </dgm:presLayoutVars>
+      </dgm:prSet>
+      <dgm:spPr/>
+    </dgm:pt>
+    <dgm:pt modelId="{591447C4-483B-4975-AE17-4756CC660EA4}" type="pres">
+      <dgm:prSet presAssocID="{EA508702-3044-44F1-9BD0-21E9ECCDDFEB}" presName="accent_2" presStyleCnt="0"/>
+      <dgm:spPr/>
+    </dgm:pt>
+    <dgm:pt modelId="{DAA72500-99C3-4117-BBFE-E8165D0B5075}" type="pres">
+      <dgm:prSet presAssocID="{EA508702-3044-44F1-9BD0-21E9ECCDDFEB}" presName="accentRepeatNode" presStyleLbl="solidFgAcc1" presStyleIdx="1" presStyleCnt="6"/>
+      <dgm:spPr/>
+    </dgm:pt>
+    <dgm:pt modelId="{69F5E8B5-3AB4-468B-8997-C90E5EBE0570}" type="pres">
+      <dgm:prSet presAssocID="{FA48CC9E-15F6-4227-9FE0-0C4C7E18CD08}" presName="text_3" presStyleLbl="node1" presStyleIdx="2" presStyleCnt="6">
+        <dgm:presLayoutVars>
+          <dgm:bulletEnabled val="1"/>
+        </dgm:presLayoutVars>
+      </dgm:prSet>
+      <dgm:spPr/>
+    </dgm:pt>
+    <dgm:pt modelId="{1494B7CC-B76F-44CB-9DF1-60386208605F}" type="pres">
+      <dgm:prSet presAssocID="{FA48CC9E-15F6-4227-9FE0-0C4C7E18CD08}" presName="accent_3" presStyleCnt="0"/>
+      <dgm:spPr/>
+    </dgm:pt>
+    <dgm:pt modelId="{01B4E13D-1588-4337-85DB-01CBACD092C8}" type="pres">
+      <dgm:prSet presAssocID="{FA48CC9E-15F6-4227-9FE0-0C4C7E18CD08}" presName="accentRepeatNode" presStyleLbl="solidFgAcc1" presStyleIdx="2" presStyleCnt="6"/>
+      <dgm:spPr/>
+    </dgm:pt>
+    <dgm:pt modelId="{3F4AF4EB-5729-431A-97C7-6E0BFA0A5B2B}" type="pres">
+      <dgm:prSet presAssocID="{3B7D5E4E-A33A-4733-8562-8A7906616091}" presName="text_4" presStyleLbl="node1" presStyleIdx="3" presStyleCnt="6">
+        <dgm:presLayoutVars>
+          <dgm:bulletEnabled val="1"/>
+        </dgm:presLayoutVars>
+      </dgm:prSet>
+      <dgm:spPr/>
+    </dgm:pt>
+    <dgm:pt modelId="{CB14AD9F-D164-4EF1-879D-EDDF6CC2ABE3}" type="pres">
+      <dgm:prSet presAssocID="{3B7D5E4E-A33A-4733-8562-8A7906616091}" presName="accent_4" presStyleCnt="0"/>
+      <dgm:spPr/>
+    </dgm:pt>
+    <dgm:pt modelId="{AE246251-AD21-456D-BB1F-B0553D662DF8}" type="pres">
+      <dgm:prSet presAssocID="{3B7D5E4E-A33A-4733-8562-8A7906616091}" presName="accentRepeatNode" presStyleLbl="solidFgAcc1" presStyleIdx="3" presStyleCnt="6"/>
+      <dgm:spPr/>
+    </dgm:pt>
+    <dgm:pt modelId="{EC6D84E9-F377-430F-A1A6-5D1E3E82777D}" type="pres">
+      <dgm:prSet presAssocID="{497229A7-636B-4F95-AF74-EFF76FBD0C68}" presName="text_5" presStyleLbl="node1" presStyleIdx="4" presStyleCnt="6">
+        <dgm:presLayoutVars>
+          <dgm:bulletEnabled val="1"/>
+        </dgm:presLayoutVars>
+      </dgm:prSet>
+      <dgm:spPr/>
+    </dgm:pt>
+    <dgm:pt modelId="{27CF25E4-4E5A-413D-A32C-B3E355D0610B}" type="pres">
+      <dgm:prSet presAssocID="{497229A7-636B-4F95-AF74-EFF76FBD0C68}" presName="accent_5" presStyleCnt="0"/>
+      <dgm:spPr/>
+    </dgm:pt>
+    <dgm:pt modelId="{3E4EBCD5-A090-411E-B21C-955A05402FE3}" type="pres">
+      <dgm:prSet presAssocID="{497229A7-636B-4F95-AF74-EFF76FBD0C68}" presName="accentRepeatNode" presStyleLbl="solidFgAcc1" presStyleIdx="4" presStyleCnt="6"/>
+      <dgm:spPr/>
+    </dgm:pt>
+    <dgm:pt modelId="{14564281-D415-4CF4-925D-48544D82D1E8}" type="pres">
+      <dgm:prSet presAssocID="{26DD8C2B-FC95-4085-AFCE-7125233B5192}" presName="text_6" presStyleLbl="node1" presStyleIdx="5" presStyleCnt="6">
+        <dgm:presLayoutVars>
+          <dgm:bulletEnabled val="1"/>
+        </dgm:presLayoutVars>
+      </dgm:prSet>
+      <dgm:spPr/>
+    </dgm:pt>
+    <dgm:pt modelId="{4364FBCC-193B-4907-866A-37F9DE3250E7}" type="pres">
+      <dgm:prSet presAssocID="{26DD8C2B-FC95-4085-AFCE-7125233B5192}" presName="accent_6" presStyleCnt="0"/>
+      <dgm:spPr/>
+    </dgm:pt>
+    <dgm:pt modelId="{9F46DC69-F5B9-4227-A57C-DE82B8B324E7}" type="pres">
+      <dgm:prSet presAssocID="{26DD8C2B-FC95-4085-AFCE-7125233B5192}" presName="accentRepeatNode" presStyleLbl="solidFgAcc1" presStyleIdx="5" presStyleCnt="6"/>
+      <dgm:spPr/>
+    </dgm:pt>
+  </dgm:ptLst>
+  <dgm:cxnLst>
+    <dgm:cxn modelId="{A795A506-A271-4692-B901-4394A811ECF7}" srcId="{149FBEA3-E428-4730-9AD9-6057615644E6}" destId="{3B7D5E4E-A33A-4733-8562-8A7906616091}" srcOrd="3" destOrd="0" parTransId="{E3E4591F-8BA5-42AA-9593-25F1396829E1}" sibTransId="{34367B9F-EE89-4F91-ACC1-8636EA9D0672}"/>
+    <dgm:cxn modelId="{C5432B11-6389-4D38-A881-B63BE0BD903F}" type="presOf" srcId="{3B7D5E4E-A33A-4733-8562-8A7906616091}" destId="{3F4AF4EB-5729-431A-97C7-6E0BFA0A5B2B}" srcOrd="0" destOrd="0" presId="urn:microsoft.com/office/officeart/2008/layout/VerticalCurvedList"/>
+    <dgm:cxn modelId="{C6438B19-7154-47A5-A592-1F1B233C0031}" srcId="{149FBEA3-E428-4730-9AD9-6057615644E6}" destId="{AA7A0495-2722-4816-8384-F00D602FDFC2}" srcOrd="0" destOrd="0" parTransId="{2300D3A1-A25F-41DD-B707-F3DD9B364181}" sibTransId="{243276D9-983C-47FA-AE9A-C3ED7D1CD57C}"/>
+    <dgm:cxn modelId="{17B88B4C-0392-4543-AF55-942993ABA11B}" srcId="{149FBEA3-E428-4730-9AD9-6057615644E6}" destId="{26DD8C2B-FC95-4085-AFCE-7125233B5192}" srcOrd="5" destOrd="0" parTransId="{03C44713-C9BC-4FEA-84B6-F53B6D119658}" sibTransId="{21B03867-D56F-4B76-927D-9C905C05C79F}"/>
+    <dgm:cxn modelId="{BB32C876-23C1-41D6-926B-43281757841E}" type="presOf" srcId="{EA508702-3044-44F1-9BD0-21E9ECCDDFEB}" destId="{8E66A784-8F14-4CB3-9FE3-6FB3CE0396EE}" srcOrd="0" destOrd="0" presId="urn:microsoft.com/office/officeart/2008/layout/VerticalCurvedList"/>
+    <dgm:cxn modelId="{2EA99481-8AAD-44F2-8F39-803F69B640C9}" type="presOf" srcId="{149FBEA3-E428-4730-9AD9-6057615644E6}" destId="{B8544DDC-B71B-4606-8EA9-1C43CB33EAD5}" srcOrd="0" destOrd="0" presId="urn:microsoft.com/office/officeart/2008/layout/VerticalCurvedList"/>
+    <dgm:cxn modelId="{1E5B5283-4683-4DF0-BD84-0D1A39CCF25E}" srcId="{149FBEA3-E428-4730-9AD9-6057615644E6}" destId="{497229A7-636B-4F95-AF74-EFF76FBD0C68}" srcOrd="4" destOrd="0" parTransId="{55947480-1D33-44DB-9B1D-DF0E4CD7BDB1}" sibTransId="{827546AE-7AA0-4403-84D4-F369A8D959D6}"/>
+    <dgm:cxn modelId="{CF56E786-3A61-494C-A3DE-34A95F266980}" srcId="{149FBEA3-E428-4730-9AD9-6057615644E6}" destId="{FA48CC9E-15F6-4227-9FE0-0C4C7E18CD08}" srcOrd="2" destOrd="0" parTransId="{619F82F4-C955-4246-B4E3-D3CBEB9FF4D8}" sibTransId="{72019321-A301-4A74-A8D1-7B86A20A70B2}"/>
+    <dgm:cxn modelId="{816F838C-4AC5-47F0-9480-ECD475A63C19}" type="presOf" srcId="{26DD8C2B-FC95-4085-AFCE-7125233B5192}" destId="{14564281-D415-4CF4-925D-48544D82D1E8}" srcOrd="0" destOrd="0" presId="urn:microsoft.com/office/officeart/2008/layout/VerticalCurvedList"/>
+    <dgm:cxn modelId="{19336096-BDA2-4761-8F9E-9B01F8072ECC}" type="presOf" srcId="{243276D9-983C-47FA-AE9A-C3ED7D1CD57C}" destId="{8FF24C8E-EDE9-4D03-AD86-BB57784E71B2}" srcOrd="0" destOrd="0" presId="urn:microsoft.com/office/officeart/2008/layout/VerticalCurvedList"/>
+    <dgm:cxn modelId="{9DDF0B9D-BCB8-4E81-A0EE-C92435DF3EB2}" type="presOf" srcId="{AA7A0495-2722-4816-8384-F00D602FDFC2}" destId="{9EC56DD6-836A-4310-A1BD-8CBA55F9DF38}" srcOrd="0" destOrd="0" presId="urn:microsoft.com/office/officeart/2008/layout/VerticalCurvedList"/>
+    <dgm:cxn modelId="{D01ACCA4-0579-4CCE-A449-2DE3F7FB02A6}" type="presOf" srcId="{497229A7-636B-4F95-AF74-EFF76FBD0C68}" destId="{EC6D84E9-F377-430F-A1A6-5D1E3E82777D}" srcOrd="0" destOrd="0" presId="urn:microsoft.com/office/officeart/2008/layout/VerticalCurvedList"/>
+    <dgm:cxn modelId="{E2F88AAD-A797-493E-A28C-3927AF3B3167}" srcId="{149FBEA3-E428-4730-9AD9-6057615644E6}" destId="{EA508702-3044-44F1-9BD0-21E9ECCDDFEB}" srcOrd="1" destOrd="0" parTransId="{930F5907-6A7C-41CF-87E3-72404D0CE216}" sibTransId="{904FBAFC-1087-4A0C-BFE8-0C164BC97DF6}"/>
+    <dgm:cxn modelId="{9E1B51BD-A552-4081-A138-B20FC0D05656}" type="presOf" srcId="{FA48CC9E-15F6-4227-9FE0-0C4C7E18CD08}" destId="{69F5E8B5-3AB4-468B-8997-C90E5EBE0570}" srcOrd="0" destOrd="0" presId="urn:microsoft.com/office/officeart/2008/layout/VerticalCurvedList"/>
+    <dgm:cxn modelId="{3F2100EA-6B84-426D-BA59-FFCE758B759B}" type="presParOf" srcId="{B8544DDC-B71B-4606-8EA9-1C43CB33EAD5}" destId="{CCB5C1C4-98C8-4807-8411-13DC65838A73}" srcOrd="0" destOrd="0" presId="urn:microsoft.com/office/officeart/2008/layout/VerticalCurvedList"/>
+    <dgm:cxn modelId="{7477C4E1-5C96-4002-89F9-7C77CACAE7FA}" type="presParOf" srcId="{CCB5C1C4-98C8-4807-8411-13DC65838A73}" destId="{C18B6D1B-117B-4D2F-A012-2623531F6666}" srcOrd="0" destOrd="0" presId="urn:microsoft.com/office/officeart/2008/layout/VerticalCurvedList"/>
+    <dgm:cxn modelId="{032D3D21-AA5B-4D51-902D-E43A039F284F}" type="presParOf" srcId="{C18B6D1B-117B-4D2F-A012-2623531F6666}" destId="{F6401F1A-FF4E-455D-BD09-317E53802B5A}" srcOrd="0" destOrd="0" presId="urn:microsoft.com/office/officeart/2008/layout/VerticalCurvedList"/>
+    <dgm:cxn modelId="{F0A217BD-BA5F-4F4E-809E-984DB995C36C}" type="presParOf" srcId="{C18B6D1B-117B-4D2F-A012-2623531F6666}" destId="{8FF24C8E-EDE9-4D03-AD86-BB57784E71B2}" srcOrd="1" destOrd="0" presId="urn:microsoft.com/office/officeart/2008/layout/VerticalCurvedList"/>
+    <dgm:cxn modelId="{7622015A-4CC5-4DB4-8BFB-C2E81A0646ED}" type="presParOf" srcId="{C18B6D1B-117B-4D2F-A012-2623531F6666}" destId="{023D6A59-AD5B-4EB4-87D2-F2FE98586A04}" srcOrd="2" destOrd="0" presId="urn:microsoft.com/office/officeart/2008/layout/VerticalCurvedList"/>
+    <dgm:cxn modelId="{FB65D9E3-7272-4CC0-85A2-3FFADCFC9A33}" type="presParOf" srcId="{C18B6D1B-117B-4D2F-A012-2623531F6666}" destId="{3C5AF4EF-460E-445A-8052-DE21F2B24E22}" srcOrd="3" destOrd="0" presId="urn:microsoft.com/office/officeart/2008/layout/VerticalCurvedList"/>
+    <dgm:cxn modelId="{BD15219F-981E-47BE-9774-70DA73B7DEF0}" type="presParOf" srcId="{CCB5C1C4-98C8-4807-8411-13DC65838A73}" destId="{9EC56DD6-836A-4310-A1BD-8CBA55F9DF38}" srcOrd="1" destOrd="0" presId="urn:microsoft.com/office/officeart/2008/layout/VerticalCurvedList"/>
+    <dgm:cxn modelId="{EFC6AAAC-C20B-49A5-835F-59082E9D5160}" type="presParOf" srcId="{CCB5C1C4-98C8-4807-8411-13DC65838A73}" destId="{34FCD9B7-43F0-449B-9A36-3DF4C89F82C0}" srcOrd="2" destOrd="0" presId="urn:microsoft.com/office/officeart/2008/layout/VerticalCurvedList"/>
+    <dgm:cxn modelId="{E3450A33-B361-43A1-BBD7-FF5BD306B942}" type="presParOf" srcId="{34FCD9B7-43F0-449B-9A36-3DF4C89F82C0}" destId="{7C231448-8006-483E-B787-6677913CC386}" srcOrd="0" destOrd="0" presId="urn:microsoft.com/office/officeart/2008/layout/VerticalCurvedList"/>
+    <dgm:cxn modelId="{5E8D14B7-1262-4361-A829-6C1F19269851}" type="presParOf" srcId="{CCB5C1C4-98C8-4807-8411-13DC65838A73}" destId="{8E66A784-8F14-4CB3-9FE3-6FB3CE0396EE}" srcOrd="3" destOrd="0" presId="urn:microsoft.com/office/officeart/2008/layout/VerticalCurvedList"/>
+    <dgm:cxn modelId="{BE6A4E4E-FB4B-4F52-A355-8496112A4C97}" type="presParOf" srcId="{CCB5C1C4-98C8-4807-8411-13DC65838A73}" destId="{591447C4-483B-4975-AE17-4756CC660EA4}" srcOrd="4" destOrd="0" presId="urn:microsoft.com/office/officeart/2008/layout/VerticalCurvedList"/>
+    <dgm:cxn modelId="{F62B8DCF-727D-4FD3-82C4-5243FE7EF6EF}" type="presParOf" srcId="{591447C4-483B-4975-AE17-4756CC660EA4}" destId="{DAA72500-99C3-4117-BBFE-E8165D0B5075}" srcOrd="0" destOrd="0" presId="urn:microsoft.com/office/officeart/2008/layout/VerticalCurvedList"/>
+    <dgm:cxn modelId="{256E256B-F406-4200-A98F-EFFBF177495D}" type="presParOf" srcId="{CCB5C1C4-98C8-4807-8411-13DC65838A73}" destId="{69F5E8B5-3AB4-468B-8997-C90E5EBE0570}" srcOrd="5" destOrd="0" presId="urn:microsoft.com/office/officeart/2008/layout/VerticalCurvedList"/>
+    <dgm:cxn modelId="{6731E1E0-B0B8-4462-B7E4-56EAB0416D56}" type="presParOf" srcId="{CCB5C1C4-98C8-4807-8411-13DC65838A73}" destId="{1494B7CC-B76F-44CB-9DF1-60386208605F}" srcOrd="6" destOrd="0" presId="urn:microsoft.com/office/officeart/2008/layout/VerticalCurvedList"/>
+    <dgm:cxn modelId="{90EC5490-F692-48F1-B4AC-3DA7711DBF32}" type="presParOf" srcId="{1494B7CC-B76F-44CB-9DF1-60386208605F}" destId="{01B4E13D-1588-4337-85DB-01CBACD092C8}" srcOrd="0" destOrd="0" presId="urn:microsoft.com/office/officeart/2008/layout/VerticalCurvedList"/>
+    <dgm:cxn modelId="{4A72ABDD-CB59-4B47-98DB-5ED55BB16D28}" type="presParOf" srcId="{CCB5C1C4-98C8-4807-8411-13DC65838A73}" destId="{3F4AF4EB-5729-431A-97C7-6E0BFA0A5B2B}" srcOrd="7" destOrd="0" presId="urn:microsoft.com/office/officeart/2008/layout/VerticalCurvedList"/>
+    <dgm:cxn modelId="{FA6EB34D-736A-49D8-B750-9E13517178B8}" type="presParOf" srcId="{CCB5C1C4-98C8-4807-8411-13DC65838A73}" destId="{CB14AD9F-D164-4EF1-879D-EDDF6CC2ABE3}" srcOrd="8" destOrd="0" presId="urn:microsoft.com/office/officeart/2008/layout/VerticalCurvedList"/>
+    <dgm:cxn modelId="{5E43AB92-1ED6-498A-B1BE-09A0F18E6F2B}" type="presParOf" srcId="{CB14AD9F-D164-4EF1-879D-EDDF6CC2ABE3}" destId="{AE246251-AD21-456D-BB1F-B0553D662DF8}" srcOrd="0" destOrd="0" presId="urn:microsoft.com/office/officeart/2008/layout/VerticalCurvedList"/>
+    <dgm:cxn modelId="{09E69248-8CE2-4E89-A8F2-8356C464C023}" type="presParOf" srcId="{CCB5C1C4-98C8-4807-8411-13DC65838A73}" destId="{EC6D84E9-F377-430F-A1A6-5D1E3E82777D}" srcOrd="9" destOrd="0" presId="urn:microsoft.com/office/officeart/2008/layout/VerticalCurvedList"/>
+    <dgm:cxn modelId="{729833F7-DF16-4E2C-830D-A54A2DC70A0C}" type="presParOf" srcId="{CCB5C1C4-98C8-4807-8411-13DC65838A73}" destId="{27CF25E4-4E5A-413D-A32C-B3E355D0610B}" srcOrd="10" destOrd="0" presId="urn:microsoft.com/office/officeart/2008/layout/VerticalCurvedList"/>
+    <dgm:cxn modelId="{90CF1908-F363-4A24-A396-F088F0283D44}" type="presParOf" srcId="{27CF25E4-4E5A-413D-A32C-B3E355D0610B}" destId="{3E4EBCD5-A090-411E-B21C-955A05402FE3}" srcOrd="0" destOrd="0" presId="urn:microsoft.com/office/officeart/2008/layout/VerticalCurvedList"/>
+    <dgm:cxn modelId="{1B8CB505-00BD-435A-9164-CF05DAB8D33A}" type="presParOf" srcId="{CCB5C1C4-98C8-4807-8411-13DC65838A73}" destId="{14564281-D415-4CF4-925D-48544D82D1E8}" srcOrd="11" destOrd="0" presId="urn:microsoft.com/office/officeart/2008/layout/VerticalCurvedList"/>
+    <dgm:cxn modelId="{5C1DFA05-798F-41D2-A1FC-26FF40EAE9DB}" type="presParOf" srcId="{CCB5C1C4-98C8-4807-8411-13DC65838A73}" destId="{4364FBCC-193B-4907-866A-37F9DE3250E7}" srcOrd="12" destOrd="0" presId="urn:microsoft.com/office/officeart/2008/layout/VerticalCurvedList"/>
+    <dgm:cxn modelId="{5EAF8E1A-97B1-4573-B4FD-F309483EDCAD}" type="presParOf" srcId="{4364FBCC-193B-4907-866A-37F9DE3250E7}" destId="{9F46DC69-F5B9-4227-A57C-DE82B8B324E7}" srcOrd="0" destOrd="0" presId="urn:microsoft.com/office/officeart/2008/layout/VerticalCurvedList"/>
+  </dgm:cxnLst>
+  <dgm:bg/>
+  <dgm:whole/>
+  <dgm:extLst>
+    <a:ext uri="http://schemas.microsoft.com/office/drawing/2008/diagram">
+      <dsp:dataModelExt xmlns:dsp="http://schemas.microsoft.com/office/drawing/2008/diagram" relId="rId8" minVer="http://schemas.openxmlformats.org/drawingml/2006/diagram"/>
     </a:ext>
   </dgm:extLst>
 </dgm:dataModel>
@@ -3459,6 +4651,819 @@
               <a:hueOff val="-7353344"/>
               <a:satOff val="-10228"/>
               <a:lumOff val="-3922"/>
+              <a:alphaOff val="0"/>
+            </a:schemeClr>
+          </a:solidFill>
+          <a:prstDash val="solid"/>
+          <a:miter lim="800000"/>
+        </a:ln>
+        <a:effectLst/>
+      </dsp:spPr>
+      <dsp:style>
+        <a:lnRef idx="2">
+          <a:scrgbClr r="0" g="0" b="0"/>
+        </a:lnRef>
+        <a:fillRef idx="1">
+          <a:scrgbClr r="0" g="0" b="0"/>
+        </a:fillRef>
+        <a:effectRef idx="0">
+          <a:scrgbClr r="0" g="0" b="0"/>
+        </a:effectRef>
+        <a:fontRef idx="minor"/>
+      </dsp:style>
+    </dsp:sp>
+  </dsp:spTree>
+</dsp:drawing>
+</file>
+
+<file path=ppt/diagrams/drawing3.xml><?xml version="1.0" encoding="utf-8"?>
+<dsp:drawing xmlns:dgm="http://schemas.openxmlformats.org/drawingml/2006/diagram" xmlns:dsp="http://schemas.microsoft.com/office/drawing/2008/diagram" xmlns:a="http://schemas.openxmlformats.org/drawingml/2006/main">
+  <dsp:spTree>
+    <dsp:nvGrpSpPr>
+      <dsp:cNvPr id="0" name=""/>
+      <dsp:cNvGrpSpPr/>
+    </dsp:nvGrpSpPr>
+    <dsp:grpSpPr/>
+    <dsp:sp modelId="{8FF24C8E-EDE9-4D03-AD86-BB57784E71B2}">
+      <dsp:nvSpPr>
+        <dsp:cNvPr id="0" name=""/>
+        <dsp:cNvSpPr/>
+      </dsp:nvSpPr>
+      <dsp:spPr>
+        <a:xfrm>
+          <a:off x="-4287056" y="-657693"/>
+          <a:ext cx="5107790" cy="5107790"/>
+        </a:xfrm>
+        <a:prstGeom prst="blockArc">
+          <a:avLst>
+            <a:gd name="adj1" fmla="val 18900000"/>
+            <a:gd name="adj2" fmla="val 2700000"/>
+            <a:gd name="adj3" fmla="val 423"/>
+          </a:avLst>
+        </a:prstGeom>
+        <a:noFill/>
+        <a:ln w="12700" cap="flat" cmpd="sng" algn="ctr">
+          <a:solidFill>
+            <a:schemeClr val="accent4">
+              <a:hueOff val="0"/>
+              <a:satOff val="0"/>
+              <a:lumOff val="0"/>
+              <a:alphaOff val="0"/>
+            </a:schemeClr>
+          </a:solidFill>
+          <a:prstDash val="solid"/>
+          <a:miter lim="800000"/>
+        </a:ln>
+        <a:effectLst/>
+      </dsp:spPr>
+      <dsp:style>
+        <a:lnRef idx="2">
+          <a:scrgbClr r="0" g="0" b="0"/>
+        </a:lnRef>
+        <a:fillRef idx="0">
+          <a:scrgbClr r="0" g="0" b="0"/>
+        </a:fillRef>
+        <a:effectRef idx="0">
+          <a:scrgbClr r="0" g="0" b="0"/>
+        </a:effectRef>
+        <a:fontRef idx="minor"/>
+      </dsp:style>
+    </dsp:sp>
+    <dsp:sp modelId="{9EC56DD6-836A-4310-A1BD-8CBA55F9DF38}">
+      <dsp:nvSpPr>
+        <dsp:cNvPr id="0" name=""/>
+        <dsp:cNvSpPr/>
+      </dsp:nvSpPr>
+      <dsp:spPr>
+        <a:xfrm>
+          <a:off x="306726" y="199707"/>
+          <a:ext cx="4553116" cy="399264"/>
+        </a:xfrm>
+        <a:prstGeom prst="rect">
+          <a:avLst/>
+        </a:prstGeom>
+        <a:solidFill>
+          <a:schemeClr val="accent3">
+            <a:hueOff val="0"/>
+            <a:satOff val="0"/>
+            <a:lumOff val="0"/>
+            <a:alphaOff val="0"/>
+          </a:schemeClr>
+        </a:solidFill>
+        <a:ln w="12700" cap="flat" cmpd="sng" algn="ctr">
+          <a:solidFill>
+            <a:schemeClr val="lt1">
+              <a:hueOff val="0"/>
+              <a:satOff val="0"/>
+              <a:lumOff val="0"/>
+              <a:alphaOff val="0"/>
+            </a:schemeClr>
+          </a:solidFill>
+          <a:prstDash val="solid"/>
+          <a:miter lim="800000"/>
+        </a:ln>
+        <a:effectLst/>
+      </dsp:spPr>
+      <dsp:style>
+        <a:lnRef idx="2">
+          <a:scrgbClr r="0" g="0" b="0"/>
+        </a:lnRef>
+        <a:fillRef idx="1">
+          <a:scrgbClr r="0" g="0" b="0"/>
+        </a:fillRef>
+        <a:effectRef idx="0">
+          <a:scrgbClr r="0" g="0" b="0"/>
+        </a:effectRef>
+        <a:fontRef idx="minor">
+          <a:schemeClr val="lt1"/>
+        </a:fontRef>
+      </dsp:style>
+      <dsp:txBody>
+        <a:bodyPr spcFirstLastPara="0" vert="horz" wrap="square" lIns="316916" tIns="50800" rIns="50800" bIns="50800" numCol="1" spcCol="1270" anchor="ctr" anchorCtr="0">
+          <a:noAutofit/>
+        </a:bodyPr>
+        <a:lstStyle/>
+        <a:p>
+          <a:pPr marL="0" lvl="0" indent="0" algn="l" defTabSz="889000">
+            <a:lnSpc>
+              <a:spcPct val="90000"/>
+            </a:lnSpc>
+            <a:spcBef>
+              <a:spcPct val="0"/>
+            </a:spcBef>
+            <a:spcAft>
+              <a:spcPct val="35000"/>
+            </a:spcAft>
+            <a:buNone/>
+          </a:pPr>
+          <a:r>
+            <a:rPr lang="de-DE" sz="2000" kern="1200" dirty="0"/>
+            <a:t>UltraschallVorne.txt</a:t>
+          </a:r>
+        </a:p>
+      </dsp:txBody>
+      <dsp:txXfrm>
+        <a:off x="306726" y="199707"/>
+        <a:ext cx="4553116" cy="399264"/>
+      </dsp:txXfrm>
+    </dsp:sp>
+    <dsp:sp modelId="{7C231448-8006-483E-B787-6677913CC386}">
+      <dsp:nvSpPr>
+        <dsp:cNvPr id="0" name=""/>
+        <dsp:cNvSpPr/>
+      </dsp:nvSpPr>
+      <dsp:spPr>
+        <a:xfrm>
+          <a:off x="57186" y="149799"/>
+          <a:ext cx="499080" cy="499080"/>
+        </a:xfrm>
+        <a:prstGeom prst="ellipse">
+          <a:avLst/>
+        </a:prstGeom>
+        <a:solidFill>
+          <a:schemeClr val="lt1">
+            <a:hueOff val="0"/>
+            <a:satOff val="0"/>
+            <a:lumOff val="0"/>
+            <a:alphaOff val="0"/>
+          </a:schemeClr>
+        </a:solidFill>
+        <a:ln w="12700" cap="flat" cmpd="sng" algn="ctr">
+          <a:solidFill>
+            <a:schemeClr val="accent3">
+              <a:hueOff val="0"/>
+              <a:satOff val="0"/>
+              <a:lumOff val="0"/>
+              <a:alphaOff val="0"/>
+            </a:schemeClr>
+          </a:solidFill>
+          <a:prstDash val="solid"/>
+          <a:miter lim="800000"/>
+        </a:ln>
+        <a:effectLst/>
+      </dsp:spPr>
+      <dsp:style>
+        <a:lnRef idx="2">
+          <a:scrgbClr r="0" g="0" b="0"/>
+        </a:lnRef>
+        <a:fillRef idx="1">
+          <a:scrgbClr r="0" g="0" b="0"/>
+        </a:fillRef>
+        <a:effectRef idx="0">
+          <a:scrgbClr r="0" g="0" b="0"/>
+        </a:effectRef>
+        <a:fontRef idx="minor"/>
+      </dsp:style>
+    </dsp:sp>
+    <dsp:sp modelId="{8E66A784-8F14-4CB3-9FE3-6FB3CE0396EE}">
+      <dsp:nvSpPr>
+        <dsp:cNvPr id="0" name=""/>
+        <dsp:cNvSpPr/>
+      </dsp:nvSpPr>
+      <dsp:spPr>
+        <a:xfrm>
+          <a:off x="635148" y="798528"/>
+          <a:ext cx="4224694" cy="399264"/>
+        </a:xfrm>
+        <a:prstGeom prst="rect">
+          <a:avLst/>
+        </a:prstGeom>
+        <a:solidFill>
+          <a:schemeClr val="accent3">
+            <a:hueOff val="542120"/>
+            <a:satOff val="20000"/>
+            <a:lumOff val="-2941"/>
+            <a:alphaOff val="0"/>
+          </a:schemeClr>
+        </a:solidFill>
+        <a:ln w="12700" cap="flat" cmpd="sng" algn="ctr">
+          <a:solidFill>
+            <a:schemeClr val="lt1">
+              <a:hueOff val="0"/>
+              <a:satOff val="0"/>
+              <a:lumOff val="0"/>
+              <a:alphaOff val="0"/>
+            </a:schemeClr>
+          </a:solidFill>
+          <a:prstDash val="solid"/>
+          <a:miter lim="800000"/>
+        </a:ln>
+        <a:effectLst/>
+      </dsp:spPr>
+      <dsp:style>
+        <a:lnRef idx="2">
+          <a:scrgbClr r="0" g="0" b="0"/>
+        </a:lnRef>
+        <a:fillRef idx="1">
+          <a:scrgbClr r="0" g="0" b="0"/>
+        </a:fillRef>
+        <a:effectRef idx="0">
+          <a:scrgbClr r="0" g="0" b="0"/>
+        </a:effectRef>
+        <a:fontRef idx="minor">
+          <a:schemeClr val="lt1"/>
+        </a:fontRef>
+      </dsp:style>
+      <dsp:txBody>
+        <a:bodyPr spcFirstLastPara="0" vert="horz" wrap="square" lIns="316916" tIns="50800" rIns="50800" bIns="50800" numCol="1" spcCol="1270" anchor="ctr" anchorCtr="0">
+          <a:noAutofit/>
+        </a:bodyPr>
+        <a:lstStyle/>
+        <a:p>
+          <a:pPr marL="0" lvl="0" indent="0" algn="l" defTabSz="889000">
+            <a:lnSpc>
+              <a:spcPct val="90000"/>
+            </a:lnSpc>
+            <a:spcBef>
+              <a:spcPct val="0"/>
+            </a:spcBef>
+            <a:spcAft>
+              <a:spcPct val="35000"/>
+            </a:spcAft>
+            <a:buNone/>
+          </a:pPr>
+          <a:r>
+            <a:rPr lang="de-DE" sz="2000" kern="1200" dirty="0"/>
+            <a:t>UltraschallHinten.txt</a:t>
+          </a:r>
+        </a:p>
+      </dsp:txBody>
+      <dsp:txXfrm>
+        <a:off x="635148" y="798528"/>
+        <a:ext cx="4224694" cy="399264"/>
+      </dsp:txXfrm>
+    </dsp:sp>
+    <dsp:sp modelId="{DAA72500-99C3-4117-BBFE-E8165D0B5075}">
+      <dsp:nvSpPr>
+        <dsp:cNvPr id="0" name=""/>
+        <dsp:cNvSpPr/>
+      </dsp:nvSpPr>
+      <dsp:spPr>
+        <a:xfrm>
+          <a:off x="385608" y="748620"/>
+          <a:ext cx="499080" cy="499080"/>
+        </a:xfrm>
+        <a:prstGeom prst="ellipse">
+          <a:avLst/>
+        </a:prstGeom>
+        <a:solidFill>
+          <a:schemeClr val="lt1">
+            <a:hueOff val="0"/>
+            <a:satOff val="0"/>
+            <a:lumOff val="0"/>
+            <a:alphaOff val="0"/>
+          </a:schemeClr>
+        </a:solidFill>
+        <a:ln w="12700" cap="flat" cmpd="sng" algn="ctr">
+          <a:solidFill>
+            <a:schemeClr val="accent3">
+              <a:hueOff val="542120"/>
+              <a:satOff val="20000"/>
+              <a:lumOff val="-2941"/>
+              <a:alphaOff val="0"/>
+            </a:schemeClr>
+          </a:solidFill>
+          <a:prstDash val="solid"/>
+          <a:miter lim="800000"/>
+        </a:ln>
+        <a:effectLst/>
+      </dsp:spPr>
+      <dsp:style>
+        <a:lnRef idx="2">
+          <a:scrgbClr r="0" g="0" b="0"/>
+        </a:lnRef>
+        <a:fillRef idx="1">
+          <a:scrgbClr r="0" g="0" b="0"/>
+        </a:fillRef>
+        <a:effectRef idx="0">
+          <a:scrgbClr r="0" g="0" b="0"/>
+        </a:effectRef>
+        <a:fontRef idx="minor"/>
+      </dsp:style>
+    </dsp:sp>
+    <dsp:sp modelId="{69F5E8B5-3AB4-468B-8997-C90E5EBE0570}">
+      <dsp:nvSpPr>
+        <dsp:cNvPr id="0" name=""/>
+        <dsp:cNvSpPr/>
+      </dsp:nvSpPr>
+      <dsp:spPr>
+        <a:xfrm>
+          <a:off x="785328" y="1397349"/>
+          <a:ext cx="4074514" cy="399264"/>
+        </a:xfrm>
+        <a:prstGeom prst="rect">
+          <a:avLst/>
+        </a:prstGeom>
+        <a:solidFill>
+          <a:schemeClr val="accent3">
+            <a:hueOff val="1084240"/>
+            <a:satOff val="40000"/>
+            <a:lumOff val="-5882"/>
+            <a:alphaOff val="0"/>
+          </a:schemeClr>
+        </a:solidFill>
+        <a:ln w="12700" cap="flat" cmpd="sng" algn="ctr">
+          <a:solidFill>
+            <a:schemeClr val="lt1">
+              <a:hueOff val="0"/>
+              <a:satOff val="0"/>
+              <a:lumOff val="0"/>
+              <a:alphaOff val="0"/>
+            </a:schemeClr>
+          </a:solidFill>
+          <a:prstDash val="solid"/>
+          <a:miter lim="800000"/>
+        </a:ln>
+        <a:effectLst/>
+      </dsp:spPr>
+      <dsp:style>
+        <a:lnRef idx="2">
+          <a:scrgbClr r="0" g="0" b="0"/>
+        </a:lnRef>
+        <a:fillRef idx="1">
+          <a:scrgbClr r="0" g="0" b="0"/>
+        </a:fillRef>
+        <a:effectRef idx="0">
+          <a:scrgbClr r="0" g="0" b="0"/>
+        </a:effectRef>
+        <a:fontRef idx="minor">
+          <a:schemeClr val="lt1"/>
+        </a:fontRef>
+      </dsp:style>
+      <dsp:txBody>
+        <a:bodyPr spcFirstLastPara="0" vert="horz" wrap="square" lIns="316916" tIns="50800" rIns="50800" bIns="50800" numCol="1" spcCol="1270" anchor="ctr" anchorCtr="0">
+          <a:noAutofit/>
+        </a:bodyPr>
+        <a:lstStyle/>
+        <a:p>
+          <a:pPr marL="0" lvl="0" indent="0" algn="l" defTabSz="889000">
+            <a:lnSpc>
+              <a:spcPct val="90000"/>
+            </a:lnSpc>
+            <a:spcBef>
+              <a:spcPct val="0"/>
+            </a:spcBef>
+            <a:spcAft>
+              <a:spcPct val="35000"/>
+            </a:spcAft>
+            <a:buNone/>
+          </a:pPr>
+          <a:r>
+            <a:rPr lang="de-DE" sz="2000" kern="1200" dirty="0"/>
+            <a:t>Kompass.txt</a:t>
+          </a:r>
+        </a:p>
+      </dsp:txBody>
+      <dsp:txXfrm>
+        <a:off x="785328" y="1397349"/>
+        <a:ext cx="4074514" cy="399264"/>
+      </dsp:txXfrm>
+    </dsp:sp>
+    <dsp:sp modelId="{01B4E13D-1588-4337-85DB-01CBACD092C8}">
+      <dsp:nvSpPr>
+        <dsp:cNvPr id="0" name=""/>
+        <dsp:cNvSpPr/>
+      </dsp:nvSpPr>
+      <dsp:spPr>
+        <a:xfrm>
+          <a:off x="535787" y="1347441"/>
+          <a:ext cx="499080" cy="499080"/>
+        </a:xfrm>
+        <a:prstGeom prst="ellipse">
+          <a:avLst/>
+        </a:prstGeom>
+        <a:solidFill>
+          <a:schemeClr val="lt1">
+            <a:hueOff val="0"/>
+            <a:satOff val="0"/>
+            <a:lumOff val="0"/>
+            <a:alphaOff val="0"/>
+          </a:schemeClr>
+        </a:solidFill>
+        <a:ln w="12700" cap="flat" cmpd="sng" algn="ctr">
+          <a:solidFill>
+            <a:schemeClr val="accent3">
+              <a:hueOff val="1084240"/>
+              <a:satOff val="40000"/>
+              <a:lumOff val="-5882"/>
+              <a:alphaOff val="0"/>
+            </a:schemeClr>
+          </a:solidFill>
+          <a:prstDash val="solid"/>
+          <a:miter lim="800000"/>
+        </a:ln>
+        <a:effectLst/>
+      </dsp:spPr>
+      <dsp:style>
+        <a:lnRef idx="2">
+          <a:scrgbClr r="0" g="0" b="0"/>
+        </a:lnRef>
+        <a:fillRef idx="1">
+          <a:scrgbClr r="0" g="0" b="0"/>
+        </a:fillRef>
+        <a:effectRef idx="0">
+          <a:scrgbClr r="0" g="0" b="0"/>
+        </a:effectRef>
+        <a:fontRef idx="minor"/>
+      </dsp:style>
+    </dsp:sp>
+    <dsp:sp modelId="{3F4AF4EB-5729-431A-97C7-6E0BFA0A5B2B}">
+      <dsp:nvSpPr>
+        <dsp:cNvPr id="0" name=""/>
+        <dsp:cNvSpPr/>
+      </dsp:nvSpPr>
+      <dsp:spPr>
+        <a:xfrm>
+          <a:off x="785328" y="1995790"/>
+          <a:ext cx="4074514" cy="399264"/>
+        </a:xfrm>
+        <a:prstGeom prst="rect">
+          <a:avLst/>
+        </a:prstGeom>
+        <a:solidFill>
+          <a:schemeClr val="accent3">
+            <a:hueOff val="1626359"/>
+            <a:satOff val="60000"/>
+            <a:lumOff val="-8824"/>
+            <a:alphaOff val="0"/>
+          </a:schemeClr>
+        </a:solidFill>
+        <a:ln w="12700" cap="flat" cmpd="sng" algn="ctr">
+          <a:solidFill>
+            <a:schemeClr val="lt1">
+              <a:hueOff val="0"/>
+              <a:satOff val="0"/>
+              <a:lumOff val="0"/>
+              <a:alphaOff val="0"/>
+            </a:schemeClr>
+          </a:solidFill>
+          <a:prstDash val="solid"/>
+          <a:miter lim="800000"/>
+        </a:ln>
+        <a:effectLst/>
+      </dsp:spPr>
+      <dsp:style>
+        <a:lnRef idx="2">
+          <a:scrgbClr r="0" g="0" b="0"/>
+        </a:lnRef>
+        <a:fillRef idx="1">
+          <a:scrgbClr r="0" g="0" b="0"/>
+        </a:fillRef>
+        <a:effectRef idx="0">
+          <a:scrgbClr r="0" g="0" b="0"/>
+        </a:effectRef>
+        <a:fontRef idx="minor">
+          <a:schemeClr val="lt1"/>
+        </a:fontRef>
+      </dsp:style>
+      <dsp:txBody>
+        <a:bodyPr spcFirstLastPara="0" vert="horz" wrap="square" lIns="316916" tIns="50800" rIns="50800" bIns="50800" numCol="1" spcCol="1270" anchor="ctr" anchorCtr="0">
+          <a:noAutofit/>
+        </a:bodyPr>
+        <a:lstStyle/>
+        <a:p>
+          <a:pPr marL="0" lvl="0" indent="0" algn="l" defTabSz="889000">
+            <a:lnSpc>
+              <a:spcPct val="90000"/>
+            </a:lnSpc>
+            <a:spcBef>
+              <a:spcPct val="0"/>
+            </a:spcBef>
+            <a:spcAft>
+              <a:spcPct val="35000"/>
+            </a:spcAft>
+            <a:buNone/>
+          </a:pPr>
+          <a:r>
+            <a:rPr lang="de-DE" sz="2000" kern="1200" dirty="0"/>
+            <a:t>Beschleunigung.txt</a:t>
+          </a:r>
+        </a:p>
+      </dsp:txBody>
+      <dsp:txXfrm>
+        <a:off x="785328" y="1995790"/>
+        <a:ext cx="4074514" cy="399264"/>
+      </dsp:txXfrm>
+    </dsp:sp>
+    <dsp:sp modelId="{AE246251-AD21-456D-BB1F-B0553D662DF8}">
+      <dsp:nvSpPr>
+        <dsp:cNvPr id="0" name=""/>
+        <dsp:cNvSpPr/>
+      </dsp:nvSpPr>
+      <dsp:spPr>
+        <a:xfrm>
+          <a:off x="535787" y="1945882"/>
+          <a:ext cx="499080" cy="499080"/>
+        </a:xfrm>
+        <a:prstGeom prst="ellipse">
+          <a:avLst/>
+        </a:prstGeom>
+        <a:solidFill>
+          <a:schemeClr val="lt1">
+            <a:hueOff val="0"/>
+            <a:satOff val="0"/>
+            <a:lumOff val="0"/>
+            <a:alphaOff val="0"/>
+          </a:schemeClr>
+        </a:solidFill>
+        <a:ln w="12700" cap="flat" cmpd="sng" algn="ctr">
+          <a:solidFill>
+            <a:schemeClr val="accent3">
+              <a:hueOff val="1626359"/>
+              <a:satOff val="60000"/>
+              <a:lumOff val="-8824"/>
+              <a:alphaOff val="0"/>
+            </a:schemeClr>
+          </a:solidFill>
+          <a:prstDash val="solid"/>
+          <a:miter lim="800000"/>
+        </a:ln>
+        <a:effectLst/>
+      </dsp:spPr>
+      <dsp:style>
+        <a:lnRef idx="2">
+          <a:scrgbClr r="0" g="0" b="0"/>
+        </a:lnRef>
+        <a:fillRef idx="1">
+          <a:scrgbClr r="0" g="0" b="0"/>
+        </a:fillRef>
+        <a:effectRef idx="0">
+          <a:scrgbClr r="0" g="0" b="0"/>
+        </a:effectRef>
+        <a:fontRef idx="minor"/>
+      </dsp:style>
+    </dsp:sp>
+    <dsp:sp modelId="{EC6D84E9-F377-430F-A1A6-5D1E3E82777D}">
+      <dsp:nvSpPr>
+        <dsp:cNvPr id="0" name=""/>
+        <dsp:cNvSpPr/>
+      </dsp:nvSpPr>
+      <dsp:spPr>
+        <a:xfrm>
+          <a:off x="635148" y="2594611"/>
+          <a:ext cx="4224694" cy="399264"/>
+        </a:xfrm>
+        <a:prstGeom prst="rect">
+          <a:avLst/>
+        </a:prstGeom>
+        <a:solidFill>
+          <a:schemeClr val="accent3">
+            <a:hueOff val="2168479"/>
+            <a:satOff val="80000"/>
+            <a:lumOff val="-11765"/>
+            <a:alphaOff val="0"/>
+          </a:schemeClr>
+        </a:solidFill>
+        <a:ln w="12700" cap="flat" cmpd="sng" algn="ctr">
+          <a:solidFill>
+            <a:schemeClr val="lt1">
+              <a:hueOff val="0"/>
+              <a:satOff val="0"/>
+              <a:lumOff val="0"/>
+              <a:alphaOff val="0"/>
+            </a:schemeClr>
+          </a:solidFill>
+          <a:prstDash val="solid"/>
+          <a:miter lim="800000"/>
+        </a:ln>
+        <a:effectLst/>
+      </dsp:spPr>
+      <dsp:style>
+        <a:lnRef idx="2">
+          <a:scrgbClr r="0" g="0" b="0"/>
+        </a:lnRef>
+        <a:fillRef idx="1">
+          <a:scrgbClr r="0" g="0" b="0"/>
+        </a:fillRef>
+        <a:effectRef idx="0">
+          <a:scrgbClr r="0" g="0" b="0"/>
+        </a:effectRef>
+        <a:fontRef idx="minor">
+          <a:schemeClr val="lt1"/>
+        </a:fontRef>
+      </dsp:style>
+      <dsp:txBody>
+        <a:bodyPr spcFirstLastPara="0" vert="horz" wrap="square" lIns="316916" tIns="50800" rIns="50800" bIns="50800" numCol="1" spcCol="1270" anchor="ctr" anchorCtr="0">
+          <a:noAutofit/>
+        </a:bodyPr>
+        <a:lstStyle/>
+        <a:p>
+          <a:pPr marL="0" lvl="0" indent="0" algn="l" defTabSz="889000">
+            <a:lnSpc>
+              <a:spcPct val="90000"/>
+            </a:lnSpc>
+            <a:spcBef>
+              <a:spcPct val="0"/>
+            </a:spcBef>
+            <a:spcAft>
+              <a:spcPct val="35000"/>
+            </a:spcAft>
+            <a:buNone/>
+          </a:pPr>
+          <a:r>
+            <a:rPr lang="de-DE" sz="2000" kern="1200" dirty="0"/>
+            <a:t>UWB.txt</a:t>
+          </a:r>
+        </a:p>
+      </dsp:txBody>
+      <dsp:txXfrm>
+        <a:off x="635148" y="2594611"/>
+        <a:ext cx="4224694" cy="399264"/>
+      </dsp:txXfrm>
+    </dsp:sp>
+    <dsp:sp modelId="{3E4EBCD5-A090-411E-B21C-955A05402FE3}">
+      <dsp:nvSpPr>
+        <dsp:cNvPr id="0" name=""/>
+        <dsp:cNvSpPr/>
+      </dsp:nvSpPr>
+      <dsp:spPr>
+        <a:xfrm>
+          <a:off x="385608" y="2544703"/>
+          <a:ext cx="499080" cy="499080"/>
+        </a:xfrm>
+        <a:prstGeom prst="ellipse">
+          <a:avLst/>
+        </a:prstGeom>
+        <a:solidFill>
+          <a:schemeClr val="lt1">
+            <a:hueOff val="0"/>
+            <a:satOff val="0"/>
+            <a:lumOff val="0"/>
+            <a:alphaOff val="0"/>
+          </a:schemeClr>
+        </a:solidFill>
+        <a:ln w="12700" cap="flat" cmpd="sng" algn="ctr">
+          <a:solidFill>
+            <a:schemeClr val="accent3">
+              <a:hueOff val="2168479"/>
+              <a:satOff val="80000"/>
+              <a:lumOff val="-11765"/>
+              <a:alphaOff val="0"/>
+            </a:schemeClr>
+          </a:solidFill>
+          <a:prstDash val="solid"/>
+          <a:miter lim="800000"/>
+        </a:ln>
+        <a:effectLst/>
+      </dsp:spPr>
+      <dsp:style>
+        <a:lnRef idx="2">
+          <a:scrgbClr r="0" g="0" b="0"/>
+        </a:lnRef>
+        <a:fillRef idx="1">
+          <a:scrgbClr r="0" g="0" b="0"/>
+        </a:fillRef>
+        <a:effectRef idx="0">
+          <a:scrgbClr r="0" g="0" b="0"/>
+        </a:effectRef>
+        <a:fontRef idx="minor"/>
+      </dsp:style>
+    </dsp:sp>
+    <dsp:sp modelId="{14564281-D415-4CF4-925D-48544D82D1E8}">
+      <dsp:nvSpPr>
+        <dsp:cNvPr id="0" name=""/>
+        <dsp:cNvSpPr/>
+      </dsp:nvSpPr>
+      <dsp:spPr>
+        <a:xfrm>
+          <a:off x="306726" y="3193431"/>
+          <a:ext cx="4553116" cy="399264"/>
+        </a:xfrm>
+        <a:prstGeom prst="rect">
+          <a:avLst/>
+        </a:prstGeom>
+        <a:solidFill>
+          <a:schemeClr val="accent3">
+            <a:hueOff val="2710599"/>
+            <a:satOff val="100000"/>
+            <a:lumOff val="-14706"/>
+            <a:alphaOff val="0"/>
+          </a:schemeClr>
+        </a:solidFill>
+        <a:ln w="12700" cap="flat" cmpd="sng" algn="ctr">
+          <a:solidFill>
+            <a:schemeClr val="lt1">
+              <a:hueOff val="0"/>
+              <a:satOff val="0"/>
+              <a:lumOff val="0"/>
+              <a:alphaOff val="0"/>
+            </a:schemeClr>
+          </a:solidFill>
+          <a:prstDash val="solid"/>
+          <a:miter lim="800000"/>
+        </a:ln>
+        <a:effectLst/>
+      </dsp:spPr>
+      <dsp:style>
+        <a:lnRef idx="2">
+          <a:scrgbClr r="0" g="0" b="0"/>
+        </a:lnRef>
+        <a:fillRef idx="1">
+          <a:scrgbClr r="0" g="0" b="0"/>
+        </a:fillRef>
+        <a:effectRef idx="0">
+          <a:scrgbClr r="0" g="0" b="0"/>
+        </a:effectRef>
+        <a:fontRef idx="minor">
+          <a:schemeClr val="lt1"/>
+        </a:fontRef>
+      </dsp:style>
+      <dsp:txBody>
+        <a:bodyPr spcFirstLastPara="0" vert="horz" wrap="square" lIns="316916" tIns="50800" rIns="50800" bIns="50800" numCol="1" spcCol="1270" anchor="ctr" anchorCtr="0">
+          <a:noAutofit/>
+        </a:bodyPr>
+        <a:lstStyle/>
+        <a:p>
+          <a:pPr marL="0" lvl="0" indent="0" algn="l" defTabSz="889000">
+            <a:lnSpc>
+              <a:spcPct val="90000"/>
+            </a:lnSpc>
+            <a:spcBef>
+              <a:spcPct val="0"/>
+            </a:spcBef>
+            <a:spcAft>
+              <a:spcPct val="35000"/>
+            </a:spcAft>
+            <a:buNone/>
+          </a:pPr>
+          <a:r>
+            <a:rPr lang="de-DE" sz="2000" kern="1200" dirty="0"/>
+            <a:t>Lidar.txt</a:t>
+          </a:r>
+        </a:p>
+      </dsp:txBody>
+      <dsp:txXfrm>
+        <a:off x="306726" y="3193431"/>
+        <a:ext cx="4553116" cy="399264"/>
+      </dsp:txXfrm>
+    </dsp:sp>
+    <dsp:sp modelId="{9F46DC69-F5B9-4227-A57C-DE82B8B324E7}">
+      <dsp:nvSpPr>
+        <dsp:cNvPr id="0" name=""/>
+        <dsp:cNvSpPr/>
+      </dsp:nvSpPr>
+      <dsp:spPr>
+        <a:xfrm>
+          <a:off x="57186" y="3143523"/>
+          <a:ext cx="499080" cy="499080"/>
+        </a:xfrm>
+        <a:prstGeom prst="ellipse">
+          <a:avLst/>
+        </a:prstGeom>
+        <a:solidFill>
+          <a:schemeClr val="lt1">
+            <a:hueOff val="0"/>
+            <a:satOff val="0"/>
+            <a:lumOff val="0"/>
+            <a:alphaOff val="0"/>
+          </a:schemeClr>
+        </a:solidFill>
+        <a:ln w="12700" cap="flat" cmpd="sng" algn="ctr">
+          <a:solidFill>
+            <a:schemeClr val="accent3">
+              <a:hueOff val="2710599"/>
+              <a:satOff val="100000"/>
+              <a:lumOff val="-14706"/>
               <a:alphaOff val="0"/>
             </a:schemeClr>
           </a:solidFill>
@@ -5080,6 +7085,1284 @@
 </dgm:layoutDef>
 </file>
 
+<file path=ppt/diagrams/layout3.xml><?xml version="1.0" encoding="utf-8"?>
+<dgm:layoutDef xmlns:dgm="http://schemas.openxmlformats.org/drawingml/2006/diagram" xmlns:a="http://schemas.openxmlformats.org/drawingml/2006/main" uniqueId="urn:microsoft.com/office/officeart/2008/layout/VerticalCurvedList">
+  <dgm:title val=""/>
+  <dgm:desc val=""/>
+  <dgm:catLst>
+    <dgm:cat type="list" pri="20000"/>
+  </dgm:catLst>
+  <dgm:sampData>
+    <dgm:dataModel>
+      <dgm:ptLst>
+        <dgm:pt modelId="0" type="doc"/>
+        <dgm:pt modelId="1">
+          <dgm:prSet phldr="1"/>
+        </dgm:pt>
+        <dgm:pt modelId="2">
+          <dgm:prSet phldr="1"/>
+        </dgm:pt>
+        <dgm:pt modelId="3">
+          <dgm:prSet phldr="1"/>
+        </dgm:pt>
+      </dgm:ptLst>
+      <dgm:cxnLst>
+        <dgm:cxn modelId="4" srcId="0" destId="1" srcOrd="0" destOrd="0"/>
+        <dgm:cxn modelId="5" srcId="0" destId="2" srcOrd="1" destOrd="0"/>
+        <dgm:cxn modelId="6" srcId="0" destId="3" srcOrd="2" destOrd="0"/>
+      </dgm:cxnLst>
+      <dgm:bg/>
+      <dgm:whole/>
+    </dgm:dataModel>
+  </dgm:sampData>
+  <dgm:styleData>
+    <dgm:dataModel>
+      <dgm:ptLst>
+        <dgm:pt modelId="0" type="doc"/>
+        <dgm:pt modelId="1">
+          <dgm:prSet phldr="1"/>
+        </dgm:pt>
+        <dgm:pt modelId="2">
+          <dgm:prSet phldr="1"/>
+        </dgm:pt>
+      </dgm:ptLst>
+      <dgm:cxnLst>
+        <dgm:cxn modelId="3" srcId="0" destId="1" srcOrd="0" destOrd="0"/>
+        <dgm:cxn modelId="4" srcId="0" destId="2" srcOrd="1" destOrd="0"/>
+      </dgm:cxnLst>
+      <dgm:bg/>
+      <dgm:whole/>
+    </dgm:dataModel>
+  </dgm:styleData>
+  <dgm:clrData>
+    <dgm:dataModel>
+      <dgm:ptLst>
+        <dgm:pt modelId="0" type="doc"/>
+        <dgm:pt modelId="1">
+          <dgm:prSet phldr="1"/>
+        </dgm:pt>
+        <dgm:pt modelId="2">
+          <dgm:prSet phldr="1"/>
+        </dgm:pt>
+        <dgm:pt modelId="3">
+          <dgm:prSet phldr="1"/>
+        </dgm:pt>
+        <dgm:pt modelId="4">
+          <dgm:prSet phldr="1"/>
+        </dgm:pt>
+      </dgm:ptLst>
+      <dgm:cxnLst>
+        <dgm:cxn modelId="5" srcId="0" destId="1" srcOrd="0" destOrd="0"/>
+        <dgm:cxn modelId="6" srcId="0" destId="2" srcOrd="1" destOrd="0"/>
+        <dgm:cxn modelId="7" srcId="0" destId="3" srcOrd="2" destOrd="0"/>
+        <dgm:cxn modelId="8" srcId="0" destId="4" srcOrd="3" destOrd="0"/>
+      </dgm:cxnLst>
+      <dgm:bg/>
+      <dgm:whole/>
+    </dgm:dataModel>
+  </dgm:clrData>
+  <dgm:layoutNode name="Name0">
+    <dgm:varLst>
+      <dgm:chMax val="7"/>
+      <dgm:chPref val="7"/>
+      <dgm:dir/>
+    </dgm:varLst>
+    <dgm:alg type="composite"/>
+    <dgm:shape xmlns:r="http://schemas.openxmlformats.org/officeDocument/2006/relationships" r:blip="">
+      <dgm:adjLst/>
+    </dgm:shape>
+    <dgm:constrLst>
+      <dgm:constr type="w" for="ch" refType="h" refFor="ch" op="gte" fact="0.8"/>
+    </dgm:constrLst>
+    <dgm:layoutNode name="Name1">
+      <dgm:alg type="composite"/>
+      <dgm:shape xmlns:r="http://schemas.openxmlformats.org/officeDocument/2006/relationships" r:blip="">
+        <dgm:adjLst/>
+      </dgm:shape>
+      <dgm:choose name="Name2">
+        <dgm:if name="Name3" func="var" arg="dir" op="equ" val="norm">
+          <dgm:choose name="Name4">
+            <dgm:if name="Name5" axis="ch" ptType="node" func="cnt" op="equ" val="1">
+              <dgm:constrLst>
+                <dgm:constr type="h" for="ch" forName="cycle" refType="h"/>
+                <dgm:constr type="w" for="ch" forName="cycle" refType="h" refFor="ch" refForName="cycle" fact="0.26"/>
+                <dgm:constr type="l" for="ch" forName="cycle"/>
+                <dgm:constr type="ctrY" for="ch" forName="cycle" refType="h" fact="0.5"/>
+                <dgm:constr type="diam" for="ch" forName="cycle" refType="h" fact="1.344"/>
+                <dgm:constr type="h" for="ch" forName="accent_1" refType="h" fact="0.625"/>
+                <dgm:constr type="w" for="ch" forName="accent_1" refType="h" refFor="ch" refForName="accent_1" op="equ"/>
+                <dgm:constr type="ctrY" for="ch" forName="accent_1" refType="h" fact="0.5"/>
+                <dgm:constr type="ctrX" for="ch" forName="accent_1" refType="h" fact="0.2253"/>
+                <dgm:constr type="l" for="ch" forName="text_1" refType="ctrX" refFor="ch" refForName="accent_1"/>
+                <dgm:constr type="r" for="ch" forName="text_1" refType="w"/>
+                <dgm:constr type="w" for="ch" forName="text_1" refType="h" refFor="ch" refForName="text_1" op="gte"/>
+                <dgm:constr type="h" for="ch" forName="text_1" refType="h" refFor="ch" refForName="accent_1" fact="0.8"/>
+                <dgm:constr type="ctrY" for="ch" forName="text_1" refType="ctrY" refFor="ch" refForName="accent_1"/>
+                <dgm:constr type="lMarg" for="ch" forName="text_1" refType="w" refFor="ch" refForName="accent_1" fact="1.8"/>
+                <dgm:constr type="primFontSz" for="ch" ptType="node" op="equ" val="65"/>
+              </dgm:constrLst>
+            </dgm:if>
+            <dgm:if name="Name6" axis="ch" ptType="node" func="cnt" op="equ" val="2">
+              <dgm:constrLst>
+                <dgm:constr type="h" for="ch" forName="cycle" refType="h"/>
+                <dgm:constr type="w" for="ch" forName="cycle" refType="h" refFor="ch" refForName="cycle" fact="0.26"/>
+                <dgm:constr type="l" for="ch" forName="cycle"/>
+                <dgm:constr type="ctrY" for="ch" forName="cycle" refType="h" fact="0.5"/>
+                <dgm:constr type="diam" for="ch" forName="cycle" refType="h" fact="1.344"/>
+                <dgm:constr type="h" for="ch" forName="accent_1" refType="h" fact="0.3571"/>
+                <dgm:constr type="w" for="ch" forName="accent_1" refType="h" refFor="ch" refForName="accent_1" op="equ"/>
+                <dgm:constr type="ctrY" for="ch" forName="accent_1" refType="h" fact="0.2857"/>
+                <dgm:constr type="ctrX" for="ch" forName="accent_1" refType="h" fact="0.1891"/>
+                <dgm:constr type="l" for="ch" forName="text_1" refType="ctrX" refFor="ch" refForName="accent_1"/>
+                <dgm:constr type="r" for="ch" forName="text_1" refType="w"/>
+                <dgm:constr type="w" for="ch" forName="text_1" refType="h" refFor="ch" refForName="text_1" op="gte"/>
+                <dgm:constr type="h" for="ch" forName="text_1" refType="h" refFor="ch" refForName="accent_1" fact="0.8"/>
+                <dgm:constr type="ctrY" for="ch" forName="text_1" refType="ctrY" refFor="ch" refForName="accent_1"/>
+                <dgm:constr type="lMarg" for="ch" forName="text_1" refType="w" refFor="ch" refForName="accent_1" fact="1.8"/>
+                <dgm:constr type="h" for="ch" forName="accent_2" refType="h" fact="0.3571"/>
+                <dgm:constr type="w" for="ch" forName="accent_2" refType="h" refFor="ch" refForName="accent_2" op="equ"/>
+                <dgm:constr type="ctrY" for="ch" forName="accent_2" refType="h" fact="0.7143"/>
+                <dgm:constr type="ctrX" for="ch" forName="accent_2" refType="h" fact="0.1891"/>
+                <dgm:constr type="l" for="ch" forName="text_2" refType="ctrX" refFor="ch" refForName="accent_2"/>
+                <dgm:constr type="r" for="ch" forName="text_2" refType="w"/>
+                <dgm:constr type="w" for="ch" forName="text_2" refType="h" refFor="ch" refForName="text_2" op="gte"/>
+                <dgm:constr type="h" for="ch" forName="text_2" refType="h" refFor="ch" refForName="accent_2" fact="0.8"/>
+                <dgm:constr type="ctrY" for="ch" forName="text_2" refType="ctrY" refFor="ch" refForName="accent_2"/>
+                <dgm:constr type="lMarg" for="ch" forName="text_2" refType="w" refFor="ch" refForName="accent_2" fact="1.8"/>
+                <dgm:constr type="primFontSz" for="ch" ptType="node" op="equ" val="65"/>
+              </dgm:constrLst>
+            </dgm:if>
+            <dgm:if name="Name7" axis="ch" ptType="node" func="cnt" op="equ" val="3">
+              <dgm:constrLst>
+                <dgm:constr type="h" for="ch" forName="cycle" refType="h"/>
+                <dgm:constr type="w" for="ch" forName="cycle" refType="h" refFor="ch" refForName="cycle" fact="0.26"/>
+                <dgm:constr type="l" for="ch" forName="cycle"/>
+                <dgm:constr type="ctrY" for="ch" forName="cycle" refType="h" fact="0.5"/>
+                <dgm:constr type="diam" for="ch" forName="cycle" refType="h" fact="1.344"/>
+                <dgm:constr type="h" for="ch" forName="accent_1" refType="h" fact="0.25"/>
+                <dgm:constr type="w" for="ch" forName="accent_1" refType="h" refFor="ch" refForName="accent_1" op="equ"/>
+                <dgm:constr type="ctrY" for="ch" forName="accent_1" refType="h" fact="0.2"/>
+                <dgm:constr type="ctrX" for="ch" forName="accent_1" refType="h" fact="0.1526"/>
+                <dgm:constr type="l" for="ch" forName="text_1" refType="ctrX" refFor="ch" refForName="accent_1"/>
+                <dgm:constr type="r" for="ch" forName="text_1" refType="w"/>
+                <dgm:constr type="w" for="ch" forName="text_1" refType="h" refFor="ch" refForName="text_1" op="gte"/>
+                <dgm:constr type="h" for="ch" forName="text_1" refType="h" refFor="ch" refForName="accent_1" fact="0.8"/>
+                <dgm:constr type="ctrY" for="ch" forName="text_1" refType="ctrY" refFor="ch" refForName="accent_1"/>
+                <dgm:constr type="lMarg" for="ch" forName="text_1" refType="w" refFor="ch" refForName="accent_1" fact="1.8"/>
+                <dgm:constr type="h" for="ch" forName="accent_2" refType="h" fact="0.25"/>
+                <dgm:constr type="w" for="ch" forName="accent_2" refType="h" refFor="ch" refForName="accent_2" op="equ"/>
+                <dgm:constr type="ctrY" for="ch" forName="accent_2" refType="h" fact="0.5"/>
+                <dgm:constr type="ctrX" for="ch" forName="accent_2" refType="h" fact="0.2253"/>
+                <dgm:constr type="l" for="ch" forName="text_2" refType="ctrX" refFor="ch" refForName="accent_2"/>
+                <dgm:constr type="r" for="ch" forName="text_2" refType="w"/>
+                <dgm:constr type="w" for="ch" forName="text_2" refType="h" refFor="ch" refForName="text_2" op="gte"/>
+                <dgm:constr type="h" for="ch" forName="text_2" refType="h" refFor="ch" refForName="accent_2" fact="0.8"/>
+                <dgm:constr type="ctrY" for="ch" forName="text_2" refType="ctrY" refFor="ch" refForName="accent_2"/>
+                <dgm:constr type="lMarg" for="ch" forName="text_2" refType="w" refFor="ch" refForName="accent_2" fact="1.8"/>
+                <dgm:constr type="h" for="ch" forName="accent_3" refType="h" fact="0.25"/>
+                <dgm:constr type="w" for="ch" forName="accent_3" refType="h" refFor="ch" refForName="accent_3" op="equ"/>
+                <dgm:constr type="ctrY" for="ch" forName="accent_3" refType="h" fact="0.8"/>
+                <dgm:constr type="ctrX" for="ch" forName="accent_3" refType="h" fact="0.1526"/>
+                <dgm:constr type="l" for="ch" forName="text_3" refType="ctrX" refFor="ch" refForName="accent_3"/>
+                <dgm:constr type="r" for="ch" forName="text_3" refType="w"/>
+                <dgm:constr type="w" for="ch" forName="text_3" refType="h" refFor="ch" refForName="text_3" op="gte"/>
+                <dgm:constr type="h" for="ch" forName="text_3" refType="h" refFor="ch" refForName="accent_3" fact="0.8"/>
+                <dgm:constr type="ctrY" for="ch" forName="text_3" refType="ctrY" refFor="ch" refForName="accent_3"/>
+                <dgm:constr type="lMarg" for="ch" forName="text_3" refType="w" refFor="ch" refForName="accent_3" fact="1.8"/>
+                <dgm:constr type="primFontSz" for="ch" ptType="node" op="equ" val="65"/>
+              </dgm:constrLst>
+            </dgm:if>
+            <dgm:if name="Name8" axis="ch" ptType="node" func="cnt" op="equ" val="4">
+              <dgm:constrLst>
+                <dgm:constr type="h" for="ch" forName="cycle" refType="h"/>
+                <dgm:constr type="w" for="ch" forName="cycle" refType="h" refFor="ch" refForName="cycle" fact="0.26"/>
+                <dgm:constr type="l" for="ch" forName="cycle"/>
+                <dgm:constr type="ctrY" for="ch" forName="cycle" refType="h" fact="0.5"/>
+                <dgm:constr type="diam" for="ch" forName="cycle" refType="h" fact="1.344"/>
+                <dgm:constr type="h" for="ch" forName="accent_1" refType="h" fact="0.1923"/>
+                <dgm:constr type="w" for="ch" forName="accent_1" refType="h" refFor="ch" refForName="accent_1" op="equ"/>
+                <dgm:constr type="ctrY" for="ch" forName="accent_1" refType="h" fact="0.1538"/>
+                <dgm:constr type="ctrX" for="ch" forName="accent_1" refType="h" fact="0.1268"/>
+                <dgm:constr type="l" for="ch" forName="text_1" refType="ctrX" refFor="ch" refForName="accent_1"/>
+                <dgm:constr type="r" for="ch" forName="text_1" refType="w"/>
+                <dgm:constr type="w" for="ch" forName="text_1" refType="h" refFor="ch" refForName="text_1" op="gte"/>
+                <dgm:constr type="h" for="ch" forName="text_1" refType="h" refFor="ch" refForName="accent_1" fact="0.8"/>
+                <dgm:constr type="ctrY" for="ch" forName="text_1" refType="ctrY" refFor="ch" refForName="accent_1"/>
+                <dgm:constr type="lMarg" for="ch" forName="text_1" refType="w" refFor="ch" refForName="accent_1" fact="1.8"/>
+                <dgm:constr type="h" for="ch" forName="accent_2" refType="h" fact="0.1923"/>
+                <dgm:constr type="w" for="ch" forName="accent_2" refType="h" refFor="ch" refForName="accent_2" op="equ"/>
+                <dgm:constr type="ctrY" for="ch" forName="accent_2" refType="h" fact="0.3846"/>
+                <dgm:constr type="ctrX" for="ch" forName="accent_2" refType="h" fact="0.215"/>
+                <dgm:constr type="l" for="ch" forName="text_2" refType="ctrX" refFor="ch" refForName="accent_2"/>
+                <dgm:constr type="r" for="ch" forName="text_2" refType="w"/>
+                <dgm:constr type="w" for="ch" forName="text_2" refType="h" refFor="ch" refForName="text_2" op="gte"/>
+                <dgm:constr type="h" for="ch" forName="text_2" refType="h" refFor="ch" refForName="accent_2" fact="0.8"/>
+                <dgm:constr type="ctrY" for="ch" forName="text_2" refType="ctrY" refFor="ch" refForName="accent_2"/>
+                <dgm:constr type="lMarg" for="ch" forName="text_2" refType="w" refFor="ch" refForName="accent_2" fact="1.8"/>
+                <dgm:constr type="h" for="ch" forName="accent_3" refType="h" fact="0.1923"/>
+                <dgm:constr type="w" for="ch" forName="accent_3" refType="h" refFor="ch" refForName="accent_3" op="equ"/>
+                <dgm:constr type="ctrY" for="ch" forName="accent_3" refType="h" fact="0.6154"/>
+                <dgm:constr type="ctrX" for="ch" forName="accent_3" refType="h" fact="0.215"/>
+                <dgm:constr type="l" for="ch" forName="text_3" refType="ctrX" refFor="ch" refForName="accent_3"/>
+                <dgm:constr type="r" for="ch" forName="text_3" refType="w"/>
+                <dgm:constr type="w" for="ch" forName="text_3" refType="h" refFor="ch" refForName="text_3" op="gte"/>
+                <dgm:constr type="h" for="ch" forName="text_3" refType="h" refFor="ch" refForName="accent_3" fact="0.8"/>
+                <dgm:constr type="ctrY" for="ch" forName="text_3" refType="ctrY" refFor="ch" refForName="accent_3"/>
+                <dgm:constr type="lMarg" for="ch" forName="text_3" refType="w" refFor="ch" refForName="accent_3" fact="1.8"/>
+                <dgm:constr type="h" for="ch" forName="accent_4" refType="h" fact="0.1923"/>
+                <dgm:constr type="w" for="ch" forName="accent_4" refType="h" refFor="ch" refForName="accent_4" op="equ"/>
+                <dgm:constr type="ctrY" for="ch" forName="accent_4" refType="h" fact="0.8462"/>
+                <dgm:constr type="ctrX" for="ch" forName="accent_4" refType="h" fact="0.1268"/>
+                <dgm:constr type="l" for="ch" forName="text_4" refType="ctrX" refFor="ch" refForName="accent_4"/>
+                <dgm:constr type="r" for="ch" forName="text_4" refType="w"/>
+                <dgm:constr type="w" for="ch" forName="text_4" refType="h" refFor="ch" refForName="text_4" op="gte"/>
+                <dgm:constr type="h" for="ch" forName="text_4" refType="h" refFor="ch" refForName="accent_4" fact="0.8"/>
+                <dgm:constr type="ctrY" for="ch" forName="text_4" refType="ctrY" refFor="ch" refForName="accent_4"/>
+                <dgm:constr type="lMarg" for="ch" forName="text_4" refType="w" refFor="ch" refForName="accent_4" fact="1.8"/>
+                <dgm:constr type="primFontSz" for="ch" ptType="node" op="equ" val="65"/>
+              </dgm:constrLst>
+            </dgm:if>
+            <dgm:if name="Name9" axis="ch" ptType="node" func="cnt" op="equ" val="5">
+              <dgm:constrLst>
+                <dgm:constr type="h" for="ch" forName="cycle" refType="h"/>
+                <dgm:constr type="w" for="ch" forName="cycle" refType="h" refFor="ch" refForName="cycle" fact="0.26"/>
+                <dgm:constr type="l" for="ch" forName="cycle"/>
+                <dgm:constr type="ctrY" for="ch" forName="cycle" refType="h" fact="0.5"/>
+                <dgm:constr type="diam" for="ch" forName="cycle" refType="h" fact="1.344"/>
+                <dgm:constr type="h" for="ch" forName="accent_1" refType="h" fact="0.1563"/>
+                <dgm:constr type="w" for="ch" forName="accent_1" refType="h" refFor="ch" refForName="accent_1" op="equ"/>
+                <dgm:constr type="ctrY" for="ch" forName="accent_1" refType="h" fact="0.125"/>
+                <dgm:constr type="ctrX" for="ch" forName="accent_1" refType="h" fact="0.1082"/>
+                <dgm:constr type="l" for="ch" forName="text_1" refType="ctrX" refFor="ch" refForName="accent_1"/>
+                <dgm:constr type="r" for="ch" forName="text_1" refType="w"/>
+                <dgm:constr type="w" for="ch" forName="text_1" refType="h" refFor="ch" refForName="text_1" op="gte"/>
+                <dgm:constr type="h" for="ch" forName="text_1" refType="h" refFor="ch" refForName="accent_1" fact="0.8"/>
+                <dgm:constr type="ctrY" for="ch" forName="text_1" refType="ctrY" refFor="ch" refForName="accent_1"/>
+                <dgm:constr type="lMarg" for="ch" forName="text_1" refType="w" refFor="ch" refForName="accent_1" fact="1.8"/>
+                <dgm:constr type="h" for="ch" forName="accent_2" refType="h" fact="0.1563"/>
+                <dgm:constr type="w" for="ch" forName="accent_2" refType="h" refFor="ch" refForName="accent_2" op="equ"/>
+                <dgm:constr type="ctrY" for="ch" forName="accent_2" refType="h" fact="0.3125"/>
+                <dgm:constr type="ctrX" for="ch" forName="accent_2" refType="h" fact="0.1978"/>
+                <dgm:constr type="l" for="ch" forName="text_2" refType="ctrX" refFor="ch" refForName="accent_2"/>
+                <dgm:constr type="r" for="ch" forName="text_2" refType="w"/>
+                <dgm:constr type="w" for="ch" forName="text_2" refType="h" refFor="ch" refForName="text_2" op="gte"/>
+                <dgm:constr type="h" for="ch" forName="text_2" refType="h" refFor="ch" refForName="accent_2" fact="0.8"/>
+                <dgm:constr type="ctrY" for="ch" forName="text_2" refType="ctrY" refFor="ch" refForName="accent_2"/>
+                <dgm:constr type="lMarg" for="ch" forName="text_2" refType="w" refFor="ch" refForName="accent_2" fact="1.8"/>
+                <dgm:constr type="h" for="ch" forName="accent_3" refType="h" fact="0.1563"/>
+                <dgm:constr type="w" for="ch" forName="accent_3" refType="h" refFor="ch" refForName="accent_3" op="equ"/>
+                <dgm:constr type="ctrY" for="ch" forName="accent_3" refType="h" fact="0.5"/>
+                <dgm:constr type="ctrX" for="ch" forName="accent_3" refType="h" fact="0.2253"/>
+                <dgm:constr type="l" for="ch" forName="text_3" refType="ctrX" refFor="ch" refForName="accent_3"/>
+                <dgm:constr type="r" for="ch" forName="text_3" refType="w"/>
+                <dgm:constr type="w" for="ch" forName="text_3" refType="h" refFor="ch" refForName="text_3" op="gte"/>
+                <dgm:constr type="h" for="ch" forName="text_3" refType="h" refFor="ch" refForName="accent_3" fact="0.8"/>
+                <dgm:constr type="ctrY" for="ch" forName="text_3" refType="ctrY" refFor="ch" refForName="accent_3"/>
+                <dgm:constr type="lMarg" for="ch" forName="text_3" refType="w" refFor="ch" refForName="accent_3" fact="1.8"/>
+                <dgm:constr type="h" for="ch" forName="accent_4" refType="h" fact="0.1563"/>
+                <dgm:constr type="w" for="ch" forName="accent_4" refType="h" refFor="ch" refForName="accent_4" op="equ"/>
+                <dgm:constr type="ctrY" for="ch" forName="accent_4" refType="h" fact="0.6875"/>
+                <dgm:constr type="ctrX" for="ch" forName="accent_4" refType="h" fact="0.1978"/>
+                <dgm:constr type="l" for="ch" forName="text_4" refType="ctrX" refFor="ch" refForName="accent_4"/>
+                <dgm:constr type="r" for="ch" forName="text_4" refType="w"/>
+                <dgm:constr type="w" for="ch" forName="text_4" refType="h" refFor="ch" refForName="text_4" op="gte"/>
+                <dgm:constr type="h" for="ch" forName="text_4" refType="h" refFor="ch" refForName="accent_4" fact="0.8"/>
+                <dgm:constr type="ctrY" for="ch" forName="text_4" refType="ctrY" refFor="ch" refForName="accent_4"/>
+                <dgm:constr type="lMarg" for="ch" forName="text_4" refType="w" refFor="ch" refForName="accent_4" fact="1.8"/>
+                <dgm:constr type="h" for="ch" forName="accent_5" refType="h" fact="0.1563"/>
+                <dgm:constr type="w" for="ch" forName="accent_5" refType="h" refFor="ch" refForName="accent_5" op="equ"/>
+                <dgm:constr type="ctrY" for="ch" forName="accent_5" refType="h" fact="0.875"/>
+                <dgm:constr type="ctrX" for="ch" forName="accent_5" refType="h" fact="0.1082"/>
+                <dgm:constr type="l" for="ch" forName="text_5" refType="ctrX" refFor="ch" refForName="accent_5"/>
+                <dgm:constr type="r" for="ch" forName="text_5" refType="w"/>
+                <dgm:constr type="w" for="ch" forName="text_5" refType="h" refFor="ch" refForName="text_5" op="gte"/>
+                <dgm:constr type="h" for="ch" forName="text_5" refType="h" refFor="ch" refForName="accent_5" fact="0.8"/>
+                <dgm:constr type="ctrY" for="ch" forName="text_5" refType="ctrY" refFor="ch" refForName="accent_5"/>
+                <dgm:constr type="lMarg" for="ch" forName="text_5" refType="w" refFor="ch" refForName="accent_5" fact="1.8"/>
+                <dgm:constr type="primFontSz" for="ch" ptType="node" op="equ" val="65"/>
+              </dgm:constrLst>
+            </dgm:if>
+            <dgm:if name="Name10" axis="ch" ptType="node" func="cnt" op="equ" val="6">
+              <dgm:constrLst>
+                <dgm:constr type="h" for="ch" forName="cycle" refType="h"/>
+                <dgm:constr type="w" for="ch" forName="cycle" refType="h" refFor="ch" refForName="cycle" fact="0.26"/>
+                <dgm:constr type="l" for="ch" forName="cycle"/>
+                <dgm:constr type="ctrY" for="ch" forName="cycle" refType="h" fact="0.5"/>
+                <dgm:constr type="diam" for="ch" forName="cycle" refType="h" fact="1.344"/>
+                <dgm:constr type="h" for="ch" forName="accent_1" refType="h" fact="0.1316"/>
+                <dgm:constr type="w" for="ch" forName="accent_1" refType="h" refFor="ch" refForName="accent_1" op="equ"/>
+                <dgm:constr type="ctrY" for="ch" forName="accent_1" refType="h" fact="0.1053"/>
+                <dgm:constr type="ctrX" for="ch" forName="accent_1" refType="h" fact="0.0943"/>
+                <dgm:constr type="l" for="ch" forName="text_1" refType="ctrX" refFor="ch" refForName="accent_1"/>
+                <dgm:constr type="r" for="ch" forName="text_1" refType="w"/>
+                <dgm:constr type="w" for="ch" forName="text_1" refType="h" refFor="ch" refForName="text_1" op="gte"/>
+                <dgm:constr type="h" for="ch" forName="text_1" refType="h" refFor="ch" refForName="accent_1" fact="0.8"/>
+                <dgm:constr type="ctrY" for="ch" forName="text_1" refType="ctrY" refFor="ch" refForName="accent_1"/>
+                <dgm:constr type="lMarg" for="ch" forName="text_1" refType="w" refFor="ch" refForName="accent_1" fact="1.8"/>
+                <dgm:constr type="h" for="ch" forName="accent_2" refType="h" fact="0.1316"/>
+                <dgm:constr type="w" for="ch" forName="accent_2" refType="h" refFor="ch" refForName="accent_2" op="equ"/>
+                <dgm:constr type="ctrY" for="ch" forName="accent_2" refType="h" fact="0.2632"/>
+                <dgm:constr type="ctrX" for="ch" forName="accent_2" refType="h" fact="0.1809"/>
+                <dgm:constr type="l" for="ch" forName="text_2" refType="ctrX" refFor="ch" refForName="accent_2"/>
+                <dgm:constr type="r" for="ch" forName="text_2" refType="w"/>
+                <dgm:constr type="w" for="ch" forName="text_2" refType="h" refFor="ch" refForName="text_2" op="gte"/>
+                <dgm:constr type="h" for="ch" forName="text_2" refType="h" refFor="ch" refForName="accent_2" fact="0.8"/>
+                <dgm:constr type="ctrY" for="ch" forName="text_2" refType="ctrY" refFor="ch" refForName="accent_2"/>
+                <dgm:constr type="lMarg" for="ch" forName="text_2" refType="w" refFor="ch" refForName="accent_2" fact="1.8"/>
+                <dgm:constr type="h" for="ch" forName="accent_3" refType="h" fact="0.1316"/>
+                <dgm:constr type="w" for="ch" forName="accent_3" refType="h" refFor="ch" refForName="accent_3" op="equ"/>
+                <dgm:constr type="ctrY" for="ch" forName="accent_3" refType="h" fact="0.4211"/>
+                <dgm:constr type="ctrX" for="ch" forName="accent_3" refType="h" fact="0.2205"/>
+                <dgm:constr type="l" for="ch" forName="text_3" refType="ctrX" refFor="ch" refForName="accent_3"/>
+                <dgm:constr type="r" for="ch" forName="text_3" refType="w"/>
+                <dgm:constr type="w" for="ch" forName="text_3" refType="h" refFor="ch" refForName="text_3" op="gte"/>
+                <dgm:constr type="h" for="ch" forName="text_3" refType="h" refFor="ch" refForName="accent_3" fact="0.8"/>
+                <dgm:constr type="ctrY" for="ch" forName="text_3" refType="ctrY" refFor="ch" refForName="accent_3"/>
+                <dgm:constr type="lMarg" for="ch" forName="text_3" refType="w" refFor="ch" refForName="accent_3" fact="1.8"/>
+                <dgm:constr type="h" for="ch" forName="accent_4" refType="h" fact="0.1316"/>
+                <dgm:constr type="w" for="ch" forName="accent_4" refType="h" refFor="ch" refForName="accent_4" op="equ"/>
+                <dgm:constr type="ctrY" for="ch" forName="accent_4" refType="h" fact="0.5789"/>
+                <dgm:constr type="ctrX" for="ch" forName="accent_4" refType="h" fact="0.2205"/>
+                <dgm:constr type="l" for="ch" forName="text_4" refType="ctrX" refFor="ch" refForName="accent_4"/>
+                <dgm:constr type="r" for="ch" forName="text_4" refType="w"/>
+                <dgm:constr type="w" for="ch" forName="text_4" refType="h" refFor="ch" refForName="text_4" op="gte"/>
+                <dgm:constr type="h" for="ch" forName="text_4" refType="h" refFor="ch" refForName="accent_4" fact="0.8"/>
+                <dgm:constr type="ctrY" for="ch" forName="text_4" refType="ctrY" refFor="ch" refForName="accent_4"/>
+                <dgm:constr type="lMarg" for="ch" forName="text_4" refType="w" refFor="ch" refForName="accent_4" fact="1.8"/>
+                <dgm:constr type="h" for="ch" forName="accent_5" refType="h" fact="0.1316"/>
+                <dgm:constr type="w" for="ch" forName="accent_5" refType="h" refFor="ch" refForName="accent_5" op="equ"/>
+                <dgm:constr type="ctrY" for="ch" forName="accent_5" refType="h" fact="0.7368"/>
+                <dgm:constr type="ctrX" for="ch" forName="accent_5" refType="h" fact="0.1809"/>
+                <dgm:constr type="l" for="ch" forName="text_5" refType="ctrX" refFor="ch" refForName="accent_5"/>
+                <dgm:constr type="r" for="ch" forName="text_5" refType="w"/>
+                <dgm:constr type="w" for="ch" forName="text_5" refType="h" refFor="ch" refForName="text_5" op="gte"/>
+                <dgm:constr type="h" for="ch" forName="text_5" refType="h" refFor="ch" refForName="accent_5" fact="0.8"/>
+                <dgm:constr type="ctrY" for="ch" forName="text_5" refType="ctrY" refFor="ch" refForName="accent_5"/>
+                <dgm:constr type="lMarg" for="ch" forName="text_5" refType="w" refFor="ch" refForName="accent_5" fact="1.8"/>
+                <dgm:constr type="h" for="ch" forName="accent_6" refType="h" fact="0.1316"/>
+                <dgm:constr type="w" for="ch" forName="accent_6" refType="h" refFor="ch" refForName="accent_6" op="equ"/>
+                <dgm:constr type="ctrY" for="ch" forName="accent_6" refType="h" fact="0.8947"/>
+                <dgm:constr type="ctrX" for="ch" forName="accent_6" refType="h" fact="0.0943"/>
+                <dgm:constr type="l" for="ch" forName="text_6" refType="ctrX" refFor="ch" refForName="accent_6"/>
+                <dgm:constr type="r" for="ch" forName="text_6" refType="w"/>
+                <dgm:constr type="w" for="ch" forName="text_6" refType="h" refFor="ch" refForName="text_6" op="gte"/>
+                <dgm:constr type="h" for="ch" forName="text_6" refType="h" refFor="ch" refForName="accent_6" fact="0.8"/>
+                <dgm:constr type="ctrY" for="ch" forName="text_6" refType="ctrY" refFor="ch" refForName="accent_6"/>
+                <dgm:constr type="lMarg" for="ch" forName="text_6" refType="w" refFor="ch" refForName="accent_6" fact="1.8"/>
+                <dgm:constr type="primFontSz" for="ch" ptType="node" op="equ" val="65"/>
+              </dgm:constrLst>
+            </dgm:if>
+            <dgm:else name="Name11">
+              <dgm:constrLst>
+                <dgm:constr type="h" for="ch" forName="cycle" refType="h"/>
+                <dgm:constr type="w" for="ch" forName="cycle" refType="h" refFor="ch" refForName="cycle" fact="0.26"/>
+                <dgm:constr type="l" for="ch" forName="cycle"/>
+                <dgm:constr type="ctrY" for="ch" forName="cycle" refType="h" fact="0.5"/>
+                <dgm:constr type="diam" for="ch" forName="cycle" refType="h" fact="1.344"/>
+                <dgm:constr type="h" for="ch" forName="accent_1" refType="h" fact="0.1136"/>
+                <dgm:constr type="w" for="ch" forName="accent_1" refType="h" refFor="ch" refForName="accent_1" op="equ"/>
+                <dgm:constr type="ctrY" for="ch" forName="accent_1" refType="h" fact="0.0909"/>
+                <dgm:constr type="ctrX" for="ch" forName="accent_1" refType="h" fact="0.0835"/>
+                <dgm:constr type="l" for="ch" forName="text_1" refType="ctrX" refFor="ch" refForName="accent_1"/>
+                <dgm:constr type="r" for="ch" forName="text_1" refType="w"/>
+                <dgm:constr type="w" for="ch" forName="text_1" refType="h" refFor="ch" refForName="text_1" op="gte"/>
+                <dgm:constr type="h" for="ch" forName="text_1" refType="h" refFor="ch" refForName="accent_1" fact="0.8"/>
+                <dgm:constr type="ctrY" for="ch" forName="text_1" refType="ctrY" refFor="ch" refForName="accent_1"/>
+                <dgm:constr type="lMarg" for="ch" forName="text_1" refType="w" refFor="ch" refForName="accent_1" fact="1.8"/>
+                <dgm:constr type="h" for="ch" forName="accent_2" refType="h" fact="0.1136"/>
+                <dgm:constr type="w" for="ch" forName="accent_2" refType="h" refFor="ch" refForName="accent_2" op="equ"/>
+                <dgm:constr type="ctrY" for="ch" forName="accent_2" refType="h" fact="0.2273"/>
+                <dgm:constr type="ctrX" for="ch" forName="accent_2" refType="h" fact="0.1658"/>
+                <dgm:constr type="l" for="ch" forName="text_2" refType="ctrX" refFor="ch" refForName="accent_2"/>
+                <dgm:constr type="r" for="ch" forName="text_2" refType="w"/>
+                <dgm:constr type="w" for="ch" forName="text_2" refType="h" refFor="ch" refForName="text_2" op="gte"/>
+                <dgm:constr type="h" for="ch" forName="text_2" refType="h" refFor="ch" refForName="accent_2" fact="0.8"/>
+                <dgm:constr type="ctrY" for="ch" forName="text_2" refType="ctrY" refFor="ch" refForName="accent_2"/>
+                <dgm:constr type="lMarg" for="ch" forName="text_2" refType="w" refFor="ch" refForName="accent_2" fact="1.8"/>
+                <dgm:constr type="h" for="ch" forName="accent_3" refType="h" fact="0.1136"/>
+                <dgm:constr type="w" for="ch" forName="accent_3" refType="h" refFor="ch" refForName="accent_3" op="equ"/>
+                <dgm:constr type="ctrY" for="ch" forName="accent_3" refType="h" fact="0.3636"/>
+                <dgm:constr type="ctrX" for="ch" forName="accent_3" refType="h" fact="0.2109"/>
+                <dgm:constr type="l" for="ch" forName="text_3" refType="ctrX" refFor="ch" refForName="accent_3"/>
+                <dgm:constr type="r" for="ch" forName="text_3" refType="w"/>
+                <dgm:constr type="w" for="ch" forName="text_3" refType="h" refFor="ch" refForName="text_3" op="gte"/>
+                <dgm:constr type="h" for="ch" forName="text_3" refType="h" refFor="ch" refForName="accent_3" fact="0.8"/>
+                <dgm:constr type="ctrY" for="ch" forName="text_3" refType="ctrY" refFor="ch" refForName="accent_3"/>
+                <dgm:constr type="lMarg" for="ch" forName="text_3" refType="w" refFor="ch" refForName="accent_3" fact="1.8"/>
+                <dgm:constr type="h" for="ch" forName="accent_4" refType="h" fact="0.1136"/>
+                <dgm:constr type="w" for="ch" forName="accent_4" refType="h" refFor="ch" refForName="accent_4" op="equ"/>
+                <dgm:constr type="ctrY" for="ch" forName="accent_4" refType="h" fact="0.5"/>
+                <dgm:constr type="ctrX" for="ch" forName="accent_4" refType="h" fact="0.2253"/>
+                <dgm:constr type="l" for="ch" forName="text_4" refType="ctrX" refFor="ch" refForName="accent_4"/>
+                <dgm:constr type="r" for="ch" forName="text_4" refType="w"/>
+                <dgm:constr type="w" for="ch" forName="text_4" refType="h" refFor="ch" refForName="text_4" op="gte"/>
+                <dgm:constr type="h" for="ch" forName="text_4" refType="h" refFor="ch" refForName="accent_4" fact="0.8"/>
+                <dgm:constr type="ctrY" for="ch" forName="text_4" refType="ctrY" refFor="ch" refForName="accent_4"/>
+                <dgm:constr type="lMarg" for="ch" forName="text_4" refType="w" refFor="ch" refForName="accent_4" fact="1.8"/>
+                <dgm:constr type="h" for="ch" forName="accent_5" refType="h" fact="0.1136"/>
+                <dgm:constr type="w" for="ch" forName="accent_5" refType="h" refFor="ch" refForName="accent_5" op="equ"/>
+                <dgm:constr type="ctrY" for="ch" forName="accent_5" refType="h" fact="0.6364"/>
+                <dgm:constr type="ctrX" for="ch" forName="accent_5" refType="h" fact="0.2109"/>
+                <dgm:constr type="l" for="ch" forName="text_5" refType="ctrX" refFor="ch" refForName="accent_5"/>
+                <dgm:constr type="r" for="ch" forName="text_5" refType="w"/>
+                <dgm:constr type="w" for="ch" forName="text_5" refType="h" refFor="ch" refForName="text_5" op="gte"/>
+                <dgm:constr type="h" for="ch" forName="text_5" refType="h" refFor="ch" refForName="accent_5" fact="0.8"/>
+                <dgm:constr type="ctrY" for="ch" forName="text_5" refType="ctrY" refFor="ch" refForName="accent_5"/>
+                <dgm:constr type="lMarg" for="ch" forName="text_5" refType="w" refFor="ch" refForName="accent_5" fact="1.8"/>
+                <dgm:constr type="h" for="ch" forName="accent_6" refType="h" fact="0.1136"/>
+                <dgm:constr type="w" for="ch" forName="accent_6" refType="h" refFor="ch" refForName="accent_6" op="equ"/>
+                <dgm:constr type="ctrY" for="ch" forName="accent_6" refType="h" fact="0.7727"/>
+                <dgm:constr type="ctrX" for="ch" forName="accent_6" refType="h" fact="0.1658"/>
+                <dgm:constr type="l" for="ch" forName="text_6" refType="ctrX" refFor="ch" refForName="accent_6"/>
+                <dgm:constr type="r" for="ch" forName="text_6" refType="w"/>
+                <dgm:constr type="w" for="ch" forName="text_6" refType="h" refFor="ch" refForName="text_6" op="gte"/>
+                <dgm:constr type="h" for="ch" forName="text_6" refType="h" refFor="ch" refForName="accent_6" fact="0.8"/>
+                <dgm:constr type="ctrY" for="ch" forName="text_6" refType="ctrY" refFor="ch" refForName="accent_6"/>
+                <dgm:constr type="lMarg" for="ch" forName="text_6" refType="w" refFor="ch" refForName="accent_6" fact="1.8"/>
+                <dgm:constr type="h" for="ch" forName="accent_7" refType="h" fact="0.1136"/>
+                <dgm:constr type="w" for="ch" forName="accent_7" refType="h" refFor="ch" refForName="accent_7" op="equ"/>
+                <dgm:constr type="ctrY" for="ch" forName="accent_7" refType="h" fact="0.9091"/>
+                <dgm:constr type="ctrX" for="ch" forName="accent_7" refType="h" fact="0.0835"/>
+                <dgm:constr type="l" for="ch" forName="text_7" refType="ctrX" refFor="ch" refForName="accent_7"/>
+                <dgm:constr type="r" for="ch" forName="text_7" refType="w"/>
+                <dgm:constr type="w" for="ch" forName="text_7" refType="h" refFor="ch" refForName="text_7" op="gte"/>
+                <dgm:constr type="h" for="ch" forName="text_7" refType="h" refFor="ch" refForName="accent_7" fact="0.8"/>
+                <dgm:constr type="ctrY" for="ch" forName="text_7" refType="ctrY" refFor="ch" refForName="accent_7"/>
+                <dgm:constr type="lMarg" for="ch" forName="text_7" refType="w" refFor="ch" refForName="accent_7" fact="1.8"/>
+                <dgm:constr type="primFontSz" for="ch" ptType="node" op="equ" val="65"/>
+              </dgm:constrLst>
+            </dgm:else>
+          </dgm:choose>
+        </dgm:if>
+        <dgm:else name="Name12">
+          <dgm:choose name="Name13">
+            <dgm:if name="Name14" axis="ch" ptType="node" func="cnt" op="equ" val="1">
+              <dgm:constrLst>
+                <dgm:constr type="h" for="ch" forName="cycle" refType="h"/>
+                <dgm:constr type="w" for="ch" forName="cycle" refType="h" refFor="ch" refForName="cycle" fact="0.26"/>
+                <dgm:constr type="r" for="ch" forName="cycle" refType="w"/>
+                <dgm:constr type="ctrY" for="ch" forName="cycle" refType="h" fact="0.5"/>
+                <dgm:constr type="diam" for="ch" forName="cycle" refType="h" fact="1.344"/>
+                <dgm:constr type="h" for="ch" forName="accent_1" refType="h" fact="0.625"/>
+                <dgm:constr type="w" for="ch" forName="accent_1" refType="h" refFor="ch" refForName="accent_1" op="equ"/>
+                <dgm:constr type="ctrY" for="ch" forName="accent_1" refType="h" fact="0.5"/>
+                <dgm:constr type="ctrX" for="ch" forName="accent_1" refType="w"/>
+                <dgm:constr type="ctrXOff" for="ch" forName="accent_1" refType="h" fact="-0.2253"/>
+                <dgm:constr type="r" for="ch" forName="text_1" refType="ctrX" refFor="ch" refForName="accent_1"/>
+                <dgm:constr type="rOff" for="ch" forName="text_1" refType="ctrXOff" refFor="ch" refForName="accent_1"/>
+                <dgm:constr type="l" for="ch" forName="text_1"/>
+                <dgm:constr type="w" for="ch" forName="text_1" refType="h" refFor="ch" refForName="text_1" op="gte"/>
+                <dgm:constr type="h" for="ch" forName="text_1" refType="h" refFor="ch" refForName="accent_1" fact="0.8"/>
+                <dgm:constr type="ctrY" for="ch" forName="text_1" refType="ctrY" refFor="ch" refForName="accent_1"/>
+                <dgm:constr type="rMarg" for="ch" forName="text_1" refType="w" refFor="ch" refForName="accent_1" fact="1.8"/>
+                <dgm:constr type="primFontSz" for="ch" ptType="node" op="equ" val="65"/>
+              </dgm:constrLst>
+            </dgm:if>
+            <dgm:if name="Name15" axis="ch" ptType="node" func="cnt" op="equ" val="2">
+              <dgm:constrLst>
+                <dgm:constr type="h" for="ch" forName="cycle" refType="h"/>
+                <dgm:constr type="w" for="ch" forName="cycle" refType="h" refFor="ch" refForName="cycle" fact="0.26"/>
+                <dgm:constr type="r" for="ch" forName="cycle" refType="w"/>
+                <dgm:constr type="ctrY" for="ch" forName="cycle" refType="h" fact="0.5"/>
+                <dgm:constr type="diam" for="ch" forName="cycle" refType="h" fact="1.344"/>
+                <dgm:constr type="h" for="ch" forName="accent_1" refType="h" fact="0.3571"/>
+                <dgm:constr type="w" for="ch" forName="accent_1" refType="h" refFor="ch" refForName="accent_1" op="equ"/>
+                <dgm:constr type="ctrY" for="ch" forName="accent_1" refType="h" fact="0.2857"/>
+                <dgm:constr type="ctrX" for="ch" forName="accent_1" refType="w"/>
+                <dgm:constr type="ctrXOff" for="ch" forName="accent_1" refType="h" fact="-0.1891"/>
+                <dgm:constr type="r" for="ch" forName="text_1" refType="ctrX" refFor="ch" refForName="accent_1"/>
+                <dgm:constr type="rOff" for="ch" forName="text_1" refType="ctrXOff" refFor="ch" refForName="accent_1"/>
+                <dgm:constr type="l" for="ch" forName="text_1"/>
+                <dgm:constr type="w" for="ch" forName="text_1" refType="h" refFor="ch" refForName="text_1" op="gte"/>
+                <dgm:constr type="h" for="ch" forName="text_1" refType="h" refFor="ch" refForName="accent_1" fact="0.8"/>
+                <dgm:constr type="ctrY" for="ch" forName="text_1" refType="ctrY" refFor="ch" refForName="accent_1"/>
+                <dgm:constr type="rMarg" for="ch" forName="text_1" refType="w" refFor="ch" refForName="accent_1" fact="1.8"/>
+                <dgm:constr type="h" for="ch" forName="accent_2" refType="h" fact="0.3571"/>
+                <dgm:constr type="w" for="ch" forName="accent_2" refType="h" refFor="ch" refForName="accent_2" op="equ"/>
+                <dgm:constr type="ctrY" for="ch" forName="accent_2" refType="h" fact="0.7143"/>
+                <dgm:constr type="ctrX" for="ch" forName="accent_2" refType="w"/>
+                <dgm:constr type="ctrXOff" for="ch" forName="accent_2" refType="h" fact="-0.1891"/>
+                <dgm:constr type="r" for="ch" forName="text_2" refType="ctrX" refFor="ch" refForName="accent_2"/>
+                <dgm:constr type="rOff" for="ch" forName="text_2" refType="ctrXOff" refFor="ch" refForName="accent_2"/>
+                <dgm:constr type="l" for="ch" forName="text_2"/>
+                <dgm:constr type="w" for="ch" forName="text_2" refType="h" refFor="ch" refForName="text_2" op="gte"/>
+                <dgm:constr type="h" for="ch" forName="text_2" refType="h" refFor="ch" refForName="accent_2" fact="0.8"/>
+                <dgm:constr type="ctrY" for="ch" forName="text_2" refType="ctrY" refFor="ch" refForName="accent_2"/>
+                <dgm:constr type="rMarg" for="ch" forName="text_2" refType="w" refFor="ch" refForName="accent_2" fact="1.8"/>
+                <dgm:constr type="primFontSz" for="ch" ptType="node" op="equ" val="65"/>
+              </dgm:constrLst>
+            </dgm:if>
+            <dgm:if name="Name16" axis="ch" ptType="node" func="cnt" op="equ" val="3">
+              <dgm:constrLst>
+                <dgm:constr type="h" for="ch" forName="cycle" refType="h"/>
+                <dgm:constr type="w" for="ch" forName="cycle" refType="h" refFor="ch" refForName="cycle" fact="0.26"/>
+                <dgm:constr type="r" for="ch" forName="cycle" refType="w"/>
+                <dgm:constr type="ctrY" for="ch" forName="cycle" refType="h" fact="0.5"/>
+                <dgm:constr type="diam" for="ch" forName="cycle" refType="h" fact="1.344"/>
+                <dgm:constr type="h" for="ch" forName="accent_1" refType="h" fact="0.25"/>
+                <dgm:constr type="w" for="ch" forName="accent_1" refType="h" refFor="ch" refForName="accent_1" op="equ"/>
+                <dgm:constr type="ctrY" for="ch" forName="accent_1" refType="h" fact="0.2"/>
+                <dgm:constr type="ctrX" for="ch" forName="accent_1" refType="w"/>
+                <dgm:constr type="ctrXOff" for="ch" forName="accent_1" refType="h" fact="-0.1526"/>
+                <dgm:constr type="r" for="ch" forName="text_1" refType="ctrX" refFor="ch" refForName="accent_1"/>
+                <dgm:constr type="rOff" for="ch" forName="text_1" refType="ctrXOff" refFor="ch" refForName="accent_1"/>
+                <dgm:constr type="l" for="ch" forName="text_1"/>
+                <dgm:constr type="w" for="ch" forName="text_1" refType="h" refFor="ch" refForName="text_1" op="gte"/>
+                <dgm:constr type="h" for="ch" forName="text_1" refType="h" refFor="ch" refForName="accent_1" fact="0.8"/>
+                <dgm:constr type="ctrY" for="ch" forName="text_1" refType="ctrY" refFor="ch" refForName="accent_1"/>
+                <dgm:constr type="rMarg" for="ch" forName="text_1" refType="w" refFor="ch" refForName="accent_1" fact="1.8"/>
+                <dgm:constr type="h" for="ch" forName="accent_2" refType="h" fact="0.25"/>
+                <dgm:constr type="w" for="ch" forName="accent_2" refType="h" refFor="ch" refForName="accent_2" op="equ"/>
+                <dgm:constr type="ctrY" for="ch" forName="accent_2" refType="h" fact="0.5"/>
+                <dgm:constr type="ctrX" for="ch" forName="accent_2" refType="w"/>
+                <dgm:constr type="ctrXOff" for="ch" forName="accent_2" refType="h" fact="-0.2253"/>
+                <dgm:constr type="r" for="ch" forName="text_2" refType="ctrX" refFor="ch" refForName="accent_2"/>
+                <dgm:constr type="rOff" for="ch" forName="text_2" refType="ctrXOff" refFor="ch" refForName="accent_2"/>
+                <dgm:constr type="l" for="ch" forName="text_2"/>
+                <dgm:constr type="w" for="ch" forName="text_2" refType="h" refFor="ch" refForName="text_2" op="gte"/>
+                <dgm:constr type="h" for="ch" forName="text_2" refType="h" refFor="ch" refForName="accent_2" fact="0.8"/>
+                <dgm:constr type="ctrY" for="ch" forName="text_2" refType="ctrY" refFor="ch" refForName="accent_2"/>
+                <dgm:constr type="rMarg" for="ch" forName="text_2" refType="w" refFor="ch" refForName="accent_2" fact="1.8"/>
+                <dgm:constr type="h" for="ch" forName="accent_3" refType="h" fact="0.25"/>
+                <dgm:constr type="w" for="ch" forName="accent_3" refType="h" refFor="ch" refForName="accent_3" op="equ"/>
+                <dgm:constr type="ctrY" for="ch" forName="accent_3" refType="h" fact="0.8"/>
+                <dgm:constr type="ctrX" for="ch" forName="accent_3" refType="w"/>
+                <dgm:constr type="ctrXOff" for="ch" forName="accent_3" refType="h" fact="-0.1526"/>
+                <dgm:constr type="r" for="ch" forName="text_3" refType="ctrX" refFor="ch" refForName="accent_3"/>
+                <dgm:constr type="rOff" for="ch" forName="text_3" refType="ctrXOff" refFor="ch" refForName="accent_3"/>
+                <dgm:constr type="l" for="ch" forName="text_3"/>
+                <dgm:constr type="w" for="ch" forName="text_3" refType="h" refFor="ch" refForName="text_3" op="gte"/>
+                <dgm:constr type="h" for="ch" forName="text_3" refType="h" refFor="ch" refForName="accent_3" fact="0.8"/>
+                <dgm:constr type="ctrY" for="ch" forName="text_3" refType="ctrY" refFor="ch" refForName="accent_3"/>
+                <dgm:constr type="rMarg" for="ch" forName="text_3" refType="w" refFor="ch" refForName="accent_3" fact="1.8"/>
+                <dgm:constr type="primFontSz" for="ch" ptType="node" op="equ" val="65"/>
+              </dgm:constrLst>
+            </dgm:if>
+            <dgm:if name="Name17" axis="ch" ptType="node" func="cnt" op="equ" val="4">
+              <dgm:constrLst>
+                <dgm:constr type="h" for="ch" forName="cycle" refType="h"/>
+                <dgm:constr type="w" for="ch" forName="cycle" refType="h" refFor="ch" refForName="cycle" fact="0.26"/>
+                <dgm:constr type="r" for="ch" forName="cycle" refType="w"/>
+                <dgm:constr type="ctrY" for="ch" forName="cycle" refType="h" fact="0.5"/>
+                <dgm:constr type="diam" for="ch" forName="cycle" refType="h" fact="1.344"/>
+                <dgm:constr type="h" for="ch" forName="accent_1" refType="h" fact="0.1923"/>
+                <dgm:constr type="w" for="ch" forName="accent_1" refType="h" refFor="ch" refForName="accent_1" op="equ"/>
+                <dgm:constr type="ctrY" for="ch" forName="accent_1" refType="h" fact="0.1538"/>
+                <dgm:constr type="ctrX" for="ch" forName="accent_1" refType="w"/>
+                <dgm:constr type="ctrXOff" for="ch" forName="accent_1" refType="h" fact="-0.1268"/>
+                <dgm:constr type="r" for="ch" forName="text_1" refType="ctrX" refFor="ch" refForName="accent_1"/>
+                <dgm:constr type="rOff" for="ch" forName="text_1" refType="ctrXOff" refFor="ch" refForName="accent_1"/>
+                <dgm:constr type="l" for="ch" forName="text_1"/>
+                <dgm:constr type="w" for="ch" forName="text_1" refType="h" refFor="ch" refForName="text_1" op="gte"/>
+                <dgm:constr type="h" for="ch" forName="text_1" refType="h" refFor="ch" refForName="accent_1" fact="0.8"/>
+                <dgm:constr type="ctrY" for="ch" forName="text_1" refType="ctrY" refFor="ch" refForName="accent_1"/>
+                <dgm:constr type="rMarg" for="ch" forName="text_1" refType="w" refFor="ch" refForName="accent_1" fact="1.8"/>
+                <dgm:constr type="h" for="ch" forName="accent_2" refType="h" fact="0.1923"/>
+                <dgm:constr type="w" for="ch" forName="accent_2" refType="h" refFor="ch" refForName="accent_2" op="equ"/>
+                <dgm:constr type="ctrY" for="ch" forName="accent_2" refType="h" fact="0.3846"/>
+                <dgm:constr type="ctrX" for="ch" forName="accent_2" refType="w"/>
+                <dgm:constr type="ctrXOff" for="ch" forName="accent_2" refType="h" fact="-0.215"/>
+                <dgm:constr type="r" for="ch" forName="text_2" refType="ctrX" refFor="ch" refForName="accent_2"/>
+                <dgm:constr type="rOff" for="ch" forName="text_2" refType="ctrXOff" refFor="ch" refForName="accent_2"/>
+                <dgm:constr type="l" for="ch" forName="text_2"/>
+                <dgm:constr type="w" for="ch" forName="text_2" refType="h" refFor="ch" refForName="text_2" op="gte"/>
+                <dgm:constr type="h" for="ch" forName="text_2" refType="h" refFor="ch" refForName="accent_2" fact="0.8"/>
+                <dgm:constr type="ctrY" for="ch" forName="text_2" refType="ctrY" refFor="ch" refForName="accent_2"/>
+                <dgm:constr type="rMarg" for="ch" forName="text_2" refType="w" refFor="ch" refForName="accent_2" fact="1.8"/>
+                <dgm:constr type="h" for="ch" forName="accent_3" refType="h" fact="0.1923"/>
+                <dgm:constr type="w" for="ch" forName="accent_3" refType="h" refFor="ch" refForName="accent_3" op="equ"/>
+                <dgm:constr type="ctrY" for="ch" forName="accent_3" refType="h" fact="0.6154"/>
+                <dgm:constr type="ctrX" for="ch" forName="accent_3" refType="w"/>
+                <dgm:constr type="ctrXOff" for="ch" forName="accent_3" refType="h" fact="-0.215"/>
+                <dgm:constr type="r" for="ch" forName="text_3" refType="ctrX" refFor="ch" refForName="accent_3"/>
+                <dgm:constr type="rOff" for="ch" forName="text_3" refType="ctrXOff" refFor="ch" refForName="accent_3"/>
+                <dgm:constr type="l" for="ch" forName="text_3"/>
+                <dgm:constr type="w" for="ch" forName="text_3" refType="h" refFor="ch" refForName="text_3" op="gte"/>
+                <dgm:constr type="h" for="ch" forName="text_3" refType="h" refFor="ch" refForName="accent_3" fact="0.8"/>
+                <dgm:constr type="ctrY" for="ch" forName="text_3" refType="ctrY" refFor="ch" refForName="accent_3"/>
+                <dgm:constr type="rMarg" for="ch" forName="text_3" refType="w" refFor="ch" refForName="accent_3" fact="1.8"/>
+                <dgm:constr type="h" for="ch" forName="accent_4" refType="h" fact="0.1923"/>
+                <dgm:constr type="w" for="ch" forName="accent_4" refType="h" refFor="ch" refForName="accent_4" op="equ"/>
+                <dgm:constr type="ctrY" for="ch" forName="accent_4" refType="h" fact="0.8462"/>
+                <dgm:constr type="ctrX" for="ch" forName="accent_4" refType="w"/>
+                <dgm:constr type="ctrXOff" for="ch" forName="accent_4" refType="h" fact="-0.1268"/>
+                <dgm:constr type="r" for="ch" forName="text_4" refType="ctrX" refFor="ch" refForName="accent_4"/>
+                <dgm:constr type="rOff" for="ch" forName="text_4" refType="ctrXOff" refFor="ch" refForName="accent_4"/>
+                <dgm:constr type="l" for="ch" forName="text_4"/>
+                <dgm:constr type="w" for="ch" forName="text_4" refType="h" refFor="ch" refForName="text_4" op="gte"/>
+                <dgm:constr type="h" for="ch" forName="text_4" refType="h" refFor="ch" refForName="accent_4" fact="0.8"/>
+                <dgm:constr type="ctrY" for="ch" forName="text_4" refType="ctrY" refFor="ch" refForName="accent_4"/>
+                <dgm:constr type="rMarg" for="ch" forName="text_4" refType="w" refFor="ch" refForName="accent_4" fact="1.8"/>
+                <dgm:constr type="primFontSz" for="ch" ptType="node" op="equ" val="65"/>
+              </dgm:constrLst>
+            </dgm:if>
+            <dgm:if name="Name18" axis="ch" ptType="node" func="cnt" op="equ" val="5">
+              <dgm:constrLst>
+                <dgm:constr type="h" for="ch" forName="cycle" refType="h"/>
+                <dgm:constr type="w" for="ch" forName="cycle" refType="h" refFor="ch" refForName="cycle" fact="0.26"/>
+                <dgm:constr type="r" for="ch" forName="cycle" refType="w"/>
+                <dgm:constr type="ctrY" for="ch" forName="cycle" refType="h" fact="0.5"/>
+                <dgm:constr type="diam" for="ch" forName="cycle" refType="h" fact="1.344"/>
+                <dgm:constr type="h" for="ch" forName="accent_1" refType="h" fact="0.1563"/>
+                <dgm:constr type="w" for="ch" forName="accent_1" refType="h" refFor="ch" refForName="accent_1" op="equ"/>
+                <dgm:constr type="ctrY" for="ch" forName="accent_1" refType="h" fact="0.125"/>
+                <dgm:constr type="ctrX" for="ch" forName="accent_1" refType="w"/>
+                <dgm:constr type="ctrXOff" for="ch" forName="accent_1" refType="h" fact="-0.1082"/>
+                <dgm:constr type="r" for="ch" forName="text_1" refType="ctrX" refFor="ch" refForName="accent_1"/>
+                <dgm:constr type="rOff" for="ch" forName="text_1" refType="ctrXOff" refFor="ch" refForName="accent_1"/>
+                <dgm:constr type="l" for="ch" forName="text_1"/>
+                <dgm:constr type="w" for="ch" forName="text_1" refType="h" refFor="ch" refForName="text_1" op="gte"/>
+                <dgm:constr type="h" for="ch" forName="text_1" refType="h" refFor="ch" refForName="accent_1" fact="0.8"/>
+                <dgm:constr type="ctrY" for="ch" forName="text_1" refType="ctrY" refFor="ch" refForName="accent_1"/>
+                <dgm:constr type="rMarg" for="ch" forName="text_1" refType="w" refFor="ch" refForName="accent_1" fact="1.8"/>
+                <dgm:constr type="h" for="ch" forName="accent_2" refType="h" fact="0.1563"/>
+                <dgm:constr type="w" for="ch" forName="accent_2" refType="h" refFor="ch" refForName="accent_2" op="equ"/>
+                <dgm:constr type="ctrY" for="ch" forName="accent_2" refType="h" fact="0.3125"/>
+                <dgm:constr type="ctrX" for="ch" forName="accent_2" refType="w"/>
+                <dgm:constr type="ctrXOff" for="ch" forName="accent_2" refType="h" fact="-0.1978"/>
+                <dgm:constr type="r" for="ch" forName="text_2" refType="ctrX" refFor="ch" refForName="accent_2"/>
+                <dgm:constr type="rOff" for="ch" forName="text_2" refType="ctrXOff" refFor="ch" refForName="accent_2"/>
+                <dgm:constr type="l" for="ch" forName="text_2"/>
+                <dgm:constr type="w" for="ch" forName="text_2" refType="h" refFor="ch" refForName="text_2" op="gte"/>
+                <dgm:constr type="h" for="ch" forName="text_2" refType="h" refFor="ch" refForName="accent_2" fact="0.8"/>
+                <dgm:constr type="ctrY" for="ch" forName="text_2" refType="ctrY" refFor="ch" refForName="accent_2"/>
+                <dgm:constr type="rMarg" for="ch" forName="text_2" refType="w" refFor="ch" refForName="accent_2" fact="1.8"/>
+                <dgm:constr type="h" for="ch" forName="accent_3" refType="h" fact="0.1563"/>
+                <dgm:constr type="w" for="ch" forName="accent_3" refType="h" refFor="ch" refForName="accent_3" op="equ"/>
+                <dgm:constr type="ctrY" for="ch" forName="accent_3" refType="h" fact="0.5"/>
+                <dgm:constr type="ctrX" for="ch" forName="accent_3" refType="w"/>
+                <dgm:constr type="ctrXOff" for="ch" forName="accent_3" refType="h" fact="-0.2253"/>
+                <dgm:constr type="r" for="ch" forName="text_3" refType="ctrX" refFor="ch" refForName="accent_3"/>
+                <dgm:constr type="rOff" for="ch" forName="text_3" refType="ctrXOff" refFor="ch" refForName="accent_3"/>
+                <dgm:constr type="l" for="ch" forName="text_3"/>
+                <dgm:constr type="w" for="ch" forName="text_3" refType="h" refFor="ch" refForName="text_3" op="gte"/>
+                <dgm:constr type="h" for="ch" forName="text_3" refType="h" refFor="ch" refForName="accent_3" fact="0.8"/>
+                <dgm:constr type="ctrY" for="ch" forName="text_3" refType="ctrY" refFor="ch" refForName="accent_3"/>
+                <dgm:constr type="rMarg" for="ch" forName="text_3" refType="w" refFor="ch" refForName="accent_3" fact="1.8"/>
+                <dgm:constr type="h" for="ch" forName="accent_4" refType="h" fact="0.1563"/>
+                <dgm:constr type="w" for="ch" forName="accent_4" refType="h" refFor="ch" refForName="accent_4" op="equ"/>
+                <dgm:constr type="ctrY" for="ch" forName="accent_4" refType="h" fact="0.6875"/>
+                <dgm:constr type="ctrX" for="ch" forName="accent_4" refType="w"/>
+                <dgm:constr type="ctrXOff" for="ch" forName="accent_4" refType="h" fact="-0.1978"/>
+                <dgm:constr type="r" for="ch" forName="text_4" refType="ctrX" refFor="ch" refForName="accent_4"/>
+                <dgm:constr type="rOff" for="ch" forName="text_4" refType="ctrXOff" refFor="ch" refForName="accent_4"/>
+                <dgm:constr type="l" for="ch" forName="text_4"/>
+                <dgm:constr type="w" for="ch" forName="text_4" refType="h" refFor="ch" refForName="text_4" op="gte"/>
+                <dgm:constr type="h" for="ch" forName="text_4" refType="h" refFor="ch" refForName="accent_4" fact="0.8"/>
+                <dgm:constr type="ctrY" for="ch" forName="text_4" refType="ctrY" refFor="ch" refForName="accent_4"/>
+                <dgm:constr type="rMarg" for="ch" forName="text_4" refType="w" refFor="ch" refForName="accent_4" fact="1.8"/>
+                <dgm:constr type="h" for="ch" forName="accent_5" refType="h" fact="0.1563"/>
+                <dgm:constr type="w" for="ch" forName="accent_5" refType="h" refFor="ch" refForName="accent_5" op="equ"/>
+                <dgm:constr type="ctrY" for="ch" forName="accent_5" refType="h" fact="0.875"/>
+                <dgm:constr type="ctrX" for="ch" forName="accent_5" refType="w"/>
+                <dgm:constr type="ctrXOff" for="ch" forName="accent_5" refType="h" fact="-0.1082"/>
+                <dgm:constr type="r" for="ch" forName="text_5" refType="ctrX" refFor="ch" refForName="accent_5"/>
+                <dgm:constr type="rOff" for="ch" forName="text_5" refType="ctrXOff" refFor="ch" refForName="accent_5"/>
+                <dgm:constr type="l" for="ch" forName="text_5"/>
+                <dgm:constr type="w" for="ch" forName="text_5" refType="h" refFor="ch" refForName="text_5" op="gte"/>
+                <dgm:constr type="h" for="ch" forName="text_5" refType="h" refFor="ch" refForName="accent_5" fact="0.8"/>
+                <dgm:constr type="ctrY" for="ch" forName="text_5" refType="ctrY" refFor="ch" refForName="accent_5"/>
+                <dgm:constr type="rMarg" for="ch" forName="text_5" refType="w" refFor="ch" refForName="accent_5" fact="1.8"/>
+                <dgm:constr type="primFontSz" for="ch" ptType="node" op="equ" val="65"/>
+              </dgm:constrLst>
+            </dgm:if>
+            <dgm:if name="Name19" axis="ch" ptType="node" func="cnt" op="equ" val="6">
+              <dgm:constrLst>
+                <dgm:constr type="h" for="ch" forName="cycle" refType="h"/>
+                <dgm:constr type="w" for="ch" forName="cycle" refType="h" refFor="ch" refForName="cycle" fact="0.26"/>
+                <dgm:constr type="r" for="ch" forName="cycle" refType="w"/>
+                <dgm:constr type="ctrY" for="ch" forName="cycle" refType="h" fact="0.5"/>
+                <dgm:constr type="diam" for="ch" forName="cycle" refType="h" fact="1.344"/>
+                <dgm:constr type="h" for="ch" forName="accent_1" refType="h" fact="0.1316"/>
+                <dgm:constr type="w" for="ch" forName="accent_1" refType="h" refFor="ch" refForName="accent_1" op="equ"/>
+                <dgm:constr type="ctrY" for="ch" forName="accent_1" refType="h" fact="0.1053"/>
+                <dgm:constr type="ctrX" for="ch" forName="accent_1" refType="w"/>
+                <dgm:constr type="ctrXOff" for="ch" forName="accent_1" refType="h" fact="-0.0943"/>
+                <dgm:constr type="r" for="ch" forName="text_1" refType="ctrX" refFor="ch" refForName="accent_1"/>
+                <dgm:constr type="rOff" for="ch" forName="text_1" refType="ctrXOff" refFor="ch" refForName="accent_1"/>
+                <dgm:constr type="l" for="ch" forName="text_1"/>
+                <dgm:constr type="w" for="ch" forName="text_1" refType="h" refFor="ch" refForName="text_1" op="gte"/>
+                <dgm:constr type="h" for="ch" forName="text_1" refType="h" refFor="ch" refForName="accent_1" fact="0.8"/>
+                <dgm:constr type="ctrY" for="ch" forName="text_1" refType="ctrY" refFor="ch" refForName="accent_1"/>
+                <dgm:constr type="rMarg" for="ch" forName="text_1" refType="w" refFor="ch" refForName="accent_1" fact="1.8"/>
+                <dgm:constr type="h" for="ch" forName="accent_2" refType="h" fact="0.1316"/>
+                <dgm:constr type="w" for="ch" forName="accent_2" refType="h" refFor="ch" refForName="accent_2" op="equ"/>
+                <dgm:constr type="ctrY" for="ch" forName="accent_2" refType="h" fact="0.2632"/>
+                <dgm:constr type="ctrX" for="ch" forName="accent_2" refType="w"/>
+                <dgm:constr type="ctrXOff" for="ch" forName="accent_2" refType="h" fact="-0.1809"/>
+                <dgm:constr type="r" for="ch" forName="text_2" refType="ctrX" refFor="ch" refForName="accent_2"/>
+                <dgm:constr type="rOff" for="ch" forName="text_2" refType="ctrXOff" refFor="ch" refForName="accent_2"/>
+                <dgm:constr type="l" for="ch" forName="text_2"/>
+                <dgm:constr type="w" for="ch" forName="text_2" refType="h" refFor="ch" refForName="text_2" op="gte"/>
+                <dgm:constr type="h" for="ch" forName="text_2" refType="h" refFor="ch" refForName="accent_2" fact="0.8"/>
+                <dgm:constr type="ctrY" for="ch" forName="text_2" refType="ctrY" refFor="ch" refForName="accent_2"/>
+                <dgm:constr type="rMarg" for="ch" forName="text_2" refType="w" refFor="ch" refForName="accent_2" fact="1.8"/>
+                <dgm:constr type="h" for="ch" forName="accent_3" refType="h" fact="0.1316"/>
+                <dgm:constr type="w" for="ch" forName="accent_3" refType="h" refFor="ch" refForName="accent_3" op="equ"/>
+                <dgm:constr type="ctrY" for="ch" forName="accent_3" refType="h" fact="0.4211"/>
+                <dgm:constr type="ctrX" for="ch" forName="accent_3" refType="w"/>
+                <dgm:constr type="ctrXOff" for="ch" forName="accent_3" refType="h" fact="-0.2205"/>
+                <dgm:constr type="r" for="ch" forName="text_3" refType="ctrX" refFor="ch" refForName="accent_3"/>
+                <dgm:constr type="rOff" for="ch" forName="text_3" refType="ctrXOff" refFor="ch" refForName="accent_3"/>
+                <dgm:constr type="l" for="ch" forName="text_3"/>
+                <dgm:constr type="w" for="ch" forName="text_3" refType="h" refFor="ch" refForName="text_3" op="gte"/>
+                <dgm:constr type="h" for="ch" forName="text_3" refType="h" refFor="ch" refForName="accent_3" fact="0.8"/>
+                <dgm:constr type="ctrY" for="ch" forName="text_3" refType="ctrY" refFor="ch" refForName="accent_3"/>
+                <dgm:constr type="rMarg" for="ch" forName="text_3" refType="w" refFor="ch" refForName="accent_3" fact="1.8"/>
+                <dgm:constr type="h" for="ch" forName="accent_4" refType="h" fact="0.1316"/>
+                <dgm:constr type="w" for="ch" forName="accent_4" refType="h" refFor="ch" refForName="accent_4" op="equ"/>
+                <dgm:constr type="ctrY" for="ch" forName="accent_4" refType="h" fact="0.5789"/>
+                <dgm:constr type="ctrX" for="ch" forName="accent_4" refType="w"/>
+                <dgm:constr type="ctrXOff" for="ch" forName="accent_4" refType="h" fact="-0.2205"/>
+                <dgm:constr type="r" for="ch" forName="text_4" refType="ctrX" refFor="ch" refForName="accent_4"/>
+                <dgm:constr type="rOff" for="ch" forName="text_4" refType="ctrXOff" refFor="ch" refForName="accent_4"/>
+                <dgm:constr type="l" for="ch" forName="text_4"/>
+                <dgm:constr type="w" for="ch" forName="text_4" refType="h" refFor="ch" refForName="text_4" op="gte"/>
+                <dgm:constr type="h" for="ch" forName="text_4" refType="h" refFor="ch" refForName="accent_4" fact="0.8"/>
+                <dgm:constr type="ctrY" for="ch" forName="text_4" refType="ctrY" refFor="ch" refForName="accent_4"/>
+                <dgm:constr type="rMarg" for="ch" forName="text_4" refType="w" refFor="ch" refForName="accent_4" fact="1.8"/>
+                <dgm:constr type="h" for="ch" forName="accent_5" refType="h" fact="0.1316"/>
+                <dgm:constr type="w" for="ch" forName="accent_5" refType="h" refFor="ch" refForName="accent_5" op="equ"/>
+                <dgm:constr type="ctrY" for="ch" forName="accent_5" refType="h" fact="0.7368"/>
+                <dgm:constr type="ctrX" for="ch" forName="accent_5" refType="w"/>
+                <dgm:constr type="ctrXOff" for="ch" forName="accent_5" refType="h" fact="-0.1809"/>
+                <dgm:constr type="r" for="ch" forName="text_5" refType="ctrX" refFor="ch" refForName="accent_5"/>
+                <dgm:constr type="rOff" for="ch" forName="text_5" refType="ctrXOff" refFor="ch" refForName="accent_5"/>
+                <dgm:constr type="l" for="ch" forName="text_5"/>
+                <dgm:constr type="w" for="ch" forName="text_5" refType="h" refFor="ch" refForName="text_5" op="gte"/>
+                <dgm:constr type="h" for="ch" forName="text_5" refType="h" refFor="ch" refForName="accent_5" fact="0.8"/>
+                <dgm:constr type="ctrY" for="ch" forName="text_5" refType="ctrY" refFor="ch" refForName="accent_5"/>
+                <dgm:constr type="rMarg" for="ch" forName="text_5" refType="w" refFor="ch" refForName="accent_5" fact="1.8"/>
+                <dgm:constr type="h" for="ch" forName="accent_6" refType="h" fact="0.1316"/>
+                <dgm:constr type="w" for="ch" forName="accent_6" refType="h" refFor="ch" refForName="accent_6" op="equ"/>
+                <dgm:constr type="ctrY" for="ch" forName="accent_6" refType="h" fact="0.8947"/>
+                <dgm:constr type="ctrX" for="ch" forName="accent_6" refType="w"/>
+                <dgm:constr type="ctrXOff" for="ch" forName="accent_6" refType="h" fact="-0.0943"/>
+                <dgm:constr type="r" for="ch" forName="text_6" refType="ctrX" refFor="ch" refForName="accent_6"/>
+                <dgm:constr type="rOff" for="ch" forName="text_6" refType="ctrXOff" refFor="ch" refForName="accent_6"/>
+                <dgm:constr type="l" for="ch" forName="text_6"/>
+                <dgm:constr type="w" for="ch" forName="text_6" refType="h" refFor="ch" refForName="text_6" op="gte"/>
+                <dgm:constr type="h" for="ch" forName="text_6" refType="h" refFor="ch" refForName="accent_6" fact="0.8"/>
+                <dgm:constr type="ctrY" for="ch" forName="text_6" refType="ctrY" refFor="ch" refForName="accent_6"/>
+                <dgm:constr type="rMarg" for="ch" forName="text_6" refType="w" refFor="ch" refForName="accent_6" fact="1.8"/>
+                <dgm:constr type="primFontSz" for="ch" ptType="node" op="equ" val="65"/>
+              </dgm:constrLst>
+            </dgm:if>
+            <dgm:else name="Name20">
+              <dgm:constrLst>
+                <dgm:constr type="h" for="ch" forName="cycle" refType="h"/>
+                <dgm:constr type="w" for="ch" forName="cycle" refType="h" refFor="ch" refForName="cycle" fact="0.26"/>
+                <dgm:constr type="r" for="ch" forName="cycle" refType="w"/>
+                <dgm:constr type="ctrY" for="ch" forName="cycle" refType="h" fact="0.5"/>
+                <dgm:constr type="diam" for="ch" forName="cycle" refType="h" fact="1.344"/>
+                <dgm:constr type="h" for="ch" forName="accent_1" refType="h" fact="0.1136"/>
+                <dgm:constr type="w" for="ch" forName="accent_1" refType="h" refFor="ch" refForName="accent_1" op="equ"/>
+                <dgm:constr type="ctrY" for="ch" forName="accent_1" refType="h" fact="0.0909"/>
+                <dgm:constr type="ctrX" for="ch" forName="accent_1" refType="w"/>
+                <dgm:constr type="ctrXOff" for="ch" forName="accent_1" refType="h" fact="-0.0835"/>
+                <dgm:constr type="r" for="ch" forName="text_1" refType="ctrX" refFor="ch" refForName="accent_1"/>
+                <dgm:constr type="rOff" for="ch" forName="text_1" refType="ctrXOff" refFor="ch" refForName="accent_1"/>
+                <dgm:constr type="l" for="ch" forName="text_1"/>
+                <dgm:constr type="w" for="ch" forName="text_1" refType="h" refFor="ch" refForName="text_1" op="gte"/>
+                <dgm:constr type="h" for="ch" forName="text_1" refType="h" refFor="ch" refForName="accent_1" fact="0.8"/>
+                <dgm:constr type="ctrY" for="ch" forName="text_1" refType="ctrY" refFor="ch" refForName="accent_1"/>
+                <dgm:constr type="rMarg" for="ch" forName="text_1" refType="w" refFor="ch" refForName="accent_1" fact="1.8"/>
+                <dgm:constr type="h" for="ch" forName="accent_2" refType="h" fact="0.1136"/>
+                <dgm:constr type="w" for="ch" forName="accent_2" refType="h" refFor="ch" refForName="accent_2" op="equ"/>
+                <dgm:constr type="ctrY" for="ch" forName="accent_2" refType="h" fact="0.2273"/>
+                <dgm:constr type="ctrX" for="ch" forName="accent_2" refType="w"/>
+                <dgm:constr type="ctrXOff" for="ch" forName="accent_2" refType="h" fact="-0.1658"/>
+                <dgm:constr type="r" for="ch" forName="text_2" refType="ctrX" refFor="ch" refForName="accent_2"/>
+                <dgm:constr type="rOff" for="ch" forName="text_2" refType="ctrXOff" refFor="ch" refForName="accent_2"/>
+                <dgm:constr type="l" for="ch" forName="text_2"/>
+                <dgm:constr type="w" for="ch" forName="text_2" refType="h" refFor="ch" refForName="text_2" op="gte"/>
+                <dgm:constr type="h" for="ch" forName="text_2" refType="h" refFor="ch" refForName="accent_2" fact="0.8"/>
+                <dgm:constr type="ctrY" for="ch" forName="text_2" refType="ctrY" refFor="ch" refForName="accent_2"/>
+                <dgm:constr type="rMarg" for="ch" forName="text_2" refType="w" refFor="ch" refForName="accent_2" fact="1.8"/>
+                <dgm:constr type="h" for="ch" forName="accent_3" refType="h" fact="0.1136"/>
+                <dgm:constr type="w" for="ch" forName="accent_3" refType="h" refFor="ch" refForName="accent_3" op="equ"/>
+                <dgm:constr type="ctrY" for="ch" forName="accent_3" refType="h" fact="0.3636"/>
+                <dgm:constr type="ctrX" for="ch" forName="accent_3" refType="w"/>
+                <dgm:constr type="ctrXOff" for="ch" forName="accent_3" refType="h" fact="-0.2109"/>
+                <dgm:constr type="r" for="ch" forName="text_3" refType="ctrX" refFor="ch" refForName="accent_3"/>
+                <dgm:constr type="rOff" for="ch" forName="text_3" refType="ctrXOff" refFor="ch" refForName="accent_3"/>
+                <dgm:constr type="l" for="ch" forName="text_3"/>
+                <dgm:constr type="w" for="ch" forName="text_3" refType="h" refFor="ch" refForName="text_3" op="gte"/>
+                <dgm:constr type="h" for="ch" forName="text_3" refType="h" refFor="ch" refForName="accent_3" fact="0.8"/>
+                <dgm:constr type="ctrY" for="ch" forName="text_3" refType="ctrY" refFor="ch" refForName="accent_3"/>
+                <dgm:constr type="rMarg" for="ch" forName="text_3" refType="w" refFor="ch" refForName="accent_3" fact="1.8"/>
+                <dgm:constr type="h" for="ch" forName="accent_4" refType="h" fact="0.1136"/>
+                <dgm:constr type="w" for="ch" forName="accent_4" refType="h" refFor="ch" refForName="accent_4" op="equ"/>
+                <dgm:constr type="ctrY" for="ch" forName="accent_4" refType="h" fact="0.5"/>
+                <dgm:constr type="ctrX" for="ch" forName="accent_4" refType="w"/>
+                <dgm:constr type="ctrXOff" for="ch" forName="accent_4" refType="h" fact="-0.2253"/>
+                <dgm:constr type="r" for="ch" forName="text_4" refType="ctrX" refFor="ch" refForName="accent_4"/>
+                <dgm:constr type="rOff" for="ch" forName="text_4" refType="ctrXOff" refFor="ch" refForName="accent_4"/>
+                <dgm:constr type="l" for="ch" forName="text_4"/>
+                <dgm:constr type="w" for="ch" forName="text_4" refType="h" refFor="ch" refForName="text_4" op="gte"/>
+                <dgm:constr type="h" for="ch" forName="text_4" refType="h" refFor="ch" refForName="accent_4" fact="0.8"/>
+                <dgm:constr type="ctrY" for="ch" forName="text_4" refType="ctrY" refFor="ch" refForName="accent_4"/>
+                <dgm:constr type="rMarg" for="ch" forName="text_4" refType="w" refFor="ch" refForName="accent_4" fact="1.8"/>
+                <dgm:constr type="h" for="ch" forName="accent_5" refType="h" fact="0.1136"/>
+                <dgm:constr type="w" for="ch" forName="accent_5" refType="h" refFor="ch" refForName="accent_5" op="equ"/>
+                <dgm:constr type="ctrY" for="ch" forName="accent_5" refType="h" fact="0.6364"/>
+                <dgm:constr type="ctrX" for="ch" forName="accent_5" refType="w"/>
+                <dgm:constr type="ctrXOff" for="ch" forName="accent_5" refType="h" fact="-0.2109"/>
+                <dgm:constr type="r" for="ch" forName="text_5" refType="ctrX" refFor="ch" refForName="accent_5"/>
+                <dgm:constr type="rOff" for="ch" forName="text_5" refType="ctrXOff" refFor="ch" refForName="accent_5"/>
+                <dgm:constr type="l" for="ch" forName="text_5"/>
+                <dgm:constr type="w" for="ch" forName="text_5" refType="h" refFor="ch" refForName="text_5" op="gte"/>
+                <dgm:constr type="h" for="ch" forName="text_5" refType="h" refFor="ch" refForName="accent_5" fact="0.8"/>
+                <dgm:constr type="ctrY" for="ch" forName="text_5" refType="ctrY" refFor="ch" refForName="accent_5"/>
+                <dgm:constr type="rMarg" for="ch" forName="text_5" refType="w" refFor="ch" refForName="accent_5" fact="1.8"/>
+                <dgm:constr type="h" for="ch" forName="accent_6" refType="h" fact="0.1136"/>
+                <dgm:constr type="w" for="ch" forName="accent_6" refType="h" refFor="ch" refForName="accent_6" op="equ"/>
+                <dgm:constr type="ctrY" for="ch" forName="accent_6" refType="h" fact="0.7727"/>
+                <dgm:constr type="ctrX" for="ch" forName="accent_6" refType="w"/>
+                <dgm:constr type="ctrXOff" for="ch" forName="accent_6" refType="h" fact="-0.1658"/>
+                <dgm:constr type="r" for="ch" forName="text_6" refType="ctrX" refFor="ch" refForName="accent_6"/>
+                <dgm:constr type="rOff" for="ch" forName="text_6" refType="ctrXOff" refFor="ch" refForName="accent_6"/>
+                <dgm:constr type="l" for="ch" forName="text_6"/>
+                <dgm:constr type="w" for="ch" forName="text_6" refType="h" refFor="ch" refForName="text_6" op="gte"/>
+                <dgm:constr type="h" for="ch" forName="text_6" refType="h" refFor="ch" refForName="accent_6" fact="0.8"/>
+                <dgm:constr type="ctrY" for="ch" forName="text_6" refType="ctrY" refFor="ch" refForName="accent_6"/>
+                <dgm:constr type="rMarg" for="ch" forName="text_6" refType="w" refFor="ch" refForName="accent_6" fact="1.8"/>
+                <dgm:constr type="h" for="ch" forName="accent_7" refType="h" fact="0.1136"/>
+                <dgm:constr type="w" for="ch" forName="accent_7" refType="h" refFor="ch" refForName="accent_7" op="equ"/>
+                <dgm:constr type="ctrY" for="ch" forName="accent_7" refType="h" fact="0.9091"/>
+                <dgm:constr type="ctrX" for="ch" forName="accent_7" refType="w"/>
+                <dgm:constr type="ctrXOff" for="ch" forName="accent_7" refType="h" fact="-0.0835"/>
+                <dgm:constr type="r" for="ch" forName="text_7" refType="ctrX" refFor="ch" refForName="accent_7"/>
+                <dgm:constr type="rOff" for="ch" forName="text_7" refType="ctrXOff" refFor="ch" refForName="accent_7"/>
+                <dgm:constr type="l" for="ch" forName="text_7"/>
+                <dgm:constr type="w" for="ch" forName="text_7" refType="h" refFor="ch" refForName="text_7" op="gte"/>
+                <dgm:constr type="h" for="ch" forName="text_7" refType="h" refFor="ch" refForName="accent_7" fact="0.8"/>
+                <dgm:constr type="ctrY" for="ch" forName="text_7" refType="ctrY" refFor="ch" refForName="accent_7"/>
+                <dgm:constr type="rMarg" for="ch" forName="text_7" refType="w" refFor="ch" refForName="accent_7" fact="1.8"/>
+                <dgm:constr type="primFontSz" for="ch" ptType="node" op="equ" val="65"/>
+              </dgm:constrLst>
+            </dgm:else>
+          </dgm:choose>
+        </dgm:else>
+      </dgm:choose>
+      <dgm:layoutNode name="cycle">
+        <dgm:choose name="Name21">
+          <dgm:if name="Name22" func="var" arg="dir" op="equ" val="norm">
+            <dgm:alg type="cycle">
+              <dgm:param type="stAng" val="45"/>
+              <dgm:param type="spanAng" val="90"/>
+            </dgm:alg>
+          </dgm:if>
+          <dgm:else name="Name23">
+            <dgm:alg type="cycle">
+              <dgm:param type="stAng" val="225"/>
+              <dgm:param type="spanAng" val="90"/>
+            </dgm:alg>
+          </dgm:else>
+        </dgm:choose>
+        <dgm:shape xmlns:r="http://schemas.openxmlformats.org/officeDocument/2006/relationships" r:blip="">
+          <dgm:adjLst/>
+        </dgm:shape>
+        <dgm:presOf/>
+        <dgm:constrLst>
+          <dgm:constr type="w" for="ch" val="1"/>
+          <dgm:constr type="h" for="ch" val="1"/>
+          <dgm:constr type="diam" for="ch" forName="conn" refType="diam"/>
+        </dgm:constrLst>
+        <dgm:layoutNode name="srcNode">
+          <dgm:alg type="sp"/>
+          <dgm:shape xmlns:r="http://schemas.openxmlformats.org/officeDocument/2006/relationships" type="rect" r:blip="" hideGeom="1">
+            <dgm:adjLst/>
+          </dgm:shape>
+          <dgm:presOf/>
+        </dgm:layoutNode>
+        <dgm:layoutNode name="conn" styleLbl="parChTrans1D2">
+          <dgm:alg type="conn">
+            <dgm:param type="connRout" val="curve"/>
+            <dgm:param type="srcNode" val="srcNode"/>
+            <dgm:param type="dstNode" val="dstNode"/>
+            <dgm:param type="begPts" val="ctr"/>
+            <dgm:param type="endPts" val="ctr"/>
+            <dgm:param type="endSty" val="noArr"/>
+          </dgm:alg>
+          <dgm:shape xmlns:r="http://schemas.openxmlformats.org/officeDocument/2006/relationships" type="conn" r:blip="">
+            <dgm:adjLst/>
+          </dgm:shape>
+          <dgm:presOf axis="desOrSelf" ptType="sibTrans" hideLastTrans="0" st="0" cnt="1"/>
+          <dgm:constrLst>
+            <dgm:constr type="begPad"/>
+            <dgm:constr type="endPad"/>
+          </dgm:constrLst>
+        </dgm:layoutNode>
+        <dgm:layoutNode name="extraNode">
+          <dgm:alg type="sp"/>
+          <dgm:shape xmlns:r="http://schemas.openxmlformats.org/officeDocument/2006/relationships" type="rect" r:blip="" hideGeom="1">
+            <dgm:adjLst/>
+          </dgm:shape>
+          <dgm:presOf/>
+        </dgm:layoutNode>
+        <dgm:layoutNode name="dstNode">
+          <dgm:alg type="sp"/>
+          <dgm:shape xmlns:r="http://schemas.openxmlformats.org/officeDocument/2006/relationships" type="rect" r:blip="" hideGeom="1">
+            <dgm:adjLst/>
+          </dgm:shape>
+          <dgm:presOf/>
+        </dgm:layoutNode>
+      </dgm:layoutNode>
+      <dgm:forEach name="wrapper" axis="self" ptType="parTrans">
+        <dgm:forEach name="wrapper2" axis="self" ptType="sibTrans" st="2">
+          <dgm:forEach name="accentRepeat" axis="self">
+            <dgm:layoutNode name="accentRepeatNode" styleLbl="solidFgAcc1">
+              <dgm:alg type="sp"/>
+              <dgm:shape xmlns:r="http://schemas.openxmlformats.org/officeDocument/2006/relationships" type="ellipse" r:blip="">
+                <dgm:adjLst/>
+              </dgm:shape>
+              <dgm:presOf/>
+            </dgm:layoutNode>
+          </dgm:forEach>
+        </dgm:forEach>
+      </dgm:forEach>
+      <dgm:forEach name="Name24" axis="ch" ptType="node" cnt="1">
+        <dgm:layoutNode name="text_1" styleLbl="node1">
+          <dgm:varLst>
+            <dgm:bulletEnabled val="1"/>
+          </dgm:varLst>
+          <dgm:choose name="Name25">
+            <dgm:if name="Name26" func="var" arg="dir" op="equ" val="norm">
+              <dgm:alg type="tx">
+                <dgm:param type="parTxLTRAlign" val="l"/>
+                <dgm:param type="shpTxLTRAlignCh" val="l"/>
+                <dgm:param type="parTxRTLAlign" val="l"/>
+                <dgm:param type="shpTxRTLAlignCh" val="l"/>
+              </dgm:alg>
+            </dgm:if>
+            <dgm:else name="Name27">
+              <dgm:alg type="tx">
+                <dgm:param type="parTxLTRAlign" val="r"/>
+                <dgm:param type="shpTxLTRAlignCh" val="r"/>
+                <dgm:param type="parTxRTLAlign" val="r"/>
+                <dgm:param type="shpTxRTLAlignCh" val="r"/>
+              </dgm:alg>
+            </dgm:else>
+          </dgm:choose>
+          <dgm:shape xmlns:r="http://schemas.openxmlformats.org/officeDocument/2006/relationships" type="rect" r:blip="">
+            <dgm:adjLst/>
+          </dgm:shape>
+          <dgm:presOf axis="desOrSelf" ptType="node"/>
+          <dgm:constrLst>
+            <dgm:constr type="primFontSz" val="65"/>
+            <dgm:constr type="lMarg" refType="primFontSz" fact="0.2"/>
+            <dgm:constr type="rMarg" refType="primFontSz" fact="0.2"/>
+            <dgm:constr type="tMarg" refType="primFontSz" fact="0.2"/>
+            <dgm:constr type="bMarg" refType="primFontSz" fact="0.2"/>
+          </dgm:constrLst>
+          <dgm:ruleLst>
+            <dgm:rule type="primFontSz" val="5" fact="NaN" max="NaN"/>
+          </dgm:ruleLst>
+        </dgm:layoutNode>
+        <dgm:layoutNode name="accent_1">
+          <dgm:alg type="sp"/>
+          <dgm:shape xmlns:r="http://schemas.openxmlformats.org/officeDocument/2006/relationships" r:blip="">
+            <dgm:adjLst/>
+          </dgm:shape>
+          <dgm:presOf/>
+          <dgm:constrLst/>
+          <dgm:forEach name="Name28" ref="accentRepeat"/>
+        </dgm:layoutNode>
+      </dgm:forEach>
+      <dgm:forEach name="Name29" axis="ch" ptType="node" st="2" cnt="1">
+        <dgm:layoutNode name="text_2" styleLbl="node1">
+          <dgm:varLst>
+            <dgm:bulletEnabled val="1"/>
+          </dgm:varLst>
+          <dgm:choose name="Name30">
+            <dgm:if name="Name31" func="var" arg="dir" op="equ" val="norm">
+              <dgm:alg type="tx">
+                <dgm:param type="parTxLTRAlign" val="l"/>
+                <dgm:param type="shpTxLTRAlignCh" val="l"/>
+                <dgm:param type="parTxRTLAlign" val="l"/>
+                <dgm:param type="shpTxRTLAlignCh" val="l"/>
+              </dgm:alg>
+            </dgm:if>
+            <dgm:else name="Name32">
+              <dgm:alg type="tx">
+                <dgm:param type="parTxLTRAlign" val="r"/>
+                <dgm:param type="shpTxLTRAlignCh" val="r"/>
+                <dgm:param type="parTxRTLAlign" val="r"/>
+                <dgm:param type="shpTxRTLAlignCh" val="r"/>
+              </dgm:alg>
+            </dgm:else>
+          </dgm:choose>
+          <dgm:shape xmlns:r="http://schemas.openxmlformats.org/officeDocument/2006/relationships" type="rect" r:blip="">
+            <dgm:adjLst/>
+          </dgm:shape>
+          <dgm:presOf axis="desOrSelf" ptType="node"/>
+          <dgm:constrLst>
+            <dgm:constr type="primFontSz" val="65"/>
+            <dgm:constr type="lMarg" refType="primFontSz" fact="0.2"/>
+            <dgm:constr type="rMarg" refType="primFontSz" fact="0.2"/>
+            <dgm:constr type="tMarg" refType="primFontSz" fact="0.2"/>
+            <dgm:constr type="bMarg" refType="primFontSz" fact="0.2"/>
+          </dgm:constrLst>
+          <dgm:ruleLst>
+            <dgm:rule type="primFontSz" val="5" fact="NaN" max="NaN"/>
+          </dgm:ruleLst>
+        </dgm:layoutNode>
+        <dgm:layoutNode name="accent_2">
+          <dgm:alg type="sp"/>
+          <dgm:shape xmlns:r="http://schemas.openxmlformats.org/officeDocument/2006/relationships" r:blip="">
+            <dgm:adjLst/>
+          </dgm:shape>
+          <dgm:presOf/>
+          <dgm:constrLst/>
+          <dgm:forEach name="Name33" ref="accentRepeat"/>
+        </dgm:layoutNode>
+      </dgm:forEach>
+      <dgm:forEach name="Name34" axis="ch" ptType="node" st="3" cnt="1">
+        <dgm:layoutNode name="text_3" styleLbl="node1">
+          <dgm:varLst>
+            <dgm:bulletEnabled val="1"/>
+          </dgm:varLst>
+          <dgm:choose name="Name35">
+            <dgm:if name="Name36" func="var" arg="dir" op="equ" val="norm">
+              <dgm:alg type="tx">
+                <dgm:param type="parTxLTRAlign" val="l"/>
+                <dgm:param type="shpTxLTRAlignCh" val="l"/>
+                <dgm:param type="parTxRTLAlign" val="l"/>
+                <dgm:param type="shpTxRTLAlignCh" val="l"/>
+              </dgm:alg>
+            </dgm:if>
+            <dgm:else name="Name37">
+              <dgm:alg type="tx">
+                <dgm:param type="parTxLTRAlign" val="r"/>
+                <dgm:param type="shpTxLTRAlignCh" val="r"/>
+                <dgm:param type="parTxRTLAlign" val="r"/>
+                <dgm:param type="shpTxRTLAlignCh" val="r"/>
+              </dgm:alg>
+            </dgm:else>
+          </dgm:choose>
+          <dgm:shape xmlns:r="http://schemas.openxmlformats.org/officeDocument/2006/relationships" type="rect" r:blip="">
+            <dgm:adjLst/>
+          </dgm:shape>
+          <dgm:presOf axis="desOrSelf" ptType="node"/>
+          <dgm:constrLst>
+            <dgm:constr type="primFontSz" val="65"/>
+            <dgm:constr type="lMarg" refType="primFontSz" fact="0.2"/>
+            <dgm:constr type="rMarg" refType="primFontSz" fact="0.2"/>
+            <dgm:constr type="tMarg" refType="primFontSz" fact="0.2"/>
+            <dgm:constr type="bMarg" refType="primFontSz" fact="0.2"/>
+          </dgm:constrLst>
+          <dgm:ruleLst>
+            <dgm:rule type="primFontSz" val="5" fact="NaN" max="NaN"/>
+          </dgm:ruleLst>
+        </dgm:layoutNode>
+        <dgm:layoutNode name="accent_3">
+          <dgm:alg type="sp"/>
+          <dgm:shape xmlns:r="http://schemas.openxmlformats.org/officeDocument/2006/relationships" r:blip="">
+            <dgm:adjLst/>
+          </dgm:shape>
+          <dgm:presOf/>
+          <dgm:constrLst/>
+          <dgm:forEach name="Name38" ref="accentRepeat"/>
+        </dgm:layoutNode>
+      </dgm:forEach>
+      <dgm:forEach name="Name39" axis="ch" ptType="node" st="4" cnt="1">
+        <dgm:layoutNode name="text_4" styleLbl="node1">
+          <dgm:varLst>
+            <dgm:bulletEnabled val="1"/>
+          </dgm:varLst>
+          <dgm:choose name="Name40">
+            <dgm:if name="Name41" func="var" arg="dir" op="equ" val="norm">
+              <dgm:alg type="tx">
+                <dgm:param type="parTxLTRAlign" val="l"/>
+                <dgm:param type="shpTxLTRAlignCh" val="l"/>
+                <dgm:param type="parTxRTLAlign" val="l"/>
+                <dgm:param type="shpTxRTLAlignCh" val="l"/>
+              </dgm:alg>
+            </dgm:if>
+            <dgm:else name="Name42">
+              <dgm:alg type="tx">
+                <dgm:param type="parTxLTRAlign" val="r"/>
+                <dgm:param type="shpTxLTRAlignCh" val="r"/>
+                <dgm:param type="parTxRTLAlign" val="r"/>
+                <dgm:param type="shpTxRTLAlignCh" val="r"/>
+              </dgm:alg>
+            </dgm:else>
+          </dgm:choose>
+          <dgm:shape xmlns:r="http://schemas.openxmlformats.org/officeDocument/2006/relationships" type="rect" r:blip="">
+            <dgm:adjLst/>
+          </dgm:shape>
+          <dgm:presOf axis="desOrSelf" ptType="node"/>
+          <dgm:constrLst>
+            <dgm:constr type="primFontSz" val="65"/>
+            <dgm:constr type="lMarg" refType="primFontSz" fact="0.2"/>
+            <dgm:constr type="rMarg" refType="primFontSz" fact="0.2"/>
+            <dgm:constr type="tMarg" refType="primFontSz" fact="0.2"/>
+            <dgm:constr type="bMarg" refType="primFontSz" fact="0.2"/>
+          </dgm:constrLst>
+          <dgm:ruleLst>
+            <dgm:rule type="primFontSz" val="5" fact="NaN" max="NaN"/>
+          </dgm:ruleLst>
+        </dgm:layoutNode>
+        <dgm:layoutNode name="accent_4">
+          <dgm:alg type="sp"/>
+          <dgm:shape xmlns:r="http://schemas.openxmlformats.org/officeDocument/2006/relationships" r:blip="">
+            <dgm:adjLst/>
+          </dgm:shape>
+          <dgm:presOf/>
+          <dgm:constrLst/>
+          <dgm:forEach name="Name43" ref="accentRepeat"/>
+        </dgm:layoutNode>
+      </dgm:forEach>
+      <dgm:forEach name="Name44" axis="ch" ptType="node" st="5" cnt="1">
+        <dgm:layoutNode name="text_5" styleLbl="node1">
+          <dgm:varLst>
+            <dgm:bulletEnabled val="1"/>
+          </dgm:varLst>
+          <dgm:choose name="Name45">
+            <dgm:if name="Name46" func="var" arg="dir" op="equ" val="norm">
+              <dgm:alg type="tx">
+                <dgm:param type="parTxLTRAlign" val="l"/>
+                <dgm:param type="shpTxLTRAlignCh" val="l"/>
+                <dgm:param type="parTxRTLAlign" val="l"/>
+                <dgm:param type="shpTxRTLAlignCh" val="l"/>
+              </dgm:alg>
+            </dgm:if>
+            <dgm:else name="Name47">
+              <dgm:alg type="tx">
+                <dgm:param type="parTxLTRAlign" val="r"/>
+                <dgm:param type="shpTxLTRAlignCh" val="r"/>
+                <dgm:param type="parTxRTLAlign" val="r"/>
+                <dgm:param type="shpTxRTLAlignCh" val="r"/>
+              </dgm:alg>
+            </dgm:else>
+          </dgm:choose>
+          <dgm:shape xmlns:r="http://schemas.openxmlformats.org/officeDocument/2006/relationships" type="rect" r:blip="">
+            <dgm:adjLst/>
+          </dgm:shape>
+          <dgm:presOf axis="desOrSelf" ptType="node"/>
+          <dgm:constrLst>
+            <dgm:constr type="primFontSz" val="65"/>
+            <dgm:constr type="lMarg" refType="primFontSz" fact="0.2"/>
+            <dgm:constr type="rMarg" refType="primFontSz" fact="0.2"/>
+            <dgm:constr type="tMarg" refType="primFontSz" fact="0.2"/>
+            <dgm:constr type="bMarg" refType="primFontSz" fact="0.2"/>
+          </dgm:constrLst>
+          <dgm:ruleLst>
+            <dgm:rule type="primFontSz" val="5" fact="NaN" max="NaN"/>
+          </dgm:ruleLst>
+        </dgm:layoutNode>
+        <dgm:layoutNode name="accent_5">
+          <dgm:alg type="sp"/>
+          <dgm:shape xmlns:r="http://schemas.openxmlformats.org/officeDocument/2006/relationships" r:blip="">
+            <dgm:adjLst/>
+          </dgm:shape>
+          <dgm:presOf/>
+          <dgm:constrLst/>
+          <dgm:forEach name="Name48" ref="accentRepeat"/>
+        </dgm:layoutNode>
+      </dgm:forEach>
+      <dgm:forEach name="Name49" axis="ch" ptType="node" st="6" cnt="1">
+        <dgm:layoutNode name="text_6" styleLbl="node1">
+          <dgm:varLst>
+            <dgm:bulletEnabled val="1"/>
+          </dgm:varLst>
+          <dgm:choose name="Name50">
+            <dgm:if name="Name51" func="var" arg="dir" op="equ" val="norm">
+              <dgm:alg type="tx">
+                <dgm:param type="parTxLTRAlign" val="l"/>
+                <dgm:param type="shpTxLTRAlignCh" val="l"/>
+                <dgm:param type="parTxRTLAlign" val="l"/>
+                <dgm:param type="shpTxRTLAlignCh" val="l"/>
+              </dgm:alg>
+            </dgm:if>
+            <dgm:else name="Name52">
+              <dgm:alg type="tx">
+                <dgm:param type="parTxLTRAlign" val="r"/>
+                <dgm:param type="shpTxLTRAlignCh" val="r"/>
+                <dgm:param type="parTxRTLAlign" val="r"/>
+                <dgm:param type="shpTxRTLAlignCh" val="r"/>
+              </dgm:alg>
+            </dgm:else>
+          </dgm:choose>
+          <dgm:shape xmlns:r="http://schemas.openxmlformats.org/officeDocument/2006/relationships" type="rect" r:blip="">
+            <dgm:adjLst/>
+          </dgm:shape>
+          <dgm:presOf axis="desOrSelf" ptType="node"/>
+          <dgm:constrLst>
+            <dgm:constr type="primFontSz" val="65"/>
+            <dgm:constr type="lMarg" refType="primFontSz" fact="0.2"/>
+            <dgm:constr type="rMarg" refType="primFontSz" fact="0.2"/>
+            <dgm:constr type="tMarg" refType="primFontSz" fact="0.2"/>
+            <dgm:constr type="bMarg" refType="primFontSz" fact="0.2"/>
+          </dgm:constrLst>
+          <dgm:ruleLst>
+            <dgm:rule type="primFontSz" val="5" fact="NaN" max="NaN"/>
+          </dgm:ruleLst>
+        </dgm:layoutNode>
+        <dgm:layoutNode name="accent_6">
+          <dgm:alg type="sp"/>
+          <dgm:shape xmlns:r="http://schemas.openxmlformats.org/officeDocument/2006/relationships" r:blip="">
+            <dgm:adjLst/>
+          </dgm:shape>
+          <dgm:presOf/>
+          <dgm:constrLst/>
+          <dgm:forEach name="Name53" ref="accentRepeat"/>
+        </dgm:layoutNode>
+      </dgm:forEach>
+      <dgm:forEach name="Name54" axis="ch" ptType="node" st="7" cnt="1">
+        <dgm:layoutNode name="text_7" styleLbl="node1">
+          <dgm:varLst>
+            <dgm:bulletEnabled val="1"/>
+          </dgm:varLst>
+          <dgm:choose name="Name55">
+            <dgm:if name="Name56" func="var" arg="dir" op="equ" val="norm">
+              <dgm:alg type="tx">
+                <dgm:param type="parTxLTRAlign" val="l"/>
+                <dgm:param type="shpTxLTRAlignCh" val="l"/>
+                <dgm:param type="parTxRTLAlign" val="l"/>
+                <dgm:param type="shpTxRTLAlignCh" val="l"/>
+              </dgm:alg>
+            </dgm:if>
+            <dgm:else name="Name57">
+              <dgm:alg type="tx">
+                <dgm:param type="parTxLTRAlign" val="r"/>
+                <dgm:param type="shpTxLTRAlignCh" val="r"/>
+                <dgm:param type="parTxRTLAlign" val="r"/>
+                <dgm:param type="shpTxRTLAlignCh" val="r"/>
+              </dgm:alg>
+            </dgm:else>
+          </dgm:choose>
+          <dgm:shape xmlns:r="http://schemas.openxmlformats.org/officeDocument/2006/relationships" type="rect" r:blip="">
+            <dgm:adjLst/>
+          </dgm:shape>
+          <dgm:presOf axis="desOrSelf" ptType="node"/>
+          <dgm:constrLst>
+            <dgm:constr type="primFontSz" val="65"/>
+            <dgm:constr type="lMarg" refType="primFontSz" fact="0.2"/>
+            <dgm:constr type="rMarg" refType="primFontSz" fact="0.2"/>
+            <dgm:constr type="tMarg" refType="primFontSz" fact="0.2"/>
+            <dgm:constr type="bMarg" refType="primFontSz" fact="0.2"/>
+          </dgm:constrLst>
+          <dgm:ruleLst>
+            <dgm:rule type="primFontSz" val="5" fact="NaN" max="NaN"/>
+          </dgm:ruleLst>
+        </dgm:layoutNode>
+        <dgm:layoutNode name="accent_7">
+          <dgm:alg type="sp"/>
+          <dgm:shape xmlns:r="http://schemas.openxmlformats.org/officeDocument/2006/relationships" r:blip="">
+            <dgm:adjLst/>
+          </dgm:shape>
+          <dgm:presOf/>
+          <dgm:constrLst/>
+          <dgm:forEach name="Name58" ref="accentRepeat"/>
+        </dgm:layoutNode>
+      </dgm:forEach>
+    </dgm:layoutNode>
+  </dgm:layoutNode>
+</dgm:layoutDef>
+</file>
+
 <file path=ppt/diagrams/quickStyle1.xml><?xml version="1.0" encoding="utf-8"?>
 <dgm:styleDef xmlns:dgm="http://schemas.openxmlformats.org/drawingml/2006/diagram" xmlns:a="http://schemas.openxmlformats.org/drawingml/2006/main" uniqueId="urn:microsoft.com/office/officeart/2005/8/quickstyle/simple1">
   <dgm:title val=""/>
@@ -6115,6 +9398,1040 @@
 </file>
 
 <file path=ppt/diagrams/quickStyle2.xml><?xml version="1.0" encoding="utf-8"?>
+<dgm:styleDef xmlns:dgm="http://schemas.openxmlformats.org/drawingml/2006/diagram" xmlns:a="http://schemas.openxmlformats.org/drawingml/2006/main" uniqueId="urn:microsoft.com/office/officeart/2005/8/quickstyle/simple1">
+  <dgm:title val=""/>
+  <dgm:desc val=""/>
+  <dgm:catLst>
+    <dgm:cat type="simple" pri="10100"/>
+  </dgm:catLst>
+  <dgm:scene3d>
+    <a:camera prst="orthographicFront"/>
+    <a:lightRig rig="threePt" dir="t"/>
+  </dgm:scene3d>
+  <dgm:styleLbl name="node0">
+    <dgm:scene3d>
+      <a:camera prst="orthographicFront"/>
+      <a:lightRig rig="threePt" dir="t"/>
+    </dgm:scene3d>
+    <dgm:sp3d/>
+    <dgm:txPr/>
+    <dgm:style>
+      <a:lnRef idx="2">
+        <a:scrgbClr r="0" g="0" b="0"/>
+      </a:lnRef>
+      <a:fillRef idx="1">
+        <a:scrgbClr r="0" g="0" b="0"/>
+      </a:fillRef>
+      <a:effectRef idx="0">
+        <a:scrgbClr r="0" g="0" b="0"/>
+      </a:effectRef>
+      <a:fontRef idx="minor">
+        <a:schemeClr val="lt1"/>
+      </a:fontRef>
+    </dgm:style>
+  </dgm:styleLbl>
+  <dgm:styleLbl name="lnNode1">
+    <dgm:scene3d>
+      <a:camera prst="orthographicFront"/>
+      <a:lightRig rig="threePt" dir="t"/>
+    </dgm:scene3d>
+    <dgm:sp3d/>
+    <dgm:txPr/>
+    <dgm:style>
+      <a:lnRef idx="2">
+        <a:scrgbClr r="0" g="0" b="0"/>
+      </a:lnRef>
+      <a:fillRef idx="1">
+        <a:scrgbClr r="0" g="0" b="0"/>
+      </a:fillRef>
+      <a:effectRef idx="0">
+        <a:scrgbClr r="0" g="0" b="0"/>
+      </a:effectRef>
+      <a:fontRef idx="minor">
+        <a:schemeClr val="lt1"/>
+      </a:fontRef>
+    </dgm:style>
+  </dgm:styleLbl>
+  <dgm:styleLbl name="vennNode1">
+    <dgm:scene3d>
+      <a:camera prst="orthographicFront"/>
+      <a:lightRig rig="threePt" dir="t"/>
+    </dgm:scene3d>
+    <dgm:sp3d/>
+    <dgm:txPr/>
+    <dgm:style>
+      <a:lnRef idx="2">
+        <a:scrgbClr r="0" g="0" b="0"/>
+      </a:lnRef>
+      <a:fillRef idx="1">
+        <a:scrgbClr r="0" g="0" b="0"/>
+      </a:fillRef>
+      <a:effectRef idx="0">
+        <a:scrgbClr r="0" g="0" b="0"/>
+      </a:effectRef>
+      <a:fontRef idx="minor">
+        <a:schemeClr val="tx1"/>
+      </a:fontRef>
+    </dgm:style>
+  </dgm:styleLbl>
+  <dgm:styleLbl name="alignNode1">
+    <dgm:scene3d>
+      <a:camera prst="orthographicFront"/>
+      <a:lightRig rig="threePt" dir="t"/>
+    </dgm:scene3d>
+    <dgm:sp3d/>
+    <dgm:txPr/>
+    <dgm:style>
+      <a:lnRef idx="2">
+        <a:scrgbClr r="0" g="0" b="0"/>
+      </a:lnRef>
+      <a:fillRef idx="1">
+        <a:scrgbClr r="0" g="0" b="0"/>
+      </a:fillRef>
+      <a:effectRef idx="0">
+        <a:scrgbClr r="0" g="0" b="0"/>
+      </a:effectRef>
+      <a:fontRef idx="minor">
+        <a:schemeClr val="lt1"/>
+      </a:fontRef>
+    </dgm:style>
+  </dgm:styleLbl>
+  <dgm:styleLbl name="node1">
+    <dgm:scene3d>
+      <a:camera prst="orthographicFront"/>
+      <a:lightRig rig="threePt" dir="t"/>
+    </dgm:scene3d>
+    <dgm:sp3d/>
+    <dgm:txPr/>
+    <dgm:style>
+      <a:lnRef idx="2">
+        <a:scrgbClr r="0" g="0" b="0"/>
+      </a:lnRef>
+      <a:fillRef idx="1">
+        <a:scrgbClr r="0" g="0" b="0"/>
+      </a:fillRef>
+      <a:effectRef idx="0">
+        <a:scrgbClr r="0" g="0" b="0"/>
+      </a:effectRef>
+      <a:fontRef idx="minor">
+        <a:schemeClr val="lt1"/>
+      </a:fontRef>
+    </dgm:style>
+  </dgm:styleLbl>
+  <dgm:styleLbl name="node2">
+    <dgm:scene3d>
+      <a:camera prst="orthographicFront"/>
+      <a:lightRig rig="threePt" dir="t"/>
+    </dgm:scene3d>
+    <dgm:sp3d/>
+    <dgm:txPr/>
+    <dgm:style>
+      <a:lnRef idx="2">
+        <a:scrgbClr r="0" g="0" b="0"/>
+      </a:lnRef>
+      <a:fillRef idx="1">
+        <a:scrgbClr r="0" g="0" b="0"/>
+      </a:fillRef>
+      <a:effectRef idx="0">
+        <a:scrgbClr r="0" g="0" b="0"/>
+      </a:effectRef>
+      <a:fontRef idx="minor">
+        <a:schemeClr val="lt1"/>
+      </a:fontRef>
+    </dgm:style>
+  </dgm:styleLbl>
+  <dgm:styleLbl name="node3">
+    <dgm:scene3d>
+      <a:camera prst="orthographicFront"/>
+      <a:lightRig rig="threePt" dir="t"/>
+    </dgm:scene3d>
+    <dgm:sp3d/>
+    <dgm:txPr/>
+    <dgm:style>
+      <a:lnRef idx="2">
+        <a:scrgbClr r="0" g="0" b="0"/>
+      </a:lnRef>
+      <a:fillRef idx="1">
+        <a:scrgbClr r="0" g="0" b="0"/>
+      </a:fillRef>
+      <a:effectRef idx="0">
+        <a:scrgbClr r="0" g="0" b="0"/>
+      </a:effectRef>
+      <a:fontRef idx="minor">
+        <a:schemeClr val="lt1"/>
+      </a:fontRef>
+    </dgm:style>
+  </dgm:styleLbl>
+  <dgm:styleLbl name="node4">
+    <dgm:scene3d>
+      <a:camera prst="orthographicFront"/>
+      <a:lightRig rig="threePt" dir="t"/>
+    </dgm:scene3d>
+    <dgm:sp3d/>
+    <dgm:txPr/>
+    <dgm:style>
+      <a:lnRef idx="2">
+        <a:scrgbClr r="0" g="0" b="0"/>
+      </a:lnRef>
+      <a:fillRef idx="1">
+        <a:scrgbClr r="0" g="0" b="0"/>
+      </a:fillRef>
+      <a:effectRef idx="0">
+        <a:scrgbClr r="0" g="0" b="0"/>
+      </a:effectRef>
+      <a:fontRef idx="minor">
+        <a:schemeClr val="lt1"/>
+      </a:fontRef>
+    </dgm:style>
+  </dgm:styleLbl>
+  <dgm:styleLbl name="fgImgPlace1">
+    <dgm:scene3d>
+      <a:camera prst="orthographicFront"/>
+      <a:lightRig rig="threePt" dir="t"/>
+    </dgm:scene3d>
+    <dgm:sp3d/>
+    <dgm:txPr/>
+    <dgm:style>
+      <a:lnRef idx="2">
+        <a:scrgbClr r="0" g="0" b="0"/>
+      </a:lnRef>
+      <a:fillRef idx="1">
+        <a:scrgbClr r="0" g="0" b="0"/>
+      </a:fillRef>
+      <a:effectRef idx="0">
+        <a:scrgbClr r="0" g="0" b="0"/>
+      </a:effectRef>
+      <a:fontRef idx="minor"/>
+    </dgm:style>
+  </dgm:styleLbl>
+  <dgm:styleLbl name="alignImgPlace1">
+    <dgm:scene3d>
+      <a:camera prst="orthographicFront"/>
+      <a:lightRig rig="threePt" dir="t"/>
+    </dgm:scene3d>
+    <dgm:sp3d/>
+    <dgm:txPr/>
+    <dgm:style>
+      <a:lnRef idx="2">
+        <a:scrgbClr r="0" g="0" b="0"/>
+      </a:lnRef>
+      <a:fillRef idx="1">
+        <a:scrgbClr r="0" g="0" b="0"/>
+      </a:fillRef>
+      <a:effectRef idx="0">
+        <a:scrgbClr r="0" g="0" b="0"/>
+      </a:effectRef>
+      <a:fontRef idx="minor"/>
+    </dgm:style>
+  </dgm:styleLbl>
+  <dgm:styleLbl name="bgImgPlace1">
+    <dgm:scene3d>
+      <a:camera prst="orthographicFront"/>
+      <a:lightRig rig="threePt" dir="t"/>
+    </dgm:scene3d>
+    <dgm:sp3d/>
+    <dgm:txPr/>
+    <dgm:style>
+      <a:lnRef idx="2">
+        <a:scrgbClr r="0" g="0" b="0"/>
+      </a:lnRef>
+      <a:fillRef idx="1">
+        <a:scrgbClr r="0" g="0" b="0"/>
+      </a:fillRef>
+      <a:effectRef idx="0">
+        <a:scrgbClr r="0" g="0" b="0"/>
+      </a:effectRef>
+      <a:fontRef idx="minor"/>
+    </dgm:style>
+  </dgm:styleLbl>
+  <dgm:styleLbl name="sibTrans2D1">
+    <dgm:scene3d>
+      <a:camera prst="orthographicFront"/>
+      <a:lightRig rig="threePt" dir="t"/>
+    </dgm:scene3d>
+    <dgm:sp3d/>
+    <dgm:txPr/>
+    <dgm:style>
+      <a:lnRef idx="0">
+        <a:scrgbClr r="0" g="0" b="0"/>
+      </a:lnRef>
+      <a:fillRef idx="1">
+        <a:scrgbClr r="0" g="0" b="0"/>
+      </a:fillRef>
+      <a:effectRef idx="0">
+        <a:scrgbClr r="0" g="0" b="0"/>
+      </a:effectRef>
+      <a:fontRef idx="minor">
+        <a:schemeClr val="lt1"/>
+      </a:fontRef>
+    </dgm:style>
+  </dgm:styleLbl>
+  <dgm:styleLbl name="fgSibTrans2D1">
+    <dgm:scene3d>
+      <a:camera prst="orthographicFront"/>
+      <a:lightRig rig="threePt" dir="t"/>
+    </dgm:scene3d>
+    <dgm:sp3d/>
+    <dgm:txPr/>
+    <dgm:style>
+      <a:lnRef idx="0">
+        <a:scrgbClr r="0" g="0" b="0"/>
+      </a:lnRef>
+      <a:fillRef idx="1">
+        <a:scrgbClr r="0" g="0" b="0"/>
+      </a:fillRef>
+      <a:effectRef idx="0">
+        <a:scrgbClr r="0" g="0" b="0"/>
+      </a:effectRef>
+      <a:fontRef idx="minor">
+        <a:schemeClr val="lt1"/>
+      </a:fontRef>
+    </dgm:style>
+  </dgm:styleLbl>
+  <dgm:styleLbl name="bgSibTrans2D1">
+    <dgm:scene3d>
+      <a:camera prst="orthographicFront"/>
+      <a:lightRig rig="threePt" dir="t"/>
+    </dgm:scene3d>
+    <dgm:sp3d/>
+    <dgm:txPr/>
+    <dgm:style>
+      <a:lnRef idx="0">
+        <a:scrgbClr r="0" g="0" b="0"/>
+      </a:lnRef>
+      <a:fillRef idx="1">
+        <a:scrgbClr r="0" g="0" b="0"/>
+      </a:fillRef>
+      <a:effectRef idx="0">
+        <a:scrgbClr r="0" g="0" b="0"/>
+      </a:effectRef>
+      <a:fontRef idx="minor">
+        <a:schemeClr val="lt1"/>
+      </a:fontRef>
+    </dgm:style>
+  </dgm:styleLbl>
+  <dgm:styleLbl name="sibTrans1D1">
+    <dgm:scene3d>
+      <a:camera prst="orthographicFront"/>
+      <a:lightRig rig="threePt" dir="t"/>
+    </dgm:scene3d>
+    <dgm:sp3d/>
+    <dgm:txPr/>
+    <dgm:style>
+      <a:lnRef idx="1">
+        <a:scrgbClr r="0" g="0" b="0"/>
+      </a:lnRef>
+      <a:fillRef idx="0">
+        <a:scrgbClr r="0" g="0" b="0"/>
+      </a:fillRef>
+      <a:effectRef idx="0">
+        <a:scrgbClr r="0" g="0" b="0"/>
+      </a:effectRef>
+      <a:fontRef idx="minor"/>
+    </dgm:style>
+  </dgm:styleLbl>
+  <dgm:styleLbl name="callout">
+    <dgm:scene3d>
+      <a:camera prst="orthographicFront"/>
+      <a:lightRig rig="threePt" dir="t"/>
+    </dgm:scene3d>
+    <dgm:sp3d/>
+    <dgm:txPr/>
+    <dgm:style>
+      <a:lnRef idx="2">
+        <a:scrgbClr r="0" g="0" b="0"/>
+      </a:lnRef>
+      <a:fillRef idx="1">
+        <a:scrgbClr r="0" g="0" b="0"/>
+      </a:fillRef>
+      <a:effectRef idx="0">
+        <a:scrgbClr r="0" g="0" b="0"/>
+      </a:effectRef>
+      <a:fontRef idx="minor"/>
+    </dgm:style>
+  </dgm:styleLbl>
+  <dgm:styleLbl name="asst0">
+    <dgm:scene3d>
+      <a:camera prst="orthographicFront"/>
+      <a:lightRig rig="threePt" dir="t"/>
+    </dgm:scene3d>
+    <dgm:sp3d/>
+    <dgm:txPr/>
+    <dgm:style>
+      <a:lnRef idx="2">
+        <a:scrgbClr r="0" g="0" b="0"/>
+      </a:lnRef>
+      <a:fillRef idx="1">
+        <a:scrgbClr r="0" g="0" b="0"/>
+      </a:fillRef>
+      <a:effectRef idx="0">
+        <a:scrgbClr r="0" g="0" b="0"/>
+      </a:effectRef>
+      <a:fontRef idx="minor">
+        <a:schemeClr val="lt1"/>
+      </a:fontRef>
+    </dgm:style>
+  </dgm:styleLbl>
+  <dgm:styleLbl name="asst1">
+    <dgm:scene3d>
+      <a:camera prst="orthographicFront"/>
+      <a:lightRig rig="threePt" dir="t"/>
+    </dgm:scene3d>
+    <dgm:sp3d/>
+    <dgm:txPr/>
+    <dgm:style>
+      <a:lnRef idx="2">
+        <a:scrgbClr r="0" g="0" b="0"/>
+      </a:lnRef>
+      <a:fillRef idx="1">
+        <a:scrgbClr r="0" g="0" b="0"/>
+      </a:fillRef>
+      <a:effectRef idx="0">
+        <a:scrgbClr r="0" g="0" b="0"/>
+      </a:effectRef>
+      <a:fontRef idx="minor">
+        <a:schemeClr val="lt1"/>
+      </a:fontRef>
+    </dgm:style>
+  </dgm:styleLbl>
+  <dgm:styleLbl name="asst2">
+    <dgm:scene3d>
+      <a:camera prst="orthographicFront"/>
+      <a:lightRig rig="threePt" dir="t"/>
+    </dgm:scene3d>
+    <dgm:sp3d/>
+    <dgm:txPr/>
+    <dgm:style>
+      <a:lnRef idx="2">
+        <a:scrgbClr r="0" g="0" b="0"/>
+      </a:lnRef>
+      <a:fillRef idx="1">
+        <a:scrgbClr r="0" g="0" b="0"/>
+      </a:fillRef>
+      <a:effectRef idx="0">
+        <a:scrgbClr r="0" g="0" b="0"/>
+      </a:effectRef>
+      <a:fontRef idx="minor">
+        <a:schemeClr val="lt1"/>
+      </a:fontRef>
+    </dgm:style>
+  </dgm:styleLbl>
+  <dgm:styleLbl name="asst3">
+    <dgm:scene3d>
+      <a:camera prst="orthographicFront"/>
+      <a:lightRig rig="threePt" dir="t"/>
+    </dgm:scene3d>
+    <dgm:sp3d/>
+    <dgm:txPr/>
+    <dgm:style>
+      <a:lnRef idx="2">
+        <a:scrgbClr r="0" g="0" b="0"/>
+      </a:lnRef>
+      <a:fillRef idx="1">
+        <a:scrgbClr r="0" g="0" b="0"/>
+      </a:fillRef>
+      <a:effectRef idx="0">
+        <a:scrgbClr r="0" g="0" b="0"/>
+      </a:effectRef>
+      <a:fontRef idx="minor">
+        <a:schemeClr val="lt1"/>
+      </a:fontRef>
+    </dgm:style>
+  </dgm:styleLbl>
+  <dgm:styleLbl name="asst4">
+    <dgm:scene3d>
+      <a:camera prst="orthographicFront"/>
+      <a:lightRig rig="threePt" dir="t"/>
+    </dgm:scene3d>
+    <dgm:sp3d/>
+    <dgm:txPr/>
+    <dgm:style>
+      <a:lnRef idx="2">
+        <a:scrgbClr r="0" g="0" b="0"/>
+      </a:lnRef>
+      <a:fillRef idx="1">
+        <a:scrgbClr r="0" g="0" b="0"/>
+      </a:fillRef>
+      <a:effectRef idx="0">
+        <a:scrgbClr r="0" g="0" b="0"/>
+      </a:effectRef>
+      <a:fontRef idx="minor">
+        <a:schemeClr val="lt1"/>
+      </a:fontRef>
+    </dgm:style>
+  </dgm:styleLbl>
+  <dgm:styleLbl name="parChTrans2D1">
+    <dgm:scene3d>
+      <a:camera prst="orthographicFront"/>
+      <a:lightRig rig="threePt" dir="t"/>
+    </dgm:scene3d>
+    <dgm:sp3d/>
+    <dgm:txPr/>
+    <dgm:style>
+      <a:lnRef idx="2">
+        <a:scrgbClr r="0" g="0" b="0"/>
+      </a:lnRef>
+      <a:fillRef idx="1">
+        <a:scrgbClr r="0" g="0" b="0"/>
+      </a:fillRef>
+      <a:effectRef idx="0">
+        <a:scrgbClr r="0" g="0" b="0"/>
+      </a:effectRef>
+      <a:fontRef idx="minor">
+        <a:schemeClr val="lt1"/>
+      </a:fontRef>
+    </dgm:style>
+  </dgm:styleLbl>
+  <dgm:styleLbl name="parChTrans2D2">
+    <dgm:scene3d>
+      <a:camera prst="orthographicFront"/>
+      <a:lightRig rig="threePt" dir="t"/>
+    </dgm:scene3d>
+    <dgm:sp3d/>
+    <dgm:txPr/>
+    <dgm:style>
+      <a:lnRef idx="2">
+        <a:scrgbClr r="0" g="0" b="0"/>
+      </a:lnRef>
+      <a:fillRef idx="1">
+        <a:scrgbClr r="0" g="0" b="0"/>
+      </a:fillRef>
+      <a:effectRef idx="0">
+        <a:scrgbClr r="0" g="0" b="0"/>
+      </a:effectRef>
+      <a:fontRef idx="minor">
+        <a:schemeClr val="lt1"/>
+      </a:fontRef>
+    </dgm:style>
+  </dgm:styleLbl>
+  <dgm:styleLbl name="parChTrans2D3">
+    <dgm:scene3d>
+      <a:camera prst="orthographicFront"/>
+      <a:lightRig rig="threePt" dir="t"/>
+    </dgm:scene3d>
+    <dgm:sp3d/>
+    <dgm:txPr/>
+    <dgm:style>
+      <a:lnRef idx="2">
+        <a:scrgbClr r="0" g="0" b="0"/>
+      </a:lnRef>
+      <a:fillRef idx="1">
+        <a:scrgbClr r="0" g="0" b="0"/>
+      </a:fillRef>
+      <a:effectRef idx="0">
+        <a:scrgbClr r="0" g="0" b="0"/>
+      </a:effectRef>
+      <a:fontRef idx="minor">
+        <a:schemeClr val="lt1"/>
+      </a:fontRef>
+    </dgm:style>
+  </dgm:styleLbl>
+  <dgm:styleLbl name="parChTrans2D4">
+    <dgm:scene3d>
+      <a:camera prst="orthographicFront"/>
+      <a:lightRig rig="threePt" dir="t"/>
+    </dgm:scene3d>
+    <dgm:sp3d/>
+    <dgm:txPr/>
+    <dgm:style>
+      <a:lnRef idx="2">
+        <a:scrgbClr r="0" g="0" b="0"/>
+      </a:lnRef>
+      <a:fillRef idx="1">
+        <a:scrgbClr r="0" g="0" b="0"/>
+      </a:fillRef>
+      <a:effectRef idx="0">
+        <a:scrgbClr r="0" g="0" b="0"/>
+      </a:effectRef>
+      <a:fontRef idx="minor">
+        <a:schemeClr val="lt1"/>
+      </a:fontRef>
+    </dgm:style>
+  </dgm:styleLbl>
+  <dgm:styleLbl name="parChTrans1D1">
+    <dgm:scene3d>
+      <a:camera prst="orthographicFront"/>
+      <a:lightRig rig="threePt" dir="t"/>
+    </dgm:scene3d>
+    <dgm:sp3d/>
+    <dgm:txPr/>
+    <dgm:style>
+      <a:lnRef idx="2">
+        <a:scrgbClr r="0" g="0" b="0"/>
+      </a:lnRef>
+      <a:fillRef idx="0">
+        <a:scrgbClr r="0" g="0" b="0"/>
+      </a:fillRef>
+      <a:effectRef idx="0">
+        <a:scrgbClr r="0" g="0" b="0"/>
+      </a:effectRef>
+      <a:fontRef idx="minor"/>
+    </dgm:style>
+  </dgm:styleLbl>
+  <dgm:styleLbl name="parChTrans1D2">
+    <dgm:scene3d>
+      <a:camera prst="orthographicFront"/>
+      <a:lightRig rig="threePt" dir="t"/>
+    </dgm:scene3d>
+    <dgm:sp3d/>
+    <dgm:txPr/>
+    <dgm:style>
+      <a:lnRef idx="2">
+        <a:scrgbClr r="0" g="0" b="0"/>
+      </a:lnRef>
+      <a:fillRef idx="0">
+        <a:scrgbClr r="0" g="0" b="0"/>
+      </a:fillRef>
+      <a:effectRef idx="0">
+        <a:scrgbClr r="0" g="0" b="0"/>
+      </a:effectRef>
+      <a:fontRef idx="minor"/>
+    </dgm:style>
+  </dgm:styleLbl>
+  <dgm:styleLbl name="parChTrans1D3">
+    <dgm:scene3d>
+      <a:camera prst="orthographicFront"/>
+      <a:lightRig rig="threePt" dir="t"/>
+    </dgm:scene3d>
+    <dgm:sp3d/>
+    <dgm:txPr/>
+    <dgm:style>
+      <a:lnRef idx="2">
+        <a:scrgbClr r="0" g="0" b="0"/>
+      </a:lnRef>
+      <a:fillRef idx="0">
+        <a:scrgbClr r="0" g="0" b="0"/>
+      </a:fillRef>
+      <a:effectRef idx="0">
+        <a:scrgbClr r="0" g="0" b="0"/>
+      </a:effectRef>
+      <a:fontRef idx="minor"/>
+    </dgm:style>
+  </dgm:styleLbl>
+  <dgm:styleLbl name="parChTrans1D4">
+    <dgm:scene3d>
+      <a:camera prst="orthographicFront"/>
+      <a:lightRig rig="threePt" dir="t"/>
+    </dgm:scene3d>
+    <dgm:sp3d/>
+    <dgm:txPr/>
+    <dgm:style>
+      <a:lnRef idx="2">
+        <a:scrgbClr r="0" g="0" b="0"/>
+      </a:lnRef>
+      <a:fillRef idx="0">
+        <a:scrgbClr r="0" g="0" b="0"/>
+      </a:fillRef>
+      <a:effectRef idx="0">
+        <a:scrgbClr r="0" g="0" b="0"/>
+      </a:effectRef>
+      <a:fontRef idx="minor"/>
+    </dgm:style>
+  </dgm:styleLbl>
+  <dgm:styleLbl name="fgAcc1">
+    <dgm:scene3d>
+      <a:camera prst="orthographicFront"/>
+      <a:lightRig rig="threePt" dir="t"/>
+    </dgm:scene3d>
+    <dgm:sp3d/>
+    <dgm:txPr/>
+    <dgm:style>
+      <a:lnRef idx="2">
+        <a:scrgbClr r="0" g="0" b="0"/>
+      </a:lnRef>
+      <a:fillRef idx="1">
+        <a:scrgbClr r="0" g="0" b="0"/>
+      </a:fillRef>
+      <a:effectRef idx="0">
+        <a:scrgbClr r="0" g="0" b="0"/>
+      </a:effectRef>
+      <a:fontRef idx="minor"/>
+    </dgm:style>
+  </dgm:styleLbl>
+  <dgm:styleLbl name="conFgAcc1">
+    <dgm:scene3d>
+      <a:camera prst="orthographicFront"/>
+      <a:lightRig rig="threePt" dir="t"/>
+    </dgm:scene3d>
+    <dgm:sp3d/>
+    <dgm:txPr/>
+    <dgm:style>
+      <a:lnRef idx="2">
+        <a:scrgbClr r="0" g="0" b="0"/>
+      </a:lnRef>
+      <a:fillRef idx="1">
+        <a:scrgbClr r="0" g="0" b="0"/>
+      </a:fillRef>
+      <a:effectRef idx="0">
+        <a:scrgbClr r="0" g="0" b="0"/>
+      </a:effectRef>
+      <a:fontRef idx="minor"/>
+    </dgm:style>
+  </dgm:styleLbl>
+  <dgm:styleLbl name="alignAcc1">
+    <dgm:scene3d>
+      <a:camera prst="orthographicFront"/>
+      <a:lightRig rig="threePt" dir="t"/>
+    </dgm:scene3d>
+    <dgm:sp3d/>
+    <dgm:txPr/>
+    <dgm:style>
+      <a:lnRef idx="2">
+        <a:scrgbClr r="0" g="0" b="0"/>
+      </a:lnRef>
+      <a:fillRef idx="1">
+        <a:scrgbClr r="0" g="0" b="0"/>
+      </a:fillRef>
+      <a:effectRef idx="0">
+        <a:scrgbClr r="0" g="0" b="0"/>
+      </a:effectRef>
+      <a:fontRef idx="minor"/>
+    </dgm:style>
+  </dgm:styleLbl>
+  <dgm:styleLbl name="trAlignAcc1">
+    <dgm:scene3d>
+      <a:camera prst="orthographicFront"/>
+      <a:lightRig rig="threePt" dir="t"/>
+    </dgm:scene3d>
+    <dgm:sp3d/>
+    <dgm:txPr/>
+    <dgm:style>
+      <a:lnRef idx="1">
+        <a:scrgbClr r="0" g="0" b="0"/>
+      </a:lnRef>
+      <a:fillRef idx="1">
+        <a:scrgbClr r="0" g="0" b="0"/>
+      </a:fillRef>
+      <a:effectRef idx="0">
+        <a:scrgbClr r="0" g="0" b="0"/>
+      </a:effectRef>
+      <a:fontRef idx="minor"/>
+    </dgm:style>
+  </dgm:styleLbl>
+  <dgm:styleLbl name="bgAcc1">
+    <dgm:scene3d>
+      <a:camera prst="orthographicFront"/>
+      <a:lightRig rig="threePt" dir="t"/>
+    </dgm:scene3d>
+    <dgm:sp3d/>
+    <dgm:txPr/>
+    <dgm:style>
+      <a:lnRef idx="2">
+        <a:scrgbClr r="0" g="0" b="0"/>
+      </a:lnRef>
+      <a:fillRef idx="1">
+        <a:scrgbClr r="0" g="0" b="0"/>
+      </a:fillRef>
+      <a:effectRef idx="0">
+        <a:scrgbClr r="0" g="0" b="0"/>
+      </a:effectRef>
+      <a:fontRef idx="minor"/>
+    </dgm:style>
+  </dgm:styleLbl>
+  <dgm:styleLbl name="solidFgAcc1">
+    <dgm:scene3d>
+      <a:camera prst="orthographicFront"/>
+      <a:lightRig rig="threePt" dir="t"/>
+    </dgm:scene3d>
+    <dgm:sp3d/>
+    <dgm:txPr/>
+    <dgm:style>
+      <a:lnRef idx="2">
+        <a:scrgbClr r="0" g="0" b="0"/>
+      </a:lnRef>
+      <a:fillRef idx="1">
+        <a:scrgbClr r="0" g="0" b="0"/>
+      </a:fillRef>
+      <a:effectRef idx="0">
+        <a:scrgbClr r="0" g="0" b="0"/>
+      </a:effectRef>
+      <a:fontRef idx="minor"/>
+    </dgm:style>
+  </dgm:styleLbl>
+  <dgm:styleLbl name="solidAlignAcc1">
+    <dgm:scene3d>
+      <a:camera prst="orthographicFront"/>
+      <a:lightRig rig="threePt" dir="t"/>
+    </dgm:scene3d>
+    <dgm:sp3d/>
+    <dgm:txPr/>
+    <dgm:style>
+      <a:lnRef idx="2">
+        <a:scrgbClr r="0" g="0" b="0"/>
+      </a:lnRef>
+      <a:fillRef idx="1">
+        <a:scrgbClr r="0" g="0" b="0"/>
+      </a:fillRef>
+      <a:effectRef idx="0">
+        <a:scrgbClr r="0" g="0" b="0"/>
+      </a:effectRef>
+      <a:fontRef idx="minor"/>
+    </dgm:style>
+  </dgm:styleLbl>
+  <dgm:styleLbl name="solidBgAcc1">
+    <dgm:scene3d>
+      <a:camera prst="orthographicFront"/>
+      <a:lightRig rig="threePt" dir="t"/>
+    </dgm:scene3d>
+    <dgm:sp3d/>
+    <dgm:txPr/>
+    <dgm:style>
+      <a:lnRef idx="2">
+        <a:scrgbClr r="0" g="0" b="0"/>
+      </a:lnRef>
+      <a:fillRef idx="1">
+        <a:scrgbClr r="0" g="0" b="0"/>
+      </a:fillRef>
+      <a:effectRef idx="0">
+        <a:scrgbClr r="0" g="0" b="0"/>
+      </a:effectRef>
+      <a:fontRef idx="minor"/>
+    </dgm:style>
+  </dgm:styleLbl>
+  <dgm:styleLbl name="fgAccFollowNode1">
+    <dgm:scene3d>
+      <a:camera prst="orthographicFront"/>
+      <a:lightRig rig="threePt" dir="t"/>
+    </dgm:scene3d>
+    <dgm:sp3d/>
+    <dgm:txPr/>
+    <dgm:style>
+      <a:lnRef idx="2">
+        <a:scrgbClr r="0" g="0" b="0"/>
+      </a:lnRef>
+      <a:fillRef idx="1">
+        <a:scrgbClr r="0" g="0" b="0"/>
+      </a:fillRef>
+      <a:effectRef idx="0">
+        <a:scrgbClr r="0" g="0" b="0"/>
+      </a:effectRef>
+      <a:fontRef idx="minor"/>
+    </dgm:style>
+  </dgm:styleLbl>
+  <dgm:styleLbl name="alignAccFollowNode1">
+    <dgm:scene3d>
+      <a:camera prst="orthographicFront"/>
+      <a:lightRig rig="threePt" dir="t"/>
+    </dgm:scene3d>
+    <dgm:sp3d/>
+    <dgm:txPr/>
+    <dgm:style>
+      <a:lnRef idx="2">
+        <a:scrgbClr r="0" g="0" b="0"/>
+      </a:lnRef>
+      <a:fillRef idx="1">
+        <a:scrgbClr r="0" g="0" b="0"/>
+      </a:fillRef>
+      <a:effectRef idx="0">
+        <a:scrgbClr r="0" g="0" b="0"/>
+      </a:effectRef>
+      <a:fontRef idx="minor"/>
+    </dgm:style>
+  </dgm:styleLbl>
+  <dgm:styleLbl name="bgAccFollowNode1">
+    <dgm:scene3d>
+      <a:camera prst="orthographicFront"/>
+      <a:lightRig rig="threePt" dir="t"/>
+    </dgm:scene3d>
+    <dgm:sp3d/>
+    <dgm:txPr/>
+    <dgm:style>
+      <a:lnRef idx="2">
+        <a:scrgbClr r="0" g="0" b="0"/>
+      </a:lnRef>
+      <a:fillRef idx="1">
+        <a:scrgbClr r="0" g="0" b="0"/>
+      </a:fillRef>
+      <a:effectRef idx="0">
+        <a:scrgbClr r="0" g="0" b="0"/>
+      </a:effectRef>
+      <a:fontRef idx="minor"/>
+    </dgm:style>
+  </dgm:styleLbl>
+  <dgm:styleLbl name="fgAcc0">
+    <dgm:scene3d>
+      <a:camera prst="orthographicFront"/>
+      <a:lightRig rig="threePt" dir="t"/>
+    </dgm:scene3d>
+    <dgm:sp3d/>
+    <dgm:txPr/>
+    <dgm:style>
+      <a:lnRef idx="2">
+        <a:scrgbClr r="0" g="0" b="0"/>
+      </a:lnRef>
+      <a:fillRef idx="1">
+        <a:scrgbClr r="0" g="0" b="0"/>
+      </a:fillRef>
+      <a:effectRef idx="0">
+        <a:scrgbClr r="0" g="0" b="0"/>
+      </a:effectRef>
+      <a:fontRef idx="minor"/>
+    </dgm:style>
+  </dgm:styleLbl>
+  <dgm:styleLbl name="fgAcc2">
+    <dgm:scene3d>
+      <a:camera prst="orthographicFront"/>
+      <a:lightRig rig="threePt" dir="t"/>
+    </dgm:scene3d>
+    <dgm:sp3d/>
+    <dgm:txPr/>
+    <dgm:style>
+      <a:lnRef idx="2">
+        <a:scrgbClr r="0" g="0" b="0"/>
+      </a:lnRef>
+      <a:fillRef idx="1">
+        <a:scrgbClr r="0" g="0" b="0"/>
+      </a:fillRef>
+      <a:effectRef idx="0">
+        <a:scrgbClr r="0" g="0" b="0"/>
+      </a:effectRef>
+      <a:fontRef idx="minor"/>
+    </dgm:style>
+  </dgm:styleLbl>
+  <dgm:styleLbl name="fgAcc3">
+    <dgm:scene3d>
+      <a:camera prst="orthographicFront"/>
+      <a:lightRig rig="threePt" dir="t"/>
+    </dgm:scene3d>
+    <dgm:sp3d/>
+    <dgm:txPr/>
+    <dgm:style>
+      <a:lnRef idx="2">
+        <a:scrgbClr r="0" g="0" b="0"/>
+      </a:lnRef>
+      <a:fillRef idx="1">
+        <a:scrgbClr r="0" g="0" b="0"/>
+      </a:fillRef>
+      <a:effectRef idx="0">
+        <a:scrgbClr r="0" g="0" b="0"/>
+      </a:effectRef>
+      <a:fontRef idx="minor"/>
+    </dgm:style>
+  </dgm:styleLbl>
+  <dgm:styleLbl name="fgAcc4">
+    <dgm:scene3d>
+      <a:camera prst="orthographicFront"/>
+      <a:lightRig rig="threePt" dir="t"/>
+    </dgm:scene3d>
+    <dgm:sp3d/>
+    <dgm:txPr/>
+    <dgm:style>
+      <a:lnRef idx="2">
+        <a:scrgbClr r="0" g="0" b="0"/>
+      </a:lnRef>
+      <a:fillRef idx="1">
+        <a:scrgbClr r="0" g="0" b="0"/>
+      </a:fillRef>
+      <a:effectRef idx="0">
+        <a:scrgbClr r="0" g="0" b="0"/>
+      </a:effectRef>
+      <a:fontRef idx="minor"/>
+    </dgm:style>
+  </dgm:styleLbl>
+  <dgm:styleLbl name="bgShp">
+    <dgm:scene3d>
+      <a:camera prst="orthographicFront"/>
+      <a:lightRig rig="threePt" dir="t"/>
+    </dgm:scene3d>
+    <dgm:sp3d/>
+    <dgm:txPr/>
+    <dgm:style>
+      <a:lnRef idx="0">
+        <a:scrgbClr r="0" g="0" b="0"/>
+      </a:lnRef>
+      <a:fillRef idx="1">
+        <a:scrgbClr r="0" g="0" b="0"/>
+      </a:fillRef>
+      <a:effectRef idx="0">
+        <a:scrgbClr r="0" g="0" b="0"/>
+      </a:effectRef>
+      <a:fontRef idx="minor"/>
+    </dgm:style>
+  </dgm:styleLbl>
+  <dgm:styleLbl name="dkBgShp">
+    <dgm:scene3d>
+      <a:camera prst="orthographicFront"/>
+      <a:lightRig rig="threePt" dir="t"/>
+    </dgm:scene3d>
+    <dgm:sp3d/>
+    <dgm:txPr/>
+    <dgm:style>
+      <a:lnRef idx="0">
+        <a:scrgbClr r="0" g="0" b="0"/>
+      </a:lnRef>
+      <a:fillRef idx="1">
+        <a:scrgbClr r="0" g="0" b="0"/>
+      </a:fillRef>
+      <a:effectRef idx="0">
+        <a:scrgbClr r="0" g="0" b="0"/>
+      </a:effectRef>
+      <a:fontRef idx="minor"/>
+    </dgm:style>
+  </dgm:styleLbl>
+  <dgm:styleLbl name="trBgShp">
+    <dgm:scene3d>
+      <a:camera prst="orthographicFront"/>
+      <a:lightRig rig="threePt" dir="t"/>
+    </dgm:scene3d>
+    <dgm:sp3d/>
+    <dgm:txPr/>
+    <dgm:style>
+      <a:lnRef idx="0">
+        <a:scrgbClr r="0" g="0" b="0"/>
+      </a:lnRef>
+      <a:fillRef idx="1">
+        <a:scrgbClr r="0" g="0" b="0"/>
+      </a:fillRef>
+      <a:effectRef idx="0">
+        <a:scrgbClr r="0" g="0" b="0"/>
+      </a:effectRef>
+      <a:fontRef idx="minor"/>
+    </dgm:style>
+  </dgm:styleLbl>
+  <dgm:styleLbl name="fgShp">
+    <dgm:scene3d>
+      <a:camera prst="orthographicFront"/>
+      <a:lightRig rig="threePt" dir="t"/>
+    </dgm:scene3d>
+    <dgm:sp3d/>
+    <dgm:txPr/>
+    <dgm:style>
+      <a:lnRef idx="2">
+        <a:scrgbClr r="0" g="0" b="0"/>
+      </a:lnRef>
+      <a:fillRef idx="1">
+        <a:scrgbClr r="0" g="0" b="0"/>
+      </a:fillRef>
+      <a:effectRef idx="0">
+        <a:scrgbClr r="0" g="0" b="0"/>
+      </a:effectRef>
+      <a:fontRef idx="minor"/>
+    </dgm:style>
+  </dgm:styleLbl>
+  <dgm:styleLbl name="revTx">
+    <dgm:scene3d>
+      <a:camera prst="orthographicFront"/>
+      <a:lightRig rig="threePt" dir="t"/>
+    </dgm:scene3d>
+    <dgm:sp3d/>
+    <dgm:txPr/>
+    <dgm:style>
+      <a:lnRef idx="0">
+        <a:scrgbClr r="0" g="0" b="0"/>
+      </a:lnRef>
+      <a:fillRef idx="0">
+        <a:scrgbClr r="0" g="0" b="0"/>
+      </a:fillRef>
+      <a:effectRef idx="0">
+        <a:scrgbClr r="0" g="0" b="0"/>
+      </a:effectRef>
+      <a:fontRef idx="minor"/>
+    </dgm:style>
+  </dgm:styleLbl>
+</dgm:styleDef>
+</file>
+
+<file path=ppt/diagrams/quickStyle3.xml><?xml version="1.0" encoding="utf-8"?>
 <dgm:styleDef xmlns:dgm="http://schemas.openxmlformats.org/drawingml/2006/diagram" xmlns:a="http://schemas.openxmlformats.org/drawingml/2006/main" uniqueId="urn:microsoft.com/office/officeart/2005/8/quickstyle/simple1">
   <dgm:title val=""/>
   <dgm:desc val=""/>
@@ -7230,7 +11547,7 @@
           <a:p>
             <a:fld id="{B139D998-7C81-4674-9065-53EB4AB65F35}" type="datetimeFigureOut">
               <a:rPr lang="de-DE" smtClean="0"/>
-              <a:t>08.01.2018</a:t>
+              <a:t>09.01.2018</a:t>
             </a:fld>
             <a:endParaRPr lang="de-DE"/>
           </a:p>
@@ -7395,7 +11712,7 @@
           <a:p>
             <a:fld id="{4030BD91-377E-4138-8E26-866633B26280}" type="datetimeFigureOut">
               <a:rPr lang="de-DE" smtClean="0"/>
-              <a:t>08.01.2018</a:t>
+              <a:t>09.01.2018</a:t>
             </a:fld>
             <a:endParaRPr lang="de-DE"/>
           </a:p>
@@ -8182,6 +12499,115 @@
     <p:extLst>
       <p:ext uri="{BB962C8B-B14F-4D97-AF65-F5344CB8AC3E}">
         <p14:creationId xmlns:p14="http://schemas.microsoft.com/office/powerpoint/2010/main" val="3397866415"/>
+      </p:ext>
+    </p:extLst>
+  </p:cSld>
+  <p:clrMapOvr>
+    <a:masterClrMapping/>
+  </p:clrMapOvr>
+</p:notes>
+</file>
+
+<file path=ppt/notesSlides/notesSlide5.xml><?xml version="1.0" encoding="utf-8"?>
+<p:notes xmlns:a="http://schemas.openxmlformats.org/drawingml/2006/main" xmlns:r="http://schemas.openxmlformats.org/officeDocument/2006/relationships" xmlns:p="http://schemas.openxmlformats.org/presentationml/2006/main">
+  <p:cSld>
+    <p:spTree>
+      <p:nvGrpSpPr>
+        <p:cNvPr id="1" name=""/>
+        <p:cNvGrpSpPr/>
+        <p:nvPr/>
+      </p:nvGrpSpPr>
+      <p:grpSpPr>
+        <a:xfrm>
+          <a:off x="0" y="0"/>
+          <a:ext cx="0" cy="0"/>
+          <a:chOff x="0" y="0"/>
+          <a:chExt cx="0" cy="0"/>
+        </a:xfrm>
+      </p:grpSpPr>
+      <p:sp>
+        <p:nvSpPr>
+          <p:cNvPr id="2" name="Folienbildplatzhalter 1"/>
+          <p:cNvSpPr>
+            <a:spLocks noGrp="1" noRot="1" noChangeAspect="1"/>
+          </p:cNvSpPr>
+          <p:nvPr>
+            <p:ph type="sldImg"/>
+          </p:nvPr>
+        </p:nvSpPr>
+        <p:spPr/>
+      </p:sp>
+      <p:sp>
+        <p:nvSpPr>
+          <p:cNvPr id="3" name="Notizenplatzhalter 2"/>
+          <p:cNvSpPr>
+            <a:spLocks noGrp="1"/>
+          </p:cNvSpPr>
+          <p:nvPr>
+            <p:ph type="body" idx="1"/>
+          </p:nvPr>
+        </p:nvSpPr>
+        <p:spPr/>
+        <p:txBody>
+          <a:bodyPr/>
+          <a:lstStyle/>
+          <a:p>
+            <a:r>
+              <a:rPr lang="de-DE" dirty="0"/>
+              <a:t>Sensordaten über IBC anfordern</a:t>
+            </a:r>
+          </a:p>
+          <a:p>
+            <a:r>
+              <a:rPr lang="de-DE" dirty="0"/>
+              <a:t>Sensordaten auslesen</a:t>
+            </a:r>
+          </a:p>
+          <a:p>
+            <a:r>
+              <a:rPr lang="de-DE" dirty="0"/>
+              <a:t>Sensordaten in GUI anzeigen</a:t>
+            </a:r>
+          </a:p>
+          <a:p>
+            <a:r>
+              <a:rPr lang="de-DE" dirty="0"/>
+              <a:t>Sensordaten in die entsprechende </a:t>
+            </a:r>
+            <a:r>
+              <a:rPr lang="de-DE"/>
+              <a:t>Textdatei schreiben</a:t>
+            </a:r>
+          </a:p>
+        </p:txBody>
+      </p:sp>
+      <p:sp>
+        <p:nvSpPr>
+          <p:cNvPr id="4" name="Foliennummernplatzhalter 3"/>
+          <p:cNvSpPr>
+            <a:spLocks noGrp="1"/>
+          </p:cNvSpPr>
+          <p:nvPr>
+            <p:ph type="sldNum" sz="quarter" idx="10"/>
+          </p:nvPr>
+        </p:nvSpPr>
+        <p:spPr/>
+        <p:txBody>
+          <a:bodyPr/>
+          <a:lstStyle/>
+          <a:p>
+            <a:fld id="{B88642E4-BB48-400A-ABBD-2D60BB3E5194}" type="slidenum">
+              <a:rPr lang="de-DE" smtClean="0"/>
+              <a:t>10</a:t>
+            </a:fld>
+            <a:endParaRPr lang="de-DE"/>
+          </a:p>
+        </p:txBody>
+      </p:sp>
+    </p:spTree>
+    <p:extLst>
+      <p:ext uri="{BB962C8B-B14F-4D97-AF65-F5344CB8AC3E}">
+        <p14:creationId xmlns:p14="http://schemas.microsoft.com/office/powerpoint/2010/main" val="3410681506"/>
       </p:ext>
     </p:extLst>
   </p:cSld>
@@ -14581,34 +19007,38 @@
           <a:chExt cx="0" cy="0"/>
         </a:xfrm>
       </p:grpSpPr>
-      <p:sp>
-        <p:nvSpPr>
-          <p:cNvPr id="2" name="Inhaltsplatzhalter 1">
+      <p:pic>
+        <p:nvPicPr>
+          <p:cNvPr id="5" name="Inhaltsplatzhalter 4">
             <a:extLst>
               <a:ext uri="{FF2B5EF4-FFF2-40B4-BE49-F238E27FC236}">
-                <a16:creationId xmlns:a16="http://schemas.microsoft.com/office/drawing/2014/main" id="{E921673F-910A-455F-8D4B-66DEC9F7CAB0}"/>
+                <a16:creationId xmlns:a16="http://schemas.microsoft.com/office/drawing/2014/main" id="{77E157C5-CFA2-483E-AF48-9C9CA8C6E303}"/>
               </a:ext>
             </a:extLst>
           </p:cNvPr>
-          <p:cNvSpPr>
-            <a:spLocks noGrp="1"/>
-          </p:cNvSpPr>
+          <p:cNvPicPr>
+            <a:picLocks noGrp="1" noChangeAspect="1"/>
+          </p:cNvPicPr>
           <p:nvPr>
             <p:ph idx="1"/>
           </p:nvPr>
-        </p:nvSpPr>
-        <p:spPr/>
-        <p:txBody>
-          <a:bodyPr/>
-          <a:lstStyle/>
-          <a:p>
-            <a:r>
-              <a:rPr lang="de-DE" dirty="0"/>
-              <a:t>TODO: Screenshot mit Werten, Wegschreiben der Daten</a:t>
-            </a:r>
-          </a:p>
-        </p:txBody>
-      </p:sp>
+        </p:nvPicPr>
+        <p:blipFill>
+          <a:blip r:embed="rId3"/>
+          <a:stretch>
+            <a:fillRect/>
+          </a:stretch>
+        </p:blipFill>
+        <p:spPr>
+          <a:xfrm>
+            <a:off x="456655" y="2295525"/>
+            <a:ext cx="3038475" cy="2266950"/>
+          </a:xfrm>
+          <a:prstGeom prst="rect">
+            <a:avLst/>
+          </a:prstGeom>
+        </p:spPr>
+      </p:pic>
       <p:sp>
         <p:nvSpPr>
           <p:cNvPr id="3" name="Inhaltsplatzhalter 2">
@@ -14653,7 +19083,12 @@
             <p:ph type="ftr" sz="quarter" idx="3"/>
           </p:nvPr>
         </p:nvSpPr>
-        <p:spPr/>
+        <p:spPr>
+          <a:xfrm>
+            <a:off x="0" y="6369777"/>
+            <a:ext cx="9122118" cy="501649"/>
+          </a:xfrm>
+        </p:spPr>
         <p:txBody>
           <a:bodyPr/>
           <a:lstStyle/>
@@ -14666,122 +19101,38 @@
           </a:p>
         </p:txBody>
       </p:sp>
+      <p:graphicFrame>
+        <p:nvGraphicFramePr>
+          <p:cNvPr id="6" name="Diagramm 5">
+            <a:extLst>
+              <a:ext uri="{FF2B5EF4-FFF2-40B4-BE49-F238E27FC236}">
+                <a16:creationId xmlns:a16="http://schemas.microsoft.com/office/drawing/2014/main" id="{F15DDE6C-B079-44F8-8CBB-3C5615BC8F1F}"/>
+              </a:ext>
+            </a:extLst>
+          </p:cNvPr>
+          <p:cNvGraphicFramePr/>
+          <p:nvPr>
+            <p:extLst>
+              <p:ext uri="{D42A27DB-BD31-4B8C-83A1-F6EECF244321}">
+                <p14:modId xmlns:p14="http://schemas.microsoft.com/office/powerpoint/2010/main" val="2387637128"/>
+              </p:ext>
+            </p:extLst>
+          </p:nvPr>
+        </p:nvGraphicFramePr>
+        <p:xfrm>
+          <a:off x="3875757" y="1532798"/>
+          <a:ext cx="4910740" cy="3792404"/>
+        </p:xfrm>
+        <a:graphic>
+          <a:graphicData uri="http://schemas.openxmlformats.org/drawingml/2006/diagram">
+            <dgm:relIds xmlns:dgm="http://schemas.openxmlformats.org/drawingml/2006/diagram" xmlns:r="http://schemas.openxmlformats.org/officeDocument/2006/relationships" r:dm="rId4" r:lo="rId5" r:qs="rId6" r:cs="rId7"/>
+          </a:graphicData>
+        </a:graphic>
+      </p:graphicFrame>
     </p:spTree>
     <p:extLst>
       <p:ext uri="{BB962C8B-B14F-4D97-AF65-F5344CB8AC3E}">
         <p14:creationId xmlns:p14="http://schemas.microsoft.com/office/powerpoint/2010/main" val="4149303702"/>
-      </p:ext>
-    </p:extLst>
-  </p:cSld>
-  <p:clrMapOvr>
-    <a:masterClrMapping/>
-  </p:clrMapOvr>
-</p:sld>
-</file>
-
-<file path=ppt/slides/slide11.xml><?xml version="1.0" encoding="utf-8"?>
-<p:sld xmlns:a="http://schemas.openxmlformats.org/drawingml/2006/main" xmlns:r="http://schemas.openxmlformats.org/officeDocument/2006/relationships" xmlns:p="http://schemas.openxmlformats.org/presentationml/2006/main">
-  <p:cSld>
-    <p:spTree>
-      <p:nvGrpSpPr>
-        <p:cNvPr id="1" name=""/>
-        <p:cNvGrpSpPr/>
-        <p:nvPr/>
-      </p:nvGrpSpPr>
-      <p:grpSpPr>
-        <a:xfrm>
-          <a:off x="0" y="0"/>
-          <a:ext cx="0" cy="0"/>
-          <a:chOff x="0" y="0"/>
-          <a:chExt cx="0" cy="0"/>
-        </a:xfrm>
-      </p:grpSpPr>
-      <p:sp>
-        <p:nvSpPr>
-          <p:cNvPr id="2" name="Inhaltsplatzhalter 1">
-            <a:extLst>
-              <a:ext uri="{FF2B5EF4-FFF2-40B4-BE49-F238E27FC236}">
-                <a16:creationId xmlns:a16="http://schemas.microsoft.com/office/drawing/2014/main" id="{B8AA4F43-A06D-496A-A25C-258F139D024D}"/>
-              </a:ext>
-            </a:extLst>
-          </p:cNvPr>
-          <p:cNvSpPr>
-            <a:spLocks noGrp="1"/>
-          </p:cNvSpPr>
-          <p:nvPr>
-            <p:ph idx="1"/>
-          </p:nvPr>
-        </p:nvSpPr>
-        <p:spPr/>
-        <p:txBody>
-          <a:bodyPr/>
-          <a:lstStyle/>
-          <a:p>
-            <a:endParaRPr lang="de-DE" dirty="0"/>
-          </a:p>
-        </p:txBody>
-      </p:sp>
-      <p:sp>
-        <p:nvSpPr>
-          <p:cNvPr id="3" name="Inhaltsplatzhalter 2">
-            <a:extLst>
-              <a:ext uri="{FF2B5EF4-FFF2-40B4-BE49-F238E27FC236}">
-                <a16:creationId xmlns:a16="http://schemas.microsoft.com/office/drawing/2014/main" id="{CB7EA4FB-1FC0-4D61-AFA0-48522302E5A6}"/>
-              </a:ext>
-            </a:extLst>
-          </p:cNvPr>
-          <p:cNvSpPr>
-            <a:spLocks noGrp="1"/>
-          </p:cNvSpPr>
-          <p:nvPr>
-            <p:ph sz="quarter" idx="13"/>
-          </p:nvPr>
-        </p:nvSpPr>
-        <p:spPr/>
-        <p:txBody>
-          <a:bodyPr/>
-          <a:lstStyle/>
-          <a:p>
-            <a:r>
-              <a:rPr lang="de-DE" dirty="0"/>
-              <a:t>Sensorwerte wegschreiben</a:t>
-            </a:r>
-          </a:p>
-        </p:txBody>
-      </p:sp>
-      <p:sp>
-        <p:nvSpPr>
-          <p:cNvPr id="4" name="Fußzeilenplatzhalter 3">
-            <a:extLst>
-              <a:ext uri="{FF2B5EF4-FFF2-40B4-BE49-F238E27FC236}">
-                <a16:creationId xmlns:a16="http://schemas.microsoft.com/office/drawing/2014/main" id="{B00B12E4-4F3F-436E-B089-3C06C4708C9D}"/>
-              </a:ext>
-            </a:extLst>
-          </p:cNvPr>
-          <p:cNvSpPr>
-            <a:spLocks noGrp="1"/>
-          </p:cNvSpPr>
-          <p:nvPr>
-            <p:ph type="ftr" sz="quarter" idx="3"/>
-          </p:nvPr>
-        </p:nvSpPr>
-        <p:spPr/>
-        <p:txBody>
-          <a:bodyPr/>
-          <a:lstStyle/>
-          <a:p>
-            <a:r>
-              <a:rPr lang="de-DE"/>
-              <a:t>Datenverarbeitung in der Technik</a:t>
-            </a:r>
-            <a:endParaRPr lang="de-DE" dirty="0"/>
-          </a:p>
-        </p:txBody>
-      </p:sp>
-    </p:spTree>
-    <p:extLst>
-      <p:ext uri="{BB962C8B-B14F-4D97-AF65-F5344CB8AC3E}">
-        <p14:creationId xmlns:p14="http://schemas.microsoft.com/office/powerpoint/2010/main" val="1653311685"/>
       </p:ext>
     </p:extLst>
   </p:cSld>
